--- a/yang-manager/reports/YangArchi.pptx
+++ b/yang-manager/reports/YangArchi.pptx
@@ -5,7 +5,7 @@
     <p:sldMasterId id="2147483648" r:id="rId1"/>
   </p:sldMasterIdLst>
   <p:notesMasterIdLst>
-    <p:notesMasterId r:id="rId20"/>
+    <p:notesMasterId r:id="rId21"/>
   </p:notesMasterIdLst>
   <p:sldIdLst>
     <p:sldId id="265" r:id="rId2"/>
@@ -16,16 +16,17 @@
     <p:sldId id="257" r:id="rId7"/>
     <p:sldId id="269" r:id="rId8"/>
     <p:sldId id="275" r:id="rId9"/>
-    <p:sldId id="270" r:id="rId10"/>
-    <p:sldId id="274" r:id="rId11"/>
-    <p:sldId id="256" r:id="rId12"/>
-    <p:sldId id="258" r:id="rId13"/>
-    <p:sldId id="259" r:id="rId14"/>
-    <p:sldId id="260" r:id="rId15"/>
-    <p:sldId id="261" r:id="rId16"/>
-    <p:sldId id="262" r:id="rId17"/>
-    <p:sldId id="263" r:id="rId18"/>
-    <p:sldId id="268" r:id="rId19"/>
+    <p:sldId id="277" r:id="rId10"/>
+    <p:sldId id="270" r:id="rId11"/>
+    <p:sldId id="274" r:id="rId12"/>
+    <p:sldId id="256" r:id="rId13"/>
+    <p:sldId id="258" r:id="rId14"/>
+    <p:sldId id="259" r:id="rId15"/>
+    <p:sldId id="260" r:id="rId16"/>
+    <p:sldId id="261" r:id="rId17"/>
+    <p:sldId id="262" r:id="rId18"/>
+    <p:sldId id="263" r:id="rId19"/>
+    <p:sldId id="268" r:id="rId20"/>
   </p:sldIdLst>
   <p:sldSz cx="9906000" cy="6858000" type="A4"/>
   <p:notesSz cx="6858000" cy="9144000"/>
@@ -765,7 +766,7 @@
           </a:bodyPr>
           <a:lstStyle/>
           <a:p>
-            <a:endParaRPr lang="fr-FR"/>
+            <a:endParaRPr lang="en-US" dirty="0"/>
           </a:p>
         </p:txBody>
       </p:sp>
@@ -802,138 +803,6 @@
 </file>
 
 <file path=ppt/notesSlides/notesSlide11.xml><?xml version="1.0" encoding="utf-8"?>
-<p:notes xmlns:a="http://schemas.openxmlformats.org/drawingml/2006/main" xmlns:r="http://schemas.openxmlformats.org/officeDocument/2006/relationships" xmlns:mc="http://schemas.openxmlformats.org/markup-compatibility/2006" xmlns:mv="urn:schemas-microsoft-com:mac:vml" xmlns:p="http://schemas.openxmlformats.org/presentationml/2006/main" mc:Ignorable="mv" mc:PreserveAttributes="mv:*">
-  <p:cSld>
-    <p:spTree>
-      <p:nvGrpSpPr>
-        <p:cNvPr id="1" name=""/>
-        <p:cNvGrpSpPr/>
-        <p:nvPr/>
-      </p:nvGrpSpPr>
-      <p:grpSpPr>
-        <a:xfrm>
-          <a:off x="0" y="0"/>
-          <a:ext cx="0" cy="0"/>
-          <a:chOff x="0" y="0"/>
-          <a:chExt cx="0" cy="0"/>
-        </a:xfrm>
-      </p:grpSpPr>
-      <p:sp>
-        <p:nvSpPr>
-          <p:cNvPr id="2" name="Espace réservé de l'image des diapositives 1"/>
-          <p:cNvSpPr>
-            <a:spLocks noGrp="1" noRot="1" noChangeAspect="1"/>
-          </p:cNvSpPr>
-          <p:nvPr>
-            <p:ph type="sldImg"/>
-          </p:nvPr>
-        </p:nvSpPr>
-        <p:spPr>
-          <a:xfrm>
-            <a:off x="952500" y="685800"/>
-            <a:ext cx="4953000" cy="3429000"/>
-          </a:xfrm>
-        </p:spPr>
-      </p:sp>
-      <p:sp>
-        <p:nvSpPr>
-          <p:cNvPr id="3" name="Espace réservé des commentaires 2"/>
-          <p:cNvSpPr>
-            <a:spLocks noGrp="1"/>
-          </p:cNvSpPr>
-          <p:nvPr>
-            <p:ph type="body" idx="1"/>
-          </p:nvPr>
-        </p:nvSpPr>
-        <p:spPr/>
-        <p:txBody>
-          <a:bodyPr>
-            <a:normAutofit/>
-          </a:bodyPr>
-          <a:lstStyle/>
-          <a:p>
-            <a:r>
-              <a:rPr lang="en-US" sz="1200" u="none" noProof="0" dirty="0" smtClean="0">
-                <a:latin typeface="Times New Roman"/>
-                <a:cs typeface="Times New Roman"/>
-              </a:rPr>
-              <a:t>Our </a:t>
-            </a:r>
-            <a:r>
-              <a:rPr lang="en-US" sz="1200" u="none" noProof="0" dirty="0" err="1" smtClean="0">
-                <a:latin typeface="Times New Roman"/>
-                <a:cs typeface="Times New Roman"/>
-              </a:rPr>
-              <a:t>testbed</a:t>
-            </a:r>
-            <a:r>
-              <a:rPr lang="en-US" sz="1200" u="none" noProof="0" dirty="0" smtClean="0">
-                <a:latin typeface="Times New Roman"/>
-                <a:cs typeface="Times New Roman"/>
-              </a:rPr>
-              <a:t> is made of one or more NETCONF agent implementation provided by the ENSUITE</a:t>
-            </a:r>
-            <a:r>
-              <a:rPr lang="en-US" sz="1200" u="none" baseline="0" noProof="0" dirty="0" smtClean="0">
-                <a:latin typeface="Times New Roman"/>
-                <a:cs typeface="Times New Roman"/>
-              </a:rPr>
-              <a:t> framework. These agents run on wireless routers interconnected by a mesh network with an ad-hoc multi hop mode and allow the configuration of the OLSR protocol that maintains a consistent and </a:t>
-            </a:r>
-            <a:r>
-              <a:rPr lang="en-US" sz="1200" u="none" baseline="0" noProof="0" dirty="0" err="1" smtClean="0">
-                <a:latin typeface="Times New Roman"/>
-                <a:cs typeface="Times New Roman"/>
-              </a:rPr>
-              <a:t>evoluting</a:t>
-            </a:r>
-            <a:r>
-              <a:rPr lang="en-US" sz="1200" u="none" baseline="0" noProof="0" dirty="0" smtClean="0">
-                <a:latin typeface="Times New Roman"/>
-                <a:cs typeface="Times New Roman"/>
-              </a:rPr>
-              <a:t> routing plane. Each router has two wireless interfaces where one is dedicated to user sub-network access-point and the other to communicate with other routers of the mesh.</a:t>
-            </a:r>
-            <a:endParaRPr lang="en-US" sz="1200" u="none" noProof="0" dirty="0">
-              <a:latin typeface="Times New Roman"/>
-              <a:cs typeface="Times New Roman"/>
-            </a:endParaRPr>
-          </a:p>
-        </p:txBody>
-      </p:sp>
-      <p:sp>
-        <p:nvSpPr>
-          <p:cNvPr id="4" name="Espace réservé du numéro de diapositive 3"/>
-          <p:cNvSpPr>
-            <a:spLocks noGrp="1"/>
-          </p:cNvSpPr>
-          <p:nvPr>
-            <p:ph type="sldNum" sz="quarter" idx="10"/>
-          </p:nvPr>
-        </p:nvSpPr>
-        <p:spPr/>
-        <p:txBody>
-          <a:bodyPr/>
-          <a:lstStyle/>
-          <a:p>
-            <a:fld id="{0D53C036-F298-5846-9230-2A5F79BDA800}" type="slidenum">
-              <a:rPr lang="fr-FR" smtClean="0"/>
-              <a:pPr/>
-              <a:t>11</a:t>
-            </a:fld>
-            <a:endParaRPr lang="fr-FR"/>
-          </a:p>
-        </p:txBody>
-      </p:sp>
-    </p:spTree>
-  </p:cSld>
-  <p:clrMapOvr>
-    <a:masterClrMapping/>
-  </p:clrMapOvr>
-</p:notes>
-</file>
-
-<file path=ppt/notesSlides/notesSlide12.xml><?xml version="1.0" encoding="utf-8"?>
 <p:notes xmlns:a="http://schemas.openxmlformats.org/drawingml/2006/main" xmlns:r="http://schemas.openxmlformats.org/officeDocument/2006/relationships" xmlns:mc="http://schemas.openxmlformats.org/markup-compatibility/2006" xmlns:mv="urn:schemas-microsoft-com:mac:vml" xmlns:p="http://schemas.openxmlformats.org/presentationml/2006/main" mc:Ignorable="mv" mc:PreserveAttributes="mv:*">
   <p:cSld>
     <p:spTree>
@@ -980,6 +849,138 @@
           <a:lstStyle/>
           <a:p>
             <a:endParaRPr lang="fr-FR"/>
+          </a:p>
+        </p:txBody>
+      </p:sp>
+      <p:sp>
+        <p:nvSpPr>
+          <p:cNvPr id="4" name="Espace réservé du numéro de diapositive 3"/>
+          <p:cNvSpPr>
+            <a:spLocks noGrp="1"/>
+          </p:cNvSpPr>
+          <p:nvPr>
+            <p:ph type="sldNum" sz="quarter" idx="10"/>
+          </p:nvPr>
+        </p:nvSpPr>
+        <p:spPr/>
+        <p:txBody>
+          <a:bodyPr/>
+          <a:lstStyle/>
+          <a:p>
+            <a:fld id="{0D53C036-F298-5846-9230-2A5F79BDA800}" type="slidenum">
+              <a:rPr lang="fr-FR" smtClean="0"/>
+              <a:pPr/>
+              <a:t>11</a:t>
+            </a:fld>
+            <a:endParaRPr lang="fr-FR"/>
+          </a:p>
+        </p:txBody>
+      </p:sp>
+    </p:spTree>
+  </p:cSld>
+  <p:clrMapOvr>
+    <a:masterClrMapping/>
+  </p:clrMapOvr>
+</p:notes>
+</file>
+
+<file path=ppt/notesSlides/notesSlide12.xml><?xml version="1.0" encoding="utf-8"?>
+<p:notes xmlns:a="http://schemas.openxmlformats.org/drawingml/2006/main" xmlns:r="http://schemas.openxmlformats.org/officeDocument/2006/relationships" xmlns:mc="http://schemas.openxmlformats.org/markup-compatibility/2006" xmlns:mv="urn:schemas-microsoft-com:mac:vml" xmlns:p="http://schemas.openxmlformats.org/presentationml/2006/main" mc:Ignorable="mv" mc:PreserveAttributes="mv:*">
+  <p:cSld>
+    <p:spTree>
+      <p:nvGrpSpPr>
+        <p:cNvPr id="1" name=""/>
+        <p:cNvGrpSpPr/>
+        <p:nvPr/>
+      </p:nvGrpSpPr>
+      <p:grpSpPr>
+        <a:xfrm>
+          <a:off x="0" y="0"/>
+          <a:ext cx="0" cy="0"/>
+          <a:chOff x="0" y="0"/>
+          <a:chExt cx="0" cy="0"/>
+        </a:xfrm>
+      </p:grpSpPr>
+      <p:sp>
+        <p:nvSpPr>
+          <p:cNvPr id="2" name="Espace réservé de l'image des diapositives 1"/>
+          <p:cNvSpPr>
+            <a:spLocks noGrp="1" noRot="1" noChangeAspect="1"/>
+          </p:cNvSpPr>
+          <p:nvPr>
+            <p:ph type="sldImg"/>
+          </p:nvPr>
+        </p:nvSpPr>
+        <p:spPr>
+          <a:xfrm>
+            <a:off x="952500" y="685800"/>
+            <a:ext cx="4953000" cy="3429000"/>
+          </a:xfrm>
+        </p:spPr>
+      </p:sp>
+      <p:sp>
+        <p:nvSpPr>
+          <p:cNvPr id="3" name="Espace réservé des commentaires 2"/>
+          <p:cNvSpPr>
+            <a:spLocks noGrp="1"/>
+          </p:cNvSpPr>
+          <p:nvPr>
+            <p:ph type="body" idx="1"/>
+          </p:nvPr>
+        </p:nvSpPr>
+        <p:spPr/>
+        <p:txBody>
+          <a:bodyPr>
+            <a:normAutofit/>
+          </a:bodyPr>
+          <a:lstStyle/>
+          <a:p>
+            <a:r>
+              <a:rPr lang="en-US" sz="1200" u="none" noProof="0" dirty="0" smtClean="0">
+                <a:latin typeface="Times New Roman"/>
+                <a:cs typeface="Times New Roman"/>
+              </a:rPr>
+              <a:t>Our </a:t>
+            </a:r>
+            <a:r>
+              <a:rPr lang="en-US" sz="1200" u="none" noProof="0" dirty="0" err="1" smtClean="0">
+                <a:latin typeface="Times New Roman"/>
+                <a:cs typeface="Times New Roman"/>
+              </a:rPr>
+              <a:t>testbed</a:t>
+            </a:r>
+            <a:r>
+              <a:rPr lang="en-US" sz="1200" u="none" noProof="0" dirty="0" smtClean="0">
+                <a:latin typeface="Times New Roman"/>
+                <a:cs typeface="Times New Roman"/>
+              </a:rPr>
+              <a:t> is made of one or more NETCONF agent implementation provided by the ENSUITE</a:t>
+            </a:r>
+            <a:r>
+              <a:rPr lang="en-US" sz="1200" u="none" baseline="0" noProof="0" dirty="0" smtClean="0">
+                <a:latin typeface="Times New Roman"/>
+                <a:cs typeface="Times New Roman"/>
+              </a:rPr>
+              <a:t> framework. These agents run on wireless routers interconnected by a mesh network with an ad-hoc multi hop mode and allow the configuration of the OLSR protocol that maintains a consistent and </a:t>
+            </a:r>
+            <a:r>
+              <a:rPr lang="en-US" sz="1200" u="none" baseline="0" noProof="0" dirty="0" err="1" smtClean="0">
+                <a:latin typeface="Times New Roman"/>
+                <a:cs typeface="Times New Roman"/>
+              </a:rPr>
+              <a:t>evoluting</a:t>
+            </a:r>
+            <a:r>
+              <a:rPr lang="en-US" sz="1200" u="none" baseline="0" noProof="0" dirty="0" smtClean="0">
+                <a:latin typeface="Times New Roman"/>
+                <a:cs typeface="Times New Roman"/>
+              </a:rPr>
+              <a:t> routing plane. Each router has two wireless interfaces where one is dedicated to user sub-network access-point and the other to communicate with other routers of the mesh.</a:t>
+            </a:r>
+            <a:endParaRPr lang="en-US" sz="1200" u="none" noProof="0" dirty="0">
+              <a:latin typeface="Times New Roman"/>
+              <a:cs typeface="Times New Roman"/>
+            </a:endParaRPr>
           </a:p>
         </p:txBody>
       </p:sp>
@@ -1471,6 +1472,88 @@
           </a:bodyPr>
           <a:lstStyle/>
           <a:p>
+            <a:endParaRPr lang="fr-FR"/>
+          </a:p>
+        </p:txBody>
+      </p:sp>
+      <p:sp>
+        <p:nvSpPr>
+          <p:cNvPr id="4" name="Espace réservé du numéro de diapositive 3"/>
+          <p:cNvSpPr>
+            <a:spLocks noGrp="1"/>
+          </p:cNvSpPr>
+          <p:nvPr>
+            <p:ph type="sldNum" sz="quarter" idx="10"/>
+          </p:nvPr>
+        </p:nvSpPr>
+        <p:spPr/>
+        <p:txBody>
+          <a:bodyPr/>
+          <a:lstStyle/>
+          <a:p>
+            <a:fld id="{0D53C036-F298-5846-9230-2A5F79BDA800}" type="slidenum">
+              <a:rPr lang="fr-FR" smtClean="0"/>
+              <a:pPr/>
+              <a:t>18</a:t>
+            </a:fld>
+            <a:endParaRPr lang="fr-FR"/>
+          </a:p>
+        </p:txBody>
+      </p:sp>
+    </p:spTree>
+  </p:cSld>
+  <p:clrMapOvr>
+    <a:masterClrMapping/>
+  </p:clrMapOvr>
+</p:notes>
+</file>
+
+<file path=ppt/notesSlides/notesSlide19.xml><?xml version="1.0" encoding="utf-8"?>
+<p:notes xmlns:a="http://schemas.openxmlformats.org/drawingml/2006/main" xmlns:r="http://schemas.openxmlformats.org/officeDocument/2006/relationships" xmlns:mc="http://schemas.openxmlformats.org/markup-compatibility/2006" xmlns:mv="urn:schemas-microsoft-com:mac:vml" xmlns:p="http://schemas.openxmlformats.org/presentationml/2006/main" mc:Ignorable="mv" mc:PreserveAttributes="mv:*">
+  <p:cSld>
+    <p:spTree>
+      <p:nvGrpSpPr>
+        <p:cNvPr id="1" name=""/>
+        <p:cNvGrpSpPr/>
+        <p:nvPr/>
+      </p:nvGrpSpPr>
+      <p:grpSpPr>
+        <a:xfrm>
+          <a:off x="0" y="0"/>
+          <a:ext cx="0" cy="0"/>
+          <a:chOff x="0" y="0"/>
+          <a:chExt cx="0" cy="0"/>
+        </a:xfrm>
+      </p:grpSpPr>
+      <p:sp>
+        <p:nvSpPr>
+          <p:cNvPr id="2" name="Espace réservé de l'image des diapositives 1"/>
+          <p:cNvSpPr>
+            <a:spLocks noGrp="1" noRot="1" noChangeAspect="1"/>
+          </p:cNvSpPr>
+          <p:nvPr>
+            <p:ph type="sldImg"/>
+          </p:nvPr>
+        </p:nvSpPr>
+        <p:spPr/>
+      </p:sp>
+      <p:sp>
+        <p:nvSpPr>
+          <p:cNvPr id="3" name="Espace réservé des commentaires 2"/>
+          <p:cNvSpPr>
+            <a:spLocks noGrp="1"/>
+          </p:cNvSpPr>
+          <p:nvPr>
+            <p:ph type="body" idx="1"/>
+          </p:nvPr>
+        </p:nvSpPr>
+        <p:spPr/>
+        <p:txBody>
+          <a:bodyPr>
+            <a:normAutofit/>
+          </a:bodyPr>
+          <a:lstStyle/>
+          <a:p>
             <a:pPr algn="just"/>
             <a:r>
               <a:rPr lang="en-US" sz="1200" noProof="0" dirty="0" smtClean="0">
@@ -1654,7 +1737,7 @@
             <a:fld id="{0D53C036-F298-5846-9230-2A5F79BDA800}" type="slidenum">
               <a:rPr lang="fr-FR" smtClean="0"/>
               <a:pPr/>
-              <a:t>18</a:t>
+              <a:t>19</a:t>
             </a:fld>
             <a:endParaRPr lang="fr-FR"/>
           </a:p>
@@ -4300,6 +4383,7 @@
           </a:bodyPr>
           <a:lstStyle/>
           <a:p>
+            <a:pPr algn="just"/>
             <a:r>
               <a:rPr lang="en-US" sz="1000" dirty="0" smtClean="0">
                 <a:latin typeface="Times New Roman"/>
@@ -4533,12 +4617,14 @@
             </a:r>
           </a:p>
           <a:p>
+            <a:pPr algn="just"/>
             <a:endParaRPr lang="en-US" sz="1000" baseline="0" dirty="0" smtClean="0">
               <a:latin typeface="Times New Roman"/>
               <a:cs typeface="Times New Roman"/>
             </a:endParaRPr>
           </a:p>
           <a:p>
+            <a:pPr algn="just"/>
             <a:r>
               <a:rPr lang="en-US" sz="1000" baseline="0" dirty="0" smtClean="0">
                 <a:latin typeface="Times New Roman"/>
@@ -4694,6 +4780,7 @@
           </a:bodyPr>
           <a:lstStyle/>
           <a:p>
+            <a:pPr algn="just"/>
             <a:r>
               <a:rPr lang="en-US" sz="1000" noProof="0" dirty="0" smtClean="0">
                 <a:latin typeface="Times New Roman"/>
@@ -4776,16 +4863,74 @@
                 <a:latin typeface="Times New Roman"/>
                 <a:cs typeface="Times New Roman"/>
               </a:rPr>
-              <a:t>.</a:t>
-            </a:r>
-          </a:p>
-          <a:p>
+              <a:t>. To finalize the request the applet build an HTTP POST request and put the xml </a:t>
+            </a:r>
+            <a:r>
+              <a:rPr lang="en-US" sz="1000" baseline="0" noProof="0" dirty="0" err="1" smtClean="0">
+                <a:latin typeface="Times New Roman"/>
+                <a:cs typeface="Times New Roman"/>
+              </a:rPr>
+              <a:t>subtree</a:t>
+            </a:r>
+            <a:r>
+              <a:rPr lang="en-US" sz="1000" baseline="0" noProof="0" dirty="0" smtClean="0">
+                <a:latin typeface="Times New Roman"/>
+                <a:cs typeface="Times New Roman"/>
+              </a:rPr>
+              <a:t> in the body part. A specific header called “operation” is used to specify which </a:t>
+            </a:r>
+            <a:r>
+              <a:rPr lang="en-US" sz="1000" baseline="0" noProof="0" dirty="0" err="1" smtClean="0">
+                <a:latin typeface="Times New Roman"/>
+                <a:cs typeface="Times New Roman"/>
+              </a:rPr>
+              <a:t>Netconf</a:t>
+            </a:r>
+            <a:r>
+              <a:rPr lang="en-US" sz="1000" baseline="0" noProof="0" dirty="0" smtClean="0">
+                <a:latin typeface="Times New Roman"/>
+                <a:cs typeface="Times New Roman"/>
+              </a:rPr>
+              <a:t> operation must be done to the server (get, get-</a:t>
+            </a:r>
+            <a:r>
+              <a:rPr lang="en-US" sz="1000" baseline="0" noProof="0" dirty="0" err="1" smtClean="0">
+                <a:latin typeface="Times New Roman"/>
+                <a:cs typeface="Times New Roman"/>
+              </a:rPr>
+              <a:t>config</a:t>
+            </a:r>
+            <a:r>
+              <a:rPr lang="en-US" sz="1000" baseline="0" noProof="0" dirty="0" smtClean="0">
+                <a:latin typeface="Times New Roman"/>
+                <a:cs typeface="Times New Roman"/>
+              </a:rPr>
+              <a:t> or edit-</a:t>
+            </a:r>
+            <a:r>
+              <a:rPr lang="en-US" sz="1000" baseline="0" noProof="0" dirty="0" err="1" smtClean="0">
+                <a:latin typeface="Times New Roman"/>
+                <a:cs typeface="Times New Roman"/>
+              </a:rPr>
+              <a:t>config</a:t>
+            </a:r>
+            <a:r>
+              <a:rPr lang="en-US" sz="1000" baseline="0" noProof="0" dirty="0" smtClean="0">
+                <a:latin typeface="Times New Roman"/>
+                <a:cs typeface="Times New Roman"/>
+              </a:rPr>
+              <a:t>).</a:t>
+            </a:r>
+          </a:p>
+          <a:p>
+            <a:pPr algn="just"/>
             <a:endParaRPr lang="en-US" sz="1000" baseline="0" noProof="0" dirty="0" smtClean="0">
               <a:latin typeface="Times New Roman"/>
               <a:cs typeface="Times New Roman"/>
             </a:endParaRPr>
           </a:p>
           <a:p>
+            <a:pPr algn="just"/>
             <a:r>
               <a:rPr lang="en-US" sz="1000" baseline="0" noProof="0" dirty="0" smtClean="0">
                 <a:latin typeface="Times New Roman"/>
@@ -4819,7 +4964,7 @@
                 <a:latin typeface="Times New Roman"/>
                 <a:cs typeface="Times New Roman"/>
               </a:rPr>
-              <a:t> and filter mechanisms to surround the xml document received and build a valid </a:t>
+              <a:t> and filter mechanisms to surround the xml document received and send a valid </a:t>
             </a:r>
             <a:r>
               <a:rPr lang="en-US" sz="1000" baseline="0" noProof="0" dirty="0" err="1" smtClean="0">
@@ -4829,16 +4974,110 @@
               <a:t>Netconf</a:t>
             </a:r>
             <a:r>
-              <a:rPr lang="en-US" sz="1000" baseline="0" noProof="0" smtClean="0">
-                <a:latin typeface="Times New Roman"/>
-                <a:cs typeface="Times New Roman"/>
-              </a:rPr>
-              <a:t> request.</a:t>
-            </a:r>
-            <a:endParaRPr lang="en-US" sz="1000" noProof="0" dirty="0">
-              <a:latin typeface="Times New Roman"/>
-              <a:cs typeface="Times New Roman"/>
-            </a:endParaRPr>
+              <a:rPr lang="en-US" sz="1000" baseline="0" noProof="0" dirty="0" smtClean="0">
+                <a:latin typeface="Times New Roman"/>
+                <a:cs typeface="Times New Roman"/>
+              </a:rPr>
+              <a:t> request. From this step we are independent of any YANG concern because we are in a full </a:t>
+            </a:r>
+            <a:r>
+              <a:rPr lang="en-US" sz="1000" baseline="0" noProof="0" dirty="0" err="1" smtClean="0">
+                <a:latin typeface="Times New Roman"/>
+                <a:cs typeface="Times New Roman"/>
+              </a:rPr>
+              <a:t>Netconf</a:t>
+            </a:r>
+            <a:r>
+              <a:rPr lang="en-US" sz="1000" baseline="0" noProof="0" dirty="0" smtClean="0">
+                <a:latin typeface="Times New Roman"/>
+                <a:cs typeface="Times New Roman"/>
+              </a:rPr>
+              <a:t> session. So the reply is send by the </a:t>
+            </a:r>
+            <a:r>
+              <a:rPr lang="en-US" sz="1000" baseline="0" noProof="0" dirty="0" err="1" smtClean="0">
+                <a:latin typeface="Times New Roman"/>
+                <a:cs typeface="Times New Roman"/>
+              </a:rPr>
+              <a:t>Netconf</a:t>
+            </a:r>
+            <a:r>
+              <a:rPr lang="en-US" sz="1000" baseline="0" noProof="0" dirty="0" smtClean="0">
+                <a:latin typeface="Times New Roman"/>
+                <a:cs typeface="Times New Roman"/>
+              </a:rPr>
+              <a:t> server to the </a:t>
+            </a:r>
+            <a:r>
+              <a:rPr lang="en-US" sz="1000" baseline="0" noProof="0" dirty="0" err="1" smtClean="0">
+                <a:latin typeface="Times New Roman"/>
+                <a:cs typeface="Times New Roman"/>
+              </a:rPr>
+              <a:t>YencaP</a:t>
+            </a:r>
+            <a:r>
+              <a:rPr lang="en-US" sz="1000" baseline="0" noProof="0" dirty="0" smtClean="0">
+                <a:latin typeface="Times New Roman"/>
+                <a:cs typeface="Times New Roman"/>
+              </a:rPr>
+              <a:t> Manager and this finish the </a:t>
+            </a:r>
+            <a:r>
+              <a:rPr lang="en-US" sz="1000" baseline="0" noProof="0" dirty="0" err="1" smtClean="0">
+                <a:latin typeface="Times New Roman"/>
+                <a:cs typeface="Times New Roman"/>
+              </a:rPr>
+              <a:t>Netconf</a:t>
+            </a:r>
+            <a:r>
+              <a:rPr lang="en-US" sz="1000" baseline="0" noProof="0" dirty="0" smtClean="0">
+                <a:latin typeface="Times New Roman"/>
+                <a:cs typeface="Times New Roman"/>
+              </a:rPr>
+              <a:t> operation. Following is simply a cleaning of </a:t>
+            </a:r>
+            <a:r>
+              <a:rPr lang="en-US" sz="1000" baseline="0" noProof="0" dirty="0" err="1" smtClean="0">
+                <a:latin typeface="Times New Roman"/>
+                <a:cs typeface="Times New Roman"/>
+              </a:rPr>
+              <a:t>Netconf</a:t>
+            </a:r>
+            <a:r>
+              <a:rPr lang="en-US" sz="1000" baseline="0" noProof="0" dirty="0" smtClean="0">
+                <a:latin typeface="Times New Roman"/>
+                <a:cs typeface="Times New Roman"/>
+              </a:rPr>
+              <a:t> XML data until the first node of the Data Store and its forwarding to the client applet that is waiting for the response. The figure shows in the right part of the Yang Browsing view where the response is displayed. The request is synchronous because even if one request contains several data (as is a request on a list with several entries) all of them are returned by one response. Note we have made our protocol synchronous on top of HTTP with several asynchronous requests. We plan allowing multiple selection for the same </a:t>
+            </a:r>
+            <a:r>
+              <a:rPr lang="en-US" sz="1000" baseline="0" noProof="0" dirty="0" err="1" smtClean="0">
+                <a:latin typeface="Times New Roman"/>
+                <a:cs typeface="Times New Roman"/>
+              </a:rPr>
+              <a:t>Netconf</a:t>
+            </a:r>
+            <a:r>
+              <a:rPr lang="en-US" sz="1000" baseline="0" noProof="0" dirty="0" smtClean="0">
+                <a:latin typeface="Times New Roman"/>
+                <a:cs typeface="Times New Roman"/>
+              </a:rPr>
+              <a:t> operation to give an access to the entire </a:t>
+            </a:r>
+            <a:r>
+              <a:rPr lang="en-US" sz="1000" baseline="0" noProof="0" dirty="0" err="1" smtClean="0">
+                <a:latin typeface="Times New Roman"/>
+                <a:cs typeface="Times New Roman"/>
+              </a:rPr>
+              <a:t>Netconf</a:t>
+            </a:r>
+            <a:r>
+              <a:rPr lang="en-US" sz="1000" baseline="0" noProof="0" dirty="0" smtClean="0">
+                <a:latin typeface="Times New Roman"/>
+                <a:cs typeface="Times New Roman"/>
+              </a:rPr>
+              <a:t> Data Store in one request.</a:t>
+            </a:r>
           </a:p>
         </p:txBody>
       </p:sp>
@@ -4920,7 +5159,132 @@
           </a:bodyPr>
           <a:lstStyle/>
           <a:p>
-            <a:endParaRPr lang="en-US" dirty="0"/>
+            <a:pPr algn="just"/>
+            <a:r>
+              <a:rPr lang="en-US" sz="1000" noProof="0" dirty="0" smtClean="0">
+                <a:latin typeface="Times New Roman"/>
+                <a:cs typeface="Times New Roman"/>
+              </a:rPr>
+              <a:t>We can conclude that we provide three contributions to the network</a:t>
+            </a:r>
+            <a:r>
+              <a:rPr lang="en-US" sz="1000" baseline="0" noProof="0" dirty="0" smtClean="0">
+                <a:latin typeface="Times New Roman"/>
+                <a:cs typeface="Times New Roman"/>
+              </a:rPr>
+              <a:t> configuration domain. First is a YANG parser and semantic checker very close to actual version of the draft definition of YANG. Indeed probably few work will be needed to be a standard compliant application. Second is twofold because we made ENSUITE YANG enable on the server and the client side. The server side was relatively easy to modify because we just add a capability announcement related to YANG module implemented by the server. We extend the client side that has now to accept such YANG announces from servers and must find, load and check the specifications documents announced. Then we have designed a java applet that is generic enough to accepts any YANG specification and display a graphical view of them. Moreover this graphical interface can be used to emulate </a:t>
+            </a:r>
+            <a:r>
+              <a:rPr lang="en-US" sz="1000" baseline="0" noProof="0" dirty="0" err="1" smtClean="0">
+                <a:latin typeface="Times New Roman"/>
+                <a:cs typeface="Times New Roman"/>
+              </a:rPr>
+              <a:t>Netconf</a:t>
+            </a:r>
+            <a:r>
+              <a:rPr lang="en-US" sz="1000" baseline="0" noProof="0" dirty="0" smtClean="0">
+                <a:latin typeface="Times New Roman"/>
+                <a:cs typeface="Times New Roman"/>
+              </a:rPr>
+              <a:t> operation on top of HTTPS. The security is end to end maintained.</a:t>
+            </a:r>
+          </a:p>
+          <a:p>
+            <a:pPr algn="just"/>
+            <a:endParaRPr lang="en-US" sz="1000" baseline="0" noProof="0" dirty="0" smtClean="0">
+              <a:latin typeface="Times New Roman"/>
+              <a:cs typeface="Times New Roman"/>
+            </a:endParaRPr>
+          </a:p>
+          <a:p>
+            <a:pPr algn="just"/>
+            <a:r>
+              <a:rPr lang="en-US" sz="1000" baseline="0" noProof="0" dirty="0" smtClean="0">
+                <a:latin typeface="Times New Roman"/>
+                <a:cs typeface="Times New Roman"/>
+              </a:rPr>
+              <a:t>Future work we plan is to extends </a:t>
+            </a:r>
+            <a:r>
+              <a:rPr lang="en-US" sz="1000" baseline="0" noProof="0" dirty="0" err="1" smtClean="0">
+                <a:latin typeface="Times New Roman"/>
+                <a:cs typeface="Times New Roman"/>
+              </a:rPr>
+              <a:t>YencaP</a:t>
+            </a:r>
+            <a:r>
+              <a:rPr lang="en-US" sz="1000" baseline="0" noProof="0" dirty="0" smtClean="0">
+                <a:latin typeface="Times New Roman"/>
+                <a:cs typeface="Times New Roman"/>
+              </a:rPr>
+              <a:t> to be a more YANG based </a:t>
+            </a:r>
+            <a:r>
+              <a:rPr lang="en-US" sz="1000" baseline="0" noProof="0" dirty="0" err="1" smtClean="0">
+                <a:latin typeface="Times New Roman"/>
+                <a:cs typeface="Times New Roman"/>
+              </a:rPr>
+              <a:t>Netconf</a:t>
+            </a:r>
+            <a:r>
+              <a:rPr lang="en-US" sz="1000" baseline="0" noProof="0" dirty="0" smtClean="0">
+                <a:latin typeface="Times New Roman"/>
+                <a:cs typeface="Times New Roman"/>
+              </a:rPr>
+              <a:t> server. We want to be able to generate some code from YANG specification or build a generic part to ensure the server maintains a Data Store that will match YANG data tree. The server has to be able to send notifications especially those defined in YANG and also have to be able to accept user defined operations as there is a YANG </a:t>
+            </a:r>
+            <a:r>
+              <a:rPr lang="en-US" sz="1000" baseline="0" noProof="0" dirty="0" err="1" smtClean="0">
+                <a:latin typeface="Times New Roman"/>
+                <a:cs typeface="Times New Roman"/>
+              </a:rPr>
+              <a:t>rpc</a:t>
+            </a:r>
+            <a:r>
+              <a:rPr lang="en-US" sz="1000" baseline="0" noProof="0" dirty="0" smtClean="0">
+                <a:latin typeface="Times New Roman"/>
+                <a:cs typeface="Times New Roman"/>
+              </a:rPr>
+              <a:t> statement to do this.</a:t>
+            </a:r>
+          </a:p>
+          <a:p>
+            <a:pPr algn="just"/>
+            <a:endParaRPr lang="en-US" sz="1000" baseline="0" noProof="0" dirty="0" smtClean="0">
+              <a:latin typeface="Times New Roman"/>
+              <a:cs typeface="Times New Roman"/>
+            </a:endParaRPr>
+          </a:p>
+          <a:p>
+            <a:pPr algn="just"/>
+            <a:r>
+              <a:rPr lang="en-US" sz="1000" baseline="0" noProof="0" dirty="0" smtClean="0">
+                <a:latin typeface="Times New Roman"/>
+                <a:cs typeface="Times New Roman"/>
+              </a:rPr>
+              <a:t>We are also interested by all YANG constraints one can specify. Default value, must and presence conditions, references between values, length or pattern matching are some examples of such constraints. If one can have a </a:t>
+            </a:r>
+            <a:r>
+              <a:rPr lang="en-US" sz="1000" baseline="0" noProof="0" dirty="0" err="1" smtClean="0">
+                <a:latin typeface="Times New Roman"/>
+                <a:cs typeface="Times New Roman"/>
+              </a:rPr>
+              <a:t>Netconf</a:t>
+            </a:r>
+            <a:r>
+              <a:rPr lang="en-US" sz="1000" baseline="0" noProof="0" dirty="0" smtClean="0">
+                <a:latin typeface="Times New Roman"/>
+                <a:cs typeface="Times New Roman"/>
+              </a:rPr>
+              <a:t> server with such knowledge this server will be enable to autonomously checks its configuration. At the client side the constraints can ensure the manager user do not make mistakes in its configuration operations.</a:t>
+            </a:r>
+          </a:p>
+          <a:p>
+            <a:pPr algn="just"/>
+            <a:endParaRPr lang="en-US" sz="1000" baseline="0" noProof="0" dirty="0" smtClean="0">
+              <a:latin typeface="Times New Roman"/>
+              <a:cs typeface="Times New Roman"/>
+            </a:endParaRPr>
           </a:p>
         </p:txBody>
       </p:sp>
@@ -7998,6 +8362,775 @@
           <a:chExt cx="0" cy="0"/>
         </a:xfrm>
       </p:grpSpPr>
+      <p:pic>
+        <p:nvPicPr>
+          <p:cNvPr id="12" name="Image 11" descr="workstation-Vista-256x256.png"/>
+          <p:cNvPicPr>
+            <a:picLocks noChangeAspect="1"/>
+          </p:cNvPicPr>
+          <p:nvPr/>
+        </p:nvPicPr>
+        <p:blipFill>
+          <a:blip r:embed="rId3"/>
+          <a:stretch>
+            <a:fillRect/>
+          </a:stretch>
+        </p:blipFill>
+        <p:spPr>
+          <a:xfrm flipH="1">
+            <a:off x="1219200" y="-228600"/>
+            <a:ext cx="1625769" cy="1778619"/>
+          </a:xfrm>
+          <a:prstGeom prst="rect">
+            <a:avLst/>
+          </a:prstGeom>
+        </p:spPr>
+      </p:pic>
+      <p:pic>
+        <p:nvPicPr>
+          <p:cNvPr id="13" name="Image 12" descr="black-server-128x128.png"/>
+          <p:cNvPicPr>
+            <a:picLocks noChangeAspect="1"/>
+          </p:cNvPicPr>
+          <p:nvPr/>
+        </p:nvPicPr>
+        <p:blipFill>
+          <a:blip r:embed="rId4"/>
+          <a:stretch>
+            <a:fillRect/>
+          </a:stretch>
+        </p:blipFill>
+        <p:spPr>
+          <a:xfrm flipH="1">
+            <a:off x="8077200" y="732705"/>
+            <a:ext cx="1089439" cy="1078809"/>
+          </a:xfrm>
+          <a:prstGeom prst="rect">
+            <a:avLst/>
+          </a:prstGeom>
+          <a:effectLst/>
+        </p:spPr>
+      </p:pic>
+      <p:sp>
+        <p:nvSpPr>
+          <p:cNvPr id="19" name="Rectangle 18"/>
+          <p:cNvSpPr/>
+          <p:nvPr/>
+        </p:nvSpPr>
+        <p:spPr>
+          <a:xfrm>
+            <a:off x="1826065" y="1811514"/>
+            <a:ext cx="759265" cy="277909"/>
+          </a:xfrm>
+          <a:prstGeom prst="rect">
+            <a:avLst/>
+          </a:prstGeom>
+        </p:spPr>
+        <p:style>
+          <a:lnRef idx="1">
+            <a:schemeClr val="accent1"/>
+          </a:lnRef>
+          <a:fillRef idx="3">
+            <a:schemeClr val="accent1"/>
+          </a:fillRef>
+          <a:effectRef idx="2">
+            <a:schemeClr val="accent1"/>
+          </a:effectRef>
+          <a:fontRef idx="minor">
+            <a:schemeClr val="lt1"/>
+          </a:fontRef>
+        </p:style>
+        <p:txBody>
+          <a:bodyPr rtlCol="0" anchor="ctr"/>
+          <a:lstStyle/>
+          <a:p>
+            <a:pPr algn="ctr"/>
+            <a:r>
+              <a:rPr lang="en-US" sz="1100" dirty="0" smtClean="0"/>
+              <a:t>NETCONF</a:t>
+            </a:r>
+            <a:endParaRPr lang="en-US" sz="1100" dirty="0"/>
+          </a:p>
+        </p:txBody>
+      </p:sp>
+      <p:sp>
+        <p:nvSpPr>
+          <p:cNvPr id="20" name="Rectangle 19"/>
+          <p:cNvSpPr/>
+          <p:nvPr/>
+        </p:nvSpPr>
+        <p:spPr>
+          <a:xfrm>
+            <a:off x="1827653" y="4495800"/>
+            <a:ext cx="759265" cy="277909"/>
+          </a:xfrm>
+          <a:prstGeom prst="rect">
+            <a:avLst/>
+          </a:prstGeom>
+        </p:spPr>
+        <p:style>
+          <a:lnRef idx="1">
+            <a:schemeClr val="accent1"/>
+          </a:lnRef>
+          <a:fillRef idx="3">
+            <a:schemeClr val="accent1"/>
+          </a:fillRef>
+          <a:effectRef idx="2">
+            <a:schemeClr val="accent1"/>
+          </a:effectRef>
+          <a:fontRef idx="minor">
+            <a:schemeClr val="lt1"/>
+          </a:fontRef>
+        </p:style>
+        <p:txBody>
+          <a:bodyPr rtlCol="0" anchor="ctr"/>
+          <a:lstStyle/>
+          <a:p>
+            <a:pPr algn="ctr"/>
+            <a:r>
+              <a:rPr lang="en-US" sz="1100" dirty="0" smtClean="0"/>
+              <a:t>YANG</a:t>
+            </a:r>
+            <a:endParaRPr lang="en-US" sz="1100" dirty="0"/>
+          </a:p>
+        </p:txBody>
+      </p:sp>
+      <p:sp>
+        <p:nvSpPr>
+          <p:cNvPr id="21" name="Rectangle 20"/>
+          <p:cNvSpPr/>
+          <p:nvPr/>
+        </p:nvSpPr>
+        <p:spPr>
+          <a:xfrm>
+            <a:off x="7317935" y="1811514"/>
+            <a:ext cx="759265" cy="277909"/>
+          </a:xfrm>
+          <a:prstGeom prst="rect">
+            <a:avLst/>
+          </a:prstGeom>
+        </p:spPr>
+        <p:style>
+          <a:lnRef idx="1">
+            <a:schemeClr val="accent1"/>
+          </a:lnRef>
+          <a:fillRef idx="3">
+            <a:schemeClr val="accent1"/>
+          </a:fillRef>
+          <a:effectRef idx="2">
+            <a:schemeClr val="accent1"/>
+          </a:effectRef>
+          <a:fontRef idx="minor">
+            <a:schemeClr val="lt1"/>
+          </a:fontRef>
+        </p:style>
+        <p:txBody>
+          <a:bodyPr rtlCol="0" anchor="ctr"/>
+          <a:lstStyle/>
+          <a:p>
+            <a:pPr algn="ctr"/>
+            <a:r>
+              <a:rPr lang="en-US" sz="1100" dirty="0" smtClean="0"/>
+              <a:t>NETCONF</a:t>
+            </a:r>
+            <a:endParaRPr lang="en-US" sz="1100" dirty="0"/>
+          </a:p>
+        </p:txBody>
+      </p:sp>
+      <p:sp>
+        <p:nvSpPr>
+          <p:cNvPr id="26" name="ZoneTexte 25"/>
+          <p:cNvSpPr txBox="1"/>
+          <p:nvPr/>
+        </p:nvSpPr>
+        <p:spPr>
+          <a:xfrm>
+            <a:off x="3124200" y="611185"/>
+            <a:ext cx="3604039" cy="2169825"/>
+          </a:xfrm>
+          <a:prstGeom prst="rect">
+            <a:avLst/>
+          </a:prstGeom>
+          <a:noFill/>
+        </p:spPr>
+        <p:txBody>
+          <a:bodyPr wrap="square" rtlCol="0">
+            <a:spAutoFit/>
+          </a:bodyPr>
+          <a:lstStyle/>
+          <a:p>
+            <a:r>
+              <a:rPr lang="en-US" sz="900" dirty="0" smtClean="0"/>
+              <a:t>&lt;</a:t>
+            </a:r>
+            <a:r>
+              <a:rPr lang="en-US" sz="900" dirty="0" err="1" smtClean="0"/>
+              <a:t>netconf</a:t>
+            </a:r>
+            <a:r>
+              <a:rPr lang="en-US" sz="900" dirty="0" smtClean="0"/>
+              <a:t>&gt;</a:t>
+            </a:r>
+          </a:p>
+          <a:p>
+            <a:pPr lvl="1"/>
+            <a:r>
+              <a:rPr lang="en-US" sz="900" dirty="0" smtClean="0"/>
+              <a:t>&lt;network&gt;</a:t>
+            </a:r>
+          </a:p>
+          <a:p>
+            <a:pPr lvl="1"/>
+            <a:r>
+              <a:rPr lang="en-US" sz="900" dirty="0" smtClean="0"/>
+              <a:t>	&lt;interfaces&gt;</a:t>
+            </a:r>
+          </a:p>
+          <a:p>
+            <a:pPr lvl="1"/>
+            <a:r>
+              <a:rPr lang="en-US" sz="900" dirty="0" smtClean="0"/>
+              <a:t>		&lt;interface&gt;</a:t>
+            </a:r>
+          </a:p>
+          <a:p>
+            <a:pPr lvl="1"/>
+            <a:r>
+              <a:rPr lang="en-US" sz="900" dirty="0" smtClean="0"/>
+              <a:t>			&lt;name&gt;eth0&lt;/name&gt;</a:t>
+            </a:r>
+          </a:p>
+          <a:p>
+            <a:pPr lvl="1"/>
+            <a:r>
+              <a:rPr lang="en-US" sz="900" dirty="0" smtClean="0"/>
+              <a:t>			&lt;</a:t>
+            </a:r>
+            <a:r>
+              <a:rPr lang="en-US" sz="900" dirty="0" err="1" smtClean="0"/>
+              <a:t>mtu</a:t>
+            </a:r>
+            <a:r>
+              <a:rPr lang="en-US" sz="900" dirty="0" smtClean="0"/>
+              <a:t>&gt;1500&lt;/</a:t>
+            </a:r>
+            <a:r>
+              <a:rPr lang="en-US" sz="900" dirty="0" err="1" smtClean="0"/>
+              <a:t>mtu</a:t>
+            </a:r>
+            <a:r>
+              <a:rPr lang="en-US" sz="900" dirty="0" smtClean="0"/>
+              <a:t>&gt;</a:t>
+            </a:r>
+          </a:p>
+          <a:p>
+            <a:pPr lvl="1"/>
+            <a:r>
+              <a:rPr lang="en-US" sz="900" dirty="0" smtClean="0"/>
+              <a:t>			…</a:t>
+            </a:r>
+          </a:p>
+          <a:p>
+            <a:pPr lvl="1"/>
+            <a:r>
+              <a:rPr lang="en-US" sz="900" dirty="0" smtClean="0"/>
+              <a:t>		&lt;/interface&gt;</a:t>
+            </a:r>
+          </a:p>
+          <a:p>
+            <a:pPr lvl="1"/>
+            <a:r>
+              <a:rPr lang="en-US" sz="900" dirty="0" smtClean="0"/>
+              <a:t>		&lt;interface&gt;</a:t>
+            </a:r>
+          </a:p>
+          <a:p>
+            <a:pPr lvl="1"/>
+            <a:r>
+              <a:rPr lang="en-US" sz="900" dirty="0" smtClean="0"/>
+              <a:t>		…</a:t>
+            </a:r>
+          </a:p>
+          <a:p>
+            <a:pPr lvl="1"/>
+            <a:r>
+              <a:rPr lang="en-US" sz="900" dirty="0" smtClean="0"/>
+              <a:t>	&lt;/interfaces&gt;</a:t>
+            </a:r>
+          </a:p>
+          <a:p>
+            <a:pPr lvl="1"/>
+            <a:r>
+              <a:rPr lang="en-US" sz="900" dirty="0" smtClean="0"/>
+              <a:t>…</a:t>
+            </a:r>
+          </a:p>
+          <a:p>
+            <a:pPr lvl="1"/>
+            <a:r>
+              <a:rPr lang="en-US" sz="900" dirty="0" smtClean="0"/>
+              <a:t>&lt;/network&gt;</a:t>
+            </a:r>
+          </a:p>
+          <a:p>
+            <a:pPr lvl="1"/>
+            <a:r>
+              <a:rPr lang="en-US" sz="900" dirty="0" smtClean="0"/>
+              <a:t>…</a:t>
+            </a:r>
+          </a:p>
+          <a:p>
+            <a:r>
+              <a:rPr lang="en-US" sz="900" dirty="0" smtClean="0"/>
+              <a:t>&lt;/</a:t>
+            </a:r>
+            <a:r>
+              <a:rPr lang="en-US" sz="900" dirty="0" err="1" smtClean="0"/>
+              <a:t>netconf</a:t>
+            </a:r>
+            <a:r>
+              <a:rPr lang="en-US" sz="900" dirty="0" smtClean="0"/>
+              <a:t>&gt;</a:t>
+            </a:r>
+          </a:p>
+        </p:txBody>
+      </p:sp>
+      <p:sp>
+        <p:nvSpPr>
+          <p:cNvPr id="27" name="Rectangle 26"/>
+          <p:cNvSpPr/>
+          <p:nvPr/>
+        </p:nvSpPr>
+        <p:spPr>
+          <a:xfrm>
+            <a:off x="7318729" y="4495800"/>
+            <a:ext cx="759265" cy="277909"/>
+          </a:xfrm>
+          <a:prstGeom prst="rect">
+            <a:avLst/>
+          </a:prstGeom>
+        </p:spPr>
+        <p:style>
+          <a:lnRef idx="1">
+            <a:schemeClr val="accent1"/>
+          </a:lnRef>
+          <a:fillRef idx="3">
+            <a:schemeClr val="accent1"/>
+          </a:fillRef>
+          <a:effectRef idx="2">
+            <a:schemeClr val="accent1"/>
+          </a:effectRef>
+          <a:fontRef idx="minor">
+            <a:schemeClr val="lt1"/>
+          </a:fontRef>
+        </p:style>
+        <p:txBody>
+          <a:bodyPr rtlCol="0" anchor="ctr"/>
+          <a:lstStyle/>
+          <a:p>
+            <a:pPr algn="ctr"/>
+            <a:r>
+              <a:rPr lang="en-US" sz="1100" dirty="0" smtClean="0"/>
+              <a:t>YANG</a:t>
+            </a:r>
+            <a:endParaRPr lang="en-US" sz="1100" dirty="0"/>
+          </a:p>
+        </p:txBody>
+      </p:sp>
+      <p:cxnSp>
+        <p:nvCxnSpPr>
+          <p:cNvPr id="22" name="Connecteur en angle 21"/>
+          <p:cNvCxnSpPr>
+            <a:stCxn id="19" idx="2"/>
+            <a:endCxn id="21" idx="2"/>
+          </p:cNvCxnSpPr>
+          <p:nvPr/>
+        </p:nvCxnSpPr>
+        <p:spPr>
+          <a:xfrm rot="16200000" flipH="1">
+            <a:off x="4951633" y="-656512"/>
+            <a:ext cx="1588" cy="5491870"/>
+          </a:xfrm>
+          <a:prstGeom prst="bentConnector3">
+            <a:avLst>
+              <a:gd name="adj1" fmla="val 45336713"/>
+            </a:avLst>
+          </a:prstGeom>
+          <a:ln>
+            <a:headEnd type="arrow"/>
+            <a:tailEnd type="arrow"/>
+          </a:ln>
+        </p:spPr>
+        <p:style>
+          <a:lnRef idx="2">
+            <a:schemeClr val="accent1"/>
+          </a:lnRef>
+          <a:fillRef idx="0">
+            <a:schemeClr val="accent1"/>
+          </a:fillRef>
+          <a:effectRef idx="1">
+            <a:schemeClr val="accent1"/>
+          </a:effectRef>
+          <a:fontRef idx="minor">
+            <a:schemeClr val="tx1"/>
+          </a:fontRef>
+        </p:style>
+      </p:cxnSp>
+      <p:pic>
+        <p:nvPicPr>
+          <p:cNvPr id="25" name="Image 24" descr="workstation-Vista-256x256.png"/>
+          <p:cNvPicPr>
+            <a:picLocks noChangeAspect="1"/>
+          </p:cNvPicPr>
+          <p:nvPr/>
+        </p:nvPicPr>
+        <p:blipFill>
+          <a:blip r:embed="rId3"/>
+          <a:stretch>
+            <a:fillRect/>
+          </a:stretch>
+        </p:blipFill>
+        <p:spPr>
+          <a:xfrm flipH="1">
+            <a:off x="1219200" y="2869581"/>
+            <a:ext cx="1625769" cy="1778619"/>
+          </a:xfrm>
+          <a:prstGeom prst="rect">
+            <a:avLst/>
+          </a:prstGeom>
+        </p:spPr>
+      </p:pic>
+      <p:pic>
+        <p:nvPicPr>
+          <p:cNvPr id="28" name="Image 27" descr="black-server-128x128.png"/>
+          <p:cNvPicPr>
+            <a:picLocks noChangeAspect="1"/>
+          </p:cNvPicPr>
+          <p:nvPr/>
+        </p:nvPicPr>
+        <p:blipFill>
+          <a:blip r:embed="rId4"/>
+          <a:stretch>
+            <a:fillRect/>
+          </a:stretch>
+        </p:blipFill>
+        <p:spPr>
+          <a:xfrm flipH="1">
+            <a:off x="8077200" y="3317151"/>
+            <a:ext cx="1089439" cy="1078809"/>
+          </a:xfrm>
+          <a:prstGeom prst="rect">
+            <a:avLst/>
+          </a:prstGeom>
+          <a:effectLst/>
+        </p:spPr>
+      </p:pic>
+      <p:sp>
+        <p:nvSpPr>
+          <p:cNvPr id="29" name="Rectangle 28"/>
+          <p:cNvSpPr/>
+          <p:nvPr/>
+        </p:nvSpPr>
+        <p:spPr>
+          <a:xfrm>
+            <a:off x="1826859" y="4904485"/>
+            <a:ext cx="759265" cy="277909"/>
+          </a:xfrm>
+          <a:prstGeom prst="rect">
+            <a:avLst/>
+          </a:prstGeom>
+        </p:spPr>
+        <p:style>
+          <a:lnRef idx="1">
+            <a:schemeClr val="accent1"/>
+          </a:lnRef>
+          <a:fillRef idx="3">
+            <a:schemeClr val="accent1"/>
+          </a:fillRef>
+          <a:effectRef idx="2">
+            <a:schemeClr val="accent1"/>
+          </a:effectRef>
+          <a:fontRef idx="minor">
+            <a:schemeClr val="lt1"/>
+          </a:fontRef>
+        </p:style>
+        <p:txBody>
+          <a:bodyPr rtlCol="0" anchor="ctr"/>
+          <a:lstStyle/>
+          <a:p>
+            <a:pPr algn="ctr"/>
+            <a:r>
+              <a:rPr lang="en-US" sz="1100" dirty="0" smtClean="0"/>
+              <a:t>NETCONF</a:t>
+            </a:r>
+            <a:endParaRPr lang="en-US" sz="1100" dirty="0"/>
+          </a:p>
+        </p:txBody>
+      </p:sp>
+      <p:sp>
+        <p:nvSpPr>
+          <p:cNvPr id="30" name="Rectangle 29"/>
+          <p:cNvSpPr/>
+          <p:nvPr/>
+        </p:nvSpPr>
+        <p:spPr>
+          <a:xfrm>
+            <a:off x="7318729" y="4904485"/>
+            <a:ext cx="759265" cy="277909"/>
+          </a:xfrm>
+          <a:prstGeom prst="rect">
+            <a:avLst/>
+          </a:prstGeom>
+        </p:spPr>
+        <p:style>
+          <a:lnRef idx="1">
+            <a:schemeClr val="accent1"/>
+          </a:lnRef>
+          <a:fillRef idx="3">
+            <a:schemeClr val="accent1"/>
+          </a:fillRef>
+          <a:effectRef idx="2">
+            <a:schemeClr val="accent1"/>
+          </a:effectRef>
+          <a:fontRef idx="minor">
+            <a:schemeClr val="lt1"/>
+          </a:fontRef>
+        </p:style>
+        <p:txBody>
+          <a:bodyPr rtlCol="0" anchor="ctr"/>
+          <a:lstStyle/>
+          <a:p>
+            <a:pPr algn="ctr"/>
+            <a:r>
+              <a:rPr lang="en-US" sz="1100" dirty="0" smtClean="0"/>
+              <a:t>NETCONF</a:t>
+            </a:r>
+            <a:endParaRPr lang="en-US" sz="1100" dirty="0"/>
+          </a:p>
+        </p:txBody>
+      </p:sp>
+      <p:sp>
+        <p:nvSpPr>
+          <p:cNvPr id="31" name="ZoneTexte 30"/>
+          <p:cNvSpPr txBox="1"/>
+          <p:nvPr/>
+        </p:nvSpPr>
+        <p:spPr>
+          <a:xfrm>
+            <a:off x="3124994" y="3704156"/>
+            <a:ext cx="3604039" cy="2169825"/>
+          </a:xfrm>
+          <a:prstGeom prst="rect">
+            <a:avLst/>
+          </a:prstGeom>
+          <a:noFill/>
+        </p:spPr>
+        <p:txBody>
+          <a:bodyPr wrap="square" rtlCol="0">
+            <a:spAutoFit/>
+          </a:bodyPr>
+          <a:lstStyle/>
+          <a:p>
+            <a:r>
+              <a:rPr lang="en-US" sz="900" dirty="0" smtClean="0"/>
+              <a:t>&lt;</a:t>
+            </a:r>
+            <a:r>
+              <a:rPr lang="en-US" sz="900" dirty="0" err="1" smtClean="0"/>
+              <a:t>netconf</a:t>
+            </a:r>
+            <a:r>
+              <a:rPr lang="en-US" sz="900" dirty="0" smtClean="0"/>
+              <a:t>&gt;</a:t>
+            </a:r>
+          </a:p>
+          <a:p>
+            <a:pPr lvl="1"/>
+            <a:r>
+              <a:rPr lang="en-US" sz="900" dirty="0" smtClean="0"/>
+              <a:t>&lt;network&gt;</a:t>
+            </a:r>
+          </a:p>
+          <a:p>
+            <a:pPr lvl="1"/>
+            <a:r>
+              <a:rPr lang="en-US" sz="900" dirty="0" smtClean="0"/>
+              <a:t>	&lt;interfaces&gt;</a:t>
+            </a:r>
+          </a:p>
+          <a:p>
+            <a:pPr lvl="1"/>
+            <a:r>
+              <a:rPr lang="en-US" sz="900" dirty="0" smtClean="0"/>
+              <a:t>		&lt;interface&gt;</a:t>
+            </a:r>
+          </a:p>
+          <a:p>
+            <a:pPr lvl="1"/>
+            <a:r>
+              <a:rPr lang="en-US" sz="900" dirty="0" smtClean="0"/>
+              <a:t>			&lt;name&gt;eth0&lt;/name&gt;</a:t>
+            </a:r>
+          </a:p>
+          <a:p>
+            <a:pPr lvl="1"/>
+            <a:r>
+              <a:rPr lang="en-US" sz="900" dirty="0" smtClean="0"/>
+              <a:t>			&lt;</a:t>
+            </a:r>
+            <a:r>
+              <a:rPr lang="en-US" sz="900" dirty="0" err="1" smtClean="0"/>
+              <a:t>mtu</a:t>
+            </a:r>
+            <a:r>
+              <a:rPr lang="en-US" sz="900" dirty="0" smtClean="0"/>
+              <a:t>&gt;1500&lt;/</a:t>
+            </a:r>
+            <a:r>
+              <a:rPr lang="en-US" sz="900" dirty="0" err="1" smtClean="0"/>
+              <a:t>mtu</a:t>
+            </a:r>
+            <a:r>
+              <a:rPr lang="en-US" sz="900" dirty="0" smtClean="0"/>
+              <a:t>&gt;</a:t>
+            </a:r>
+          </a:p>
+          <a:p>
+            <a:pPr lvl="1"/>
+            <a:r>
+              <a:rPr lang="en-US" sz="900" dirty="0" smtClean="0"/>
+              <a:t>			…</a:t>
+            </a:r>
+          </a:p>
+          <a:p>
+            <a:pPr lvl="1"/>
+            <a:r>
+              <a:rPr lang="en-US" sz="900" dirty="0" smtClean="0"/>
+              <a:t>		&lt;/interface&gt;</a:t>
+            </a:r>
+          </a:p>
+          <a:p>
+            <a:pPr lvl="1"/>
+            <a:r>
+              <a:rPr lang="en-US" sz="900" dirty="0" smtClean="0"/>
+              <a:t>		&lt;interface&gt;</a:t>
+            </a:r>
+          </a:p>
+          <a:p>
+            <a:pPr lvl="1"/>
+            <a:r>
+              <a:rPr lang="en-US" sz="900" dirty="0" smtClean="0"/>
+              <a:t>		…</a:t>
+            </a:r>
+          </a:p>
+          <a:p>
+            <a:pPr lvl="1"/>
+            <a:r>
+              <a:rPr lang="en-US" sz="900" dirty="0" smtClean="0"/>
+              <a:t>	&lt;/interfaces&gt;</a:t>
+            </a:r>
+          </a:p>
+          <a:p>
+            <a:pPr lvl="1"/>
+            <a:r>
+              <a:rPr lang="en-US" sz="900" dirty="0" smtClean="0"/>
+              <a:t>…</a:t>
+            </a:r>
+          </a:p>
+          <a:p>
+            <a:pPr lvl="1"/>
+            <a:r>
+              <a:rPr lang="en-US" sz="900" dirty="0" smtClean="0"/>
+              <a:t>&lt;/network&gt;</a:t>
+            </a:r>
+          </a:p>
+          <a:p>
+            <a:pPr lvl="1"/>
+            <a:r>
+              <a:rPr lang="en-US" sz="900" dirty="0" smtClean="0"/>
+              <a:t>…</a:t>
+            </a:r>
+          </a:p>
+          <a:p>
+            <a:r>
+              <a:rPr lang="en-US" sz="900" dirty="0" smtClean="0"/>
+              <a:t>&lt;/</a:t>
+            </a:r>
+            <a:r>
+              <a:rPr lang="en-US" sz="900" dirty="0" err="1" smtClean="0"/>
+              <a:t>netconf</a:t>
+            </a:r>
+            <a:r>
+              <a:rPr lang="en-US" sz="900" dirty="0" smtClean="0"/>
+              <a:t>&gt;</a:t>
+            </a:r>
+          </a:p>
+        </p:txBody>
+      </p:sp>
+      <p:cxnSp>
+        <p:nvCxnSpPr>
+          <p:cNvPr id="32" name="Connecteur en angle 31"/>
+          <p:cNvCxnSpPr>
+            <a:stCxn id="29" idx="2"/>
+            <a:endCxn id="30" idx="2"/>
+          </p:cNvCxnSpPr>
+          <p:nvPr/>
+        </p:nvCxnSpPr>
+        <p:spPr>
+          <a:xfrm rot="16200000" flipH="1">
+            <a:off x="4952427" y="2436459"/>
+            <a:ext cx="1588" cy="5491870"/>
+          </a:xfrm>
+          <a:prstGeom prst="bentConnector3">
+            <a:avLst>
+              <a:gd name="adj1" fmla="val 45336713"/>
+            </a:avLst>
+          </a:prstGeom>
+          <a:ln>
+            <a:headEnd type="arrow"/>
+            <a:tailEnd type="arrow"/>
+          </a:ln>
+        </p:spPr>
+        <p:style>
+          <a:lnRef idx="2">
+            <a:schemeClr val="accent1"/>
+          </a:lnRef>
+          <a:fillRef idx="0">
+            <a:schemeClr val="accent1"/>
+          </a:fillRef>
+          <a:effectRef idx="1">
+            <a:schemeClr val="accent1"/>
+          </a:effectRef>
+          <a:fontRef idx="minor">
+            <a:schemeClr val="tx1"/>
+          </a:fontRef>
+        </p:style>
+      </p:cxnSp>
+    </p:spTree>
+  </p:cSld>
+  <p:clrMapOvr>
+    <a:masterClrMapping/>
+  </p:clrMapOvr>
+</p:sld>
+</file>
+
+<file path=ppt/slides/slide11.xml><?xml version="1.0" encoding="utf-8"?>
+<p:sld xmlns:a="http://schemas.openxmlformats.org/drawingml/2006/main" xmlns:r="http://schemas.openxmlformats.org/officeDocument/2006/relationships" xmlns:mc="http://schemas.openxmlformats.org/markup-compatibility/2006" xmlns:mv="urn:schemas-microsoft-com:mac:vml" xmlns:p="http://schemas.openxmlformats.org/presentationml/2006/main" mc:Ignorable="mv" mc:PreserveAttributes="mv:*">
+  <p:cSld>
+    <p:spTree>
+      <p:nvGrpSpPr>
+        <p:cNvPr id="1" name=""/>
+        <p:cNvGrpSpPr/>
+        <p:nvPr/>
+      </p:nvGrpSpPr>
+      <p:grpSpPr>
+        <a:xfrm>
+          <a:off x="0" y="0"/>
+          <a:ext cx="0" cy="0"/>
+          <a:chOff x="0" y="0"/>
+          <a:chExt cx="0" cy="0"/>
+        </a:xfrm>
+      </p:grpSpPr>
       <p:sp>
         <p:nvSpPr>
           <p:cNvPr id="4" name="ZoneTexte 3"/>
@@ -8247,7 +9380,7 @@
 </p:sld>
 </file>
 
-<file path=ppt/slides/slide11.xml><?xml version="1.0" encoding="utf-8"?>
+<file path=ppt/slides/slide12.xml><?xml version="1.0" encoding="utf-8"?>
 <p:sld xmlns:a="http://schemas.openxmlformats.org/drawingml/2006/main" xmlns:r="http://schemas.openxmlformats.org/officeDocument/2006/relationships" xmlns:mc="http://schemas.openxmlformats.org/markup-compatibility/2006" xmlns:mv="urn:schemas-microsoft-com:mac:vml" xmlns:p="http://schemas.openxmlformats.org/presentationml/2006/main" mc:Ignorable="mv" mc:PreserveAttributes="mv:*">
   <p:cSld>
     <p:spTree>
@@ -9269,7 +10402,7 @@
 </p:sld>
 </file>
 
-<file path=ppt/slides/slide12.xml><?xml version="1.0" encoding="utf-8"?>
+<file path=ppt/slides/slide13.xml><?xml version="1.0" encoding="utf-8"?>
 <p:sld xmlns:a="http://schemas.openxmlformats.org/drawingml/2006/main" xmlns:r="http://schemas.openxmlformats.org/officeDocument/2006/relationships" xmlns:mc="http://schemas.openxmlformats.org/markup-compatibility/2006" xmlns:mv="urn:schemas-microsoft-com:mac:vml" xmlns:p="http://schemas.openxmlformats.org/presentationml/2006/main" mc:Ignorable="mv" mc:PreserveAttributes="mv:*">
   <p:cSld>
     <p:spTree>
@@ -10261,679 +11394,6 @@
           </a:p>
         </p:txBody>
       </p:sp>
-    </p:spTree>
-  </p:cSld>
-  <p:clrMapOvr>
-    <a:masterClrMapping/>
-  </p:clrMapOvr>
-</p:sld>
-</file>
-
-<file path=ppt/slides/slide13.xml><?xml version="1.0" encoding="utf-8"?>
-<p:sld xmlns:a="http://schemas.openxmlformats.org/drawingml/2006/main" xmlns:r="http://schemas.openxmlformats.org/officeDocument/2006/relationships" xmlns:mc="http://schemas.openxmlformats.org/markup-compatibility/2006" xmlns:mv="urn:schemas-microsoft-com:mac:vml" xmlns:p="http://schemas.openxmlformats.org/presentationml/2006/main" mc:Ignorable="mv" mc:PreserveAttributes="mv:*">
-  <p:cSld>
-    <p:spTree>
-      <p:nvGrpSpPr>
-        <p:cNvPr id="1" name=""/>
-        <p:cNvGrpSpPr/>
-        <p:nvPr/>
-      </p:nvGrpSpPr>
-      <p:grpSpPr>
-        <a:xfrm>
-          <a:off x="0" y="0"/>
-          <a:ext cx="0" cy="0"/>
-          <a:chOff x="0" y="0"/>
-          <a:chExt cx="0" cy="0"/>
-        </a:xfrm>
-      </p:grpSpPr>
-      <p:sp>
-        <p:nvSpPr>
-          <p:cNvPr id="9" name="Cube 8"/>
-          <p:cNvSpPr/>
-          <p:nvPr/>
-        </p:nvSpPr>
-        <p:spPr>
-          <a:xfrm>
-            <a:off x="6711498" y="1981200"/>
-            <a:ext cx="1568450" cy="1066800"/>
-          </a:xfrm>
-          <a:prstGeom prst="cube">
-            <a:avLst/>
-          </a:prstGeom>
-          <a:solidFill>
-            <a:schemeClr val="bg1"/>
-          </a:solidFill>
-          <a:ln>
-            <a:solidFill>
-              <a:schemeClr val="tx1"/>
-            </a:solidFill>
-          </a:ln>
-        </p:spPr>
-        <p:style>
-          <a:lnRef idx="1">
-            <a:schemeClr val="accent1"/>
-          </a:lnRef>
-          <a:fillRef idx="3">
-            <a:schemeClr val="accent1"/>
-          </a:fillRef>
-          <a:effectRef idx="2">
-            <a:schemeClr val="accent1"/>
-          </a:effectRef>
-          <a:fontRef idx="minor">
-            <a:schemeClr val="lt1"/>
-          </a:fontRef>
-        </p:style>
-        <p:txBody>
-          <a:bodyPr rtlCol="0" anchor="ctr"/>
-          <a:lstStyle/>
-          <a:p>
-            <a:pPr algn="ctr"/>
-            <a:r>
-              <a:rPr lang="fr-FR" dirty="0" smtClean="0">
-                <a:solidFill>
-                  <a:schemeClr val="tx1"/>
-                </a:solidFill>
-              </a:rPr>
-              <a:t>NETCONF</a:t>
-            </a:r>
-          </a:p>
-          <a:p>
-            <a:pPr algn="ctr"/>
-            <a:r>
-              <a:rPr lang="fr-FR" dirty="0" smtClean="0">
-                <a:solidFill>
-                  <a:schemeClr val="tx1"/>
-                </a:solidFill>
-              </a:rPr>
-              <a:t>Manager</a:t>
-            </a:r>
-            <a:endParaRPr lang="fr-FR" dirty="0">
-              <a:solidFill>
-                <a:schemeClr val="tx1"/>
-              </a:solidFill>
-            </a:endParaRPr>
-          </a:p>
-        </p:txBody>
-      </p:sp>
-      <p:sp>
-        <p:nvSpPr>
-          <p:cNvPr id="10" name="Cube 9"/>
-          <p:cNvSpPr/>
-          <p:nvPr/>
-        </p:nvSpPr>
-        <p:spPr>
-          <a:xfrm>
-            <a:off x="6711498" y="1047750"/>
-            <a:ext cx="1568450" cy="1066800"/>
-          </a:xfrm>
-          <a:prstGeom prst="cube">
-            <a:avLst/>
-          </a:prstGeom>
-          <a:solidFill>
-            <a:schemeClr val="bg1"/>
-          </a:solidFill>
-          <a:ln>
-            <a:solidFill>
-              <a:schemeClr val="tx1"/>
-            </a:solidFill>
-          </a:ln>
-        </p:spPr>
-        <p:style>
-          <a:lnRef idx="1">
-            <a:schemeClr val="accent1"/>
-          </a:lnRef>
-          <a:fillRef idx="3">
-            <a:schemeClr val="accent1"/>
-          </a:fillRef>
-          <a:effectRef idx="2">
-            <a:schemeClr val="accent1"/>
-          </a:effectRef>
-          <a:fontRef idx="minor">
-            <a:schemeClr val="lt1"/>
-          </a:fontRef>
-        </p:style>
-        <p:txBody>
-          <a:bodyPr rtlCol="0" anchor="ctr"/>
-          <a:lstStyle/>
-          <a:p>
-            <a:pPr algn="ctr"/>
-            <a:r>
-              <a:rPr lang="fr-FR" dirty="0" smtClean="0">
-                <a:solidFill>
-                  <a:schemeClr val="tx1"/>
-                </a:solidFill>
-              </a:rPr>
-              <a:t>HTTPS</a:t>
-            </a:r>
-          </a:p>
-          <a:p>
-            <a:pPr algn="ctr"/>
-            <a:r>
-              <a:rPr lang="fr-FR" dirty="0" smtClean="0">
-                <a:solidFill>
-                  <a:schemeClr val="tx1"/>
-                </a:solidFill>
-              </a:rPr>
-              <a:t>Server</a:t>
-            </a:r>
-            <a:endParaRPr lang="fr-FR" dirty="0">
-              <a:solidFill>
-                <a:schemeClr val="tx1"/>
-              </a:solidFill>
-            </a:endParaRPr>
-          </a:p>
-        </p:txBody>
-      </p:sp>
-      <p:sp>
-        <p:nvSpPr>
-          <p:cNvPr id="14" name="Rectangle à coins arrondis 13"/>
-          <p:cNvSpPr/>
-          <p:nvPr/>
-        </p:nvSpPr>
-        <p:spPr>
-          <a:xfrm>
-            <a:off x="5778500" y="647700"/>
-            <a:ext cx="2641600" cy="4076700"/>
-          </a:xfrm>
-          <a:prstGeom prst="roundRect">
-            <a:avLst/>
-          </a:prstGeom>
-          <a:noFill/>
-          <a:ln w="34925">
-            <a:solidFill>
-              <a:schemeClr val="tx1"/>
-            </a:solidFill>
-          </a:ln>
-        </p:spPr>
-        <p:style>
-          <a:lnRef idx="1">
-            <a:schemeClr val="accent1"/>
-          </a:lnRef>
-          <a:fillRef idx="3">
-            <a:schemeClr val="accent1"/>
-          </a:fillRef>
-          <a:effectRef idx="2">
-            <a:schemeClr val="accent1"/>
-          </a:effectRef>
-          <a:fontRef idx="minor">
-            <a:schemeClr val="lt1"/>
-          </a:fontRef>
-        </p:style>
-        <p:txBody>
-          <a:bodyPr rtlCol="0" anchor="ctr"/>
-          <a:lstStyle/>
-          <a:p>
-            <a:pPr algn="ctr"/>
-            <a:endParaRPr lang="fr-FR"/>
-          </a:p>
-        </p:txBody>
-      </p:sp>
-      <p:sp>
-        <p:nvSpPr>
-          <p:cNvPr id="18" name="Ellipse 17"/>
-          <p:cNvSpPr/>
-          <p:nvPr/>
-        </p:nvSpPr>
-        <p:spPr>
-          <a:xfrm>
-            <a:off x="6711499" y="3581400"/>
-            <a:ext cx="1139373" cy="609600"/>
-          </a:xfrm>
-          <a:prstGeom prst="ellipse">
-            <a:avLst/>
-          </a:prstGeom>
-          <a:solidFill>
-            <a:schemeClr val="bg1"/>
-          </a:solidFill>
-        </p:spPr>
-        <p:style>
-          <a:lnRef idx="1">
-            <a:schemeClr val="accent1"/>
-          </a:lnRef>
-          <a:fillRef idx="3">
-            <a:schemeClr val="accent1"/>
-          </a:fillRef>
-          <a:effectRef idx="2">
-            <a:schemeClr val="accent1"/>
-          </a:effectRef>
-          <a:fontRef idx="minor">
-            <a:schemeClr val="lt1"/>
-          </a:fontRef>
-        </p:style>
-        <p:txBody>
-          <a:bodyPr rtlCol="0" anchor="ctr"/>
-          <a:lstStyle/>
-          <a:p>
-            <a:pPr algn="ctr">
-              <a:lnSpc>
-                <a:spcPts val="1380"/>
-              </a:lnSpc>
-            </a:pPr>
-            <a:r>
-              <a:rPr lang="fr-FR" sz="1400" dirty="0" smtClean="0">
-                <a:solidFill>
-                  <a:schemeClr val="tx1"/>
-                </a:solidFill>
-              </a:rPr>
-              <a:t>Data Model</a:t>
-            </a:r>
-          </a:p>
-          <a:p>
-            <a:pPr algn="ctr">
-              <a:lnSpc>
-                <a:spcPts val="980"/>
-              </a:lnSpc>
-            </a:pPr>
-            <a:r>
-              <a:rPr lang="fr-FR" sz="1400" dirty="0" smtClean="0">
-                <a:solidFill>
-                  <a:schemeClr val="tx1"/>
-                </a:solidFill>
-              </a:rPr>
-              <a:t>agent</a:t>
-            </a:r>
-            <a:endParaRPr lang="fr-FR" sz="1400" dirty="0">
-              <a:solidFill>
-                <a:schemeClr val="tx1"/>
-              </a:solidFill>
-            </a:endParaRPr>
-          </a:p>
-        </p:txBody>
-      </p:sp>
-      <p:sp>
-        <p:nvSpPr>
-          <p:cNvPr id="27" name="Ellipse 26"/>
-          <p:cNvSpPr/>
-          <p:nvPr/>
-        </p:nvSpPr>
-        <p:spPr>
-          <a:xfrm>
-            <a:off x="6358071" y="3886200"/>
-            <a:ext cx="1139373" cy="609600"/>
-          </a:xfrm>
-          <a:prstGeom prst="ellipse">
-            <a:avLst/>
-          </a:prstGeom>
-          <a:solidFill>
-            <a:schemeClr val="bg1"/>
-          </a:solidFill>
-        </p:spPr>
-        <p:style>
-          <a:lnRef idx="1">
-            <a:schemeClr val="accent1"/>
-          </a:lnRef>
-          <a:fillRef idx="3">
-            <a:schemeClr val="accent1"/>
-          </a:fillRef>
-          <a:effectRef idx="2">
-            <a:schemeClr val="accent1"/>
-          </a:effectRef>
-          <a:fontRef idx="minor">
-            <a:schemeClr val="lt1"/>
-          </a:fontRef>
-        </p:style>
-        <p:txBody>
-          <a:bodyPr rtlCol="0" anchor="ctr"/>
-          <a:lstStyle/>
-          <a:p>
-            <a:pPr algn="ctr">
-              <a:lnSpc>
-                <a:spcPts val="1380"/>
-              </a:lnSpc>
-            </a:pPr>
-            <a:r>
-              <a:rPr lang="fr-FR" sz="1400" dirty="0" smtClean="0">
-                <a:solidFill>
-                  <a:schemeClr val="tx1"/>
-                </a:solidFill>
-              </a:rPr>
-              <a:t>Data Model</a:t>
-            </a:r>
-          </a:p>
-          <a:p>
-            <a:pPr algn="ctr">
-              <a:lnSpc>
-                <a:spcPts val="980"/>
-              </a:lnSpc>
-            </a:pPr>
-            <a:r>
-              <a:rPr lang="fr-FR" sz="1400" dirty="0" smtClean="0">
-                <a:solidFill>
-                  <a:schemeClr val="tx1"/>
-                </a:solidFill>
-              </a:rPr>
-              <a:t>agent</a:t>
-            </a:r>
-            <a:endParaRPr lang="fr-FR" sz="1400" dirty="0">
-              <a:solidFill>
-                <a:schemeClr val="tx1"/>
-              </a:solidFill>
-            </a:endParaRPr>
-          </a:p>
-        </p:txBody>
-      </p:sp>
-      <p:cxnSp>
-        <p:nvCxnSpPr>
-          <p:cNvPr id="29" name="Connecteur en arc 28"/>
-          <p:cNvCxnSpPr>
-            <a:stCxn id="18" idx="2"/>
-            <a:endCxn id="10" idx="2"/>
-          </p:cNvCxnSpPr>
-          <p:nvPr/>
-        </p:nvCxnSpPr>
-        <p:spPr>
-          <a:xfrm rot="10800000">
-            <a:off x="6711498" y="1714500"/>
-            <a:ext cx="1720" cy="2171700"/>
-          </a:xfrm>
-          <a:prstGeom prst="curvedConnector3">
-            <a:avLst>
-              <a:gd name="adj1" fmla="val 14395466"/>
-            </a:avLst>
-          </a:prstGeom>
-          <a:ln>
-            <a:tailEnd type="arrow"/>
-          </a:ln>
-        </p:spPr>
-        <p:style>
-          <a:lnRef idx="2">
-            <a:schemeClr val="accent1"/>
-          </a:lnRef>
-          <a:fillRef idx="0">
-            <a:schemeClr val="accent1"/>
-          </a:fillRef>
-          <a:effectRef idx="1">
-            <a:schemeClr val="accent1"/>
-          </a:effectRef>
-          <a:fontRef idx="minor">
-            <a:schemeClr val="tx1"/>
-          </a:fontRef>
-        </p:style>
-      </p:cxnSp>
-      <p:cxnSp>
-        <p:nvCxnSpPr>
-          <p:cNvPr id="35" name="Connecteur en arc 34"/>
-          <p:cNvCxnSpPr>
-            <a:stCxn id="27" idx="2"/>
-            <a:endCxn id="10" idx="2"/>
-          </p:cNvCxnSpPr>
-          <p:nvPr/>
-        </p:nvCxnSpPr>
-        <p:spPr>
-          <a:xfrm rot="10800000" flipH="1">
-            <a:off x="6358070" y="1714500"/>
-            <a:ext cx="353428" cy="2476500"/>
-          </a:xfrm>
-          <a:prstGeom prst="curvedConnector3">
-            <a:avLst>
-              <a:gd name="adj1" fmla="val -70071"/>
-            </a:avLst>
-          </a:prstGeom>
-          <a:ln>
-            <a:tailEnd type="arrow"/>
-          </a:ln>
-        </p:spPr>
-        <p:style>
-          <a:lnRef idx="2">
-            <a:schemeClr val="accent1"/>
-          </a:lnRef>
-          <a:fillRef idx="0">
-            <a:schemeClr val="accent1"/>
-          </a:fillRef>
-          <a:effectRef idx="1">
-            <a:schemeClr val="accent1"/>
-          </a:effectRef>
-          <a:fontRef idx="minor">
-            <a:schemeClr val="tx1"/>
-          </a:fontRef>
-        </p:style>
-      </p:cxnSp>
-      <p:sp>
-        <p:nvSpPr>
-          <p:cNvPr id="40" name="Cube 39"/>
-          <p:cNvSpPr/>
-          <p:nvPr/>
-        </p:nvSpPr>
-        <p:spPr>
-          <a:xfrm>
-            <a:off x="1626069" y="1181100"/>
-            <a:ext cx="1568450" cy="1066800"/>
-          </a:xfrm>
-          <a:prstGeom prst="cube">
-            <a:avLst/>
-          </a:prstGeom>
-          <a:noFill/>
-          <a:ln>
-            <a:solidFill>
-              <a:schemeClr val="tx1"/>
-            </a:solidFill>
-          </a:ln>
-        </p:spPr>
-        <p:style>
-          <a:lnRef idx="1">
-            <a:schemeClr val="accent1"/>
-          </a:lnRef>
-          <a:fillRef idx="3">
-            <a:schemeClr val="accent1"/>
-          </a:fillRef>
-          <a:effectRef idx="2">
-            <a:schemeClr val="accent1"/>
-          </a:effectRef>
-          <a:fontRef idx="minor">
-            <a:schemeClr val="lt1"/>
-          </a:fontRef>
-        </p:style>
-        <p:txBody>
-          <a:bodyPr rtlCol="0" anchor="ctr"/>
-          <a:lstStyle/>
-          <a:p>
-            <a:pPr algn="ctr"/>
-            <a:r>
-              <a:rPr lang="fr-FR" dirty="0" smtClean="0">
-                <a:solidFill>
-                  <a:schemeClr val="tx1"/>
-                </a:solidFill>
-              </a:rPr>
-              <a:t>NETCONF</a:t>
-            </a:r>
-          </a:p>
-          <a:p>
-            <a:pPr algn="ctr"/>
-            <a:r>
-              <a:rPr lang="fr-FR" dirty="0" smtClean="0">
-                <a:solidFill>
-                  <a:schemeClr val="tx1"/>
-                </a:solidFill>
-              </a:rPr>
-              <a:t>Manager</a:t>
-            </a:r>
-            <a:endParaRPr lang="fr-FR" dirty="0">
-              <a:solidFill>
-                <a:schemeClr val="tx1"/>
-              </a:solidFill>
-            </a:endParaRPr>
-          </a:p>
-        </p:txBody>
-      </p:sp>
-      <p:cxnSp>
-        <p:nvCxnSpPr>
-          <p:cNvPr id="41" name="Connecteur droit avec flèche 40"/>
-          <p:cNvCxnSpPr>
-            <a:stCxn id="40" idx="5"/>
-          </p:cNvCxnSpPr>
-          <p:nvPr/>
-        </p:nvCxnSpPr>
-        <p:spPr>
-          <a:xfrm>
-            <a:off x="3194520" y="1581150"/>
-            <a:ext cx="3516978" cy="1588"/>
-          </a:xfrm>
-          <a:prstGeom prst="straightConnector1">
-            <a:avLst/>
-          </a:prstGeom>
-          <a:ln>
-            <a:headEnd type="arrow"/>
-            <a:tailEnd type="none"/>
-          </a:ln>
-        </p:spPr>
-        <p:style>
-          <a:lnRef idx="2">
-            <a:schemeClr val="accent1"/>
-          </a:lnRef>
-          <a:fillRef idx="0">
-            <a:schemeClr val="accent1"/>
-          </a:fillRef>
-          <a:effectRef idx="1">
-            <a:schemeClr val="accent1"/>
-          </a:effectRef>
-          <a:fontRef idx="minor">
-            <a:schemeClr val="tx1"/>
-          </a:fontRef>
-        </p:style>
-      </p:cxnSp>
-      <p:sp>
-        <p:nvSpPr>
-          <p:cNvPr id="42" name="ZoneTexte 41"/>
-          <p:cNvSpPr txBox="1"/>
-          <p:nvPr/>
-        </p:nvSpPr>
-        <p:spPr>
-          <a:xfrm>
-            <a:off x="3772370" y="1148834"/>
-            <a:ext cx="662787" cy="369332"/>
-          </a:xfrm>
-          <a:prstGeom prst="rect">
-            <a:avLst/>
-          </a:prstGeom>
-          <a:noFill/>
-        </p:spPr>
-        <p:txBody>
-          <a:bodyPr wrap="none" rtlCol="0">
-            <a:spAutoFit/>
-          </a:bodyPr>
-          <a:lstStyle/>
-          <a:p>
-            <a:r>
-              <a:rPr lang="fr-FR" dirty="0" err="1" smtClean="0"/>
-              <a:t>https</a:t>
-            </a:r>
-            <a:endParaRPr lang="fr-FR" dirty="0"/>
-          </a:p>
-        </p:txBody>
-      </p:sp>
-      <p:sp>
-        <p:nvSpPr>
-          <p:cNvPr id="44" name="Triangle isocèle 43"/>
-          <p:cNvSpPr/>
-          <p:nvPr/>
-        </p:nvSpPr>
-        <p:spPr>
-          <a:xfrm>
-            <a:off x="4292600" y="1714500"/>
-            <a:ext cx="412750" cy="400050"/>
-          </a:xfrm>
-          <a:prstGeom prst="triangle">
-            <a:avLst/>
-          </a:prstGeom>
-          <a:noFill/>
-          <a:ln>
-            <a:solidFill>
-              <a:schemeClr val="tx1"/>
-            </a:solidFill>
-          </a:ln>
-        </p:spPr>
-        <p:style>
-          <a:lnRef idx="1">
-            <a:schemeClr val="accent1"/>
-          </a:lnRef>
-          <a:fillRef idx="3">
-            <a:schemeClr val="accent1"/>
-          </a:fillRef>
-          <a:effectRef idx="2">
-            <a:schemeClr val="accent1"/>
-          </a:effectRef>
-          <a:fontRef idx="minor">
-            <a:schemeClr val="lt1"/>
-          </a:fontRef>
-        </p:style>
-        <p:txBody>
-          <a:bodyPr rtlCol="0" anchor="ctr"/>
-          <a:lstStyle/>
-          <a:p>
-            <a:pPr algn="ctr"/>
-            <a:endParaRPr lang="fr-FR"/>
-          </a:p>
-        </p:txBody>
-      </p:sp>
-      <p:sp>
-        <p:nvSpPr>
-          <p:cNvPr id="45" name="ZoneTexte 44"/>
-          <p:cNvSpPr txBox="1"/>
-          <p:nvPr/>
-        </p:nvSpPr>
-        <p:spPr>
-          <a:xfrm>
-            <a:off x="3826487" y="2247901"/>
-            <a:ext cx="1356073" cy="646331"/>
-          </a:xfrm>
-          <a:prstGeom prst="rect">
-            <a:avLst/>
-          </a:prstGeom>
-          <a:noFill/>
-        </p:spPr>
-        <p:txBody>
-          <a:bodyPr wrap="none" rtlCol="0">
-            <a:spAutoFit/>
-          </a:bodyPr>
-          <a:lstStyle/>
-          <a:p>
-            <a:r>
-              <a:rPr lang="fr-FR" dirty="0" err="1" smtClean="0"/>
-              <a:t>Schema</a:t>
-            </a:r>
-            <a:r>
-              <a:rPr lang="fr-FR" dirty="0" smtClean="0"/>
-              <a:t> </a:t>
-            </a:r>
-            <a:r>
-              <a:rPr lang="fr-FR" dirty="0" err="1" smtClean="0"/>
-              <a:t>tree</a:t>
-            </a:r>
-            <a:endParaRPr lang="fr-FR" dirty="0" smtClean="0"/>
-          </a:p>
-          <a:p>
-            <a:r>
-              <a:rPr lang="fr-FR" dirty="0" smtClean="0"/>
-              <a:t>Java applet</a:t>
-            </a:r>
-            <a:endParaRPr lang="fr-FR" dirty="0"/>
-          </a:p>
-        </p:txBody>
-      </p:sp>
-      <p:pic>
-        <p:nvPicPr>
-          <p:cNvPr id="46" name="Image 45" descr="applet1.tiff"/>
-          <p:cNvPicPr>
-            <a:picLocks noChangeAspect="1"/>
-          </p:cNvPicPr>
-          <p:nvPr/>
-        </p:nvPicPr>
-        <p:blipFill>
-          <a:blip r:embed="rId3"/>
-          <a:stretch>
-            <a:fillRect/>
-          </a:stretch>
-        </p:blipFill>
-        <p:spPr>
-          <a:xfrm>
-            <a:off x="742950" y="3048000"/>
-            <a:ext cx="2724999" cy="2324100"/>
-          </a:xfrm>
-          <a:prstGeom prst="rect">
-            <a:avLst/>
-          </a:prstGeom>
-        </p:spPr>
-      </p:pic>
     </p:spTree>
   </p:cSld>
   <p:clrMapOvr>
@@ -10967,7 +11427,7 @@
         </p:nvSpPr>
         <p:spPr>
           <a:xfrm>
-            <a:off x="6711497" y="2362200"/>
+            <a:off x="6711498" y="1981200"/>
             <a:ext cx="1568450" cy="1066800"/>
           </a:xfrm>
           <a:prstGeom prst="cube">
@@ -11106,7 +11566,7 @@
         <p:spPr>
           <a:xfrm>
             <a:off x="5778500" y="647700"/>
-            <a:ext cx="2641600" cy="3848100"/>
+            <a:ext cx="2641600" cy="4076700"/>
           </a:xfrm>
           <a:prstGeom prst="roundRect">
             <a:avLst/>
@@ -11149,7 +11609,7 @@
         </p:nvSpPr>
         <p:spPr>
           <a:xfrm>
-            <a:off x="6851651" y="3657600"/>
+            <a:off x="6711499" y="3581400"/>
             <a:ext cx="1139373" cy="609600"/>
           </a:xfrm>
           <a:prstGeom prst="ellipse">
@@ -11213,6 +11673,154 @@
           </a:p>
         </p:txBody>
       </p:sp>
+      <p:sp>
+        <p:nvSpPr>
+          <p:cNvPr id="27" name="Ellipse 26"/>
+          <p:cNvSpPr/>
+          <p:nvPr/>
+        </p:nvSpPr>
+        <p:spPr>
+          <a:xfrm>
+            <a:off x="6358071" y="3886200"/>
+            <a:ext cx="1139373" cy="609600"/>
+          </a:xfrm>
+          <a:prstGeom prst="ellipse">
+            <a:avLst/>
+          </a:prstGeom>
+          <a:solidFill>
+            <a:schemeClr val="bg1"/>
+          </a:solidFill>
+        </p:spPr>
+        <p:style>
+          <a:lnRef idx="1">
+            <a:schemeClr val="accent1"/>
+          </a:lnRef>
+          <a:fillRef idx="3">
+            <a:schemeClr val="accent1"/>
+          </a:fillRef>
+          <a:effectRef idx="2">
+            <a:schemeClr val="accent1"/>
+          </a:effectRef>
+          <a:fontRef idx="minor">
+            <a:schemeClr val="lt1"/>
+          </a:fontRef>
+        </p:style>
+        <p:txBody>
+          <a:bodyPr rtlCol="0" anchor="ctr"/>
+          <a:lstStyle/>
+          <a:p>
+            <a:pPr algn="ctr">
+              <a:lnSpc>
+                <a:spcPts val="1380"/>
+              </a:lnSpc>
+            </a:pPr>
+            <a:r>
+              <a:rPr lang="fr-FR" sz="1400" dirty="0" smtClean="0">
+                <a:solidFill>
+                  <a:schemeClr val="tx1"/>
+                </a:solidFill>
+              </a:rPr>
+              <a:t>Data Model</a:t>
+            </a:r>
+          </a:p>
+          <a:p>
+            <a:pPr algn="ctr">
+              <a:lnSpc>
+                <a:spcPts val="980"/>
+              </a:lnSpc>
+            </a:pPr>
+            <a:r>
+              <a:rPr lang="fr-FR" sz="1400" dirty="0" smtClean="0">
+                <a:solidFill>
+                  <a:schemeClr val="tx1"/>
+                </a:solidFill>
+              </a:rPr>
+              <a:t>agent</a:t>
+            </a:r>
+            <a:endParaRPr lang="fr-FR" sz="1400" dirty="0">
+              <a:solidFill>
+                <a:schemeClr val="tx1"/>
+              </a:solidFill>
+            </a:endParaRPr>
+          </a:p>
+        </p:txBody>
+      </p:sp>
+      <p:cxnSp>
+        <p:nvCxnSpPr>
+          <p:cNvPr id="29" name="Connecteur en arc 28"/>
+          <p:cNvCxnSpPr>
+            <a:stCxn id="18" idx="2"/>
+            <a:endCxn id="10" idx="2"/>
+          </p:cNvCxnSpPr>
+          <p:nvPr/>
+        </p:nvCxnSpPr>
+        <p:spPr>
+          <a:xfrm rot="10800000">
+            <a:off x="6711498" y="1714500"/>
+            <a:ext cx="1720" cy="2171700"/>
+          </a:xfrm>
+          <a:prstGeom prst="curvedConnector3">
+            <a:avLst>
+              <a:gd name="adj1" fmla="val 14395466"/>
+            </a:avLst>
+          </a:prstGeom>
+          <a:ln>
+            <a:tailEnd type="arrow"/>
+          </a:ln>
+        </p:spPr>
+        <p:style>
+          <a:lnRef idx="2">
+            <a:schemeClr val="accent1"/>
+          </a:lnRef>
+          <a:fillRef idx="0">
+            <a:schemeClr val="accent1"/>
+          </a:fillRef>
+          <a:effectRef idx="1">
+            <a:schemeClr val="accent1"/>
+          </a:effectRef>
+          <a:fontRef idx="minor">
+            <a:schemeClr val="tx1"/>
+          </a:fontRef>
+        </p:style>
+      </p:cxnSp>
+      <p:cxnSp>
+        <p:nvCxnSpPr>
+          <p:cNvPr id="35" name="Connecteur en arc 34"/>
+          <p:cNvCxnSpPr>
+            <a:stCxn id="27" idx="2"/>
+            <a:endCxn id="10" idx="2"/>
+          </p:cNvCxnSpPr>
+          <p:nvPr/>
+        </p:nvCxnSpPr>
+        <p:spPr>
+          <a:xfrm rot="10800000" flipH="1">
+            <a:off x="6358070" y="1714500"/>
+            <a:ext cx="353428" cy="2476500"/>
+          </a:xfrm>
+          <a:prstGeom prst="curvedConnector3">
+            <a:avLst>
+              <a:gd name="adj1" fmla="val -70071"/>
+            </a:avLst>
+          </a:prstGeom>
+          <a:ln>
+            <a:tailEnd type="arrow"/>
+          </a:ln>
+        </p:spPr>
+        <p:style>
+          <a:lnRef idx="2">
+            <a:schemeClr val="accent1"/>
+          </a:lnRef>
+          <a:fillRef idx="0">
+            <a:schemeClr val="accent1"/>
+          </a:fillRef>
+          <a:effectRef idx="1">
+            <a:schemeClr val="accent1"/>
+          </a:effectRef>
+          <a:fontRef idx="minor">
+            <a:schemeClr val="tx1"/>
+          </a:fontRef>
+        </p:style>
+      </p:cxnSp>
       <p:sp>
         <p:nvSpPr>
           <p:cNvPr id="40" name="Cube 39"/>
@@ -11297,8 +11905,8 @@
             <a:avLst/>
           </a:prstGeom>
           <a:ln>
-            <a:headEnd type="none"/>
-            <a:tailEnd type="triangle"/>
+            <a:headEnd type="arrow"/>
+            <a:tailEnd type="none"/>
           </a:ln>
         </p:spPr>
         <p:style>
@@ -11324,7 +11932,7 @@
         </p:nvSpPr>
         <p:spPr>
           <a:xfrm>
-            <a:off x="3772370" y="1714500"/>
+            <a:off x="3772370" y="1148834"/>
             <a:ext cx="662787" cy="369332"/>
           </a:xfrm>
           <a:prstGeom prst="rect">
@@ -11346,9 +11954,98 @@
           </a:p>
         </p:txBody>
       </p:sp>
+      <p:sp>
+        <p:nvSpPr>
+          <p:cNvPr id="44" name="Triangle isocèle 43"/>
+          <p:cNvSpPr/>
+          <p:nvPr/>
+        </p:nvSpPr>
+        <p:spPr>
+          <a:xfrm>
+            <a:off x="4292600" y="1714500"/>
+            <a:ext cx="412750" cy="400050"/>
+          </a:xfrm>
+          <a:prstGeom prst="triangle">
+            <a:avLst/>
+          </a:prstGeom>
+          <a:noFill/>
+          <a:ln>
+            <a:solidFill>
+              <a:schemeClr val="tx1"/>
+            </a:solidFill>
+          </a:ln>
+        </p:spPr>
+        <p:style>
+          <a:lnRef idx="1">
+            <a:schemeClr val="accent1"/>
+          </a:lnRef>
+          <a:fillRef idx="3">
+            <a:schemeClr val="accent1"/>
+          </a:fillRef>
+          <a:effectRef idx="2">
+            <a:schemeClr val="accent1"/>
+          </a:effectRef>
+          <a:fontRef idx="minor">
+            <a:schemeClr val="lt1"/>
+          </a:fontRef>
+        </p:style>
+        <p:txBody>
+          <a:bodyPr rtlCol="0" anchor="ctr"/>
+          <a:lstStyle/>
+          <a:p>
+            <a:pPr algn="ctr"/>
+            <a:endParaRPr lang="fr-FR"/>
+          </a:p>
+        </p:txBody>
+      </p:sp>
+      <p:sp>
+        <p:nvSpPr>
+          <p:cNvPr id="45" name="ZoneTexte 44"/>
+          <p:cNvSpPr txBox="1"/>
+          <p:nvPr/>
+        </p:nvSpPr>
+        <p:spPr>
+          <a:xfrm>
+            <a:off x="3826487" y="2247901"/>
+            <a:ext cx="1356073" cy="646331"/>
+          </a:xfrm>
+          <a:prstGeom prst="rect">
+            <a:avLst/>
+          </a:prstGeom>
+          <a:noFill/>
+        </p:spPr>
+        <p:txBody>
+          <a:bodyPr wrap="none" rtlCol="0">
+            <a:spAutoFit/>
+          </a:bodyPr>
+          <a:lstStyle/>
+          <a:p>
+            <a:r>
+              <a:rPr lang="fr-FR" dirty="0" err="1" smtClean="0"/>
+              <a:t>Schema</a:t>
+            </a:r>
+            <a:r>
+              <a:rPr lang="fr-FR" dirty="0" smtClean="0"/>
+              <a:t> </a:t>
+            </a:r>
+            <a:r>
+              <a:rPr lang="fr-FR" dirty="0" err="1" smtClean="0"/>
+              <a:t>tree</a:t>
+            </a:r>
+            <a:endParaRPr lang="fr-FR" dirty="0" smtClean="0"/>
+          </a:p>
+          <a:p>
+            <a:r>
+              <a:rPr lang="fr-FR" dirty="0" smtClean="0"/>
+              <a:t>Java applet</a:t>
+            </a:r>
+            <a:endParaRPr lang="fr-FR" dirty="0"/>
+          </a:p>
+        </p:txBody>
+      </p:sp>
       <p:pic>
         <p:nvPicPr>
-          <p:cNvPr id="16" name="Image 15" descr="applet2.tiff"/>
+          <p:cNvPr id="46" name="Image 45" descr="applet1.tiff"/>
           <p:cNvPicPr>
             <a:picLocks noChangeAspect="1"/>
           </p:cNvPicPr>
@@ -11362,494 +12059,14 @@
         </p:blipFill>
         <p:spPr>
           <a:xfrm>
-            <a:off x="825500" y="3176370"/>
-            <a:ext cx="2639600" cy="2348131"/>
+            <a:off x="742950" y="3048000"/>
+            <a:ext cx="2724999" cy="2324100"/>
           </a:xfrm>
           <a:prstGeom prst="rect">
             <a:avLst/>
           </a:prstGeom>
         </p:spPr>
       </p:pic>
-      <p:sp>
-        <p:nvSpPr>
-          <p:cNvPr id="17" name="Flèche vers la gauche 16"/>
-          <p:cNvSpPr/>
-          <p:nvPr/>
-        </p:nvSpPr>
-        <p:spPr>
-          <a:xfrm rot="2874564">
-            <a:off x="1451499" y="5337755"/>
-            <a:ext cx="349143" cy="373493"/>
-          </a:xfrm>
-          <a:prstGeom prst="leftArrow">
-            <a:avLst>
-              <a:gd name="adj1" fmla="val 29385"/>
-              <a:gd name="adj2" fmla="val 49083"/>
-            </a:avLst>
-          </a:prstGeom>
-          <a:solidFill>
-            <a:schemeClr val="tx1"/>
-          </a:solidFill>
-          <a:ln>
-            <a:solidFill>
-              <a:schemeClr val="tx1"/>
-            </a:solidFill>
-          </a:ln>
-        </p:spPr>
-        <p:style>
-          <a:lnRef idx="1">
-            <a:schemeClr val="accent1"/>
-          </a:lnRef>
-          <a:fillRef idx="3">
-            <a:schemeClr val="accent1"/>
-          </a:fillRef>
-          <a:effectRef idx="2">
-            <a:schemeClr val="accent1"/>
-          </a:effectRef>
-          <a:fontRef idx="minor">
-            <a:schemeClr val="lt1"/>
-          </a:fontRef>
-        </p:style>
-        <p:txBody>
-          <a:bodyPr rtlCol="0" anchor="ctr"/>
-          <a:lstStyle/>
-          <a:p>
-            <a:pPr algn="ctr"/>
-            <a:endParaRPr lang="fr-FR"/>
-          </a:p>
-        </p:txBody>
-      </p:sp>
-      <p:sp>
-        <p:nvSpPr>
-          <p:cNvPr id="19" name="ZoneTexte 18"/>
-          <p:cNvSpPr txBox="1"/>
-          <p:nvPr/>
-        </p:nvSpPr>
-        <p:spPr>
-          <a:xfrm>
-            <a:off x="3772369" y="1852931"/>
-            <a:ext cx="1338828" cy="1323439"/>
-          </a:xfrm>
-          <a:prstGeom prst="rect">
-            <a:avLst/>
-          </a:prstGeom>
-          <a:noFill/>
-        </p:spPr>
-        <p:txBody>
-          <a:bodyPr wrap="none" rtlCol="0">
-            <a:spAutoFit/>
-          </a:bodyPr>
-          <a:lstStyle/>
-          <a:p>
-            <a:r>
-              <a:rPr lang="fr-FR" sz="1000" dirty="0" smtClean="0"/>
-              <a:t>…</a:t>
-            </a:r>
-          </a:p>
-          <a:p>
-            <a:r>
-              <a:rPr lang="fr-FR" sz="1000" dirty="0" smtClean="0"/>
-              <a:t>&lt;</a:t>
-            </a:r>
-            <a:r>
-              <a:rPr lang="fr-FR" sz="1000" dirty="0" err="1" smtClean="0"/>
-              <a:t>get-config</a:t>
-            </a:r>
-            <a:r>
-              <a:rPr lang="fr-FR" sz="1000" dirty="0" smtClean="0"/>
-              <a:t>&gt;</a:t>
-            </a:r>
-          </a:p>
-          <a:p>
-            <a:r>
-              <a:rPr lang="fr-FR" sz="1000" dirty="0" smtClean="0"/>
-              <a:t>   &lt;</a:t>
-            </a:r>
-            <a:r>
-              <a:rPr lang="fr-FR" sz="1000" dirty="0" err="1" smtClean="0"/>
-              <a:t>netconf</a:t>
-            </a:r>
-            <a:r>
-              <a:rPr lang="fr-FR" sz="1000" dirty="0" smtClean="0"/>
-              <a:t>&gt;</a:t>
-            </a:r>
-          </a:p>
-          <a:p>
-            <a:r>
-              <a:rPr lang="fr-FR" sz="1000" dirty="0" smtClean="0"/>
-              <a:t>      &lt;network&gt;</a:t>
-            </a:r>
-          </a:p>
-          <a:p>
-            <a:r>
-              <a:rPr lang="fr-FR" sz="1000" dirty="0" smtClean="0"/>
-              <a:t>	</a:t>
-            </a:r>
-            <a:r>
-              <a:rPr lang="fr-FR" sz="1000" dirty="0"/>
-              <a:t>&lt;</a:t>
-            </a:r>
-            <a:r>
-              <a:rPr lang="fr-FR" sz="1000" dirty="0" smtClean="0"/>
-              <a:t>interfaces/&gt;</a:t>
-            </a:r>
-          </a:p>
-          <a:p>
-            <a:r>
-              <a:rPr lang="fr-FR" sz="1000" dirty="0" smtClean="0"/>
-              <a:t>      &lt;/network&gt;</a:t>
-            </a:r>
-          </a:p>
-          <a:p>
-            <a:r>
-              <a:rPr lang="fr-FR" sz="1000" dirty="0" smtClean="0"/>
-              <a:t>   &lt;/</a:t>
-            </a:r>
-            <a:r>
-              <a:rPr lang="fr-FR" sz="1000" dirty="0" err="1" smtClean="0"/>
-              <a:t>netconf</a:t>
-            </a:r>
-            <a:r>
-              <a:rPr lang="fr-FR" sz="1000" dirty="0" smtClean="0"/>
-              <a:t>&gt;</a:t>
-            </a:r>
-          </a:p>
-          <a:p>
-            <a:r>
-              <a:rPr lang="fr-FR" sz="1000" dirty="0" smtClean="0"/>
-              <a:t>&lt;/</a:t>
-            </a:r>
-            <a:r>
-              <a:rPr lang="fr-FR" sz="1000" dirty="0" err="1" smtClean="0"/>
-              <a:t>get-config</a:t>
-            </a:r>
-            <a:r>
-              <a:rPr lang="fr-FR" sz="1000" dirty="0" smtClean="0"/>
-              <a:t>&gt;</a:t>
-            </a:r>
-            <a:endParaRPr lang="fr-FR" sz="1000" dirty="0"/>
-          </a:p>
-        </p:txBody>
-      </p:sp>
-      <p:cxnSp>
-        <p:nvCxnSpPr>
-          <p:cNvPr id="21" name="Connecteur droit avec flèche 20"/>
-          <p:cNvCxnSpPr>
-            <a:stCxn id="10" idx="3"/>
-          </p:cNvCxnSpPr>
-          <p:nvPr/>
-        </p:nvCxnSpPr>
-        <p:spPr>
-          <a:xfrm rot="16200000" flipH="1">
-            <a:off x="7190355" y="2275456"/>
-            <a:ext cx="400050" cy="78238"/>
-          </a:xfrm>
-          <a:prstGeom prst="straightConnector1">
-            <a:avLst/>
-          </a:prstGeom>
-          <a:ln>
-            <a:tailEnd type="arrow"/>
-          </a:ln>
-        </p:spPr>
-        <p:style>
-          <a:lnRef idx="2">
-            <a:schemeClr val="accent1"/>
-          </a:lnRef>
-          <a:fillRef idx="0">
-            <a:schemeClr val="accent1"/>
-          </a:fillRef>
-          <a:effectRef idx="1">
-            <a:schemeClr val="accent1"/>
-          </a:effectRef>
-          <a:fontRef idx="minor">
-            <a:schemeClr val="tx1"/>
-          </a:fontRef>
-        </p:style>
-      </p:cxnSp>
-      <p:cxnSp>
-        <p:nvCxnSpPr>
-          <p:cNvPr id="24" name="Connecteur droit avec flèche 23"/>
-          <p:cNvCxnSpPr/>
-          <p:nvPr/>
-        </p:nvCxnSpPr>
-        <p:spPr>
-          <a:xfrm flipV="1">
-            <a:off x="8279947" y="2743200"/>
-            <a:ext cx="1295853" cy="228600"/>
-          </a:xfrm>
-          <a:prstGeom prst="straightConnector1">
-            <a:avLst/>
-          </a:prstGeom>
-          <a:ln>
-            <a:headEnd type="none"/>
-            <a:tailEnd type="arrow"/>
-          </a:ln>
-        </p:spPr>
-        <p:style>
-          <a:lnRef idx="2">
-            <a:schemeClr val="accent1"/>
-          </a:lnRef>
-          <a:fillRef idx="0">
-            <a:schemeClr val="accent1"/>
-          </a:fillRef>
-          <a:effectRef idx="1">
-            <a:schemeClr val="accent1"/>
-          </a:effectRef>
-          <a:fontRef idx="minor">
-            <a:schemeClr val="tx1"/>
-          </a:fontRef>
-        </p:style>
-      </p:cxnSp>
-      <p:sp>
-        <p:nvSpPr>
-          <p:cNvPr id="25" name="ZoneTexte 24"/>
-          <p:cNvSpPr txBox="1"/>
-          <p:nvPr/>
-        </p:nvSpPr>
-        <p:spPr>
-          <a:xfrm>
-            <a:off x="8585200" y="2991703"/>
-            <a:ext cx="1083086" cy="369332"/>
-          </a:xfrm>
-          <a:prstGeom prst="rect">
-            <a:avLst/>
-          </a:prstGeom>
-          <a:noFill/>
-        </p:spPr>
-        <p:txBody>
-          <a:bodyPr wrap="none" rtlCol="0">
-            <a:spAutoFit/>
-          </a:bodyPr>
-          <a:lstStyle/>
-          <a:p>
-            <a:r>
-              <a:rPr lang="fr-FR" dirty="0" smtClean="0"/>
-              <a:t>NETCONF</a:t>
-            </a:r>
-            <a:endParaRPr lang="fr-FR" dirty="0"/>
-          </a:p>
-        </p:txBody>
-      </p:sp>
-      <p:sp>
-        <p:nvSpPr>
-          <p:cNvPr id="26" name="ZoneTexte 25"/>
-          <p:cNvSpPr txBox="1"/>
-          <p:nvPr/>
-        </p:nvSpPr>
-        <p:spPr>
-          <a:xfrm>
-            <a:off x="247650" y="3657600"/>
-            <a:ext cx="301660" cy="369332"/>
-          </a:xfrm>
-          <a:prstGeom prst="rect">
-            <a:avLst/>
-          </a:prstGeom>
-          <a:noFill/>
-        </p:spPr>
-        <p:txBody>
-          <a:bodyPr wrap="none" rtlCol="0">
-            <a:spAutoFit/>
-          </a:bodyPr>
-          <a:lstStyle/>
-          <a:p>
-            <a:r>
-              <a:rPr lang="fr-FR" dirty="0" smtClean="0"/>
-              <a:t>1</a:t>
-            </a:r>
-            <a:endParaRPr lang="fr-FR" dirty="0"/>
-          </a:p>
-        </p:txBody>
-      </p:sp>
-      <p:sp>
-        <p:nvSpPr>
-          <p:cNvPr id="28" name="ZoneTexte 27"/>
-          <p:cNvSpPr txBox="1"/>
-          <p:nvPr/>
-        </p:nvSpPr>
-        <p:spPr>
-          <a:xfrm>
-            <a:off x="1152299" y="5715000"/>
-            <a:ext cx="301660" cy="369332"/>
-          </a:xfrm>
-          <a:prstGeom prst="rect">
-            <a:avLst/>
-          </a:prstGeom>
-          <a:noFill/>
-        </p:spPr>
-        <p:txBody>
-          <a:bodyPr wrap="none" rtlCol="0">
-            <a:spAutoFit/>
-          </a:bodyPr>
-          <a:lstStyle/>
-          <a:p>
-            <a:r>
-              <a:rPr lang="fr-FR" dirty="0" smtClean="0"/>
-              <a:t>2</a:t>
-            </a:r>
-            <a:endParaRPr lang="fr-FR" dirty="0"/>
-          </a:p>
-        </p:txBody>
-      </p:sp>
-      <p:sp>
-        <p:nvSpPr>
-          <p:cNvPr id="30" name="ZoneTexte 29"/>
-          <p:cNvSpPr txBox="1"/>
-          <p:nvPr/>
-        </p:nvSpPr>
-        <p:spPr>
-          <a:xfrm>
-            <a:off x="3772369" y="1186934"/>
-            <a:ext cx="301660" cy="369332"/>
-          </a:xfrm>
-          <a:prstGeom prst="rect">
-            <a:avLst/>
-          </a:prstGeom>
-          <a:noFill/>
-        </p:spPr>
-        <p:txBody>
-          <a:bodyPr wrap="none" rtlCol="0">
-            <a:spAutoFit/>
-          </a:bodyPr>
-          <a:lstStyle/>
-          <a:p>
-            <a:r>
-              <a:rPr lang="fr-FR" dirty="0" smtClean="0"/>
-              <a:t>3</a:t>
-            </a:r>
-            <a:endParaRPr lang="fr-FR" dirty="0"/>
-          </a:p>
-        </p:txBody>
-      </p:sp>
-      <p:sp>
-        <p:nvSpPr>
-          <p:cNvPr id="31" name="ZoneTexte 30"/>
-          <p:cNvSpPr txBox="1"/>
-          <p:nvPr/>
-        </p:nvSpPr>
-        <p:spPr>
-          <a:xfrm>
-            <a:off x="6954385" y="2177534"/>
-            <a:ext cx="301660" cy="369332"/>
-          </a:xfrm>
-          <a:prstGeom prst="rect">
-            <a:avLst/>
-          </a:prstGeom>
-          <a:noFill/>
-        </p:spPr>
-        <p:txBody>
-          <a:bodyPr wrap="none" rtlCol="0">
-            <a:spAutoFit/>
-          </a:bodyPr>
-          <a:lstStyle/>
-          <a:p>
-            <a:r>
-              <a:rPr lang="fr-FR" dirty="0" smtClean="0"/>
-              <a:t>4</a:t>
-            </a:r>
-            <a:endParaRPr lang="fr-FR" dirty="0"/>
-          </a:p>
-        </p:txBody>
-      </p:sp>
-      <p:sp>
-        <p:nvSpPr>
-          <p:cNvPr id="32" name="ZoneTexte 31"/>
-          <p:cNvSpPr txBox="1"/>
-          <p:nvPr/>
-        </p:nvSpPr>
-        <p:spPr>
-          <a:xfrm>
-            <a:off x="8832850" y="2329934"/>
-            <a:ext cx="301660" cy="369332"/>
-          </a:xfrm>
-          <a:prstGeom prst="rect">
-            <a:avLst/>
-          </a:prstGeom>
-          <a:noFill/>
-        </p:spPr>
-        <p:txBody>
-          <a:bodyPr wrap="none" rtlCol="0">
-            <a:spAutoFit/>
-          </a:bodyPr>
-          <a:lstStyle/>
-          <a:p>
-            <a:r>
-              <a:rPr lang="fr-FR" dirty="0" smtClean="0"/>
-              <a:t>5</a:t>
-            </a:r>
-            <a:endParaRPr lang="fr-FR" dirty="0"/>
-          </a:p>
-        </p:txBody>
-      </p:sp>
-      <p:sp>
-        <p:nvSpPr>
-          <p:cNvPr id="20" name="ZoneTexte 19"/>
-          <p:cNvSpPr txBox="1"/>
-          <p:nvPr/>
-        </p:nvSpPr>
-        <p:spPr>
-          <a:xfrm>
-            <a:off x="412750" y="278368"/>
-            <a:ext cx="4584796" cy="369332"/>
-          </a:xfrm>
-          <a:prstGeom prst="rect">
-            <a:avLst/>
-          </a:prstGeom>
-          <a:noFill/>
-        </p:spPr>
-        <p:txBody>
-          <a:bodyPr wrap="none" rtlCol="0">
-            <a:spAutoFit/>
-          </a:bodyPr>
-          <a:lstStyle/>
-          <a:p>
-            <a:r>
-              <a:rPr lang="fr-FR" dirty="0" smtClean="0"/>
-              <a:t>If </a:t>
-            </a:r>
-            <a:r>
-              <a:rPr lang="fr-FR" dirty="0" err="1" smtClean="0"/>
-              <a:t>https</a:t>
-            </a:r>
-            <a:r>
-              <a:rPr lang="fr-FR" dirty="0" smtClean="0"/>
-              <a:t> </a:t>
-            </a:r>
-            <a:r>
-              <a:rPr lang="fr-FR" dirty="0" err="1" smtClean="0"/>
-              <a:t>connection</a:t>
-            </a:r>
-            <a:r>
-              <a:rPr lang="fr-FR" dirty="0" smtClean="0"/>
-              <a:t> </a:t>
-            </a:r>
-            <a:r>
-              <a:rPr lang="fr-FR" dirty="0" err="1" smtClean="0"/>
-              <a:t>could</a:t>
-            </a:r>
-            <a:r>
-              <a:rPr lang="fr-FR" dirty="0" smtClean="0"/>
-              <a:t> </a:t>
-            </a:r>
-            <a:r>
-              <a:rPr lang="fr-FR" dirty="0" err="1" smtClean="0"/>
-              <a:t>be</a:t>
-            </a:r>
-            <a:r>
-              <a:rPr lang="fr-FR" dirty="0" smtClean="0"/>
-              <a:t> </a:t>
-            </a:r>
-            <a:r>
-              <a:rPr lang="fr-FR" dirty="0" err="1" smtClean="0"/>
-              <a:t>used</a:t>
-            </a:r>
-            <a:r>
-              <a:rPr lang="fr-FR" dirty="0" smtClean="0"/>
-              <a:t> by the applet</a:t>
-            </a:r>
-            <a:endParaRPr lang="fr-FR" dirty="0"/>
-          </a:p>
-        </p:txBody>
-      </p:sp>
     </p:spTree>
   </p:cSld>
   <p:clrMapOvr>
@@ -11883,6 +12100,922 @@
         </p:nvSpPr>
         <p:spPr>
           <a:xfrm>
+            <a:off x="6711497" y="2362200"/>
+            <a:ext cx="1568450" cy="1066800"/>
+          </a:xfrm>
+          <a:prstGeom prst="cube">
+            <a:avLst/>
+          </a:prstGeom>
+          <a:solidFill>
+            <a:schemeClr val="bg1"/>
+          </a:solidFill>
+          <a:ln>
+            <a:solidFill>
+              <a:schemeClr val="tx1"/>
+            </a:solidFill>
+          </a:ln>
+        </p:spPr>
+        <p:style>
+          <a:lnRef idx="1">
+            <a:schemeClr val="accent1"/>
+          </a:lnRef>
+          <a:fillRef idx="3">
+            <a:schemeClr val="accent1"/>
+          </a:fillRef>
+          <a:effectRef idx="2">
+            <a:schemeClr val="accent1"/>
+          </a:effectRef>
+          <a:fontRef idx="minor">
+            <a:schemeClr val="lt1"/>
+          </a:fontRef>
+        </p:style>
+        <p:txBody>
+          <a:bodyPr rtlCol="0" anchor="ctr"/>
+          <a:lstStyle/>
+          <a:p>
+            <a:pPr algn="ctr"/>
+            <a:r>
+              <a:rPr lang="fr-FR" dirty="0" smtClean="0">
+                <a:solidFill>
+                  <a:schemeClr val="tx1"/>
+                </a:solidFill>
+              </a:rPr>
+              <a:t>NETCONF</a:t>
+            </a:r>
+          </a:p>
+          <a:p>
+            <a:pPr algn="ctr"/>
+            <a:r>
+              <a:rPr lang="fr-FR" dirty="0" smtClean="0">
+                <a:solidFill>
+                  <a:schemeClr val="tx1"/>
+                </a:solidFill>
+              </a:rPr>
+              <a:t>Manager</a:t>
+            </a:r>
+            <a:endParaRPr lang="fr-FR" dirty="0">
+              <a:solidFill>
+                <a:schemeClr val="tx1"/>
+              </a:solidFill>
+            </a:endParaRPr>
+          </a:p>
+        </p:txBody>
+      </p:sp>
+      <p:sp>
+        <p:nvSpPr>
+          <p:cNvPr id="10" name="Cube 9"/>
+          <p:cNvSpPr/>
+          <p:nvPr/>
+        </p:nvSpPr>
+        <p:spPr>
+          <a:xfrm>
+            <a:off x="6711498" y="1047750"/>
+            <a:ext cx="1568450" cy="1066800"/>
+          </a:xfrm>
+          <a:prstGeom prst="cube">
+            <a:avLst/>
+          </a:prstGeom>
+          <a:solidFill>
+            <a:schemeClr val="bg1"/>
+          </a:solidFill>
+          <a:ln>
+            <a:solidFill>
+              <a:schemeClr val="tx1"/>
+            </a:solidFill>
+          </a:ln>
+        </p:spPr>
+        <p:style>
+          <a:lnRef idx="1">
+            <a:schemeClr val="accent1"/>
+          </a:lnRef>
+          <a:fillRef idx="3">
+            <a:schemeClr val="accent1"/>
+          </a:fillRef>
+          <a:effectRef idx="2">
+            <a:schemeClr val="accent1"/>
+          </a:effectRef>
+          <a:fontRef idx="minor">
+            <a:schemeClr val="lt1"/>
+          </a:fontRef>
+        </p:style>
+        <p:txBody>
+          <a:bodyPr rtlCol="0" anchor="ctr"/>
+          <a:lstStyle/>
+          <a:p>
+            <a:pPr algn="ctr"/>
+            <a:r>
+              <a:rPr lang="fr-FR" dirty="0" smtClean="0">
+                <a:solidFill>
+                  <a:schemeClr val="tx1"/>
+                </a:solidFill>
+              </a:rPr>
+              <a:t>HTTPS</a:t>
+            </a:r>
+          </a:p>
+          <a:p>
+            <a:pPr algn="ctr"/>
+            <a:r>
+              <a:rPr lang="fr-FR" dirty="0" smtClean="0">
+                <a:solidFill>
+                  <a:schemeClr val="tx1"/>
+                </a:solidFill>
+              </a:rPr>
+              <a:t>Server</a:t>
+            </a:r>
+            <a:endParaRPr lang="fr-FR" dirty="0">
+              <a:solidFill>
+                <a:schemeClr val="tx1"/>
+              </a:solidFill>
+            </a:endParaRPr>
+          </a:p>
+        </p:txBody>
+      </p:sp>
+      <p:sp>
+        <p:nvSpPr>
+          <p:cNvPr id="14" name="Rectangle à coins arrondis 13"/>
+          <p:cNvSpPr/>
+          <p:nvPr/>
+        </p:nvSpPr>
+        <p:spPr>
+          <a:xfrm>
+            <a:off x="5778500" y="647700"/>
+            <a:ext cx="2641600" cy="3848100"/>
+          </a:xfrm>
+          <a:prstGeom prst="roundRect">
+            <a:avLst/>
+          </a:prstGeom>
+          <a:noFill/>
+          <a:ln w="34925">
+            <a:solidFill>
+              <a:schemeClr val="tx1"/>
+            </a:solidFill>
+          </a:ln>
+        </p:spPr>
+        <p:style>
+          <a:lnRef idx="1">
+            <a:schemeClr val="accent1"/>
+          </a:lnRef>
+          <a:fillRef idx="3">
+            <a:schemeClr val="accent1"/>
+          </a:fillRef>
+          <a:effectRef idx="2">
+            <a:schemeClr val="accent1"/>
+          </a:effectRef>
+          <a:fontRef idx="minor">
+            <a:schemeClr val="lt1"/>
+          </a:fontRef>
+        </p:style>
+        <p:txBody>
+          <a:bodyPr rtlCol="0" anchor="ctr"/>
+          <a:lstStyle/>
+          <a:p>
+            <a:pPr algn="ctr"/>
+            <a:endParaRPr lang="fr-FR"/>
+          </a:p>
+        </p:txBody>
+      </p:sp>
+      <p:sp>
+        <p:nvSpPr>
+          <p:cNvPr id="18" name="Ellipse 17"/>
+          <p:cNvSpPr/>
+          <p:nvPr/>
+        </p:nvSpPr>
+        <p:spPr>
+          <a:xfrm>
+            <a:off x="6851651" y="3657600"/>
+            <a:ext cx="1139373" cy="609600"/>
+          </a:xfrm>
+          <a:prstGeom prst="ellipse">
+            <a:avLst/>
+          </a:prstGeom>
+          <a:solidFill>
+            <a:schemeClr val="bg1"/>
+          </a:solidFill>
+        </p:spPr>
+        <p:style>
+          <a:lnRef idx="1">
+            <a:schemeClr val="accent1"/>
+          </a:lnRef>
+          <a:fillRef idx="3">
+            <a:schemeClr val="accent1"/>
+          </a:fillRef>
+          <a:effectRef idx="2">
+            <a:schemeClr val="accent1"/>
+          </a:effectRef>
+          <a:fontRef idx="minor">
+            <a:schemeClr val="lt1"/>
+          </a:fontRef>
+        </p:style>
+        <p:txBody>
+          <a:bodyPr rtlCol="0" anchor="ctr"/>
+          <a:lstStyle/>
+          <a:p>
+            <a:pPr algn="ctr">
+              <a:lnSpc>
+                <a:spcPts val="1380"/>
+              </a:lnSpc>
+            </a:pPr>
+            <a:r>
+              <a:rPr lang="fr-FR" sz="1400" dirty="0" smtClean="0">
+                <a:solidFill>
+                  <a:schemeClr val="tx1"/>
+                </a:solidFill>
+              </a:rPr>
+              <a:t>Data Model</a:t>
+            </a:r>
+          </a:p>
+          <a:p>
+            <a:pPr algn="ctr">
+              <a:lnSpc>
+                <a:spcPts val="980"/>
+              </a:lnSpc>
+            </a:pPr>
+            <a:r>
+              <a:rPr lang="fr-FR" sz="1400" dirty="0" smtClean="0">
+                <a:solidFill>
+                  <a:schemeClr val="tx1"/>
+                </a:solidFill>
+              </a:rPr>
+              <a:t>agent</a:t>
+            </a:r>
+            <a:endParaRPr lang="fr-FR" sz="1400" dirty="0">
+              <a:solidFill>
+                <a:schemeClr val="tx1"/>
+              </a:solidFill>
+            </a:endParaRPr>
+          </a:p>
+        </p:txBody>
+      </p:sp>
+      <p:sp>
+        <p:nvSpPr>
+          <p:cNvPr id="40" name="Cube 39"/>
+          <p:cNvSpPr/>
+          <p:nvPr/>
+        </p:nvSpPr>
+        <p:spPr>
+          <a:xfrm>
+            <a:off x="1626069" y="1181100"/>
+            <a:ext cx="1568450" cy="1066800"/>
+          </a:xfrm>
+          <a:prstGeom prst="cube">
+            <a:avLst/>
+          </a:prstGeom>
+          <a:noFill/>
+          <a:ln>
+            <a:solidFill>
+              <a:schemeClr val="tx1"/>
+            </a:solidFill>
+          </a:ln>
+        </p:spPr>
+        <p:style>
+          <a:lnRef idx="1">
+            <a:schemeClr val="accent1"/>
+          </a:lnRef>
+          <a:fillRef idx="3">
+            <a:schemeClr val="accent1"/>
+          </a:fillRef>
+          <a:effectRef idx="2">
+            <a:schemeClr val="accent1"/>
+          </a:effectRef>
+          <a:fontRef idx="minor">
+            <a:schemeClr val="lt1"/>
+          </a:fontRef>
+        </p:style>
+        <p:txBody>
+          <a:bodyPr rtlCol="0" anchor="ctr"/>
+          <a:lstStyle/>
+          <a:p>
+            <a:pPr algn="ctr"/>
+            <a:r>
+              <a:rPr lang="fr-FR" dirty="0" smtClean="0">
+                <a:solidFill>
+                  <a:schemeClr val="tx1"/>
+                </a:solidFill>
+              </a:rPr>
+              <a:t>NETCONF</a:t>
+            </a:r>
+          </a:p>
+          <a:p>
+            <a:pPr algn="ctr"/>
+            <a:r>
+              <a:rPr lang="fr-FR" dirty="0" smtClean="0">
+                <a:solidFill>
+                  <a:schemeClr val="tx1"/>
+                </a:solidFill>
+              </a:rPr>
+              <a:t>Manager</a:t>
+            </a:r>
+            <a:endParaRPr lang="fr-FR" dirty="0">
+              <a:solidFill>
+                <a:schemeClr val="tx1"/>
+              </a:solidFill>
+            </a:endParaRPr>
+          </a:p>
+        </p:txBody>
+      </p:sp>
+      <p:cxnSp>
+        <p:nvCxnSpPr>
+          <p:cNvPr id="41" name="Connecteur droit avec flèche 40"/>
+          <p:cNvCxnSpPr>
+            <a:stCxn id="40" idx="5"/>
+          </p:cNvCxnSpPr>
+          <p:nvPr/>
+        </p:nvCxnSpPr>
+        <p:spPr>
+          <a:xfrm>
+            <a:off x="3194520" y="1581150"/>
+            <a:ext cx="3516978" cy="1588"/>
+          </a:xfrm>
+          <a:prstGeom prst="straightConnector1">
+            <a:avLst/>
+          </a:prstGeom>
+          <a:ln>
+            <a:headEnd type="none"/>
+            <a:tailEnd type="triangle"/>
+          </a:ln>
+        </p:spPr>
+        <p:style>
+          <a:lnRef idx="2">
+            <a:schemeClr val="accent1"/>
+          </a:lnRef>
+          <a:fillRef idx="0">
+            <a:schemeClr val="accent1"/>
+          </a:fillRef>
+          <a:effectRef idx="1">
+            <a:schemeClr val="accent1"/>
+          </a:effectRef>
+          <a:fontRef idx="minor">
+            <a:schemeClr val="tx1"/>
+          </a:fontRef>
+        </p:style>
+      </p:cxnSp>
+      <p:sp>
+        <p:nvSpPr>
+          <p:cNvPr id="42" name="ZoneTexte 41"/>
+          <p:cNvSpPr txBox="1"/>
+          <p:nvPr/>
+        </p:nvSpPr>
+        <p:spPr>
+          <a:xfrm>
+            <a:off x="3772370" y="1714500"/>
+            <a:ext cx="662787" cy="369332"/>
+          </a:xfrm>
+          <a:prstGeom prst="rect">
+            <a:avLst/>
+          </a:prstGeom>
+          <a:noFill/>
+        </p:spPr>
+        <p:txBody>
+          <a:bodyPr wrap="none" rtlCol="0">
+            <a:spAutoFit/>
+          </a:bodyPr>
+          <a:lstStyle/>
+          <a:p>
+            <a:r>
+              <a:rPr lang="fr-FR" dirty="0" err="1" smtClean="0"/>
+              <a:t>https</a:t>
+            </a:r>
+            <a:endParaRPr lang="fr-FR" dirty="0"/>
+          </a:p>
+        </p:txBody>
+      </p:sp>
+      <p:pic>
+        <p:nvPicPr>
+          <p:cNvPr id="16" name="Image 15" descr="applet2.tiff"/>
+          <p:cNvPicPr>
+            <a:picLocks noChangeAspect="1"/>
+          </p:cNvPicPr>
+          <p:nvPr/>
+        </p:nvPicPr>
+        <p:blipFill>
+          <a:blip r:embed="rId3"/>
+          <a:stretch>
+            <a:fillRect/>
+          </a:stretch>
+        </p:blipFill>
+        <p:spPr>
+          <a:xfrm>
+            <a:off x="825500" y="3176370"/>
+            <a:ext cx="2639600" cy="2348131"/>
+          </a:xfrm>
+          <a:prstGeom prst="rect">
+            <a:avLst/>
+          </a:prstGeom>
+        </p:spPr>
+      </p:pic>
+      <p:sp>
+        <p:nvSpPr>
+          <p:cNvPr id="17" name="Flèche vers la gauche 16"/>
+          <p:cNvSpPr/>
+          <p:nvPr/>
+        </p:nvSpPr>
+        <p:spPr>
+          <a:xfrm rot="2874564">
+            <a:off x="1451499" y="5337755"/>
+            <a:ext cx="349143" cy="373493"/>
+          </a:xfrm>
+          <a:prstGeom prst="leftArrow">
+            <a:avLst>
+              <a:gd name="adj1" fmla="val 29385"/>
+              <a:gd name="adj2" fmla="val 49083"/>
+            </a:avLst>
+          </a:prstGeom>
+          <a:solidFill>
+            <a:schemeClr val="tx1"/>
+          </a:solidFill>
+          <a:ln>
+            <a:solidFill>
+              <a:schemeClr val="tx1"/>
+            </a:solidFill>
+          </a:ln>
+        </p:spPr>
+        <p:style>
+          <a:lnRef idx="1">
+            <a:schemeClr val="accent1"/>
+          </a:lnRef>
+          <a:fillRef idx="3">
+            <a:schemeClr val="accent1"/>
+          </a:fillRef>
+          <a:effectRef idx="2">
+            <a:schemeClr val="accent1"/>
+          </a:effectRef>
+          <a:fontRef idx="minor">
+            <a:schemeClr val="lt1"/>
+          </a:fontRef>
+        </p:style>
+        <p:txBody>
+          <a:bodyPr rtlCol="0" anchor="ctr"/>
+          <a:lstStyle/>
+          <a:p>
+            <a:pPr algn="ctr"/>
+            <a:endParaRPr lang="fr-FR"/>
+          </a:p>
+        </p:txBody>
+      </p:sp>
+      <p:sp>
+        <p:nvSpPr>
+          <p:cNvPr id="19" name="ZoneTexte 18"/>
+          <p:cNvSpPr txBox="1"/>
+          <p:nvPr/>
+        </p:nvSpPr>
+        <p:spPr>
+          <a:xfrm>
+            <a:off x="3772369" y="1852931"/>
+            <a:ext cx="1338828" cy="1323439"/>
+          </a:xfrm>
+          <a:prstGeom prst="rect">
+            <a:avLst/>
+          </a:prstGeom>
+          <a:noFill/>
+        </p:spPr>
+        <p:txBody>
+          <a:bodyPr wrap="none" rtlCol="0">
+            <a:spAutoFit/>
+          </a:bodyPr>
+          <a:lstStyle/>
+          <a:p>
+            <a:r>
+              <a:rPr lang="fr-FR" sz="1000" dirty="0" smtClean="0"/>
+              <a:t>…</a:t>
+            </a:r>
+          </a:p>
+          <a:p>
+            <a:r>
+              <a:rPr lang="fr-FR" sz="1000" dirty="0" smtClean="0"/>
+              <a:t>&lt;</a:t>
+            </a:r>
+            <a:r>
+              <a:rPr lang="fr-FR" sz="1000" dirty="0" err="1" smtClean="0"/>
+              <a:t>get-config</a:t>
+            </a:r>
+            <a:r>
+              <a:rPr lang="fr-FR" sz="1000" dirty="0" smtClean="0"/>
+              <a:t>&gt;</a:t>
+            </a:r>
+          </a:p>
+          <a:p>
+            <a:r>
+              <a:rPr lang="fr-FR" sz="1000" dirty="0" smtClean="0"/>
+              <a:t>   &lt;</a:t>
+            </a:r>
+            <a:r>
+              <a:rPr lang="fr-FR" sz="1000" dirty="0" err="1" smtClean="0"/>
+              <a:t>netconf</a:t>
+            </a:r>
+            <a:r>
+              <a:rPr lang="fr-FR" sz="1000" dirty="0" smtClean="0"/>
+              <a:t>&gt;</a:t>
+            </a:r>
+          </a:p>
+          <a:p>
+            <a:r>
+              <a:rPr lang="fr-FR" sz="1000" dirty="0" smtClean="0"/>
+              <a:t>      &lt;network&gt;</a:t>
+            </a:r>
+          </a:p>
+          <a:p>
+            <a:r>
+              <a:rPr lang="fr-FR" sz="1000" dirty="0" smtClean="0"/>
+              <a:t>	</a:t>
+            </a:r>
+            <a:r>
+              <a:rPr lang="fr-FR" sz="1000" dirty="0"/>
+              <a:t>&lt;</a:t>
+            </a:r>
+            <a:r>
+              <a:rPr lang="fr-FR" sz="1000" dirty="0" smtClean="0"/>
+              <a:t>interfaces/&gt;</a:t>
+            </a:r>
+          </a:p>
+          <a:p>
+            <a:r>
+              <a:rPr lang="fr-FR" sz="1000" dirty="0" smtClean="0"/>
+              <a:t>      &lt;/network&gt;</a:t>
+            </a:r>
+          </a:p>
+          <a:p>
+            <a:r>
+              <a:rPr lang="fr-FR" sz="1000" dirty="0" smtClean="0"/>
+              <a:t>   &lt;/</a:t>
+            </a:r>
+            <a:r>
+              <a:rPr lang="fr-FR" sz="1000" dirty="0" err="1" smtClean="0"/>
+              <a:t>netconf</a:t>
+            </a:r>
+            <a:r>
+              <a:rPr lang="fr-FR" sz="1000" dirty="0" smtClean="0"/>
+              <a:t>&gt;</a:t>
+            </a:r>
+          </a:p>
+          <a:p>
+            <a:r>
+              <a:rPr lang="fr-FR" sz="1000" dirty="0" smtClean="0"/>
+              <a:t>&lt;/</a:t>
+            </a:r>
+            <a:r>
+              <a:rPr lang="fr-FR" sz="1000" dirty="0" err="1" smtClean="0"/>
+              <a:t>get-config</a:t>
+            </a:r>
+            <a:r>
+              <a:rPr lang="fr-FR" sz="1000" dirty="0" smtClean="0"/>
+              <a:t>&gt;</a:t>
+            </a:r>
+            <a:endParaRPr lang="fr-FR" sz="1000" dirty="0"/>
+          </a:p>
+        </p:txBody>
+      </p:sp>
+      <p:cxnSp>
+        <p:nvCxnSpPr>
+          <p:cNvPr id="21" name="Connecteur droit avec flèche 20"/>
+          <p:cNvCxnSpPr>
+            <a:stCxn id="10" idx="3"/>
+          </p:cNvCxnSpPr>
+          <p:nvPr/>
+        </p:nvCxnSpPr>
+        <p:spPr>
+          <a:xfrm rot="16200000" flipH="1">
+            <a:off x="7190355" y="2275456"/>
+            <a:ext cx="400050" cy="78238"/>
+          </a:xfrm>
+          <a:prstGeom prst="straightConnector1">
+            <a:avLst/>
+          </a:prstGeom>
+          <a:ln>
+            <a:tailEnd type="arrow"/>
+          </a:ln>
+        </p:spPr>
+        <p:style>
+          <a:lnRef idx="2">
+            <a:schemeClr val="accent1"/>
+          </a:lnRef>
+          <a:fillRef idx="0">
+            <a:schemeClr val="accent1"/>
+          </a:fillRef>
+          <a:effectRef idx="1">
+            <a:schemeClr val="accent1"/>
+          </a:effectRef>
+          <a:fontRef idx="minor">
+            <a:schemeClr val="tx1"/>
+          </a:fontRef>
+        </p:style>
+      </p:cxnSp>
+      <p:cxnSp>
+        <p:nvCxnSpPr>
+          <p:cNvPr id="24" name="Connecteur droit avec flèche 23"/>
+          <p:cNvCxnSpPr/>
+          <p:nvPr/>
+        </p:nvCxnSpPr>
+        <p:spPr>
+          <a:xfrm flipV="1">
+            <a:off x="8279947" y="2743200"/>
+            <a:ext cx="1295853" cy="228600"/>
+          </a:xfrm>
+          <a:prstGeom prst="straightConnector1">
+            <a:avLst/>
+          </a:prstGeom>
+          <a:ln>
+            <a:headEnd type="none"/>
+            <a:tailEnd type="arrow"/>
+          </a:ln>
+        </p:spPr>
+        <p:style>
+          <a:lnRef idx="2">
+            <a:schemeClr val="accent1"/>
+          </a:lnRef>
+          <a:fillRef idx="0">
+            <a:schemeClr val="accent1"/>
+          </a:fillRef>
+          <a:effectRef idx="1">
+            <a:schemeClr val="accent1"/>
+          </a:effectRef>
+          <a:fontRef idx="minor">
+            <a:schemeClr val="tx1"/>
+          </a:fontRef>
+        </p:style>
+      </p:cxnSp>
+      <p:sp>
+        <p:nvSpPr>
+          <p:cNvPr id="25" name="ZoneTexte 24"/>
+          <p:cNvSpPr txBox="1"/>
+          <p:nvPr/>
+        </p:nvSpPr>
+        <p:spPr>
+          <a:xfrm>
+            <a:off x="8585200" y="2991703"/>
+            <a:ext cx="1083086" cy="369332"/>
+          </a:xfrm>
+          <a:prstGeom prst="rect">
+            <a:avLst/>
+          </a:prstGeom>
+          <a:noFill/>
+        </p:spPr>
+        <p:txBody>
+          <a:bodyPr wrap="none" rtlCol="0">
+            <a:spAutoFit/>
+          </a:bodyPr>
+          <a:lstStyle/>
+          <a:p>
+            <a:r>
+              <a:rPr lang="fr-FR" dirty="0" smtClean="0"/>
+              <a:t>NETCONF</a:t>
+            </a:r>
+            <a:endParaRPr lang="fr-FR" dirty="0"/>
+          </a:p>
+        </p:txBody>
+      </p:sp>
+      <p:sp>
+        <p:nvSpPr>
+          <p:cNvPr id="26" name="ZoneTexte 25"/>
+          <p:cNvSpPr txBox="1"/>
+          <p:nvPr/>
+        </p:nvSpPr>
+        <p:spPr>
+          <a:xfrm>
+            <a:off x="247650" y="3657600"/>
+            <a:ext cx="301660" cy="369332"/>
+          </a:xfrm>
+          <a:prstGeom prst="rect">
+            <a:avLst/>
+          </a:prstGeom>
+          <a:noFill/>
+        </p:spPr>
+        <p:txBody>
+          <a:bodyPr wrap="none" rtlCol="0">
+            <a:spAutoFit/>
+          </a:bodyPr>
+          <a:lstStyle/>
+          <a:p>
+            <a:r>
+              <a:rPr lang="fr-FR" dirty="0" smtClean="0"/>
+              <a:t>1</a:t>
+            </a:r>
+            <a:endParaRPr lang="fr-FR" dirty="0"/>
+          </a:p>
+        </p:txBody>
+      </p:sp>
+      <p:sp>
+        <p:nvSpPr>
+          <p:cNvPr id="28" name="ZoneTexte 27"/>
+          <p:cNvSpPr txBox="1"/>
+          <p:nvPr/>
+        </p:nvSpPr>
+        <p:spPr>
+          <a:xfrm>
+            <a:off x="1152299" y="5715000"/>
+            <a:ext cx="301660" cy="369332"/>
+          </a:xfrm>
+          <a:prstGeom prst="rect">
+            <a:avLst/>
+          </a:prstGeom>
+          <a:noFill/>
+        </p:spPr>
+        <p:txBody>
+          <a:bodyPr wrap="none" rtlCol="0">
+            <a:spAutoFit/>
+          </a:bodyPr>
+          <a:lstStyle/>
+          <a:p>
+            <a:r>
+              <a:rPr lang="fr-FR" dirty="0" smtClean="0"/>
+              <a:t>2</a:t>
+            </a:r>
+            <a:endParaRPr lang="fr-FR" dirty="0"/>
+          </a:p>
+        </p:txBody>
+      </p:sp>
+      <p:sp>
+        <p:nvSpPr>
+          <p:cNvPr id="30" name="ZoneTexte 29"/>
+          <p:cNvSpPr txBox="1"/>
+          <p:nvPr/>
+        </p:nvSpPr>
+        <p:spPr>
+          <a:xfrm>
+            <a:off x="3772369" y="1186934"/>
+            <a:ext cx="301660" cy="369332"/>
+          </a:xfrm>
+          <a:prstGeom prst="rect">
+            <a:avLst/>
+          </a:prstGeom>
+          <a:noFill/>
+        </p:spPr>
+        <p:txBody>
+          <a:bodyPr wrap="none" rtlCol="0">
+            <a:spAutoFit/>
+          </a:bodyPr>
+          <a:lstStyle/>
+          <a:p>
+            <a:r>
+              <a:rPr lang="fr-FR" dirty="0" smtClean="0"/>
+              <a:t>3</a:t>
+            </a:r>
+            <a:endParaRPr lang="fr-FR" dirty="0"/>
+          </a:p>
+        </p:txBody>
+      </p:sp>
+      <p:sp>
+        <p:nvSpPr>
+          <p:cNvPr id="31" name="ZoneTexte 30"/>
+          <p:cNvSpPr txBox="1"/>
+          <p:nvPr/>
+        </p:nvSpPr>
+        <p:spPr>
+          <a:xfrm>
+            <a:off x="6954385" y="2177534"/>
+            <a:ext cx="301660" cy="369332"/>
+          </a:xfrm>
+          <a:prstGeom prst="rect">
+            <a:avLst/>
+          </a:prstGeom>
+          <a:noFill/>
+        </p:spPr>
+        <p:txBody>
+          <a:bodyPr wrap="none" rtlCol="0">
+            <a:spAutoFit/>
+          </a:bodyPr>
+          <a:lstStyle/>
+          <a:p>
+            <a:r>
+              <a:rPr lang="fr-FR" dirty="0" smtClean="0"/>
+              <a:t>4</a:t>
+            </a:r>
+            <a:endParaRPr lang="fr-FR" dirty="0"/>
+          </a:p>
+        </p:txBody>
+      </p:sp>
+      <p:sp>
+        <p:nvSpPr>
+          <p:cNvPr id="32" name="ZoneTexte 31"/>
+          <p:cNvSpPr txBox="1"/>
+          <p:nvPr/>
+        </p:nvSpPr>
+        <p:spPr>
+          <a:xfrm>
+            <a:off x="8832850" y="2329934"/>
+            <a:ext cx="301660" cy="369332"/>
+          </a:xfrm>
+          <a:prstGeom prst="rect">
+            <a:avLst/>
+          </a:prstGeom>
+          <a:noFill/>
+        </p:spPr>
+        <p:txBody>
+          <a:bodyPr wrap="none" rtlCol="0">
+            <a:spAutoFit/>
+          </a:bodyPr>
+          <a:lstStyle/>
+          <a:p>
+            <a:r>
+              <a:rPr lang="fr-FR" dirty="0" smtClean="0"/>
+              <a:t>5</a:t>
+            </a:r>
+            <a:endParaRPr lang="fr-FR" dirty="0"/>
+          </a:p>
+        </p:txBody>
+      </p:sp>
+      <p:sp>
+        <p:nvSpPr>
+          <p:cNvPr id="20" name="ZoneTexte 19"/>
+          <p:cNvSpPr txBox="1"/>
+          <p:nvPr/>
+        </p:nvSpPr>
+        <p:spPr>
+          <a:xfrm>
+            <a:off x="412750" y="278368"/>
+            <a:ext cx="4584796" cy="369332"/>
+          </a:xfrm>
+          <a:prstGeom prst="rect">
+            <a:avLst/>
+          </a:prstGeom>
+          <a:noFill/>
+        </p:spPr>
+        <p:txBody>
+          <a:bodyPr wrap="none" rtlCol="0">
+            <a:spAutoFit/>
+          </a:bodyPr>
+          <a:lstStyle/>
+          <a:p>
+            <a:r>
+              <a:rPr lang="fr-FR" dirty="0" smtClean="0"/>
+              <a:t>If </a:t>
+            </a:r>
+            <a:r>
+              <a:rPr lang="fr-FR" dirty="0" err="1" smtClean="0"/>
+              <a:t>https</a:t>
+            </a:r>
+            <a:r>
+              <a:rPr lang="fr-FR" dirty="0" smtClean="0"/>
+              <a:t> </a:t>
+            </a:r>
+            <a:r>
+              <a:rPr lang="fr-FR" dirty="0" err="1" smtClean="0"/>
+              <a:t>connection</a:t>
+            </a:r>
+            <a:r>
+              <a:rPr lang="fr-FR" dirty="0" smtClean="0"/>
+              <a:t> </a:t>
+            </a:r>
+            <a:r>
+              <a:rPr lang="fr-FR" dirty="0" err="1" smtClean="0"/>
+              <a:t>could</a:t>
+            </a:r>
+            <a:r>
+              <a:rPr lang="fr-FR" dirty="0" smtClean="0"/>
+              <a:t> </a:t>
+            </a:r>
+            <a:r>
+              <a:rPr lang="fr-FR" dirty="0" err="1" smtClean="0"/>
+              <a:t>be</a:t>
+            </a:r>
+            <a:r>
+              <a:rPr lang="fr-FR" dirty="0" smtClean="0"/>
+              <a:t> </a:t>
+            </a:r>
+            <a:r>
+              <a:rPr lang="fr-FR" dirty="0" err="1" smtClean="0"/>
+              <a:t>used</a:t>
+            </a:r>
+            <a:r>
+              <a:rPr lang="fr-FR" dirty="0" smtClean="0"/>
+              <a:t> by the applet</a:t>
+            </a:r>
+            <a:endParaRPr lang="fr-FR" dirty="0"/>
+          </a:p>
+        </p:txBody>
+      </p:sp>
+    </p:spTree>
+  </p:cSld>
+  <p:clrMapOvr>
+    <a:masterClrMapping/>
+  </p:clrMapOvr>
+</p:sld>
+</file>
+
+<file path=ppt/slides/slide16.xml><?xml version="1.0" encoding="utf-8"?>
+<p:sld xmlns:a="http://schemas.openxmlformats.org/drawingml/2006/main" xmlns:r="http://schemas.openxmlformats.org/officeDocument/2006/relationships" xmlns:mc="http://schemas.openxmlformats.org/markup-compatibility/2006" xmlns:mv="urn:schemas-microsoft-com:mac:vml" xmlns:p="http://schemas.openxmlformats.org/presentationml/2006/main" mc:Ignorable="mv" mc:PreserveAttributes="mv:*">
+  <p:cSld>
+    <p:spTree>
+      <p:nvGrpSpPr>
+        <p:cNvPr id="1" name=""/>
+        <p:cNvGrpSpPr/>
+        <p:nvPr/>
+      </p:nvGrpSpPr>
+      <p:grpSpPr>
+        <a:xfrm>
+          <a:off x="0" y="0"/>
+          <a:ext cx="0" cy="0"/>
+          <a:chOff x="0" y="0"/>
+          <a:chExt cx="0" cy="0"/>
+        </a:xfrm>
+      </p:grpSpPr>
+      <p:sp>
+        <p:nvSpPr>
+          <p:cNvPr id="9" name="Cube 8"/>
+          <p:cNvSpPr/>
+          <p:nvPr/>
+        </p:nvSpPr>
+        <p:spPr>
+          <a:xfrm>
             <a:off x="6377896" y="1847850"/>
             <a:ext cx="1568450" cy="1066800"/>
           </a:xfrm>
@@ -12581,7 +13714,7 @@
 </p:sld>
 </file>
 
-<file path=ppt/slides/slide16.xml><?xml version="1.0" encoding="utf-8"?>
+<file path=ppt/slides/slide17.xml><?xml version="1.0" encoding="utf-8"?>
 <p:sld xmlns:a="http://schemas.openxmlformats.org/drawingml/2006/main" xmlns:r="http://schemas.openxmlformats.org/officeDocument/2006/relationships" xmlns:mc="http://schemas.openxmlformats.org/markup-compatibility/2006" xmlns:mv="urn:schemas-microsoft-com:mac:vml" xmlns:p="http://schemas.openxmlformats.org/presentationml/2006/main" mc:Ignorable="mv" mc:PreserveAttributes="mv:*">
   <p:cSld>
     <p:spTree>
@@ -13533,7 +14666,7 @@
 </p:sld>
 </file>
 
-<file path=ppt/slides/slide17.xml><?xml version="1.0" encoding="utf-8"?>
+<file path=ppt/slides/slide18.xml><?xml version="1.0" encoding="utf-8"?>
 <p:sld xmlns:a="http://schemas.openxmlformats.org/drawingml/2006/main" xmlns:r="http://schemas.openxmlformats.org/officeDocument/2006/relationships" xmlns:mc="http://schemas.openxmlformats.org/markup-compatibility/2006" xmlns:mv="urn:schemas-microsoft-com:mac:vml" xmlns:p="http://schemas.openxmlformats.org/presentationml/2006/main" mc:Ignorable="mv" mc:PreserveAttributes="mv:*">
   <p:cSld>
     <p:spTree>
@@ -14210,7 +15343,7 @@
 </p:sld>
 </file>
 
-<file path=ppt/slides/slide18.xml><?xml version="1.0" encoding="utf-8"?>
+<file path=ppt/slides/slide19.xml><?xml version="1.0" encoding="utf-8"?>
 <p:sld xmlns:a="http://schemas.openxmlformats.org/drawingml/2006/main" xmlns:r="http://schemas.openxmlformats.org/officeDocument/2006/relationships" xmlns:mc="http://schemas.openxmlformats.org/markup-compatibility/2006" xmlns:mv="urn:schemas-microsoft-com:mac:vml" xmlns:p="http://schemas.openxmlformats.org/presentationml/2006/main" mc:Ignorable="mv" mc:PreserveAttributes="mv:*">
   <p:cSld>
     <p:spTree>
@@ -31099,7 +32232,7 @@
         </p:nvSpPr>
         <p:spPr>
           <a:xfrm>
-            <a:off x="5791200" y="457200"/>
+            <a:off x="5638800" y="734199"/>
             <a:ext cx="2734969" cy="1938992"/>
           </a:xfrm>
           <a:prstGeom prst="rect">
@@ -31722,6 +32855,118 @@
               <a:rPr lang="fr-FR" sz="1200" dirty="0" smtClean="0"/>
               <a:t>&gt;</a:t>
             </a:r>
+          </a:p>
+        </p:txBody>
+      </p:sp>
+      <p:sp>
+        <p:nvSpPr>
+          <p:cNvPr id="25" name="ZoneTexte 24"/>
+          <p:cNvSpPr txBox="1"/>
+          <p:nvPr/>
+        </p:nvSpPr>
+        <p:spPr>
+          <a:xfrm>
+            <a:off x="5440069" y="87868"/>
+            <a:ext cx="2352552" cy="646331"/>
+          </a:xfrm>
+          <a:prstGeom prst="rect">
+            <a:avLst/>
+          </a:prstGeom>
+          <a:noFill/>
+        </p:spPr>
+        <p:txBody>
+          <a:bodyPr wrap="none" rtlCol="0">
+            <a:spAutoFit/>
+          </a:bodyPr>
+          <a:lstStyle/>
+          <a:p>
+            <a:r>
+              <a:rPr lang="fr-FR" dirty="0" smtClean="0"/>
+              <a:t>POST</a:t>
+            </a:r>
+          </a:p>
+          <a:p>
+            <a:r>
+              <a:rPr lang="fr-FR" dirty="0" smtClean="0"/>
+              <a:t>   </a:t>
+            </a:r>
+            <a:r>
+              <a:rPr lang="fr-FR" dirty="0" err="1" smtClean="0"/>
+              <a:t>operation</a:t>
+            </a:r>
+            <a:r>
+              <a:rPr lang="fr-FR" dirty="0" smtClean="0"/>
+              <a:t> : </a:t>
+            </a:r>
+            <a:r>
+              <a:rPr lang="fr-FR" dirty="0" err="1" smtClean="0"/>
+              <a:t>get-config</a:t>
+            </a:r>
+            <a:r>
+              <a:rPr lang="fr-FR" dirty="0" smtClean="0"/>
+              <a:t> </a:t>
+            </a:r>
+            <a:endParaRPr lang="fr-FR" dirty="0"/>
+          </a:p>
+        </p:txBody>
+      </p:sp>
+      <p:sp>
+        <p:nvSpPr>
+          <p:cNvPr id="26" name="ZoneTexte 25"/>
+          <p:cNvSpPr txBox="1"/>
+          <p:nvPr/>
+        </p:nvSpPr>
+        <p:spPr>
+          <a:xfrm rot="19222076">
+            <a:off x="6699699" y="2710934"/>
+            <a:ext cx="675861" cy="369332"/>
+          </a:xfrm>
+          <a:prstGeom prst="rect">
+            <a:avLst/>
+          </a:prstGeom>
+          <a:noFill/>
+        </p:spPr>
+        <p:txBody>
+          <a:bodyPr wrap="none" rtlCol="0">
+            <a:spAutoFit/>
+          </a:bodyPr>
+          <a:lstStyle/>
+          <a:p>
+            <a:r>
+              <a:rPr lang="fr-FR" dirty="0" smtClean="0"/>
+              <a:t>HTTP</a:t>
+            </a:r>
+            <a:endParaRPr lang="fr-FR" dirty="0"/>
+          </a:p>
+        </p:txBody>
+      </p:sp>
+      <p:sp>
+        <p:nvSpPr>
+          <p:cNvPr id="28" name="ZoneTexte 27"/>
+          <p:cNvSpPr txBox="1"/>
+          <p:nvPr/>
+        </p:nvSpPr>
+        <p:spPr>
+          <a:xfrm rot="18663105">
+            <a:off x="5867401" y="5774339"/>
+            <a:ext cx="1083086" cy="369332"/>
+          </a:xfrm>
+          <a:prstGeom prst="rect">
+            <a:avLst/>
+          </a:prstGeom>
+          <a:noFill/>
+        </p:spPr>
+        <p:txBody>
+          <a:bodyPr wrap="none" rtlCol="0">
+            <a:spAutoFit/>
+          </a:bodyPr>
+          <a:lstStyle/>
+          <a:p>
+            <a:r>
+              <a:rPr lang="fr-FR" dirty="0" smtClean="0"/>
+              <a:t>NETCONF</a:t>
+            </a:r>
+            <a:endParaRPr lang="fr-FR" dirty="0"/>
           </a:p>
         </p:txBody>
       </p:sp>
@@ -31750,750 +32995,167 @@
           <a:chExt cx="0" cy="0"/>
         </a:xfrm>
       </p:grpSpPr>
-      <p:pic>
-        <p:nvPicPr>
-          <p:cNvPr id="12" name="Image 11" descr="workstation-Vista-256x256.png"/>
-          <p:cNvPicPr>
-            <a:picLocks noChangeAspect="1"/>
-          </p:cNvPicPr>
-          <p:nvPr/>
-        </p:nvPicPr>
-        <p:blipFill>
-          <a:blip r:embed="rId3"/>
-          <a:stretch>
-            <a:fillRect/>
-          </a:stretch>
-        </p:blipFill>
-        <p:spPr>
-          <a:xfrm flipH="1">
-            <a:off x="1219200" y="-228600"/>
-            <a:ext cx="1625769" cy="1778619"/>
-          </a:xfrm>
-          <a:prstGeom prst="rect">
-            <a:avLst/>
-          </a:prstGeom>
-        </p:spPr>
-      </p:pic>
-      <p:pic>
-        <p:nvPicPr>
-          <p:cNvPr id="13" name="Image 12" descr="black-server-128x128.png"/>
-          <p:cNvPicPr>
-            <a:picLocks noChangeAspect="1"/>
-          </p:cNvPicPr>
-          <p:nvPr/>
-        </p:nvPicPr>
-        <p:blipFill>
-          <a:blip r:embed="rId4"/>
-          <a:stretch>
-            <a:fillRect/>
-          </a:stretch>
-        </p:blipFill>
-        <p:spPr>
-          <a:xfrm flipH="1">
-            <a:off x="8077200" y="732705"/>
-            <a:ext cx="1089439" cy="1078809"/>
-          </a:xfrm>
-          <a:prstGeom prst="rect">
-            <a:avLst/>
-          </a:prstGeom>
-          <a:effectLst/>
-        </p:spPr>
-      </p:pic>
       <p:sp>
         <p:nvSpPr>
-          <p:cNvPr id="19" name="Rectangle 18"/>
-          <p:cNvSpPr/>
-          <p:nvPr/>
+          <p:cNvPr id="2" name="Titre 1"/>
+          <p:cNvSpPr>
+            <a:spLocks noGrp="1"/>
+          </p:cNvSpPr>
+          <p:nvPr>
+            <p:ph type="title"/>
+          </p:nvPr>
         </p:nvSpPr>
-        <p:spPr>
-          <a:xfrm>
-            <a:off x="1826065" y="1811514"/>
-            <a:ext cx="759265" cy="277909"/>
-          </a:xfrm>
-          <a:prstGeom prst="rect">
-            <a:avLst/>
-          </a:prstGeom>
-        </p:spPr>
-        <p:style>
-          <a:lnRef idx="1">
-            <a:schemeClr val="accent1"/>
-          </a:lnRef>
-          <a:fillRef idx="3">
-            <a:schemeClr val="accent1"/>
-          </a:fillRef>
-          <a:effectRef idx="2">
-            <a:schemeClr val="accent1"/>
-          </a:effectRef>
-          <a:fontRef idx="minor">
-            <a:schemeClr val="lt1"/>
-          </a:fontRef>
-        </p:style>
+        <p:spPr/>
         <p:txBody>
-          <a:bodyPr rtlCol="0" anchor="ctr"/>
+          <a:bodyPr/>
           <a:lstStyle/>
           <a:p>
-            <a:pPr algn="ctr"/>
-            <a:r>
-              <a:rPr lang="en-US" sz="1100" dirty="0" smtClean="0"/>
-              <a:t>NETCONF</a:t>
-            </a:r>
-            <a:endParaRPr lang="en-US" sz="1100" dirty="0"/>
+            <a:r>
+              <a:rPr lang="fr-FR" dirty="0" smtClean="0"/>
+              <a:t>Conclusions and future </a:t>
+            </a:r>
+            <a:r>
+              <a:rPr lang="fr-FR" dirty="0" err="1" smtClean="0"/>
+              <a:t>works</a:t>
+            </a:r>
+            <a:endParaRPr lang="fr-FR" dirty="0"/>
           </a:p>
         </p:txBody>
       </p:sp>
       <p:sp>
         <p:nvSpPr>
-          <p:cNvPr id="20" name="Rectangle 19"/>
-          <p:cNvSpPr/>
-          <p:nvPr/>
+          <p:cNvPr id="3" name="Espace réservé du contenu 2"/>
+          <p:cNvSpPr>
+            <a:spLocks noGrp="1"/>
+          </p:cNvSpPr>
+          <p:nvPr>
+            <p:ph idx="1"/>
+          </p:nvPr>
         </p:nvSpPr>
-        <p:spPr>
-          <a:xfrm>
-            <a:off x="1827653" y="4495800"/>
-            <a:ext cx="759265" cy="277909"/>
-          </a:xfrm>
-          <a:prstGeom prst="rect">
-            <a:avLst/>
-          </a:prstGeom>
-        </p:spPr>
-        <p:style>
-          <a:lnRef idx="1">
-            <a:schemeClr val="accent1"/>
-          </a:lnRef>
-          <a:fillRef idx="3">
-            <a:schemeClr val="accent1"/>
-          </a:fillRef>
-          <a:effectRef idx="2">
-            <a:schemeClr val="accent1"/>
-          </a:effectRef>
-          <a:fontRef idx="minor">
-            <a:schemeClr val="lt1"/>
-          </a:fontRef>
-        </p:style>
+        <p:spPr/>
         <p:txBody>
-          <a:bodyPr rtlCol="0" anchor="ctr"/>
+          <a:bodyPr/>
           <a:lstStyle/>
           <a:p>
-            <a:pPr algn="ctr"/>
-            <a:r>
-              <a:rPr lang="en-US" sz="1100" dirty="0" smtClean="0"/>
-              <a:t>YANG</a:t>
-            </a:r>
-            <a:endParaRPr lang="en-US" sz="1100" dirty="0"/>
+            <a:r>
+              <a:rPr lang="fr-FR" dirty="0" err="1" smtClean="0"/>
+              <a:t>jYang</a:t>
+            </a:r>
+            <a:r>
+              <a:rPr lang="fr-FR" dirty="0" smtClean="0"/>
+              <a:t>: a YANG </a:t>
+            </a:r>
+            <a:r>
+              <a:rPr lang="fr-FR" dirty="0" err="1" smtClean="0"/>
+              <a:t>parser</a:t>
+            </a:r>
+            <a:endParaRPr lang="fr-FR" dirty="0" smtClean="0"/>
+          </a:p>
+          <a:p>
+            <a:r>
+              <a:rPr lang="fr-FR" dirty="0" smtClean="0"/>
+              <a:t>ENSUITE </a:t>
+            </a:r>
+            <a:r>
+              <a:rPr lang="fr-FR" dirty="0" err="1" smtClean="0"/>
+              <a:t>framework</a:t>
+            </a:r>
+            <a:r>
+              <a:rPr lang="fr-FR" dirty="0" smtClean="0"/>
+              <a:t> : YANG </a:t>
+            </a:r>
+            <a:r>
+              <a:rPr lang="fr-FR" dirty="0" err="1" smtClean="0"/>
+              <a:t>enable</a:t>
+            </a:r>
+            <a:endParaRPr lang="fr-FR" dirty="0" smtClean="0"/>
+          </a:p>
+          <a:p>
+            <a:pPr lvl="1"/>
+            <a:r>
+              <a:rPr lang="fr-FR" dirty="0" err="1" smtClean="0"/>
+              <a:t>YencaP</a:t>
+            </a:r>
+            <a:r>
+              <a:rPr lang="fr-FR" dirty="0" smtClean="0"/>
+              <a:t> : server </a:t>
+            </a:r>
+            <a:r>
+              <a:rPr lang="fr-FR" dirty="0" err="1" smtClean="0"/>
+              <a:t>announces</a:t>
+            </a:r>
+            <a:endParaRPr lang="fr-FR" dirty="0" smtClean="0"/>
+          </a:p>
+          <a:p>
+            <a:pPr lvl="1"/>
+            <a:r>
+              <a:rPr lang="fr-FR" dirty="0" err="1" smtClean="0"/>
+              <a:t>YencaP</a:t>
+            </a:r>
+            <a:r>
+              <a:rPr lang="fr-FR" dirty="0" smtClean="0"/>
+              <a:t> Manager : YANG </a:t>
+            </a:r>
+            <a:r>
+              <a:rPr lang="fr-FR" dirty="0" err="1" smtClean="0"/>
+              <a:t>view</a:t>
+            </a:r>
+            <a:r>
+              <a:rPr lang="fr-FR" dirty="0" smtClean="0"/>
+              <a:t>  applet</a:t>
+            </a:r>
+          </a:p>
+          <a:p>
+            <a:r>
+              <a:rPr lang="fr-FR" dirty="0" err="1" smtClean="0"/>
+              <a:t>YencaP</a:t>
+            </a:r>
+            <a:r>
+              <a:rPr lang="fr-FR" dirty="0" smtClean="0"/>
+              <a:t> : agent </a:t>
+            </a:r>
+            <a:r>
+              <a:rPr lang="fr-FR" dirty="0" err="1" smtClean="0"/>
+              <a:t>builder</a:t>
+            </a:r>
+            <a:endParaRPr lang="fr-FR" dirty="0" smtClean="0"/>
+          </a:p>
+          <a:p>
+            <a:r>
+              <a:rPr lang="fr-FR" dirty="0" smtClean="0"/>
+              <a:t>YANG </a:t>
+            </a:r>
+            <a:r>
+              <a:rPr lang="fr-FR" dirty="0" err="1" smtClean="0"/>
+              <a:t>constraints</a:t>
+            </a:r>
+            <a:endParaRPr lang="fr-FR" dirty="0" smtClean="0"/>
+          </a:p>
+          <a:p>
+            <a:pPr lvl="1"/>
+            <a:r>
+              <a:rPr lang="fr-FR" dirty="0" err="1" smtClean="0"/>
+              <a:t>YencaP</a:t>
+            </a:r>
+            <a:r>
+              <a:rPr lang="fr-FR" dirty="0" smtClean="0"/>
+              <a:t> : configuration self check</a:t>
+            </a:r>
+          </a:p>
+          <a:p>
+            <a:pPr lvl="1"/>
+            <a:r>
+              <a:rPr lang="fr-FR" dirty="0" err="1" smtClean="0"/>
+              <a:t>YencaP</a:t>
+            </a:r>
+            <a:r>
+              <a:rPr lang="fr-FR" dirty="0" smtClean="0"/>
+              <a:t> Manager : user input control</a:t>
+            </a:r>
+            <a:endParaRPr lang="fr-FR" dirty="0"/>
           </a:p>
         </p:txBody>
       </p:sp>
-      <p:sp>
-        <p:nvSpPr>
-          <p:cNvPr id="21" name="Rectangle 20"/>
-          <p:cNvSpPr/>
-          <p:nvPr/>
-        </p:nvSpPr>
-        <p:spPr>
-          <a:xfrm>
-            <a:off x="7317935" y="1811514"/>
-            <a:ext cx="759265" cy="277909"/>
-          </a:xfrm>
-          <a:prstGeom prst="rect">
-            <a:avLst/>
-          </a:prstGeom>
-        </p:spPr>
-        <p:style>
-          <a:lnRef idx="1">
-            <a:schemeClr val="accent1"/>
-          </a:lnRef>
-          <a:fillRef idx="3">
-            <a:schemeClr val="accent1"/>
-          </a:fillRef>
-          <a:effectRef idx="2">
-            <a:schemeClr val="accent1"/>
-          </a:effectRef>
-          <a:fontRef idx="minor">
-            <a:schemeClr val="lt1"/>
-          </a:fontRef>
-        </p:style>
-        <p:txBody>
-          <a:bodyPr rtlCol="0" anchor="ctr"/>
-          <a:lstStyle/>
-          <a:p>
-            <a:pPr algn="ctr"/>
-            <a:r>
-              <a:rPr lang="en-US" sz="1100" dirty="0" smtClean="0"/>
-              <a:t>NETCONF</a:t>
-            </a:r>
-            <a:endParaRPr lang="en-US" sz="1100" dirty="0"/>
-          </a:p>
-        </p:txBody>
-      </p:sp>
-      <p:sp>
-        <p:nvSpPr>
-          <p:cNvPr id="26" name="ZoneTexte 25"/>
-          <p:cNvSpPr txBox="1"/>
-          <p:nvPr/>
-        </p:nvSpPr>
-        <p:spPr>
-          <a:xfrm>
-            <a:off x="3124200" y="611185"/>
-            <a:ext cx="3604039" cy="2169825"/>
-          </a:xfrm>
-          <a:prstGeom prst="rect">
-            <a:avLst/>
-          </a:prstGeom>
-          <a:noFill/>
-        </p:spPr>
-        <p:txBody>
-          <a:bodyPr wrap="square" rtlCol="0">
-            <a:spAutoFit/>
-          </a:bodyPr>
-          <a:lstStyle/>
-          <a:p>
-            <a:r>
-              <a:rPr lang="en-US" sz="900" dirty="0" smtClean="0"/>
-              <a:t>&lt;</a:t>
-            </a:r>
-            <a:r>
-              <a:rPr lang="en-US" sz="900" dirty="0" err="1" smtClean="0"/>
-              <a:t>netconf</a:t>
-            </a:r>
-            <a:r>
-              <a:rPr lang="en-US" sz="900" dirty="0" smtClean="0"/>
-              <a:t>&gt;</a:t>
-            </a:r>
-          </a:p>
-          <a:p>
-            <a:pPr lvl="1"/>
-            <a:r>
-              <a:rPr lang="en-US" sz="900" dirty="0" smtClean="0"/>
-              <a:t>&lt;network&gt;</a:t>
-            </a:r>
-          </a:p>
-          <a:p>
-            <a:pPr lvl="1"/>
-            <a:r>
-              <a:rPr lang="en-US" sz="900" dirty="0" smtClean="0"/>
-              <a:t>	&lt;interfaces&gt;</a:t>
-            </a:r>
-          </a:p>
-          <a:p>
-            <a:pPr lvl="1"/>
-            <a:r>
-              <a:rPr lang="en-US" sz="900" dirty="0" smtClean="0"/>
-              <a:t>		&lt;interface&gt;</a:t>
-            </a:r>
-          </a:p>
-          <a:p>
-            <a:pPr lvl="1"/>
-            <a:r>
-              <a:rPr lang="en-US" sz="900" dirty="0" smtClean="0"/>
-              <a:t>			&lt;name&gt;eth0&lt;/name&gt;</a:t>
-            </a:r>
-          </a:p>
-          <a:p>
-            <a:pPr lvl="1"/>
-            <a:r>
-              <a:rPr lang="en-US" sz="900" dirty="0" smtClean="0"/>
-              <a:t>			&lt;</a:t>
-            </a:r>
-            <a:r>
-              <a:rPr lang="en-US" sz="900" dirty="0" err="1" smtClean="0"/>
-              <a:t>mtu</a:t>
-            </a:r>
-            <a:r>
-              <a:rPr lang="en-US" sz="900" dirty="0" smtClean="0"/>
-              <a:t>&gt;1500&lt;/</a:t>
-            </a:r>
-            <a:r>
-              <a:rPr lang="en-US" sz="900" dirty="0" err="1" smtClean="0"/>
-              <a:t>mtu</a:t>
-            </a:r>
-            <a:r>
-              <a:rPr lang="en-US" sz="900" dirty="0" smtClean="0"/>
-              <a:t>&gt;</a:t>
-            </a:r>
-          </a:p>
-          <a:p>
-            <a:pPr lvl="1"/>
-            <a:r>
-              <a:rPr lang="en-US" sz="900" dirty="0" smtClean="0"/>
-              <a:t>			…</a:t>
-            </a:r>
-          </a:p>
-          <a:p>
-            <a:pPr lvl="1"/>
-            <a:r>
-              <a:rPr lang="en-US" sz="900" dirty="0" smtClean="0"/>
-              <a:t>		&lt;/interface&gt;</a:t>
-            </a:r>
-          </a:p>
-          <a:p>
-            <a:pPr lvl="1"/>
-            <a:r>
-              <a:rPr lang="en-US" sz="900" dirty="0" smtClean="0"/>
-              <a:t>		&lt;interface&gt;</a:t>
-            </a:r>
-          </a:p>
-          <a:p>
-            <a:pPr lvl="1"/>
-            <a:r>
-              <a:rPr lang="en-US" sz="900" dirty="0" smtClean="0"/>
-              <a:t>		…</a:t>
-            </a:r>
-          </a:p>
-          <a:p>
-            <a:pPr lvl="1"/>
-            <a:r>
-              <a:rPr lang="en-US" sz="900" dirty="0" smtClean="0"/>
-              <a:t>	&lt;/interfaces&gt;</a:t>
-            </a:r>
-          </a:p>
-          <a:p>
-            <a:pPr lvl="1"/>
-            <a:r>
-              <a:rPr lang="en-US" sz="900" dirty="0" smtClean="0"/>
-              <a:t>…</a:t>
-            </a:r>
-          </a:p>
-          <a:p>
-            <a:pPr lvl="1"/>
-            <a:r>
-              <a:rPr lang="en-US" sz="900" dirty="0" smtClean="0"/>
-              <a:t>&lt;/network&gt;</a:t>
-            </a:r>
-          </a:p>
-          <a:p>
-            <a:pPr lvl="1"/>
-            <a:r>
-              <a:rPr lang="en-US" sz="900" dirty="0" smtClean="0"/>
-              <a:t>…</a:t>
-            </a:r>
-          </a:p>
-          <a:p>
-            <a:r>
-              <a:rPr lang="en-US" sz="900" dirty="0" smtClean="0"/>
-              <a:t>&lt;/</a:t>
-            </a:r>
-            <a:r>
-              <a:rPr lang="en-US" sz="900" dirty="0" err="1" smtClean="0"/>
-              <a:t>netconf</a:t>
-            </a:r>
-            <a:r>
-              <a:rPr lang="en-US" sz="900" dirty="0" smtClean="0"/>
-              <a:t>&gt;</a:t>
-            </a:r>
-          </a:p>
-        </p:txBody>
-      </p:sp>
-      <p:sp>
-        <p:nvSpPr>
-          <p:cNvPr id="27" name="Rectangle 26"/>
-          <p:cNvSpPr/>
-          <p:nvPr/>
-        </p:nvSpPr>
-        <p:spPr>
-          <a:xfrm>
-            <a:off x="7318729" y="4495800"/>
-            <a:ext cx="759265" cy="277909"/>
-          </a:xfrm>
-          <a:prstGeom prst="rect">
-            <a:avLst/>
-          </a:prstGeom>
-        </p:spPr>
-        <p:style>
-          <a:lnRef idx="1">
-            <a:schemeClr val="accent1"/>
-          </a:lnRef>
-          <a:fillRef idx="3">
-            <a:schemeClr val="accent1"/>
-          </a:fillRef>
-          <a:effectRef idx="2">
-            <a:schemeClr val="accent1"/>
-          </a:effectRef>
-          <a:fontRef idx="minor">
-            <a:schemeClr val="lt1"/>
-          </a:fontRef>
-        </p:style>
-        <p:txBody>
-          <a:bodyPr rtlCol="0" anchor="ctr"/>
-          <a:lstStyle/>
-          <a:p>
-            <a:pPr algn="ctr"/>
-            <a:r>
-              <a:rPr lang="en-US" sz="1100" dirty="0" smtClean="0"/>
-              <a:t>YANG</a:t>
-            </a:r>
-            <a:endParaRPr lang="en-US" sz="1100" dirty="0"/>
-          </a:p>
-        </p:txBody>
-      </p:sp>
-      <p:cxnSp>
-        <p:nvCxnSpPr>
-          <p:cNvPr id="22" name="Connecteur en angle 21"/>
-          <p:cNvCxnSpPr>
-            <a:stCxn id="19" idx="2"/>
-            <a:endCxn id="21" idx="2"/>
-          </p:cNvCxnSpPr>
-          <p:nvPr/>
-        </p:nvCxnSpPr>
-        <p:spPr>
-          <a:xfrm rot="16200000" flipH="1">
-            <a:off x="4951633" y="-656512"/>
-            <a:ext cx="1588" cy="5491870"/>
-          </a:xfrm>
-          <a:prstGeom prst="bentConnector3">
-            <a:avLst>
-              <a:gd name="adj1" fmla="val 45336713"/>
-            </a:avLst>
-          </a:prstGeom>
-          <a:ln>
-            <a:headEnd type="arrow"/>
-            <a:tailEnd type="arrow"/>
-          </a:ln>
-        </p:spPr>
-        <p:style>
-          <a:lnRef idx="2">
-            <a:schemeClr val="accent1"/>
-          </a:lnRef>
-          <a:fillRef idx="0">
-            <a:schemeClr val="accent1"/>
-          </a:fillRef>
-          <a:effectRef idx="1">
-            <a:schemeClr val="accent1"/>
-          </a:effectRef>
-          <a:fontRef idx="minor">
-            <a:schemeClr val="tx1"/>
-          </a:fontRef>
-        </p:style>
-      </p:cxnSp>
-      <p:pic>
-        <p:nvPicPr>
-          <p:cNvPr id="25" name="Image 24" descr="workstation-Vista-256x256.png"/>
-          <p:cNvPicPr>
-            <a:picLocks noChangeAspect="1"/>
-          </p:cNvPicPr>
-          <p:nvPr/>
-        </p:nvPicPr>
-        <p:blipFill>
-          <a:blip r:embed="rId3"/>
-          <a:stretch>
-            <a:fillRect/>
-          </a:stretch>
-        </p:blipFill>
-        <p:spPr>
-          <a:xfrm flipH="1">
-            <a:off x="1219200" y="2869581"/>
-            <a:ext cx="1625769" cy="1778619"/>
-          </a:xfrm>
-          <a:prstGeom prst="rect">
-            <a:avLst/>
-          </a:prstGeom>
-        </p:spPr>
-      </p:pic>
-      <p:pic>
-        <p:nvPicPr>
-          <p:cNvPr id="28" name="Image 27" descr="black-server-128x128.png"/>
-          <p:cNvPicPr>
-            <a:picLocks noChangeAspect="1"/>
-          </p:cNvPicPr>
-          <p:nvPr/>
-        </p:nvPicPr>
-        <p:blipFill>
-          <a:blip r:embed="rId4"/>
-          <a:stretch>
-            <a:fillRect/>
-          </a:stretch>
-        </p:blipFill>
-        <p:spPr>
-          <a:xfrm flipH="1">
-            <a:off x="8077200" y="3317151"/>
-            <a:ext cx="1089439" cy="1078809"/>
-          </a:xfrm>
-          <a:prstGeom prst="rect">
-            <a:avLst/>
-          </a:prstGeom>
-          <a:effectLst/>
-        </p:spPr>
-      </p:pic>
-      <p:sp>
-        <p:nvSpPr>
-          <p:cNvPr id="29" name="Rectangle 28"/>
-          <p:cNvSpPr/>
-          <p:nvPr/>
-        </p:nvSpPr>
-        <p:spPr>
-          <a:xfrm>
-            <a:off x="1826859" y="4904485"/>
-            <a:ext cx="759265" cy="277909"/>
-          </a:xfrm>
-          <a:prstGeom prst="rect">
-            <a:avLst/>
-          </a:prstGeom>
-        </p:spPr>
-        <p:style>
-          <a:lnRef idx="1">
-            <a:schemeClr val="accent1"/>
-          </a:lnRef>
-          <a:fillRef idx="3">
-            <a:schemeClr val="accent1"/>
-          </a:fillRef>
-          <a:effectRef idx="2">
-            <a:schemeClr val="accent1"/>
-          </a:effectRef>
-          <a:fontRef idx="minor">
-            <a:schemeClr val="lt1"/>
-          </a:fontRef>
-        </p:style>
-        <p:txBody>
-          <a:bodyPr rtlCol="0" anchor="ctr"/>
-          <a:lstStyle/>
-          <a:p>
-            <a:pPr algn="ctr"/>
-            <a:r>
-              <a:rPr lang="en-US" sz="1100" dirty="0" smtClean="0"/>
-              <a:t>NETCONF</a:t>
-            </a:r>
-            <a:endParaRPr lang="en-US" sz="1100" dirty="0"/>
-          </a:p>
-        </p:txBody>
-      </p:sp>
-      <p:sp>
-        <p:nvSpPr>
-          <p:cNvPr id="30" name="Rectangle 29"/>
-          <p:cNvSpPr/>
-          <p:nvPr/>
-        </p:nvSpPr>
-        <p:spPr>
-          <a:xfrm>
-            <a:off x="7318729" y="4904485"/>
-            <a:ext cx="759265" cy="277909"/>
-          </a:xfrm>
-          <a:prstGeom prst="rect">
-            <a:avLst/>
-          </a:prstGeom>
-        </p:spPr>
-        <p:style>
-          <a:lnRef idx="1">
-            <a:schemeClr val="accent1"/>
-          </a:lnRef>
-          <a:fillRef idx="3">
-            <a:schemeClr val="accent1"/>
-          </a:fillRef>
-          <a:effectRef idx="2">
-            <a:schemeClr val="accent1"/>
-          </a:effectRef>
-          <a:fontRef idx="minor">
-            <a:schemeClr val="lt1"/>
-          </a:fontRef>
-        </p:style>
-        <p:txBody>
-          <a:bodyPr rtlCol="0" anchor="ctr"/>
-          <a:lstStyle/>
-          <a:p>
-            <a:pPr algn="ctr"/>
-            <a:r>
-              <a:rPr lang="en-US" sz="1100" dirty="0" smtClean="0"/>
-              <a:t>NETCONF</a:t>
-            </a:r>
-            <a:endParaRPr lang="en-US" sz="1100" dirty="0"/>
-          </a:p>
-        </p:txBody>
-      </p:sp>
-      <p:sp>
-        <p:nvSpPr>
-          <p:cNvPr id="31" name="ZoneTexte 30"/>
-          <p:cNvSpPr txBox="1"/>
-          <p:nvPr/>
-        </p:nvSpPr>
-        <p:spPr>
-          <a:xfrm>
-            <a:off x="3124994" y="3704156"/>
-            <a:ext cx="3604039" cy="2169825"/>
-          </a:xfrm>
-          <a:prstGeom prst="rect">
-            <a:avLst/>
-          </a:prstGeom>
-          <a:noFill/>
-        </p:spPr>
-        <p:txBody>
-          <a:bodyPr wrap="square" rtlCol="0">
-            <a:spAutoFit/>
-          </a:bodyPr>
-          <a:lstStyle/>
-          <a:p>
-            <a:r>
-              <a:rPr lang="en-US" sz="900" dirty="0" smtClean="0"/>
-              <a:t>&lt;</a:t>
-            </a:r>
-            <a:r>
-              <a:rPr lang="en-US" sz="900" dirty="0" err="1" smtClean="0"/>
-              <a:t>netconf</a:t>
-            </a:r>
-            <a:r>
-              <a:rPr lang="en-US" sz="900" dirty="0" smtClean="0"/>
-              <a:t>&gt;</a:t>
-            </a:r>
-          </a:p>
-          <a:p>
-            <a:pPr lvl="1"/>
-            <a:r>
-              <a:rPr lang="en-US" sz="900" dirty="0" smtClean="0"/>
-              <a:t>&lt;network&gt;</a:t>
-            </a:r>
-          </a:p>
-          <a:p>
-            <a:pPr lvl="1"/>
-            <a:r>
-              <a:rPr lang="en-US" sz="900" dirty="0" smtClean="0"/>
-              <a:t>	&lt;interfaces&gt;</a:t>
-            </a:r>
-          </a:p>
-          <a:p>
-            <a:pPr lvl="1"/>
-            <a:r>
-              <a:rPr lang="en-US" sz="900" dirty="0" smtClean="0"/>
-              <a:t>		&lt;interface&gt;</a:t>
-            </a:r>
-          </a:p>
-          <a:p>
-            <a:pPr lvl="1"/>
-            <a:r>
-              <a:rPr lang="en-US" sz="900" dirty="0" smtClean="0"/>
-              <a:t>			&lt;name&gt;eth0&lt;/name&gt;</a:t>
-            </a:r>
-          </a:p>
-          <a:p>
-            <a:pPr lvl="1"/>
-            <a:r>
-              <a:rPr lang="en-US" sz="900" dirty="0" smtClean="0"/>
-              <a:t>			&lt;</a:t>
-            </a:r>
-            <a:r>
-              <a:rPr lang="en-US" sz="900" dirty="0" err="1" smtClean="0"/>
-              <a:t>mtu</a:t>
-            </a:r>
-            <a:r>
-              <a:rPr lang="en-US" sz="900" dirty="0" smtClean="0"/>
-              <a:t>&gt;1500&lt;/</a:t>
-            </a:r>
-            <a:r>
-              <a:rPr lang="en-US" sz="900" dirty="0" err="1" smtClean="0"/>
-              <a:t>mtu</a:t>
-            </a:r>
-            <a:r>
-              <a:rPr lang="en-US" sz="900" dirty="0" smtClean="0"/>
-              <a:t>&gt;</a:t>
-            </a:r>
-          </a:p>
-          <a:p>
-            <a:pPr lvl="1"/>
-            <a:r>
-              <a:rPr lang="en-US" sz="900" dirty="0" smtClean="0"/>
-              <a:t>			…</a:t>
-            </a:r>
-          </a:p>
-          <a:p>
-            <a:pPr lvl="1"/>
-            <a:r>
-              <a:rPr lang="en-US" sz="900" dirty="0" smtClean="0"/>
-              <a:t>		&lt;/interface&gt;</a:t>
-            </a:r>
-          </a:p>
-          <a:p>
-            <a:pPr lvl="1"/>
-            <a:r>
-              <a:rPr lang="en-US" sz="900" dirty="0" smtClean="0"/>
-              <a:t>		&lt;interface&gt;</a:t>
-            </a:r>
-          </a:p>
-          <a:p>
-            <a:pPr lvl="1"/>
-            <a:r>
-              <a:rPr lang="en-US" sz="900" dirty="0" smtClean="0"/>
-              <a:t>		…</a:t>
-            </a:r>
-          </a:p>
-          <a:p>
-            <a:pPr lvl="1"/>
-            <a:r>
-              <a:rPr lang="en-US" sz="900" dirty="0" smtClean="0"/>
-              <a:t>	&lt;/interfaces&gt;</a:t>
-            </a:r>
-          </a:p>
-          <a:p>
-            <a:pPr lvl="1"/>
-            <a:r>
-              <a:rPr lang="en-US" sz="900" dirty="0" smtClean="0"/>
-              <a:t>…</a:t>
-            </a:r>
-          </a:p>
-          <a:p>
-            <a:pPr lvl="1"/>
-            <a:r>
-              <a:rPr lang="en-US" sz="900" dirty="0" smtClean="0"/>
-              <a:t>&lt;/network&gt;</a:t>
-            </a:r>
-          </a:p>
-          <a:p>
-            <a:pPr lvl="1"/>
-            <a:r>
-              <a:rPr lang="en-US" sz="900" dirty="0" smtClean="0"/>
-              <a:t>…</a:t>
-            </a:r>
-          </a:p>
-          <a:p>
-            <a:r>
-              <a:rPr lang="en-US" sz="900" dirty="0" smtClean="0"/>
-              <a:t>&lt;/</a:t>
-            </a:r>
-            <a:r>
-              <a:rPr lang="en-US" sz="900" dirty="0" err="1" smtClean="0"/>
-              <a:t>netconf</a:t>
-            </a:r>
-            <a:r>
-              <a:rPr lang="en-US" sz="900" dirty="0" smtClean="0"/>
-              <a:t>&gt;</a:t>
-            </a:r>
-          </a:p>
-        </p:txBody>
-      </p:sp>
-      <p:cxnSp>
-        <p:nvCxnSpPr>
-          <p:cNvPr id="32" name="Connecteur en angle 31"/>
-          <p:cNvCxnSpPr>
-            <a:stCxn id="29" idx="2"/>
-            <a:endCxn id="30" idx="2"/>
-          </p:cNvCxnSpPr>
-          <p:nvPr/>
-        </p:nvCxnSpPr>
-        <p:spPr>
-          <a:xfrm rot="16200000" flipH="1">
-            <a:off x="4952427" y="2436459"/>
-            <a:ext cx="1588" cy="5491870"/>
-          </a:xfrm>
-          <a:prstGeom prst="bentConnector3">
-            <a:avLst>
-              <a:gd name="adj1" fmla="val 45336713"/>
-            </a:avLst>
-          </a:prstGeom>
-          <a:ln>
-            <a:headEnd type="arrow"/>
-            <a:tailEnd type="arrow"/>
-          </a:ln>
-        </p:spPr>
-        <p:style>
-          <a:lnRef idx="2">
-            <a:schemeClr val="accent1"/>
-          </a:lnRef>
-          <a:fillRef idx="0">
-            <a:schemeClr val="accent1"/>
-          </a:fillRef>
-          <a:effectRef idx="1">
-            <a:schemeClr val="accent1"/>
-          </a:effectRef>
-          <a:fontRef idx="minor">
-            <a:schemeClr val="tx1"/>
-          </a:fontRef>
-        </p:style>
-      </p:cxnSp>
     </p:spTree>
   </p:cSld>
   <p:clrMapOvr>

--- a/yang-manager/reports/YangArchi.pptx
+++ b/yang-manager/reports/YangArchi.pptx
@@ -211,7 +211,7 @@
             <a:fld id="{D5129085-4961-FA41-B045-4750F025A718}" type="datetimeFigureOut">
               <a:rPr lang="fr-FR" smtClean="0"/>
               <a:pPr/>
-              <a:t>24/08/09</a:t>
+              <a:t>31/08/09</a:t>
             </a:fld>
             <a:endParaRPr lang="fr-FR"/>
           </a:p>
@@ -523,153 +523,120 @@
           </a:bodyPr>
           <a:lstStyle/>
           <a:p>
-            <a:pPr algn="just"/>
+            <a:pPr marL="0" marR="0" indent="0" algn="just" defTabSz="457200" rtl="0" eaLnBrk="1" fontAlgn="auto" latinLnBrk="0" hangingPunct="1">
+              <a:lnSpc>
+                <a:spcPct val="100000"/>
+              </a:lnSpc>
+              <a:spcBef>
+                <a:spcPts val="0"/>
+              </a:spcBef>
+              <a:spcAft>
+                <a:spcPts val="0"/>
+              </a:spcAft>
+              <a:buClrTx/>
+              <a:buSzTx/>
+              <a:buFontTx/>
+              <a:buNone/>
+              <a:tabLst/>
+              <a:defRPr/>
+            </a:pPr>
             <a:r>
               <a:rPr lang="en-US" sz="1000" noProof="0" dirty="0" smtClean="0">
                 <a:latin typeface="Times New Roman"/>
                 <a:cs typeface="Times New Roman"/>
               </a:rPr>
-              <a:t>Browsing</a:t>
+              <a:t>Networks resources</a:t>
             </a:r>
             <a:r>
               <a:rPr lang="en-US" sz="1000" baseline="0" noProof="0" dirty="0" smtClean="0">
                 <a:latin typeface="Times New Roman"/>
                 <a:cs typeface="Times New Roman"/>
               </a:rPr>
-              <a:t> applications are well known in the</a:t>
+              <a:t> as hardware, protocols and services are of an increasing complexity and have to be properly configured to ensure safety operation. The Internet standardization body provides the </a:t>
+            </a:r>
+            <a:r>
+              <a:rPr lang="fr-FR" sz="1000" baseline="0" noProof="0" dirty="0" smtClean="0">
+                <a:latin typeface="Times New Roman"/>
+                <a:cs typeface="Times New Roman"/>
+              </a:rPr>
+              <a:t>NETCONF</a:t>
             </a:r>
             <a:r>
               <a:rPr lang="en-US" sz="1000" baseline="0" noProof="0" dirty="0" smtClean="0">
                 <a:latin typeface="Times New Roman"/>
                 <a:cs typeface="Times New Roman"/>
               </a:rPr>
-              <a:t> network </a:t>
+              <a:t> protocol specification dedicated to the configuration. This protocol describes communication between network device to be configured and application that read and write configuration of several devices. However </a:t>
+            </a:r>
+            <a:r>
+              <a:rPr lang="fr-FR" sz="1000" baseline="0" noProof="0" dirty="0" smtClean="0">
+                <a:latin typeface="Times New Roman"/>
+                <a:cs typeface="Times New Roman"/>
+              </a:rPr>
+              <a:t>NETCONF</a:t>
             </a:r>
             <a:r>
               <a:rPr lang="en-US" sz="1000" baseline="0" noProof="0" dirty="0" smtClean="0">
                 <a:latin typeface="Times New Roman"/>
                 <a:cs typeface="Times New Roman"/>
               </a:rPr>
-              <a:t>management domain as SNMP.</a:t>
+              <a:t> does not describe how configuration data are presented inside its PDU and it is the goal of  the YANG data modeling language, the emerging proposal of the </a:t>
+            </a:r>
+            <a:r>
+              <a:rPr lang="en-US" sz="1000" baseline="0" noProof="0" dirty="0" err="1" smtClean="0">
+                <a:latin typeface="Times New Roman"/>
+                <a:cs typeface="Times New Roman"/>
+              </a:rPr>
+              <a:t>netmod</a:t>
             </a:r>
             <a:r>
               <a:rPr lang="en-US" sz="1000" baseline="0" noProof="0" dirty="0" smtClean="0">
                 <a:latin typeface="Times New Roman"/>
                 <a:cs typeface="Times New Roman"/>
               </a:rPr>
-              <a:t> These application generally provides a  web user interface by which one can request information to distributed servers.  The </a:t>
+              <a:t> standard working group. We present </a:t>
+            </a:r>
+            <a:r>
+              <a:rPr lang="en-US" sz="1000" baseline="0" noProof="0" dirty="0" err="1" smtClean="0">
+                <a:latin typeface="Times New Roman"/>
+                <a:cs typeface="Times New Roman"/>
+              </a:rPr>
+              <a:t>jYang</a:t>
             </a:r>
             <a:r>
               <a:rPr lang="en-US" sz="1000" baseline="0" noProof="0" dirty="0" smtClean="0">
                 <a:latin typeface="Times New Roman"/>
                 <a:cs typeface="Times New Roman"/>
               </a:rPr>
-              <a:t>standard network configuration domain as </a:t>
+              <a:t>, a YANG parser with an open API that we use to develop a YANG-based application. This application provides a YANG view of configuration data values the network device maintains and let to safety update them. Our </a:t>
             </a:r>
             <a:r>
               <a:rPr lang="en-US" sz="1000" baseline="0" noProof="0" dirty="0" err="1" smtClean="0">
                 <a:latin typeface="Times New Roman"/>
                 <a:cs typeface="Times New Roman"/>
               </a:rPr>
-              <a:t>Netconf</a:t>
+              <a:t>testbed</a:t>
             </a:r>
             <a:r>
               <a:rPr lang="en-US" sz="1000" baseline="0" noProof="0" dirty="0" smtClean="0">
                 <a:latin typeface="Times New Roman"/>
                 <a:cs typeface="Times New Roman"/>
               </a:rPr>
-              <a:t> has several common concepts with network management as the need of a specification language</a:t>
+              <a:t> is the ENSUITE open source implementation of </a:t>
+            </a:r>
+            <a:r>
+              <a:rPr lang="fr-FR" sz="1000" baseline="0" noProof="0" dirty="0" smtClean="0">
+                <a:latin typeface="Times New Roman"/>
+                <a:cs typeface="Times New Roman"/>
+              </a:rPr>
+              <a:t>NETCONF</a:t>
             </a:r>
             <a:r>
               <a:rPr lang="en-US" sz="1000" baseline="0" noProof="0" dirty="0" smtClean="0">
                 <a:latin typeface="Times New Roman"/>
                 <a:cs typeface="Times New Roman"/>
               </a:rPr>
-              <a:t> and the </a:t>
-            </a:r>
-            <a:r>
-              <a:rPr lang="en-US" sz="1000" baseline="0" noProof="0" dirty="0" smtClean="0">
-                <a:latin typeface="Times New Roman"/>
-                <a:cs typeface="Times New Roman"/>
-              </a:rPr>
-              <a:t>distribution of data among network devices.</a:t>
-            </a:r>
-            <a:r>
-              <a:rPr lang="en-US" sz="1000" baseline="0" noProof="0" dirty="0" smtClean="0">
-                <a:latin typeface="Times New Roman"/>
-                <a:cs typeface="Times New Roman"/>
-              </a:rPr>
-              <a:t> The data modeling language in the current track of standardization for the </a:t>
-            </a:r>
-            <a:r>
-              <a:rPr lang="en-US" sz="1000" baseline="0" noProof="0" dirty="0" err="1" smtClean="0">
-                <a:latin typeface="Times New Roman"/>
-                <a:cs typeface="Times New Roman"/>
-              </a:rPr>
-              <a:t>Netconf</a:t>
-            </a:r>
-            <a:r>
-              <a:rPr lang="en-US" sz="1000" baseline="0" noProof="0" dirty="0" smtClean="0">
-                <a:latin typeface="Times New Roman"/>
-                <a:cs typeface="Times New Roman"/>
-              </a:rPr>
-              <a:t> protocol is called YANG. We propose a YANG-based browsing </a:t>
-            </a:r>
-            <a:r>
-              <a:rPr lang="en-US" sz="1000" baseline="0" noProof="0" dirty="0" smtClean="0">
-                <a:latin typeface="Times New Roman"/>
-                <a:cs typeface="Times New Roman"/>
-              </a:rPr>
-              <a:t>application allowing to retrieve and edit data on</a:t>
-            </a:r>
-            <a:r>
-              <a:rPr lang="en-US" sz="1000" baseline="0" noProof="0" dirty="0" smtClean="0">
-                <a:latin typeface="Times New Roman"/>
-                <a:cs typeface="Times New Roman"/>
-              </a:rPr>
-              <a:t> for </a:t>
-            </a:r>
-            <a:r>
-              <a:rPr lang="en-US" sz="1000" baseline="0" noProof="0" dirty="0" smtClean="0">
-                <a:latin typeface="Times New Roman"/>
-                <a:cs typeface="Times New Roman"/>
-              </a:rPr>
-              <a:t>configuration management</a:t>
-            </a:r>
-            <a:r>
-              <a:rPr lang="en-US" sz="1000" baseline="0" noProof="0" dirty="0" smtClean="0">
-                <a:latin typeface="Times New Roman"/>
-                <a:cs typeface="Times New Roman"/>
-              </a:rPr>
-              <a:t>. The first step was to build a YANG parser that check the validity of data model and provides an API to build applications from these models. Such parser has to check static correctness of YANG constructs and should allow a dynamic checking because part of the language is concerned by instances of data models. As network device with a YANG-view of their configuration are not currently on the market we have developed the YANG Browser on our open source ENSUITE implementation of </a:t>
-            </a:r>
-            <a:r>
-              <a:rPr lang="en-US" sz="1000" baseline="0" noProof="0" dirty="0" err="1" smtClean="0">
-                <a:latin typeface="Times New Roman"/>
-                <a:cs typeface="Times New Roman"/>
-              </a:rPr>
-              <a:t>Netconf</a:t>
-            </a:r>
-            <a:r>
-              <a:rPr lang="en-US" sz="1000" baseline="0" noProof="0" dirty="0" smtClean="0">
-                <a:latin typeface="Times New Roman"/>
-                <a:cs typeface="Times New Roman"/>
-              </a:rPr>
-              <a:t>. The server part was easy to be updated because we do not ask it to perform some dynamic checking but just announce which YANG data models it implements. On the other hand the client side has to build the graphical browsing application and do some dynamic checking. We propose two important uses of the </a:t>
-            </a:r>
-            <a:r>
-              <a:rPr lang="en-US" sz="1000" baseline="0" noProof="0" dirty="0" err="1" smtClean="0">
-                <a:latin typeface="Times New Roman"/>
-                <a:cs typeface="Times New Roman"/>
-              </a:rPr>
-              <a:t>Netconf</a:t>
-            </a:r>
-            <a:r>
-              <a:rPr lang="en-US" sz="1000" baseline="0" noProof="0" dirty="0" smtClean="0">
-                <a:latin typeface="Times New Roman"/>
-                <a:cs typeface="Times New Roman"/>
-              </a:rPr>
-              <a:t> protocol that is getting and editing full or parts of the network device configurations.</a:t>
+              <a:t> we deploy on a mesh network of wireless routers.</a:t>
             </a:r>
           </a:p>
           <a:p>
@@ -954,7 +921,21 @@
                 <a:latin typeface="Times New Roman"/>
                 <a:cs typeface="Times New Roman"/>
               </a:rPr>
-              <a:t> is made of one or more NETCONF agent implementation provided by the ENSUITE</a:t>
+              <a:t> is made of one or more </a:t>
+            </a:r>
+            <a:r>
+              <a:rPr lang="fr-FR" sz="1200" u="none" noProof="0" dirty="0" smtClean="0">
+                <a:latin typeface="Times New Roman"/>
+                <a:cs typeface="Times New Roman"/>
+              </a:rPr>
+              <a:t>NETCONF</a:t>
+            </a:r>
+            <a:r>
+              <a:rPr lang="en-US" sz="1200" u="none" noProof="0" dirty="0" smtClean="0">
+                <a:latin typeface="Times New Roman"/>
+                <a:cs typeface="Times New Roman"/>
+              </a:rPr>
+              <a:t> agent implementation provided by the ENSUITE</a:t>
             </a:r>
             <a:r>
               <a:rPr lang="en-US" sz="1200" u="none" baseline="0" noProof="0" dirty="0" smtClean="0">
@@ -1550,7 +1531,7 @@
         <p:spPr/>
         <p:txBody>
           <a:bodyPr>
-            <a:normAutofit/>
+            <a:normAutofit fontScale="85000" lnSpcReduction="20000"/>
           </a:bodyPr>
           <a:lstStyle/>
           <a:p>
@@ -1567,7 +1548,21 @@
                 <a:latin typeface="Times New Roman"/>
                 <a:cs typeface="Times New Roman"/>
               </a:rPr>
-              <a:t> management we propose is made of one set of network devices and one station (the configuration manager) hosting configuration related applications. Each device has an embedded NETCONF agent that can be requested by the configuration manager station. Data exchanged are XML formatted configuration (and eventually state) information that are different for each device. Because different devices as router and server have nothing common so data are different. As two same devices should have same data types but different values. So there is a need for each device to exhibit which data can be used to manage its configuration and there is a need too for configuration manager application to know what could be requested from each device.</a:t>
+              <a:t> management we propose is made of one set of network devices and one station (the configuration manager) hosting configuration related applications. Each device has an embedded </a:t>
+            </a:r>
+            <a:r>
+              <a:rPr lang="fr-FR" sz="1200" baseline="0" noProof="0" dirty="0" smtClean="0">
+                <a:latin typeface="Times New Roman"/>
+                <a:cs typeface="Times New Roman"/>
+              </a:rPr>
+              <a:t>NETCONF</a:t>
+            </a:r>
+            <a:r>
+              <a:rPr lang="en-US" sz="1200" baseline="0" noProof="0" dirty="0" smtClean="0">
+                <a:latin typeface="Times New Roman"/>
+                <a:cs typeface="Times New Roman"/>
+              </a:rPr>
+              <a:t> agent that can be requested by the configuration manager station. Data exchanged are XML formatted configuration (and eventually state) information that are different for each device. Because different devices as router and server have nothing common so data are different. As two same devices should have same data types but different values. So there is a need for each device to exhibit which data can be used to manage its configuration and there is a need too for configuration manager application to know what could be requested from each device.</a:t>
             </a:r>
           </a:p>
           <a:p>
@@ -1650,14 +1645,21 @@
                 <a:latin typeface="Times New Roman"/>
                 <a:cs typeface="Times New Roman"/>
               </a:rPr>
-              <a:t>The goal of this paper is to show a way to use YANG information model in the same fashion as the SMI could be. We propose a generic configuration manager that will understand YANG specification and provide a YANG view of configuration data maintained inside NETCONF agents. The language is currently in the draft state but sufficiently advanced to allow us a realistic use of it that will show possibilities and limits of such use of YANG</a:t>
+              <a:t>The goal of this paper is to show a way to use YANG information model in the same fashion as the SMI could be. We propose a generic configuration manager that will understand YANG specification and provide a YANG view of configuration data maintained inside </a:t>
+            </a:r>
+            <a:r>
+              <a:rPr lang="fr-FR" sz="1200" baseline="0" noProof="0" dirty="0" smtClean="0">
+                <a:latin typeface="Times New Roman"/>
+                <a:cs typeface="Times New Roman"/>
+              </a:rPr>
+              <a:t>NETCONF</a:t>
             </a:r>
             <a:r>
               <a:rPr lang="en-US" sz="1200" baseline="0" noProof="0" dirty="0" smtClean="0">
                 <a:latin typeface="Times New Roman"/>
                 <a:cs typeface="Times New Roman"/>
               </a:rPr>
-              <a:t>.</a:t>
+              <a:t> agents. The language is currently in the draft state but sufficiently advanced to allow us a realistic use of it that will show possibilities and limits of such use of YANG.</a:t>
             </a:r>
           </a:p>
           <a:p>
@@ -1693,11 +1695,18 @@
               <a:defRPr/>
             </a:pPr>
             <a:r>
+              <a:rPr lang="fr-FR" sz="1200" dirty="0" smtClean="0">
+                <a:latin typeface="Times New Roman"/>
+                <a:cs typeface="Times New Roman"/>
+              </a:rPr>
+              <a:t>NETCONF</a:t>
+            </a:r>
+            <a:r>
               <a:rPr lang="en-US" sz="1200" dirty="0" smtClean="0">
                 <a:latin typeface="Times New Roman"/>
                 <a:cs typeface="Times New Roman"/>
               </a:rPr>
-              <a:t>NETCONF data</a:t>
+              <a:t> data</a:t>
             </a:r>
             <a:r>
               <a:rPr lang="en-US" sz="1200" baseline="0" dirty="0" smtClean="0">
@@ -1826,42 +1835,49 @@
                 <a:latin typeface="Times New Roman"/>
                 <a:cs typeface="Times New Roman"/>
               </a:rPr>
-              <a:t> management is gained importance as the size and the heterogeneity of network component is growing. In the Internet context working group have proposed a standard to manage configuration of any device by the </a:t>
+              <a:t> management is gaining importance as the size and the complexity of network resources is growing. In the Internet context, the </a:t>
             </a:r>
             <a:r>
               <a:rPr lang="en-US" sz="1000" baseline="0" noProof="0" dirty="0" err="1" smtClean="0">
                 <a:latin typeface="Times New Roman"/>
                 <a:cs typeface="Times New Roman"/>
               </a:rPr>
-              <a:t>Netconf</a:t>
+              <a:t>netmod</a:t>
             </a:r>
             <a:r>
               <a:rPr lang="en-US" sz="1000" baseline="0" noProof="0" dirty="0" smtClean="0">
                 <a:latin typeface="Times New Roman"/>
                 <a:cs typeface="Times New Roman"/>
               </a:rPr>
-              <a:t> protocol. This protocol is tailored to configuration operation that are mainly setting a large amount of configuration parameters to devices  or getting the value of these </a:t>
+              <a:t> working group has proposed the </a:t>
+            </a:r>
+            <a:r>
+              <a:rPr lang="fr-FR" sz="1000" baseline="0" noProof="0" dirty="0" smtClean="0">
+                <a:latin typeface="Times New Roman"/>
+                <a:cs typeface="Times New Roman"/>
+              </a:rPr>
+              <a:t>NETCONF</a:t>
             </a:r>
             <a:r>
               <a:rPr lang="en-US" sz="1000" baseline="0" noProof="0" dirty="0" smtClean="0">
                 <a:latin typeface="Times New Roman"/>
                 <a:cs typeface="Times New Roman"/>
               </a:rPr>
-              <a:t>parameters </a:t>
+              <a:t> protocol [1] as a standard to manage configuration of </a:t>
+            </a:r>
+            <a:r>
+              <a:rPr lang="en-US" sz="1000" baseline="0" noProof="0" smtClean="0">
+                <a:latin typeface="Times New Roman"/>
+                <a:cs typeface="Times New Roman"/>
+              </a:rPr>
+              <a:t>network devices. </a:t>
             </a:r>
             <a:r>
               <a:rPr lang="en-US" sz="1000" baseline="0" noProof="0" dirty="0" smtClean="0">
                 <a:latin typeface="Times New Roman"/>
                 <a:cs typeface="Times New Roman"/>
               </a:rPr>
-              <a:t>from them. Parameters values are conveyed by a XML representation of their organization but the standard admits this should be improved by a data model that will gives semantic to these representation and should be used as a contract between device vendor and application </a:t>
-            </a:r>
-            <a:r>
-              <a:rPr lang="en-US" sz="1000" baseline="0" noProof="0" dirty="0" smtClean="0">
-                <a:latin typeface="Times New Roman"/>
-                <a:cs typeface="Times New Roman"/>
-              </a:rPr>
-              <a:t>developer or network operator. </a:t>
+              <a:t>This protocol is tailored to configuration operation that are mainly setting a large amount of configuration data values to devices  or getting the value of these data from them. Configuration data values are conveyed by a XML representation of their organization but the standard admits this should be improved by a data model that will gives semantic to these representation and should be used as a contract between device vendor and application developer or network operator. </a:t>
             </a:r>
           </a:p>
           <a:p>
@@ -1910,91 +1926,63 @@
                 <a:latin typeface="Times New Roman"/>
                 <a:cs typeface="Times New Roman"/>
               </a:rPr>
-              <a:t>YANG </a:t>
+              <a:t>YANG [2] is the data modeling language that proposes the </a:t>
+            </a:r>
+            <a:r>
+              <a:rPr lang="en-US" sz="1000" baseline="0" noProof="0" dirty="0" err="1" smtClean="0">
+                <a:latin typeface="Times New Roman"/>
+                <a:cs typeface="Times New Roman"/>
+              </a:rPr>
+              <a:t>netmod</a:t>
             </a:r>
             <a:r>
               <a:rPr lang="en-US" sz="1000" baseline="0" noProof="0" dirty="0" smtClean="0">
                 <a:latin typeface="Times New Roman"/>
                 <a:cs typeface="Times New Roman"/>
               </a:rPr>
-              <a:t>is the data modeling language that propose the </a:t>
-            </a:r>
-            <a:r>
-              <a:rPr lang="en-US" sz="1000" baseline="0" noProof="0" dirty="0" err="1" smtClean="0">
-                <a:latin typeface="Times New Roman"/>
-                <a:cs typeface="Times New Roman"/>
-              </a:rPr>
-              <a:t>Netconf</a:t>
+              <a:t> working group. YANG can be compared to the SMI in the SNMP context because it is a data modeling language and because data instances are distributed and accessible by a protocol. With the YANG data modeling language one can specify complex but human-readable configuration of any network device. YANG seems to be a more better data model language than XML Schema or Relax NG [3,4]. So on the server side that is on network device themselves, any vendor can use such specifications to build a </a:t>
+            </a:r>
+            <a:r>
+              <a:rPr lang="fr-FR" sz="1000" baseline="0" noProof="0" dirty="0" smtClean="0">
+                <a:latin typeface="Times New Roman"/>
+                <a:cs typeface="Times New Roman"/>
+              </a:rPr>
+              <a:t>NETCONF</a:t>
             </a:r>
             <a:r>
               <a:rPr lang="en-US" sz="1000" baseline="0" noProof="0" dirty="0" smtClean="0">
                 <a:latin typeface="Times New Roman"/>
                 <a:cs typeface="Times New Roman"/>
               </a:rPr>
-              <a:t> working group. YANG can be compared to the SMI in the SNMP context because it is a a data modeling language and because data instances are distributed and accessible by a protocol.</a:t>
+              <a:t> server that will maintain an implementation of YANG specifications. On the </a:t>
+            </a:r>
+            <a:r>
+              <a:rPr lang="fr-FR" sz="1000" baseline="0" noProof="0" dirty="0" smtClean="0">
+                <a:latin typeface="Times New Roman"/>
+                <a:cs typeface="Times New Roman"/>
+              </a:rPr>
+              <a:t>client </a:t>
+            </a:r>
+            <a:r>
+              <a:rPr lang="fr-FR" sz="1000" baseline="0" noProof="0" dirty="0" err="1" smtClean="0">
+                <a:latin typeface="Times New Roman"/>
+                <a:cs typeface="Times New Roman"/>
+              </a:rPr>
+              <a:t>side</a:t>
+            </a:r>
+            <a:r>
+              <a:rPr lang="fr-FR" sz="1000" baseline="0" noProof="0" dirty="0" smtClean="0">
+                <a:latin typeface="Times New Roman"/>
+                <a:cs typeface="Times New Roman"/>
+              </a:rPr>
+              <a:t>, </a:t>
             </a:r>
             <a:r>
               <a:rPr lang="en-US" sz="1000" baseline="0" noProof="0" dirty="0" smtClean="0">
                 <a:latin typeface="Times New Roman"/>
                 <a:cs typeface="Times New Roman"/>
               </a:rPr>
-              <a:t> With the YANG data modeling language one can specify complex but human-readable configuration of any network device. So on the server side that is on network device themselves, any vendor can use such specifications to build a </a:t>
-            </a:r>
-            <a:r>
-              <a:rPr lang="en-US" sz="1000" baseline="0" noProof="0" dirty="0" err="1" smtClean="0">
-                <a:latin typeface="Times New Roman"/>
-                <a:cs typeface="Times New Roman"/>
-              </a:rPr>
-              <a:t>Netconf</a:t>
-            </a:r>
-            <a:r>
-              <a:rPr lang="en-US" sz="1000" baseline="0" noProof="0" dirty="0" smtClean="0">
-                <a:latin typeface="Times New Roman"/>
-                <a:cs typeface="Times New Roman"/>
-              </a:rPr>
-              <a:t> server that will maintain an implementation of YANG specifications. On the other hand that is on the client of </a:t>
-            </a:r>
-            <a:r>
-              <a:rPr lang="en-US" sz="1000" baseline="0" noProof="0" dirty="0" err="1" smtClean="0">
-                <a:latin typeface="Times New Roman"/>
-                <a:cs typeface="Times New Roman"/>
-              </a:rPr>
-              <a:t>Netconf</a:t>
-            </a:r>
-            <a:r>
-              <a:rPr lang="en-US" sz="1000" baseline="0" noProof="0" dirty="0" smtClean="0">
-                <a:latin typeface="Times New Roman"/>
-                <a:cs typeface="Times New Roman"/>
-              </a:rPr>
-              <a:t> protocol there are configuration applications that need configuration data to do their job as policy enforcement, testing configuration or browsing configurations. This latter often is one of the first </a:t>
-            </a:r>
-            <a:r>
-              <a:rPr lang="en-US" sz="1000" baseline="0" noProof="0" dirty="0" smtClean="0">
-                <a:latin typeface="Times New Roman"/>
-                <a:cs typeface="Times New Roman"/>
-              </a:rPr>
-              <a:t>application needed by those that will manage configuration of complex </a:t>
-            </a:r>
-            <a:r>
-              <a:rPr lang="en-US" sz="1000" baseline="0" noProof="0" dirty="0" smtClean="0">
-                <a:latin typeface="Times New Roman"/>
-                <a:cs typeface="Times New Roman"/>
-              </a:rPr>
-              <a:t>network. YANG data model s</a:t>
-            </a:r>
-            <a:r>
-              <a:rPr lang="en-US" sz="1000" baseline="0" noProof="0" dirty="0" smtClean="0">
-                <a:latin typeface="Times New Roman"/>
-                <a:cs typeface="Times New Roman"/>
-              </a:rPr>
-              <a:t>pecifications are a formal contract between vendor of devices and configuration application and it is also a goal of our work to provide tools helping to ensure the contract is well respected.</a:t>
-            </a:r>
-            <a:r>
-              <a:rPr lang="en-US" sz="1000" baseline="0" noProof="0" dirty="0" smtClean="0">
-                <a:latin typeface="Times New Roman"/>
-                <a:cs typeface="Times New Roman"/>
-              </a:rPr>
-              <a:t> </a:t>
+              <a:t>configuration applications need data values to process for example policy enforcement, testing or browsing configurations. YANG data model specifications are a formal contract between devices' vendors and configuration application and it is our goal to provide tools helping to ensure that the contract is well respected. </a:t>
             </a:r>
           </a:p>
           <a:p>
@@ -2043,35 +2031,28 @@
                 <a:latin typeface="Times New Roman"/>
                 <a:cs typeface="Times New Roman"/>
               </a:rPr>
-              <a:t>The subject of </a:t>
+              <a:t>The subject of this paper is to show what is needed to build a YANG browser and how we implement it. First we shortly describe the YANG language focusing on major concepts. Next we present a parser for YANG specification : </a:t>
+            </a:r>
+            <a:r>
+              <a:rPr lang="en-US" sz="1000" baseline="0" noProof="0" dirty="0" err="1" smtClean="0">
+                <a:latin typeface="Times New Roman"/>
+                <a:cs typeface="Times New Roman"/>
+              </a:rPr>
+              <a:t>jYang</a:t>
             </a:r>
             <a:r>
               <a:rPr lang="en-US" sz="1000" baseline="0" noProof="0" dirty="0" smtClean="0">
                 <a:latin typeface="Times New Roman"/>
                 <a:cs typeface="Times New Roman"/>
               </a:rPr>
-              <a:t>this paper is to show what is needed to build a YANG browser and how we implement it. First we shortly describe the YANG language focusing on major concepts. Next we present a parser for YANG specification : </a:t>
-            </a:r>
-            <a:r>
-              <a:rPr lang="en-US" sz="1000" baseline="0" noProof="0" dirty="0" err="1" smtClean="0">
-                <a:latin typeface="Times New Roman"/>
-                <a:cs typeface="Times New Roman"/>
-              </a:rPr>
-              <a:t>jYang</a:t>
-            </a:r>
-            <a:r>
-              <a:rPr lang="en-US" sz="1000" baseline="0" noProof="0" dirty="0" smtClean="0">
-                <a:latin typeface="Times New Roman"/>
-                <a:cs typeface="Times New Roman"/>
-              </a:rPr>
               <a:t> that is an open source proposal we provide to the community. A third part shows how we integrate YANG within the </a:t>
             </a:r>
             <a:r>
-              <a:rPr lang="en-US" sz="1000" baseline="0" noProof="0" dirty="0" err="1" smtClean="0">
-                <a:latin typeface="Times New Roman"/>
-                <a:cs typeface="Times New Roman"/>
-              </a:rPr>
-              <a:t>Netconf</a:t>
+              <a:rPr lang="fr-FR" sz="1000" baseline="0" noProof="0" dirty="0" smtClean="0">
+                <a:latin typeface="Times New Roman"/>
+                <a:cs typeface="Times New Roman"/>
+              </a:rPr>
+              <a:t>NETCONF</a:t>
             </a:r>
             <a:r>
               <a:rPr lang="en-US" sz="1000" baseline="0" noProof="0" dirty="0" smtClean="0">
@@ -2164,7 +2145,7 @@
         <p:spPr/>
         <p:txBody>
           <a:bodyPr>
-            <a:normAutofit fontScale="92500"/>
+            <a:normAutofit fontScale="92500" lnSpcReduction="10000"/>
           </a:bodyPr>
           <a:lstStyle/>
           <a:p>
@@ -2174,7 +2155,7 @@
                 <a:latin typeface="Times New Roman"/>
                 <a:cs typeface="Times New Roman"/>
               </a:rPr>
-              <a:t>Data model configuration are grouped into YANG modules or submodules. A module is a set of data types specification around a given subject as configuration of network interfaces or configuration of a network protocol parameters. Modules are the most large unit of granularity and a network device should announce which YANG modules it implements. Modules can references each other (without cycle) in order to improve the reusability of YANG specification as in the figure at the line NNNN of our network module example. The “</a:t>
+              <a:t>Data model configuration are grouped into YANG modules or submodules. A module is a set of data types specification around a given subject as configuration of network interfaces or configuration of a network protocol parameters. Modules are the most large unit of granularity and a network device should announce which YANG modules it implements. Modules can references each other (without cycle) in order to improve the reusability of YANG specification as in the figure at the line 3 of our network module example. The “</a:t>
             </a:r>
             <a:r>
               <a:rPr lang="en-US" sz="1000" baseline="0" dirty="0" err="1" smtClean="0">
@@ -2188,7 +2169,7 @@
                 <a:latin typeface="Times New Roman"/>
                 <a:cs typeface="Times New Roman"/>
               </a:rPr>
-              <a:t>-yang-types” reference is a YANG module with useful types that are more intended to be used by other modules than to be announced as configuration matter by devices. The sub-module is more a mean to partition a complex data model into separate parts that are more reflecting the reality or more easy to handle. Anyway a submodule must belongs to only one module (a module can have several submodules) and can import several other modules.</a:t>
+              <a:t>-yang-types” reference is a YANG module [5] with useful types that are more intended to be used by other modules than to be announced as configuration matter by devices. The sub-module is more a mean to partition a complex data model into separate parts that are more reflecting the reality or more easy to handle. Anyway a submodule must belongs to only one module (a module can have several submodules) and can import several other modules.</a:t>
             </a:r>
           </a:p>
           <a:p>
@@ -2233,7 +2214,7 @@
                 <a:latin typeface="Times New Roman"/>
                 <a:cs typeface="Times New Roman"/>
               </a:rPr>
-              <a:t> “ statement (line NNN) that allow a more precise semantic or to add some constraints as at line NNN where the length of a string is limited. An other construct that improve reusability is the “grouping” statement (line NNN) that allows the definition of data model in order to use them more than one times at separate places in the current module (as at line NNN) or by other modules (or submodules). It can be compared to a C macro definition.</a:t>
+              <a:t> “ statement (line 4) that allow a more precise semantic or to add some constraints as at line 6 where the length of a string is limited. An other construct that improve reusability is the “grouping” statement (line 8) that allows the definition of data model in order to use them more than one times at separate places in the current module (as at line 21) or by other modules (or submodules). It can be compared to a C macro definition.</a:t>
             </a:r>
           </a:p>
           <a:p>
@@ -2250,14 +2231,7 @@
                 <a:latin typeface="Times New Roman"/>
                 <a:cs typeface="Times New Roman"/>
               </a:rPr>
-              <a:t>Data model are mainly ex</a:t>
-            </a:r>
-            <a:r>
-              <a:rPr lang="en-US" sz="1000" baseline="0" dirty="0" smtClean="0">
-                <a:latin typeface="Times New Roman"/>
-                <a:cs typeface="Times New Roman"/>
-              </a:rPr>
-              <a:t>pressed with the following statements that are called </a:t>
+              <a:t>Data model are mainly expressed with the following statements that are called </a:t>
             </a:r>
             <a:r>
               <a:rPr lang="en-US" sz="1000" baseline="0" dirty="0" err="1" smtClean="0">
@@ -2377,7 +2351,7 @@
                 <a:latin typeface="Times New Roman"/>
                 <a:cs typeface="Times New Roman"/>
               </a:rPr>
-              <a:t>The example shows two containers (lines NNN and NNN) a list (line NNN) and a choice (line NNN).</a:t>
+              <a:t>The example shows two containers (lines 9 and 14) a list (line 15) and a choice (line 20).</a:t>
             </a:r>
           </a:p>
           <a:p>
@@ -2570,27 +2544,69 @@
                 <a:latin typeface="Times New Roman"/>
                 <a:cs typeface="Times New Roman"/>
               </a:rPr>
-              <a:t> and includes the sub-module sa1. All import and include </a:t>
+              <a:t> and includes the sub-module sa1. All import and include statements are automatically followed without parsing twice the same file. So for example if one just give the </a:t>
+            </a:r>
+            <a:r>
+              <a:rPr lang="en-US" sz="1000" i="1" baseline="0" dirty="0" smtClean="0">
+                <a:latin typeface="Times New Roman"/>
+                <a:cs typeface="Times New Roman"/>
+              </a:rPr>
+              <a:t>sa1 </a:t>
             </a:r>
             <a:r>
               <a:rPr lang="en-US" sz="1000" baseline="0" dirty="0" smtClean="0">
                 <a:latin typeface="Times New Roman"/>
                 <a:cs typeface="Times New Roman"/>
               </a:rPr>
-              <a:t>statements </a:t>
+              <a:t>sub-module to check then the modules </a:t>
+            </a:r>
+            <a:r>
+              <a:rPr lang="en-US" sz="1000" i="1" baseline="0" dirty="0" smtClean="0">
+                <a:latin typeface="Times New Roman"/>
+                <a:cs typeface="Times New Roman"/>
+              </a:rPr>
+              <a:t>a</a:t>
             </a:r>
             <a:r>
               <a:rPr lang="en-US" sz="1000" baseline="0" dirty="0" smtClean="0">
                 <a:latin typeface="Times New Roman"/>
                 <a:cs typeface="Times New Roman"/>
               </a:rPr>
-              <a:t>are automatically followed without parsing twice the same file. So for example if one just give the </a:t>
+              <a:t> and </a:t>
+            </a:r>
+            <a:r>
+              <a:rPr lang="en-US" sz="1000" i="1" baseline="0" dirty="0" err="1" smtClean="0">
+                <a:latin typeface="Times New Roman"/>
+                <a:cs typeface="Times New Roman"/>
+              </a:rPr>
+              <a:t>b</a:t>
             </a:r>
             <a:r>
               <a:rPr lang="en-US" sz="1000" i="1" baseline="0" dirty="0" smtClean="0">
                 <a:latin typeface="Times New Roman"/>
                 <a:cs typeface="Times New Roman"/>
               </a:rPr>
+              <a:t> </a:t>
+            </a:r>
+            <a:r>
+              <a:rPr lang="en-US" sz="1000" i="0" baseline="0" dirty="0" smtClean="0">
+                <a:latin typeface="Times New Roman"/>
+                <a:cs typeface="Times New Roman"/>
+              </a:rPr>
+              <a:t>will be too</a:t>
+            </a:r>
+            <a:r>
+              <a:rPr lang="en-US" sz="1000" baseline="0" dirty="0" smtClean="0">
+                <a:latin typeface="Times New Roman"/>
+                <a:cs typeface="Times New Roman"/>
+              </a:rPr>
+              <a:t>, because </a:t>
+            </a:r>
+            <a:r>
+              <a:rPr lang="en-US" sz="1000" i="1" baseline="0" dirty="0" smtClean="0">
+                <a:latin typeface="Times New Roman"/>
+                <a:cs typeface="Times New Roman"/>
+              </a:rPr>
               <a:t>sa1 </a:t>
             </a:r>
             <a:r>
@@ -2598,28 +2614,35 @@
                 <a:latin typeface="Times New Roman"/>
                 <a:cs typeface="Times New Roman"/>
               </a:rPr>
-              <a:t>sub-module to check then</a:t>
+              <a:t>belongs-to </a:t>
+            </a:r>
+            <a:r>
+              <a:rPr lang="en-US" sz="1000" i="1" baseline="0" dirty="0" smtClean="0">
+                <a:latin typeface="Times New Roman"/>
+                <a:cs typeface="Times New Roman"/>
+              </a:rPr>
+              <a:t>a </a:t>
             </a:r>
             <a:r>
               <a:rPr lang="en-US" sz="1000" baseline="0" dirty="0" smtClean="0">
                 <a:latin typeface="Times New Roman"/>
                 <a:cs typeface="Times New Roman"/>
               </a:rPr>
-              <a:t> the modules </a:t>
+              <a:t>and </a:t>
             </a:r>
             <a:r>
               <a:rPr lang="en-US" sz="1000" i="1" baseline="0" dirty="0" smtClean="0">
                 <a:latin typeface="Times New Roman"/>
                 <a:cs typeface="Times New Roman"/>
               </a:rPr>
-              <a:t>a</a:t>
+              <a:t>a </a:t>
             </a:r>
             <a:r>
               <a:rPr lang="en-US" sz="1000" baseline="0" dirty="0" smtClean="0">
                 <a:latin typeface="Times New Roman"/>
                 <a:cs typeface="Times New Roman"/>
               </a:rPr>
-              <a:t> and </a:t>
+              <a:t>import </a:t>
             </a:r>
             <a:r>
               <a:rPr lang="en-US" sz="1000" i="1" baseline="0" dirty="0" err="1" smtClean="0">
@@ -2629,109 +2652,25 @@
               <a:t>b</a:t>
             </a:r>
             <a:r>
-              <a:rPr lang="en-US" sz="1000" i="1" baseline="0" dirty="0" smtClean="0">
-                <a:latin typeface="Times New Roman"/>
-                <a:cs typeface="Times New Roman"/>
-              </a:rPr>
-              <a:t> </a:t>
-            </a:r>
-            <a:r>
-              <a:rPr lang="en-US" sz="1000" i="0" baseline="0" dirty="0" smtClean="0">
-                <a:latin typeface="Times New Roman"/>
-                <a:cs typeface="Times New Roman"/>
-              </a:rPr>
-              <a:t>will be too</a:t>
-            </a:r>
-            <a:r>
               <a:rPr lang="en-US" sz="1000" baseline="0" dirty="0" smtClean="0">
                 <a:latin typeface="Times New Roman"/>
                 <a:cs typeface="Times New Roman"/>
               </a:rPr>
-              <a:t>, because </a:t>
-            </a:r>
-            <a:r>
-              <a:rPr lang="en-US" sz="1000" i="1" baseline="0" dirty="0" smtClean="0">
-                <a:latin typeface="Times New Roman"/>
-                <a:cs typeface="Times New Roman"/>
-              </a:rPr>
-              <a:t>sa1 </a:t>
+              <a:t>. The internal representation of YANG specifications are one of the output of </a:t>
+            </a:r>
+            <a:r>
+              <a:rPr lang="en-US" sz="1000" baseline="0" dirty="0" err="1" smtClean="0">
+                <a:latin typeface="Times New Roman"/>
+                <a:cs typeface="Times New Roman"/>
+              </a:rPr>
+              <a:t>jYang</a:t>
             </a:r>
             <a:r>
               <a:rPr lang="en-US" sz="1000" baseline="0" dirty="0" smtClean="0">
                 <a:latin typeface="Times New Roman"/>
                 <a:cs typeface="Times New Roman"/>
               </a:rPr>
-              <a:t>belongs-to </a:t>
-            </a:r>
-            <a:r>
-              <a:rPr lang="en-US" sz="1000" i="1" baseline="0" dirty="0" smtClean="0">
-                <a:latin typeface="Times New Roman"/>
-                <a:cs typeface="Times New Roman"/>
-              </a:rPr>
-              <a:t>a </a:t>
-            </a:r>
-            <a:r>
-              <a:rPr lang="en-US" sz="1000" baseline="0" dirty="0" smtClean="0">
-                <a:latin typeface="Times New Roman"/>
-                <a:cs typeface="Times New Roman"/>
-              </a:rPr>
-              <a:t>and </a:t>
-            </a:r>
-            <a:r>
-              <a:rPr lang="en-US" sz="1000" i="1" baseline="0" dirty="0" smtClean="0">
-                <a:latin typeface="Times New Roman"/>
-                <a:cs typeface="Times New Roman"/>
-              </a:rPr>
-              <a:t>a </a:t>
-            </a:r>
-            <a:r>
-              <a:rPr lang="en-US" sz="1000" baseline="0" dirty="0" smtClean="0">
-                <a:latin typeface="Times New Roman"/>
-                <a:cs typeface="Times New Roman"/>
-              </a:rPr>
-              <a:t>import </a:t>
-            </a:r>
-            <a:r>
-              <a:rPr lang="en-US" sz="1000" i="1" baseline="0" dirty="0" err="1" smtClean="0">
-                <a:latin typeface="Times New Roman"/>
-                <a:cs typeface="Times New Roman"/>
-              </a:rPr>
-              <a:t>b</a:t>
-            </a:r>
-            <a:r>
-              <a:rPr lang="en-US" sz="1000" baseline="0" dirty="0" smtClean="0">
-                <a:latin typeface="Times New Roman"/>
-                <a:cs typeface="Times New Roman"/>
-              </a:rPr>
-              <a:t>. The internal representation of YANG specifications are one of the output of </a:t>
-            </a:r>
-            <a:r>
-              <a:rPr lang="en-US" sz="1000" baseline="0" dirty="0" err="1" smtClean="0">
-                <a:latin typeface="Times New Roman"/>
-                <a:cs typeface="Times New Roman"/>
-              </a:rPr>
-              <a:t>jYang</a:t>
-            </a:r>
-            <a:r>
-              <a:rPr lang="en-US" sz="1000" baseline="0" dirty="0" smtClean="0">
-                <a:latin typeface="Times New Roman"/>
-                <a:cs typeface="Times New Roman"/>
-              </a:rPr>
-              <a:t> and is composed of a java object tree</a:t>
-            </a:r>
-            <a:r>
-              <a:rPr lang="en-US" sz="1000" baseline="0" dirty="0" smtClean="0">
-                <a:latin typeface="Times New Roman"/>
-                <a:cs typeface="Times New Roman"/>
-              </a:rPr>
-              <a:t> we show in the preceding figure. The </a:t>
-            </a:r>
-            <a:r>
-              <a:rPr lang="en-US" sz="1000" baseline="0" dirty="0" smtClean="0">
-                <a:latin typeface="Times New Roman"/>
-                <a:cs typeface="Times New Roman"/>
-              </a:rPr>
-              <a:t>other possible output is a list of error messages if mistakes are found in the input YANG specification. Several errors can be listed and there is no </a:t>
+              <a:t> and is composed of a java object tree we show in the preceding figure. The other possible output is a list of error messages if mistakes are found in the input YANG specification. Several errors can be listed and there is no </a:t>
             </a:r>
             <a:r>
               <a:rPr lang="en-US" sz="1000" baseline="0" dirty="0" err="1" smtClean="0">
@@ -2790,147 +2729,77 @@
                 <a:latin typeface="Times New Roman"/>
                 <a:cs typeface="Times New Roman"/>
               </a:rPr>
-              <a:t> that is also a tree of java objects but where each node contains a reference to a YANG statement</a:t>
+              <a:t> that is also a tree of java objects but where each node contains a reference to a YANG statement but is not a YANG statement representation itself. This tree represents the YANG specification without </a:t>
+            </a:r>
+            <a:r>
+              <a:rPr lang="en-US" sz="1000" baseline="0" dirty="0" err="1" smtClean="0">
+                <a:latin typeface="Times New Roman"/>
+                <a:cs typeface="Times New Roman"/>
+              </a:rPr>
+              <a:t>typedef</a:t>
             </a:r>
             <a:r>
               <a:rPr lang="en-US" sz="1000" baseline="0" dirty="0" smtClean="0">
                 <a:latin typeface="Times New Roman"/>
                 <a:cs typeface="Times New Roman"/>
               </a:rPr>
-              <a:t> but </a:t>
+              <a:t> and grouping but where grouping are copied at places where they are used. For example on the figure one can represents that the module </a:t>
+            </a:r>
+            <a:r>
+              <a:rPr lang="en-US" sz="1000" i="1" baseline="0" dirty="0" err="1" smtClean="0">
+                <a:latin typeface="Times New Roman"/>
+                <a:cs typeface="Times New Roman"/>
+              </a:rPr>
+              <a:t>b</a:t>
             </a:r>
             <a:r>
               <a:rPr lang="en-US" sz="1000" baseline="0" dirty="0" smtClean="0">
                 <a:latin typeface="Times New Roman"/>
                 <a:cs typeface="Times New Roman"/>
               </a:rPr>
-              <a:t>is not a YANG statement representation </a:t>
+              <a:t> only contains a grouping definition that is used two times in the module </a:t>
+            </a:r>
+            <a:r>
+              <a:rPr lang="en-US" sz="1000" i="1" baseline="0" dirty="0" smtClean="0">
+                <a:latin typeface="Times New Roman"/>
+                <a:cs typeface="Times New Roman"/>
+              </a:rPr>
+              <a:t>a</a:t>
             </a:r>
             <a:r>
               <a:rPr lang="en-US" sz="1000" baseline="0" dirty="0" smtClean="0">
                 <a:latin typeface="Times New Roman"/>
                 <a:cs typeface="Times New Roman"/>
               </a:rPr>
-              <a:t>itself. </a:t>
+              <a:t>. We suppose that the sub-module </a:t>
+            </a:r>
+            <a:r>
+              <a:rPr lang="en-US" sz="1000" i="1" baseline="0" dirty="0" smtClean="0">
+                <a:latin typeface="Times New Roman"/>
+                <a:cs typeface="Times New Roman"/>
+              </a:rPr>
+              <a:t>sa1 </a:t>
             </a:r>
             <a:r>
               <a:rPr lang="en-US" sz="1000" baseline="0" dirty="0" smtClean="0">
                 <a:latin typeface="Times New Roman"/>
                 <a:cs typeface="Times New Roman"/>
               </a:rPr>
-              <a:t>This tree represents</a:t>
+              <a:t>is only made of </a:t>
+            </a:r>
+            <a:r>
+              <a:rPr lang="en-US" sz="1000" baseline="0" dirty="0" err="1" smtClean="0">
+                <a:latin typeface="Times New Roman"/>
+                <a:cs typeface="Times New Roman"/>
+              </a:rPr>
+              <a:t>typedef</a:t>
             </a:r>
             <a:r>
               <a:rPr lang="en-US" sz="1000" baseline="0" dirty="0" smtClean="0">
                 <a:latin typeface="Times New Roman"/>
                 <a:cs typeface="Times New Roman"/>
               </a:rPr>
-              <a:t> the </a:t>
-            </a:r>
-            <a:r>
-              <a:rPr lang="en-US" sz="1000" baseline="0" dirty="0" smtClean="0">
-                <a:latin typeface="Times New Roman"/>
-                <a:cs typeface="Times New Roman"/>
-              </a:rPr>
-              <a:t>YANG specification</a:t>
-            </a:r>
-            <a:r>
-              <a:rPr lang="en-US" sz="1000" baseline="0" dirty="0" smtClean="0">
-                <a:latin typeface="Times New Roman"/>
-                <a:cs typeface="Times New Roman"/>
-              </a:rPr>
-              <a:t> without </a:t>
-            </a:r>
-            <a:r>
-              <a:rPr lang="en-US" sz="1000" baseline="0" dirty="0" err="1" smtClean="0">
-                <a:latin typeface="Times New Roman"/>
-                <a:cs typeface="Times New Roman"/>
-              </a:rPr>
-              <a:t>typedef</a:t>
-            </a:r>
-            <a:r>
-              <a:rPr lang="en-US" sz="1000" baseline="0" dirty="0" smtClean="0">
-                <a:latin typeface="Times New Roman"/>
-                <a:cs typeface="Times New Roman"/>
-              </a:rPr>
-              <a:t> and grouping but where grouping are copied at places where they are used. For example on the figure one can represents that the module </a:t>
-            </a:r>
-            <a:r>
-              <a:rPr lang="en-US" sz="1000" i="1" baseline="0" dirty="0" err="1" smtClean="0">
-                <a:latin typeface="Times New Roman"/>
-                <a:cs typeface="Times New Roman"/>
-              </a:rPr>
-              <a:t>b</a:t>
-            </a:r>
-            <a:r>
-              <a:rPr lang="en-US" sz="1000" baseline="0" dirty="0" smtClean="0">
-                <a:latin typeface="Times New Roman"/>
-                <a:cs typeface="Times New Roman"/>
-              </a:rPr>
-              <a:t> only contains a grouping definition that is used</a:t>
-            </a:r>
-            <a:r>
-              <a:rPr lang="en-US" sz="1000" baseline="0" dirty="0" smtClean="0">
-                <a:latin typeface="Times New Roman"/>
-                <a:cs typeface="Times New Roman"/>
-              </a:rPr>
-              <a:t> two times in </a:t>
-            </a:r>
-            <a:r>
-              <a:rPr lang="en-US" sz="1000" baseline="0" dirty="0" smtClean="0">
-                <a:latin typeface="Times New Roman"/>
-                <a:cs typeface="Times New Roman"/>
-              </a:rPr>
-              <a:t>the module </a:t>
-            </a:r>
-            <a:r>
-              <a:rPr lang="en-US" sz="1000" i="1" baseline="0" dirty="0" smtClean="0">
-                <a:latin typeface="Times New Roman"/>
-                <a:cs typeface="Times New Roman"/>
-              </a:rPr>
-              <a:t>a</a:t>
-            </a:r>
-            <a:r>
-              <a:rPr lang="en-US" sz="1000" baseline="0" dirty="0" smtClean="0">
-                <a:latin typeface="Times New Roman"/>
-                <a:cs typeface="Times New Roman"/>
-              </a:rPr>
-              <a:t>. We suppose that the sub-module </a:t>
-            </a:r>
-            <a:r>
-              <a:rPr lang="en-US" sz="1000" i="1" baseline="0" dirty="0" smtClean="0">
-                <a:latin typeface="Times New Roman"/>
-                <a:cs typeface="Times New Roman"/>
-              </a:rPr>
-              <a:t>sa1 </a:t>
-            </a:r>
-            <a:r>
-              <a:rPr lang="en-US" sz="1000" baseline="0" dirty="0" smtClean="0">
-                <a:latin typeface="Times New Roman"/>
-                <a:cs typeface="Times New Roman"/>
-              </a:rPr>
-              <a:t>is only made of </a:t>
-            </a:r>
-            <a:r>
-              <a:rPr lang="en-US" sz="1000" baseline="0" dirty="0" err="1" smtClean="0">
-                <a:latin typeface="Times New Roman"/>
-                <a:cs typeface="Times New Roman"/>
-              </a:rPr>
-              <a:t>typedef</a:t>
-            </a:r>
-            <a:r>
-              <a:rPr lang="en-US" sz="1000" baseline="0" dirty="0" smtClean="0">
-                <a:latin typeface="Times New Roman"/>
-                <a:cs typeface="Times New Roman"/>
-              </a:rPr>
-              <a:t> and so there is no reference to it in the</a:t>
-            </a:r>
-            <a:r>
-              <a:rPr lang="en-US" sz="1000" baseline="0" dirty="0" smtClean="0">
-                <a:latin typeface="Times New Roman"/>
-                <a:cs typeface="Times New Roman"/>
-              </a:rPr>
-              <a:t> tree but a copy of the grouping used (the grouping itself is not copied but the </a:t>
+              <a:t> and so there is no reference to it in the tree but a copy of the grouping used (the grouping itself is not copied but the </a:t>
             </a:r>
             <a:r>
               <a:rPr lang="en-US" sz="1000" baseline="0" dirty="0" err="1" smtClean="0">
@@ -2961,14 +2830,35 @@
                 <a:latin typeface="Times New Roman"/>
                 <a:cs typeface="Times New Roman"/>
               </a:rPr>
-              <a:t> </a:t>
+              <a:t> The </a:t>
+            </a:r>
+            <a:r>
+              <a:rPr lang="en-US" sz="1000" baseline="0" dirty="0" err="1" smtClean="0">
+                <a:latin typeface="Times New Roman"/>
+                <a:cs typeface="Times New Roman"/>
+              </a:rPr>
+              <a:t>YangTreeNode</a:t>
             </a:r>
             <a:r>
               <a:rPr lang="en-US" sz="1000" baseline="0" dirty="0" smtClean="0">
                 <a:latin typeface="Times New Roman"/>
                 <a:cs typeface="Times New Roman"/>
               </a:rPr>
-              <a:t>The </a:t>
+              <a:t> will be used to match XML data of </a:t>
+            </a:r>
+            <a:r>
+              <a:rPr lang="fr-FR" sz="1000" baseline="0" dirty="0" smtClean="0">
+                <a:latin typeface="Times New Roman"/>
+                <a:cs typeface="Times New Roman"/>
+              </a:rPr>
+              <a:t>NETCONF</a:t>
+            </a:r>
+            <a:r>
+              <a:rPr lang="en-US" sz="1000" baseline="0" dirty="0" smtClean="0">
+                <a:latin typeface="Times New Roman"/>
+                <a:cs typeface="Times New Roman"/>
+              </a:rPr>
+              <a:t> operation to produce the standard called data tree that is an instance of the schema tree. The figure would just suggest that the data tree is generally more larger that the </a:t>
             </a:r>
             <a:r>
               <a:rPr lang="en-US" sz="1000" baseline="0" dirty="0" err="1" smtClean="0">
@@ -2982,61 +2872,22 @@
                 <a:latin typeface="Times New Roman"/>
                 <a:cs typeface="Times New Roman"/>
               </a:rPr>
-              <a:t> will be used to match XML data of </a:t>
-            </a:r>
-            <a:r>
-              <a:rPr lang="en-US" sz="1000" baseline="0" dirty="0" err="1" smtClean="0">
-                <a:latin typeface="Times New Roman"/>
-                <a:cs typeface="Times New Roman"/>
-              </a:rPr>
-              <a:t>Netconf</a:t>
+              <a:t> and this is because one list (or leaf-list) is represented by one node and its content but the data tree will contain each entry of the list (or each value of a leaf list). At the opposite if a specification is made with plenty of choice statement then the data tree will show only one of the cases from the </a:t>
+            </a:r>
+            <a:r>
+              <a:rPr lang="fr-FR" sz="1000" baseline="0" dirty="0" smtClean="0">
+                <a:latin typeface="Times New Roman"/>
+                <a:cs typeface="Times New Roman"/>
+              </a:rPr>
+              <a:t>NETCONF</a:t>
             </a:r>
             <a:r>
               <a:rPr lang="en-US" sz="1000" baseline="0" dirty="0" smtClean="0">
                 <a:latin typeface="Times New Roman"/>
                 <a:cs typeface="Times New Roman"/>
               </a:rPr>
-              <a:t> operation</a:t>
-            </a:r>
-            <a:r>
-              <a:rPr lang="en-US" sz="1000" baseline="0" dirty="0" smtClean="0">
-                <a:latin typeface="Times New Roman"/>
-                <a:cs typeface="Times New Roman"/>
-              </a:rPr>
-              <a:t> to produce the standard called data tree that is an instance of the schema tree. The figure would just suggest that the data tree is generally more larger that the </a:t>
-            </a:r>
-            <a:r>
-              <a:rPr lang="en-US" sz="1000" baseline="0" dirty="0" err="1" smtClean="0">
-                <a:latin typeface="Times New Roman"/>
-                <a:cs typeface="Times New Roman"/>
-              </a:rPr>
-              <a:t>YangTreeNode</a:t>
-            </a:r>
-            <a:r>
-              <a:rPr lang="en-US" sz="1000" baseline="0" dirty="0" smtClean="0">
-                <a:latin typeface="Times New Roman"/>
-                <a:cs typeface="Times New Roman"/>
-              </a:rPr>
-              <a:t> and this is because one list (or leaf-list) is represented by one node and its content but the data tree will contain each entry of the list (or each value of a leaf list). At the opposite if a specification is made with plenty of choice statement then the data tree will show only one of the cases from the </a:t>
-            </a:r>
-            <a:r>
-              <a:rPr lang="en-US" sz="1000" baseline="0" dirty="0" err="1" smtClean="0">
-                <a:latin typeface="Times New Roman"/>
-                <a:cs typeface="Times New Roman"/>
-              </a:rPr>
-              <a:t>Netconf</a:t>
-            </a:r>
-            <a:r>
-              <a:rPr lang="en-US" sz="1000" baseline="0" dirty="0" smtClean="0">
-                <a:latin typeface="Times New Roman"/>
-                <a:cs typeface="Times New Roman"/>
-              </a:rPr>
               <a:t> data.</a:t>
             </a:r>
-            <a:endParaRPr lang="en-US" sz="1000" baseline="0" dirty="0" smtClean="0">
-              <a:latin typeface="Times New Roman"/>
-              <a:cs typeface="Times New Roman"/>
-            </a:endParaRPr>
           </a:p>
         </p:txBody>
       </p:sp>
@@ -3114,7 +2965,7 @@
         <p:spPr/>
         <p:txBody>
           <a:bodyPr>
-            <a:normAutofit lnSpcReduction="10000"/>
+            <a:normAutofit/>
           </a:bodyPr>
           <a:lstStyle/>
           <a:p>
@@ -3134,18 +2985,32 @@
               <a:t> is an implementation of the server side of </a:t>
             </a:r>
             <a:r>
+              <a:rPr lang="fr-FR" sz="1000" baseline="0" dirty="0" smtClean="0">
+                <a:latin typeface="Times New Roman"/>
+                <a:cs typeface="Times New Roman"/>
+              </a:rPr>
+              <a:t>NETCONF</a:t>
+            </a:r>
+            <a:r>
+              <a:rPr lang="en-US" sz="1000" baseline="0" dirty="0" smtClean="0">
+                <a:latin typeface="Times New Roman"/>
+                <a:cs typeface="Times New Roman"/>
+              </a:rPr>
+              <a:t> that is open and initially created in our research team. Its architecture in on top of an SSH layer to ensure security, session and connection-oriented configuration operation as needed by the standard. RPC mechanism with &lt;</a:t>
+            </a:r>
+            <a:r>
               <a:rPr lang="en-US" sz="1000" baseline="0" dirty="0" err="1" smtClean="0">
                 <a:latin typeface="Times New Roman"/>
                 <a:cs typeface="Times New Roman"/>
               </a:rPr>
-              <a:t>Netconf</a:t>
+              <a:t>rpc</a:t>
             </a:r>
             <a:r>
               <a:rPr lang="en-US" sz="1000" baseline="0" dirty="0" smtClean="0">
                 <a:latin typeface="Times New Roman"/>
                 <a:cs typeface="Times New Roman"/>
               </a:rPr>
-              <a:t> that is open and initially created in our research team. Its architecture in on top of an SSH layer to ensure security, session and connection-oriented configuration operation as needed by the standard. RPC mechanism with &lt;</a:t>
+              <a:t>&gt; and &lt;</a:t>
             </a:r>
             <a:r>
               <a:rPr lang="en-US" sz="1000" baseline="0" dirty="0" err="1" smtClean="0">
@@ -3159,70 +3024,49 @@
                 <a:latin typeface="Times New Roman"/>
                 <a:cs typeface="Times New Roman"/>
               </a:rPr>
-              <a:t>&gt; and &lt;</a:t>
+              <a:t>-reply&gt; primitives schedule basic operations of </a:t>
+            </a:r>
+            <a:r>
+              <a:rPr lang="fr-FR" sz="1000" baseline="0" dirty="0" smtClean="0">
+                <a:latin typeface="Times New Roman"/>
+                <a:cs typeface="Times New Roman"/>
+              </a:rPr>
+              <a:t>NETCONF</a:t>
+            </a:r>
+            <a:r>
+              <a:rPr lang="en-US" sz="1000" baseline="0" dirty="0" smtClean="0">
+                <a:latin typeface="Times New Roman"/>
+                <a:cs typeface="Times New Roman"/>
+              </a:rPr>
+              <a:t> as &lt;get&gt;, &lt;get-</a:t>
             </a:r>
             <a:r>
               <a:rPr lang="en-US" sz="1000" baseline="0" dirty="0" err="1" smtClean="0">
                 <a:latin typeface="Times New Roman"/>
                 <a:cs typeface="Times New Roman"/>
               </a:rPr>
-              <a:t>rpc</a:t>
+              <a:t>config</a:t>
             </a:r>
             <a:r>
               <a:rPr lang="en-US" sz="1000" baseline="0" dirty="0" smtClean="0">
                 <a:latin typeface="Times New Roman"/>
                 <a:cs typeface="Times New Roman"/>
               </a:rPr>
-              <a:t>-reply&gt; primitives schedule basic operations of </a:t>
+              <a:t>&gt; and &lt;edit-</a:t>
             </a:r>
             <a:r>
               <a:rPr lang="en-US" sz="1000" baseline="0" dirty="0" err="1" smtClean="0">
                 <a:latin typeface="Times New Roman"/>
                 <a:cs typeface="Times New Roman"/>
               </a:rPr>
-              <a:t>Netconf</a:t>
+              <a:t>config</a:t>
             </a:r>
             <a:r>
               <a:rPr lang="en-US" sz="1000" baseline="0" dirty="0" smtClean="0">
                 <a:latin typeface="Times New Roman"/>
                 <a:cs typeface="Times New Roman"/>
               </a:rPr>
-              <a:t> as &lt;get&gt;, &lt;get-</a:t>
-            </a:r>
-            <a:r>
-              <a:rPr lang="en-US" sz="1000" baseline="0" dirty="0" err="1" smtClean="0">
-                <a:latin typeface="Times New Roman"/>
-                <a:cs typeface="Times New Roman"/>
-              </a:rPr>
-              <a:t>config</a:t>
-            </a:r>
-            <a:r>
-              <a:rPr lang="en-US" sz="1000" baseline="0" dirty="0" smtClean="0">
-                <a:latin typeface="Times New Roman"/>
-                <a:cs typeface="Times New Roman"/>
-              </a:rPr>
-              <a:t>&gt; and &lt;edit-</a:t>
-            </a:r>
-            <a:r>
-              <a:rPr lang="en-US" sz="1000" baseline="0" dirty="0" err="1" smtClean="0">
-                <a:latin typeface="Times New Roman"/>
-                <a:cs typeface="Times New Roman"/>
-              </a:rPr>
-              <a:t>config</a:t>
-            </a:r>
-            <a:r>
-              <a:rPr lang="en-US" sz="1000" baseline="0" dirty="0" smtClean="0">
-                <a:latin typeface="Times New Roman"/>
-                <a:cs typeface="Times New Roman"/>
-              </a:rPr>
-              <a:t>&gt; (notification are planned). The Data store manager is responsible to maintain a virtual database of configuration (and state) data and forward the request to the running or candidate configuration and finally to return the response</a:t>
-            </a:r>
-            <a:r>
-              <a:rPr lang="en-US" sz="1000" baseline="0" dirty="0" smtClean="0">
-                <a:latin typeface="Times New Roman"/>
-                <a:cs typeface="Times New Roman"/>
-              </a:rPr>
-              <a:t>.</a:t>
+              <a:t>&gt; (notification are planned). The Data store manager is responsible to maintain a virtual database of configuration (and state) data and forward the request to the running or candidate configuration and finally to return the response.</a:t>
             </a:r>
           </a:p>
           <a:p>
@@ -3242,81 +3086,60 @@
               <a:t>At the starting of a session the Data Store Manager looks for modules to implements in a text configuration file and load them in its environment. A module is a piece of code that access to specific configuration and state information with a common request interface matching with </a:t>
             </a:r>
             <a:r>
+              <a:rPr lang="fr-FR" sz="1000" baseline="0" dirty="0" smtClean="0">
+                <a:latin typeface="Times New Roman"/>
+                <a:cs typeface="Times New Roman"/>
+              </a:rPr>
+              <a:t>NETCONF</a:t>
+            </a:r>
+            <a:r>
+              <a:rPr lang="en-US" sz="1000" baseline="0" dirty="0" smtClean="0">
+                <a:latin typeface="Times New Roman"/>
+                <a:cs typeface="Times New Roman"/>
+              </a:rPr>
+              <a:t> operations. For example there are modules for network interfaces, system, protocols as RIP or OLSR... When a module is integrated into the server it must provides the location of its data by giving a path (an </a:t>
+            </a:r>
+            <a:r>
               <a:rPr lang="en-US" sz="1000" baseline="0" dirty="0" err="1" smtClean="0">
                 <a:latin typeface="Times New Roman"/>
                 <a:cs typeface="Times New Roman"/>
               </a:rPr>
-              <a:t>Netconf</a:t>
+              <a:t>Xpath</a:t>
             </a:r>
             <a:r>
               <a:rPr lang="en-US" sz="1000" baseline="0" dirty="0" smtClean="0">
                 <a:latin typeface="Times New Roman"/>
                 <a:cs typeface="Times New Roman"/>
               </a:rPr>
-              <a:t> operations. For example there are modules for network interfaces, system, protocols as</a:t>
+              <a:t> to be more precise) from the global root of all data that is the &lt;</a:t>
+            </a:r>
+            <a:r>
+              <a:rPr lang="fr-FR" sz="1000" baseline="0" dirty="0" smtClean="0">
+                <a:latin typeface="Times New Roman"/>
+                <a:cs typeface="Times New Roman"/>
+              </a:rPr>
+              <a:t>NETCONF</a:t>
             </a:r>
             <a:r>
               <a:rPr lang="en-US" sz="1000" baseline="0" dirty="0" smtClean="0">
                 <a:latin typeface="Times New Roman"/>
                 <a:cs typeface="Times New Roman"/>
               </a:rPr>
-              <a:t> RIP or OLSR.</a:t>
+              <a:t>&gt; node. For example, the interfaces module is localized with the “/</a:t>
+            </a:r>
+            <a:r>
+              <a:rPr lang="fr-FR" sz="1000" baseline="0" dirty="0" smtClean="0">
+                <a:latin typeface="Times New Roman"/>
+                <a:cs typeface="Times New Roman"/>
+              </a:rPr>
+              <a:t>NETCONF</a:t>
             </a:r>
             <a:r>
               <a:rPr lang="en-US" sz="1000" baseline="0" dirty="0" smtClean="0">
                 <a:latin typeface="Times New Roman"/>
                 <a:cs typeface="Times New Roman"/>
               </a:rPr>
-              <a:t>.. When a module is integrated into the server it must provides the location of its data by giving a path (an </a:t>
-            </a:r>
-            <a:r>
-              <a:rPr lang="en-US" sz="1000" baseline="0" dirty="0" err="1" smtClean="0">
-                <a:latin typeface="Times New Roman"/>
-                <a:cs typeface="Times New Roman"/>
-              </a:rPr>
-              <a:t>Xpath</a:t>
-            </a:r>
-            <a:r>
-              <a:rPr lang="en-US" sz="1000" baseline="0" dirty="0" smtClean="0">
-                <a:latin typeface="Times New Roman"/>
-                <a:cs typeface="Times New Roman"/>
-              </a:rPr>
-              <a:t> to be more precise) from the global root of all data that is the &lt;</a:t>
-            </a:r>
-            <a:r>
-              <a:rPr lang="en-US" sz="1000" baseline="0" dirty="0" err="1" smtClean="0">
-                <a:latin typeface="Times New Roman"/>
-                <a:cs typeface="Times New Roman"/>
-              </a:rPr>
-              <a:t>netconf</a:t>
-            </a:r>
-            <a:r>
-              <a:rPr lang="en-US" sz="1000" baseline="0" dirty="0" smtClean="0">
-                <a:latin typeface="Times New Roman"/>
-                <a:cs typeface="Times New Roman"/>
-              </a:rPr>
-              <a:t>&gt; node. For example, the interfaces module is localized with the “/</a:t>
-            </a:r>
-            <a:r>
-              <a:rPr lang="en-US" sz="1000" baseline="0" dirty="0" err="1" smtClean="0">
-                <a:latin typeface="Times New Roman"/>
-                <a:cs typeface="Times New Roman"/>
-              </a:rPr>
-              <a:t>netconf</a:t>
-            </a:r>
-            <a:r>
-              <a:rPr lang="en-US" sz="1000" baseline="0" dirty="0" smtClean="0">
-                <a:latin typeface="Times New Roman"/>
-                <a:cs typeface="Times New Roman"/>
-              </a:rPr>
-              <a:t>/network/interfaces” expression and is in charge of maintains data under the &lt;interface&gt; node. So a part of the global Data Store is managed by the Data Store Manager (the grey light on the figure) and the rest is distributed among modules. This facilitate the integration of new modules with the possibility to organize them at a module granularity and without increase the complexity of the Data Store Manager</a:t>
-            </a:r>
-            <a:r>
-              <a:rPr lang="en-US" sz="1000" baseline="0" dirty="0" smtClean="0">
-                <a:latin typeface="Times New Roman"/>
-                <a:cs typeface="Times New Roman"/>
-              </a:rPr>
-              <a:t>.</a:t>
+              <a:t>/network/interfaces” expression and is in charge of maintains data under the &lt;interface&gt; node. So a part of the global Data Store is managed by the Data Store Manager (the grey light on the figure) and the rest is distributed among modules. This facilitate the integration of new modules with the possibility to organize them at a module granularity and without increase the complexity of the Data Store Manager.</a:t>
             </a:r>
           </a:p>
           <a:p>
@@ -3347,56 +3170,42 @@
                 <a:latin typeface="Times New Roman"/>
                 <a:cs typeface="Times New Roman"/>
               </a:rPr>
-              <a:t> configuration file was already prepared to any extension as a &lt;parameters&gt; markup that contains &lt;parameter&gt; items with name and value attributes. At this level the integration of </a:t>
+              <a:t> configuration file was already prepared to any extension as a &lt;parameters&gt; markup that contains &lt;parameter&gt; items with name and value attributes. At this level the integration of YANG into </a:t>
+            </a:r>
+            <a:r>
+              <a:rPr lang="en-US" sz="1000" baseline="0" dirty="0" err="1" smtClean="0">
+                <a:latin typeface="Times New Roman"/>
+                <a:cs typeface="Times New Roman"/>
+              </a:rPr>
+              <a:t>YencaP</a:t>
             </a:r>
             <a:r>
               <a:rPr lang="en-US" sz="1000" baseline="0" dirty="0" smtClean="0">
                 <a:latin typeface="Times New Roman"/>
                 <a:cs typeface="Times New Roman"/>
               </a:rPr>
-              <a:t>YANG into </a:t>
-            </a:r>
-            <a:r>
-              <a:rPr lang="en-US" sz="1000" baseline="0" dirty="0" err="1" smtClean="0">
-                <a:latin typeface="Times New Roman"/>
-                <a:cs typeface="Times New Roman"/>
-              </a:rPr>
-              <a:t>YencaP</a:t>
+              <a:t> is just to add a parameter to specify which YANG module is implemented by the module. One can see on the example there is a &lt;namespace&gt; markup that is used to provide a name space to </a:t>
+            </a:r>
+            <a:r>
+              <a:rPr lang="fr-FR" sz="1000" baseline="0" dirty="0" smtClean="0">
+                <a:latin typeface="Times New Roman"/>
+                <a:cs typeface="Times New Roman"/>
+              </a:rPr>
+              <a:t>NETCONF</a:t>
             </a:r>
             <a:r>
               <a:rPr lang="en-US" sz="1000" baseline="0" dirty="0" smtClean="0">
                 <a:latin typeface="Times New Roman"/>
                 <a:cs typeface="Times New Roman"/>
               </a:rPr>
-              <a:t> </a:t>
-            </a:r>
-            <a:r>
-              <a:rPr lang="en-US" sz="1000" baseline="0" dirty="0" smtClean="0">
-                <a:latin typeface="Times New Roman"/>
-                <a:cs typeface="Times New Roman"/>
-              </a:rPr>
-              <a:t>is just to add a parameter to specify which YANG module is implemented by the module. One can see on the example there is a &lt;namespace&gt; markup that is used to provide a name space to </a:t>
-            </a:r>
-            <a:r>
-              <a:rPr lang="en-US" sz="1000" baseline="0" dirty="0" err="1" smtClean="0">
-                <a:latin typeface="Times New Roman"/>
-                <a:cs typeface="Times New Roman"/>
-              </a:rPr>
-              <a:t>Netconf</a:t>
-            </a:r>
-            <a:r>
-              <a:rPr lang="en-US" sz="1000" baseline="0" dirty="0" smtClean="0">
-                <a:latin typeface="Times New Roman"/>
-                <a:cs typeface="Times New Roman"/>
-              </a:rPr>
               <a:t> data that is necessary for </a:t>
             </a:r>
             <a:r>
-              <a:rPr lang="en-US" sz="1000" baseline="0" dirty="0" err="1" smtClean="0">
-                <a:latin typeface="Times New Roman"/>
-                <a:cs typeface="Times New Roman"/>
-              </a:rPr>
-              <a:t>Netconf</a:t>
+              <a:rPr lang="fr-FR" sz="1000" baseline="0" dirty="0" smtClean="0">
+                <a:latin typeface="Times New Roman"/>
+                <a:cs typeface="Times New Roman"/>
+              </a:rPr>
+              <a:t>NETCONF</a:t>
             </a:r>
             <a:r>
               <a:rPr lang="en-US" sz="1000" baseline="0" dirty="0" smtClean="0">
@@ -3509,240 +3318,159 @@
               <a:t> Manager is an open source </a:t>
             </a:r>
             <a:r>
+              <a:rPr lang="fr-FR" sz="1000" baseline="0" noProof="0" dirty="0" smtClean="0">
+                <a:latin typeface="Times New Roman"/>
+                <a:cs typeface="Times New Roman"/>
+              </a:rPr>
+              <a:t>NETCONF</a:t>
+            </a:r>
+            <a:r>
+              <a:rPr lang="en-US" sz="1000" baseline="0" noProof="0" dirty="0" smtClean="0">
+                <a:latin typeface="Times New Roman"/>
+                <a:cs typeface="Times New Roman"/>
+              </a:rPr>
+              <a:t> application that can send queries and receive responses with any </a:t>
+            </a:r>
+            <a:r>
+              <a:rPr lang="fr-FR" sz="1000" baseline="0" noProof="0" dirty="0" smtClean="0">
+                <a:latin typeface="Times New Roman"/>
+                <a:cs typeface="Times New Roman"/>
+              </a:rPr>
+              <a:t>NETCONF</a:t>
+            </a:r>
+            <a:r>
+              <a:rPr lang="en-US" sz="1000" baseline="0" noProof="0" dirty="0" smtClean="0">
+                <a:latin typeface="Times New Roman"/>
+                <a:cs typeface="Times New Roman"/>
+              </a:rPr>
+              <a:t> server (more specific modules, as a role base access capabilities, are only usable with the </a:t>
+            </a:r>
+            <a:r>
               <a:rPr lang="en-US" sz="1000" baseline="0" noProof="0" dirty="0" err="1" smtClean="0">
                 <a:latin typeface="Times New Roman"/>
                 <a:cs typeface="Times New Roman"/>
               </a:rPr>
-              <a:t>Netconf</a:t>
+              <a:t>Yencap</a:t>
             </a:r>
             <a:r>
               <a:rPr lang="en-US" sz="1000" baseline="0" noProof="0" dirty="0" smtClean="0">
                 <a:latin typeface="Times New Roman"/>
                 <a:cs typeface="Times New Roman"/>
               </a:rPr>
-              <a:t> application that can send </a:t>
+              <a:t> agent). The </a:t>
+            </a:r>
+            <a:r>
+              <a:rPr lang="fr-FR" sz="1000" baseline="0" noProof="0" dirty="0" smtClean="0">
+                <a:latin typeface="Times New Roman"/>
+                <a:cs typeface="Times New Roman"/>
+              </a:rPr>
+              <a:t>NETCONF</a:t>
             </a:r>
             <a:r>
               <a:rPr lang="en-US" sz="1000" baseline="0" noProof="0" dirty="0" smtClean="0">
                 <a:latin typeface="Times New Roman"/>
                 <a:cs typeface="Times New Roman"/>
               </a:rPr>
-              <a:t>queries and receive responses with any</a:t>
+              <a:t> Client can have several </a:t>
+            </a:r>
+            <a:r>
+              <a:rPr lang="fr-FR" sz="1000" baseline="0" noProof="0" dirty="0" smtClean="0">
+                <a:latin typeface="Times New Roman"/>
+                <a:cs typeface="Times New Roman"/>
+              </a:rPr>
+              <a:t>NETCONF</a:t>
             </a:r>
             <a:r>
               <a:rPr lang="en-US" sz="1000" baseline="0" noProof="0" dirty="0" smtClean="0">
                 <a:latin typeface="Times New Roman"/>
                 <a:cs typeface="Times New Roman"/>
               </a:rPr>
-              <a:t> </a:t>
+              <a:t> sessions with different </a:t>
+            </a:r>
+            <a:r>
+              <a:rPr lang="fr-FR" sz="1000" baseline="0" noProof="0" dirty="0" smtClean="0">
+                <a:latin typeface="Times New Roman"/>
+                <a:cs typeface="Times New Roman"/>
+              </a:rPr>
+              <a:t>NETCONF</a:t>
+            </a:r>
+            <a:r>
+              <a:rPr lang="en-US" sz="1000" baseline="0" noProof="0" dirty="0" smtClean="0">
+                <a:latin typeface="Times New Roman"/>
+                <a:cs typeface="Times New Roman"/>
+              </a:rPr>
+              <a:t> server. Each of theses sessions is initialized from the HTTPS server inside the </a:t>
             </a:r>
             <a:r>
               <a:rPr lang="en-US" sz="1000" baseline="0" noProof="0" dirty="0" err="1" smtClean="0">
                 <a:latin typeface="Times New Roman"/>
                 <a:cs typeface="Times New Roman"/>
               </a:rPr>
-              <a:t>Netconf</a:t>
+              <a:t>YencaP</a:t>
             </a:r>
             <a:r>
               <a:rPr lang="en-US" sz="1000" baseline="0" noProof="0" dirty="0" smtClean="0">
                 <a:latin typeface="Times New Roman"/>
                 <a:cs typeface="Times New Roman"/>
               </a:rPr>
-              <a:t> server (more </a:t>
+              <a:t> Manager when a manager user open an HTTPS session.  There is a one to one mapping between HTTPS and </a:t>
+            </a:r>
+            <a:r>
+              <a:rPr lang="fr-FR" sz="1000" baseline="0" noProof="0" dirty="0" smtClean="0">
+                <a:latin typeface="Times New Roman"/>
+                <a:cs typeface="Times New Roman"/>
+              </a:rPr>
+              <a:t>NETCONF</a:t>
             </a:r>
             <a:r>
               <a:rPr lang="en-US" sz="1000" baseline="0" noProof="0" dirty="0" smtClean="0">
                 <a:latin typeface="Times New Roman"/>
                 <a:cs typeface="Times New Roman"/>
               </a:rPr>
-              <a:t>specific modules, as a role base access </a:t>
+              <a:t> session even if two manager users are accessing the same </a:t>
+            </a:r>
+            <a:r>
+              <a:rPr lang="fr-FR" sz="1000" baseline="0" noProof="0" dirty="0" smtClean="0">
+                <a:latin typeface="Times New Roman"/>
+                <a:cs typeface="Times New Roman"/>
+              </a:rPr>
+              <a:t>NETCONF</a:t>
             </a:r>
             <a:r>
               <a:rPr lang="en-US" sz="1000" baseline="0" noProof="0" dirty="0" smtClean="0">
                 <a:latin typeface="Times New Roman"/>
                 <a:cs typeface="Times New Roman"/>
               </a:rPr>
-              <a:t>capabilities, </a:t>
+              <a:t> server. The couple </a:t>
+            </a:r>
+            <a:r>
+              <a:rPr lang="en-US" sz="1000" baseline="0" noProof="0" dirty="0" err="1" smtClean="0">
+                <a:latin typeface="Times New Roman"/>
+                <a:cs typeface="Times New Roman"/>
+              </a:rPr>
+              <a:t>YencaP</a:t>
             </a:r>
             <a:r>
               <a:rPr lang="en-US" sz="1000" baseline="0" noProof="0" dirty="0" smtClean="0">
                 <a:latin typeface="Times New Roman"/>
                 <a:cs typeface="Times New Roman"/>
               </a:rPr>
-              <a:t>are only usable with the </a:t>
+              <a:t> and </a:t>
             </a:r>
             <a:r>
               <a:rPr lang="en-US" sz="1000" baseline="0" noProof="0" dirty="0" err="1" smtClean="0">
                 <a:latin typeface="Times New Roman"/>
                 <a:cs typeface="Times New Roman"/>
               </a:rPr>
-              <a:t>Yencap</a:t>
+              <a:t>YencaP</a:t>
             </a:r>
             <a:r>
               <a:rPr lang="en-US" sz="1000" baseline="0" noProof="0" dirty="0" smtClean="0">
                 <a:latin typeface="Times New Roman"/>
                 <a:cs typeface="Times New Roman"/>
               </a:rPr>
-              <a:t> </a:t>
-            </a:r>
-            <a:r>
-              <a:rPr lang="en-US" sz="1000" baseline="0" noProof="0" dirty="0" smtClean="0">
-                <a:latin typeface="Times New Roman"/>
-                <a:cs typeface="Times New Roman"/>
-              </a:rPr>
-              <a:t>agent). </a:t>
-            </a:r>
-            <a:r>
-              <a:rPr lang="en-US" sz="1000" baseline="0" noProof="0" dirty="0" smtClean="0">
-                <a:latin typeface="Times New Roman"/>
-                <a:cs typeface="Times New Roman"/>
-              </a:rPr>
-              <a:t>The</a:t>
-            </a:r>
-            <a:r>
-              <a:rPr lang="en-US" sz="1000" baseline="0" noProof="0" dirty="0" smtClean="0">
-                <a:latin typeface="Times New Roman"/>
-                <a:cs typeface="Times New Roman"/>
-              </a:rPr>
-              <a:t> </a:t>
-            </a:r>
-            <a:r>
-              <a:rPr lang="en-US" sz="1000" baseline="0" noProof="0" dirty="0" err="1" smtClean="0">
-                <a:latin typeface="Times New Roman"/>
-                <a:cs typeface="Times New Roman"/>
-              </a:rPr>
-              <a:t>Netconf</a:t>
-            </a:r>
-            <a:r>
-              <a:rPr lang="en-US" sz="1000" baseline="0" noProof="0" dirty="0" smtClean="0">
-                <a:latin typeface="Times New Roman"/>
-                <a:cs typeface="Times New Roman"/>
-              </a:rPr>
-              <a:t> Client can have </a:t>
-            </a:r>
-            <a:r>
-              <a:rPr lang="en-US" sz="1000" baseline="0" noProof="0" dirty="0" smtClean="0">
-                <a:latin typeface="Times New Roman"/>
-                <a:cs typeface="Times New Roman"/>
-              </a:rPr>
-              <a:t>several</a:t>
-            </a:r>
-            <a:r>
-              <a:rPr lang="en-US" sz="1000" baseline="0" noProof="0" dirty="0" smtClean="0">
-                <a:latin typeface="Times New Roman"/>
-                <a:cs typeface="Times New Roman"/>
-              </a:rPr>
-              <a:t> </a:t>
-            </a:r>
-            <a:r>
-              <a:rPr lang="en-US" sz="1000" baseline="0" noProof="0" dirty="0" err="1" smtClean="0">
-                <a:latin typeface="Times New Roman"/>
-                <a:cs typeface="Times New Roman"/>
-              </a:rPr>
-              <a:t>Netconf</a:t>
-            </a:r>
-            <a:r>
-              <a:rPr lang="en-US" sz="1000" baseline="0" noProof="0" dirty="0" smtClean="0">
-                <a:latin typeface="Times New Roman"/>
-                <a:cs typeface="Times New Roman"/>
-              </a:rPr>
-              <a:t> sessions with different </a:t>
-            </a:r>
-            <a:r>
-              <a:rPr lang="en-US" sz="1000" baseline="0" noProof="0" dirty="0" err="1" smtClean="0">
-                <a:latin typeface="Times New Roman"/>
-                <a:cs typeface="Times New Roman"/>
-              </a:rPr>
-              <a:t>Netconf</a:t>
-            </a:r>
-            <a:r>
-              <a:rPr lang="en-US" sz="1000" baseline="0" noProof="0" dirty="0" smtClean="0">
-                <a:latin typeface="Times New Roman"/>
-                <a:cs typeface="Times New Roman"/>
-              </a:rPr>
-              <a:t> server. Each of theses sessions is initialized from the HTTPS server inside the </a:t>
-            </a:r>
-            <a:r>
-              <a:rPr lang="en-US" sz="1000" baseline="0" noProof="0" dirty="0" err="1" smtClean="0">
-                <a:latin typeface="Times New Roman"/>
-                <a:cs typeface="Times New Roman"/>
-              </a:rPr>
-              <a:t>YencaP</a:t>
-            </a:r>
-            <a:r>
-              <a:rPr lang="en-US" sz="1000" baseline="0" noProof="0" dirty="0" smtClean="0">
-                <a:latin typeface="Times New Roman"/>
-                <a:cs typeface="Times New Roman"/>
-              </a:rPr>
-              <a:t> Manager when a manager user open an HTTPS session.  </a:t>
-            </a:r>
-            <a:r>
-              <a:rPr lang="en-US" sz="1000" baseline="0" noProof="0" dirty="0" smtClean="0">
-                <a:latin typeface="Times New Roman"/>
-                <a:cs typeface="Times New Roman"/>
-              </a:rPr>
-              <a:t>There is a one to one mapping between HTTPS and </a:t>
-            </a:r>
-            <a:r>
-              <a:rPr lang="en-US" sz="1000" baseline="0" noProof="0" dirty="0" err="1" smtClean="0">
-                <a:latin typeface="Times New Roman"/>
-                <a:cs typeface="Times New Roman"/>
-              </a:rPr>
-              <a:t>Netconf</a:t>
-            </a:r>
-            <a:r>
-              <a:rPr lang="en-US" sz="1000" baseline="0" noProof="0" dirty="0" smtClean="0">
-                <a:latin typeface="Times New Roman"/>
-                <a:cs typeface="Times New Roman"/>
-              </a:rPr>
-              <a:t> session even if two manager users are accessing the same </a:t>
-            </a:r>
-            <a:r>
-              <a:rPr lang="en-US" sz="1000" baseline="0" noProof="0" dirty="0" err="1" smtClean="0">
-                <a:latin typeface="Times New Roman"/>
-                <a:cs typeface="Times New Roman"/>
-              </a:rPr>
-              <a:t>Netconf</a:t>
-            </a:r>
-            <a:r>
-              <a:rPr lang="en-US" sz="1000" baseline="0" noProof="0" dirty="0" smtClean="0">
-                <a:latin typeface="Times New Roman"/>
-                <a:cs typeface="Times New Roman"/>
-              </a:rPr>
-              <a:t> server. The couple </a:t>
-            </a:r>
-            <a:r>
-              <a:rPr lang="en-US" sz="1000" baseline="0" noProof="0" dirty="0" err="1" smtClean="0">
-                <a:latin typeface="Times New Roman"/>
-                <a:cs typeface="Times New Roman"/>
-              </a:rPr>
-              <a:t>YencaP</a:t>
-            </a:r>
-            <a:r>
-              <a:rPr lang="en-US" sz="1000" baseline="0" noProof="0" dirty="0" smtClean="0">
-                <a:latin typeface="Times New Roman"/>
-                <a:cs typeface="Times New Roman"/>
-              </a:rPr>
-              <a:t> and </a:t>
-            </a:r>
-            <a:r>
-              <a:rPr lang="en-US" sz="1000" baseline="0" noProof="0" dirty="0" err="1" smtClean="0">
-                <a:latin typeface="Times New Roman"/>
-                <a:cs typeface="Times New Roman"/>
-              </a:rPr>
-              <a:t>YencaP</a:t>
-            </a:r>
-            <a:r>
-              <a:rPr lang="en-US" sz="1000" baseline="0" noProof="0" dirty="0" smtClean="0">
-                <a:latin typeface="Times New Roman"/>
-                <a:cs typeface="Times New Roman"/>
-              </a:rPr>
               <a:t> Manager are named the ENSUITE framework.</a:t>
             </a:r>
-            <a:endParaRPr lang="en-US" sz="1000" baseline="0" noProof="0" dirty="0" smtClean="0">
-              <a:latin typeface="Times New Roman"/>
-              <a:cs typeface="Times New Roman"/>
-            </a:endParaRPr>
           </a:p>
           <a:p>
             <a:pPr algn="just">
@@ -3764,35 +3492,21 @@
                 <a:latin typeface="Times New Roman"/>
                 <a:cs typeface="Times New Roman"/>
               </a:rPr>
-              <a:t>As we said in the previous figure we </a:t>
+              <a:t>As we said in the previous figure we had have to slightly extends the </a:t>
+            </a:r>
+            <a:r>
+              <a:rPr lang="en-US" sz="1000" baseline="0" noProof="0" dirty="0" err="1" smtClean="0">
+                <a:latin typeface="Times New Roman"/>
+                <a:cs typeface="Times New Roman"/>
+              </a:rPr>
+              <a:t>YencaP</a:t>
             </a:r>
             <a:r>
               <a:rPr lang="en-US" sz="1000" baseline="0" noProof="0" dirty="0" smtClean="0">
                 <a:latin typeface="Times New Roman"/>
                 <a:cs typeface="Times New Roman"/>
               </a:rPr>
-              <a:t>had have to slightly extends the </a:t>
-            </a:r>
-            <a:r>
-              <a:rPr lang="en-US" sz="1000" baseline="0" noProof="0" dirty="0" err="1" smtClean="0">
-                <a:latin typeface="Times New Roman"/>
-                <a:cs typeface="Times New Roman"/>
-              </a:rPr>
-              <a:t>YencaP</a:t>
-            </a:r>
-            <a:r>
-              <a:rPr lang="en-US" sz="1000" baseline="0" noProof="0" dirty="0" smtClean="0">
-                <a:latin typeface="Times New Roman"/>
-                <a:cs typeface="Times New Roman"/>
-              </a:rPr>
-              <a:t> </a:t>
-            </a:r>
-            <a:r>
-              <a:rPr lang="en-US" sz="1000" baseline="0" noProof="0" dirty="0" smtClean="0">
-                <a:latin typeface="Times New Roman"/>
-                <a:cs typeface="Times New Roman"/>
-              </a:rPr>
-              <a:t>in order to announce in its standard </a:t>
+              <a:t> in order to announce in its standard </a:t>
             </a:r>
             <a:r>
               <a:rPr lang="en-US" sz="1000" baseline="0" noProof="0" dirty="0" smtClean="0">
@@ -3806,14 +3520,7 @@
                 <a:latin typeface="Times New Roman"/>
                 <a:cs typeface="Times New Roman"/>
               </a:rPr>
-              <a:t>message which YANG modules it implements (and which version and revision of each module) as a</a:t>
-            </a:r>
-            <a:r>
-              <a:rPr lang="en-US" sz="1000" baseline="0" noProof="0" dirty="0" smtClean="0">
-                <a:latin typeface="Times New Roman"/>
-                <a:cs typeface="Times New Roman"/>
-              </a:rPr>
-              <a:t> </a:t>
+              <a:t>message which YANG modules it implements (and which version and revision of each module) as a </a:t>
             </a:r>
             <a:r>
               <a:rPr lang="en-US" sz="1000" baseline="0" noProof="0" dirty="0" smtClean="0">
@@ -3827,48 +3534,181 @@
                 <a:latin typeface="Times New Roman"/>
                 <a:cs typeface="Times New Roman"/>
               </a:rPr>
-              <a:t>. On the</a:t>
+              <a:t>. On the client side a YANG loader will be used by the </a:t>
+            </a:r>
+            <a:r>
+              <a:rPr lang="en-US" sz="1000" baseline="0" noProof="0" dirty="0" err="1" smtClean="0">
+                <a:latin typeface="Times New Roman"/>
+                <a:cs typeface="Times New Roman"/>
+              </a:rPr>
+              <a:t>YencaP</a:t>
             </a:r>
             <a:r>
               <a:rPr lang="en-US" sz="1000" baseline="0" noProof="0" dirty="0" smtClean="0">
                 <a:latin typeface="Times New Roman"/>
                 <a:cs typeface="Times New Roman"/>
               </a:rPr>
-              <a:t> client side </a:t>
+              <a:t> Manager when such capability is detected. We do not constraint the </a:t>
+            </a:r>
+            <a:r>
+              <a:rPr lang="en-US" sz="1000" baseline="0" noProof="0" dirty="0" err="1" smtClean="0">
+                <a:latin typeface="Times New Roman"/>
+                <a:cs typeface="Times New Roman"/>
+              </a:rPr>
+              <a:t>YencaP</a:t>
             </a:r>
             <a:r>
               <a:rPr lang="en-US" sz="1000" baseline="0" noProof="0" dirty="0" smtClean="0">
                 <a:latin typeface="Times New Roman"/>
                 <a:cs typeface="Times New Roman"/>
               </a:rPr>
-              <a:t>a YANG loader</a:t>
+              <a:t> Manager to only work with YANG but to accept agent that are YANG enable or not. Once YANG modules are announced the loader get the specifications from an external repository and build a specific </a:t>
+            </a:r>
+            <a:r>
+              <a:rPr lang="en-US" sz="1000" baseline="0" noProof="0" dirty="0" err="1" smtClean="0">
+                <a:latin typeface="Times New Roman"/>
+                <a:cs typeface="Times New Roman"/>
+              </a:rPr>
+              <a:t>YangTreeNode</a:t>
             </a:r>
             <a:r>
               <a:rPr lang="en-US" sz="1000" baseline="0" noProof="0" dirty="0" smtClean="0">
                 <a:latin typeface="Times New Roman"/>
                 <a:cs typeface="Times New Roman"/>
               </a:rPr>
-              <a:t> will </a:t>
+              <a:t> for the data model maintained by the server. The YANG loader is itself a java program that use the </a:t>
+            </a:r>
+            <a:r>
+              <a:rPr lang="en-US" sz="1000" baseline="0" noProof="0" dirty="0" err="1" smtClean="0">
+                <a:latin typeface="Times New Roman"/>
+                <a:cs typeface="Times New Roman"/>
+              </a:rPr>
+              <a:t>jYang</a:t>
             </a:r>
             <a:r>
               <a:rPr lang="en-US" sz="1000" baseline="0" noProof="0" dirty="0" smtClean="0">
                 <a:latin typeface="Times New Roman"/>
                 <a:cs typeface="Times New Roman"/>
               </a:rPr>
-              <a:t>be used by the</a:t>
+              <a:t> compiler to dynamically parse YANG specifications. We do this choice because we suppose the </a:t>
+            </a:r>
+            <a:r>
+              <a:rPr lang="en-US" sz="1000" baseline="0" noProof="0" dirty="0" err="1" smtClean="0">
+                <a:latin typeface="Times New Roman"/>
+                <a:cs typeface="Times New Roman"/>
+              </a:rPr>
+              <a:t>YencaP</a:t>
             </a:r>
             <a:r>
               <a:rPr lang="en-US" sz="1000" baseline="0" noProof="0" dirty="0" smtClean="0">
                 <a:latin typeface="Times New Roman"/>
                 <a:cs typeface="Times New Roman"/>
               </a:rPr>
-              <a:t> </a:t>
+              <a:t> Manager will discover servers without knowledge of their configuration and so must be able to dynamically load and parse a new YANG specification. Well maybe a </a:t>
+            </a:r>
+            <a:r>
+              <a:rPr lang="fr-FR" sz="1000" baseline="0" noProof="0" dirty="0" smtClean="0">
+                <a:latin typeface="Times New Roman"/>
+                <a:cs typeface="Times New Roman"/>
+              </a:rPr>
+              <a:t>NETCONF</a:t>
+            </a:r>
+            <a:r>
+              <a:rPr lang="en-US" sz="1000" baseline="0" noProof="0" dirty="0" smtClean="0">
+                <a:latin typeface="Times New Roman"/>
+                <a:cs typeface="Times New Roman"/>
+              </a:rPr>
+              <a:t> server will have the </a:t>
             </a:r>
             <a:r>
               <a:rPr lang="en-US" sz="1000" baseline="0" noProof="0" dirty="0" err="1" smtClean="0">
                 <a:latin typeface="Times New Roman"/>
                 <a:cs typeface="Times New Roman"/>
               </a:rPr>
+              <a:t>possiblity</a:t>
+            </a:r>
+            <a:r>
+              <a:rPr lang="en-US" sz="1000" baseline="0" noProof="0" dirty="0" smtClean="0">
+                <a:latin typeface="Times New Roman"/>
+                <a:cs typeface="Times New Roman"/>
+              </a:rPr>
+              <a:t> of sending its YANG file. In any case we cannot build </a:t>
+            </a:r>
+            <a:r>
+              <a:rPr lang="en-US" sz="1000" baseline="0" noProof="0" dirty="0" err="1" smtClean="0">
+                <a:latin typeface="Times New Roman"/>
+                <a:cs typeface="Times New Roman"/>
+              </a:rPr>
+              <a:t>YangTreeNode</a:t>
+            </a:r>
+            <a:r>
+              <a:rPr lang="en-US" sz="1000" baseline="0" noProof="0" dirty="0" smtClean="0">
+                <a:latin typeface="Times New Roman"/>
+                <a:cs typeface="Times New Roman"/>
+              </a:rPr>
+              <a:t> before having the knowledge of which YANG modules and submodules compose the </a:t>
+            </a:r>
+            <a:r>
+              <a:rPr lang="fr-FR" sz="1000" baseline="0" noProof="0" dirty="0" smtClean="0">
+                <a:latin typeface="Times New Roman"/>
+                <a:cs typeface="Times New Roman"/>
+              </a:rPr>
+              <a:t>NETCONF</a:t>
+            </a:r>
+            <a:r>
+              <a:rPr lang="en-US" sz="1000" baseline="0" noProof="0" dirty="0" smtClean="0">
+                <a:latin typeface="Times New Roman"/>
+                <a:cs typeface="Times New Roman"/>
+              </a:rPr>
+              <a:t> server configuration. There is also the creation of “glue” parts in the </a:t>
+            </a:r>
+            <a:r>
+              <a:rPr lang="en-US" sz="1000" baseline="0" noProof="0" dirty="0" err="1" smtClean="0">
+                <a:latin typeface="Times New Roman"/>
+                <a:cs typeface="Times New Roman"/>
+              </a:rPr>
+              <a:t>YangTreeNode</a:t>
+            </a:r>
+            <a:r>
+              <a:rPr lang="en-US" sz="1000" baseline="0" noProof="0" dirty="0" smtClean="0">
+                <a:latin typeface="Times New Roman"/>
+                <a:cs typeface="Times New Roman"/>
+              </a:rPr>
+              <a:t> as a virtual </a:t>
+            </a:r>
+            <a:r>
+              <a:rPr lang="fr-FR" sz="1000" baseline="0" noProof="0" dirty="0" smtClean="0">
+                <a:latin typeface="Times New Roman"/>
+                <a:cs typeface="Times New Roman"/>
+              </a:rPr>
+              <a:t>NETCONF</a:t>
+            </a:r>
+            <a:r>
+              <a:rPr lang="en-US" sz="1000" baseline="0" noProof="0" dirty="0" smtClean="0">
+                <a:latin typeface="Times New Roman"/>
+                <a:cs typeface="Times New Roman"/>
+              </a:rPr>
+              <a:t> container, that are needed to built one </a:t>
+            </a:r>
+            <a:r>
+              <a:rPr lang="en-US" sz="1000" baseline="0" noProof="0" dirty="0" err="1" smtClean="0">
+                <a:latin typeface="Times New Roman"/>
+                <a:cs typeface="Times New Roman"/>
+              </a:rPr>
+              <a:t>YangTreeNode</a:t>
+            </a:r>
+            <a:r>
+              <a:rPr lang="en-US" sz="1000" baseline="0" noProof="0" dirty="0" smtClean="0">
+                <a:latin typeface="Times New Roman"/>
+                <a:cs typeface="Times New Roman"/>
+              </a:rPr>
+              <a:t> with several YANG modules. The YANG specification repository is showed as an external element of the </a:t>
+            </a:r>
+            <a:r>
+              <a:rPr lang="en-US" sz="1000" baseline="0" noProof="0" dirty="0" err="1" smtClean="0">
+                <a:latin typeface="Times New Roman"/>
+                <a:cs typeface="Times New Roman"/>
+              </a:rPr>
               <a:t>YencaP</a:t>
             </a:r>
             <a:r>
@@ -3876,308 +3716,7 @@
                 <a:latin typeface="Times New Roman"/>
                 <a:cs typeface="Times New Roman"/>
               </a:rPr>
-              <a:t> Manager </a:t>
-            </a:r>
-            <a:r>
-              <a:rPr lang="en-US" sz="1000" baseline="0" noProof="0" dirty="0" smtClean="0">
-                <a:latin typeface="Times New Roman"/>
-                <a:cs typeface="Times New Roman"/>
-              </a:rPr>
-              <a:t>when such capability is detected. We </a:t>
-            </a:r>
-            <a:r>
-              <a:rPr lang="en-US" sz="1000" baseline="0" noProof="0" dirty="0" smtClean="0">
-                <a:latin typeface="Times New Roman"/>
-                <a:cs typeface="Times New Roman"/>
-              </a:rPr>
-              <a:t>do </a:t>
-            </a:r>
-            <a:r>
-              <a:rPr lang="en-US" sz="1000" baseline="0" noProof="0" dirty="0" smtClean="0">
-                <a:latin typeface="Times New Roman"/>
-                <a:cs typeface="Times New Roman"/>
-              </a:rPr>
-              <a:t>not constraint the </a:t>
-            </a:r>
-            <a:r>
-              <a:rPr lang="en-US" sz="1000" baseline="0" noProof="0" dirty="0" err="1" smtClean="0">
-                <a:latin typeface="Times New Roman"/>
-                <a:cs typeface="Times New Roman"/>
-              </a:rPr>
-              <a:t>YencaP</a:t>
-            </a:r>
-            <a:r>
-              <a:rPr lang="en-US" sz="1000" baseline="0" noProof="0" dirty="0" smtClean="0">
-                <a:latin typeface="Times New Roman"/>
-                <a:cs typeface="Times New Roman"/>
-              </a:rPr>
-              <a:t> </a:t>
-            </a:r>
-            <a:r>
-              <a:rPr lang="en-US" sz="1000" baseline="0" noProof="0" dirty="0" smtClean="0">
-                <a:latin typeface="Times New Roman"/>
-                <a:cs typeface="Times New Roman"/>
-              </a:rPr>
-              <a:t>Manager to</a:t>
-            </a:r>
-            <a:r>
-              <a:rPr lang="en-US" sz="1000" baseline="0" noProof="0" dirty="0" smtClean="0">
-                <a:latin typeface="Times New Roman"/>
-                <a:cs typeface="Times New Roman"/>
-              </a:rPr>
-              <a:t> only work </a:t>
-            </a:r>
-            <a:r>
-              <a:rPr lang="en-US" sz="1000" baseline="0" noProof="0" dirty="0" smtClean="0">
-                <a:latin typeface="Times New Roman"/>
-                <a:cs typeface="Times New Roman"/>
-              </a:rPr>
-              <a:t>with YANG but to accept agent that are YANG enable or not. Once YANG modules are announced the loader get the specifications from </a:t>
-            </a:r>
-            <a:r>
-              <a:rPr lang="en-US" sz="1000" baseline="0" noProof="0" dirty="0" smtClean="0">
-                <a:latin typeface="Times New Roman"/>
-                <a:cs typeface="Times New Roman"/>
-              </a:rPr>
-              <a:t>an external repository </a:t>
-            </a:r>
-            <a:r>
-              <a:rPr lang="en-US" sz="1000" baseline="0" noProof="0" dirty="0" smtClean="0">
-                <a:latin typeface="Times New Roman"/>
-                <a:cs typeface="Times New Roman"/>
-              </a:rPr>
-              <a:t>and build a specific</a:t>
-            </a:r>
-            <a:r>
-              <a:rPr lang="en-US" sz="1000" baseline="0" noProof="0" dirty="0" smtClean="0">
-                <a:latin typeface="Times New Roman"/>
-                <a:cs typeface="Times New Roman"/>
-              </a:rPr>
-              <a:t> </a:t>
-            </a:r>
-            <a:r>
-              <a:rPr lang="en-US" sz="1000" baseline="0" noProof="0" dirty="0" err="1" smtClean="0">
-                <a:latin typeface="Times New Roman"/>
-                <a:cs typeface="Times New Roman"/>
-              </a:rPr>
-              <a:t>YangTreeNode</a:t>
-            </a:r>
-            <a:r>
-              <a:rPr lang="en-US" sz="1000" baseline="0" noProof="0" dirty="0" smtClean="0">
-                <a:latin typeface="Times New Roman"/>
-                <a:cs typeface="Times New Roman"/>
-              </a:rPr>
-              <a:t> </a:t>
-            </a:r>
-            <a:r>
-              <a:rPr lang="en-US" sz="1000" baseline="0" noProof="0" dirty="0" smtClean="0">
-                <a:latin typeface="Times New Roman"/>
-                <a:cs typeface="Times New Roman"/>
-              </a:rPr>
-              <a:t>for the</a:t>
-            </a:r>
-            <a:r>
-              <a:rPr lang="en-US" sz="1000" baseline="0" noProof="0" dirty="0" smtClean="0">
-                <a:latin typeface="Times New Roman"/>
-                <a:cs typeface="Times New Roman"/>
-              </a:rPr>
-              <a:t> data </a:t>
-            </a:r>
-            <a:r>
-              <a:rPr lang="en-US" sz="1000" baseline="0" noProof="0" dirty="0" smtClean="0">
-                <a:latin typeface="Times New Roman"/>
-                <a:cs typeface="Times New Roman"/>
-              </a:rPr>
-              <a:t>model maintained by the</a:t>
-            </a:r>
-            <a:r>
-              <a:rPr lang="en-US" sz="1000" baseline="0" noProof="0" dirty="0" smtClean="0">
-                <a:latin typeface="Times New Roman"/>
-                <a:cs typeface="Times New Roman"/>
-              </a:rPr>
-              <a:t> server. The </a:t>
-            </a:r>
-            <a:r>
-              <a:rPr lang="en-US" sz="1000" baseline="0" noProof="0" dirty="0" smtClean="0">
-                <a:latin typeface="Times New Roman"/>
-                <a:cs typeface="Times New Roman"/>
-              </a:rPr>
-              <a:t>YANG loader is itself a java </a:t>
-            </a:r>
-            <a:r>
-              <a:rPr lang="en-US" sz="1000" baseline="0" noProof="0" dirty="0" smtClean="0">
-                <a:latin typeface="Times New Roman"/>
-                <a:cs typeface="Times New Roman"/>
-              </a:rPr>
-              <a:t>program that use the </a:t>
-            </a:r>
-            <a:r>
-              <a:rPr lang="en-US" sz="1000" baseline="0" noProof="0" dirty="0" err="1" smtClean="0">
-                <a:latin typeface="Times New Roman"/>
-                <a:cs typeface="Times New Roman"/>
-              </a:rPr>
-              <a:t>jYang</a:t>
-            </a:r>
-            <a:r>
-              <a:rPr lang="en-US" sz="1000" baseline="0" noProof="0" dirty="0" smtClean="0">
-                <a:latin typeface="Times New Roman"/>
-                <a:cs typeface="Times New Roman"/>
-              </a:rPr>
-              <a:t> compiler to dynamically parse YANG specifications. We do this choice because we suppose the </a:t>
-            </a:r>
-            <a:r>
-              <a:rPr lang="en-US" sz="1000" baseline="0" noProof="0" dirty="0" err="1" smtClean="0">
-                <a:latin typeface="Times New Roman"/>
-                <a:cs typeface="Times New Roman"/>
-              </a:rPr>
-              <a:t>YencaP</a:t>
-            </a:r>
-            <a:r>
-              <a:rPr lang="en-US" sz="1000" baseline="0" noProof="0" dirty="0" smtClean="0">
-                <a:latin typeface="Times New Roman"/>
-                <a:cs typeface="Times New Roman"/>
-              </a:rPr>
-              <a:t> Manager will discover servers without knowledge of their configuration and so must be able to dynamically load and parse a new YANG specification. Well maybe a </a:t>
-            </a:r>
-            <a:r>
-              <a:rPr lang="en-US" sz="1000" baseline="0" noProof="0" dirty="0" err="1" smtClean="0">
-                <a:latin typeface="Times New Roman"/>
-                <a:cs typeface="Times New Roman"/>
-              </a:rPr>
-              <a:t>Netconf</a:t>
-            </a:r>
-            <a:r>
-              <a:rPr lang="en-US" sz="1000" baseline="0" noProof="0" dirty="0" smtClean="0">
-                <a:latin typeface="Times New Roman"/>
-                <a:cs typeface="Times New Roman"/>
-              </a:rPr>
-              <a:t> server will have the </a:t>
-            </a:r>
-            <a:r>
-              <a:rPr lang="en-US" sz="1000" baseline="0" noProof="0" dirty="0" err="1" smtClean="0">
-                <a:latin typeface="Times New Roman"/>
-                <a:cs typeface="Times New Roman"/>
-              </a:rPr>
-              <a:t>possiblity</a:t>
-            </a:r>
-            <a:r>
-              <a:rPr lang="en-US" sz="1000" baseline="0" noProof="0" dirty="0" smtClean="0">
-                <a:latin typeface="Times New Roman"/>
-                <a:cs typeface="Times New Roman"/>
-              </a:rPr>
-              <a:t> of sending its YANG file. In any case we cannot build </a:t>
-            </a:r>
-            <a:r>
-              <a:rPr lang="en-US" sz="1000" baseline="0" noProof="0" dirty="0" err="1" smtClean="0">
-                <a:latin typeface="Times New Roman"/>
-                <a:cs typeface="Times New Roman"/>
-              </a:rPr>
-              <a:t>YangTreeNode</a:t>
-            </a:r>
-            <a:r>
-              <a:rPr lang="en-US" sz="1000" baseline="0" noProof="0" dirty="0" smtClean="0">
-                <a:latin typeface="Times New Roman"/>
-                <a:cs typeface="Times New Roman"/>
-              </a:rPr>
-              <a:t> before having the knowledge of which YANG modules and submodules compose the </a:t>
-            </a:r>
-            <a:r>
-              <a:rPr lang="en-US" sz="1000" baseline="0" noProof="0" dirty="0" err="1" smtClean="0">
-                <a:latin typeface="Times New Roman"/>
-                <a:cs typeface="Times New Roman"/>
-              </a:rPr>
-              <a:t>Netconf</a:t>
-            </a:r>
-            <a:r>
-              <a:rPr lang="en-US" sz="1000" baseline="0" noProof="0" dirty="0" smtClean="0">
-                <a:latin typeface="Times New Roman"/>
-                <a:cs typeface="Times New Roman"/>
-              </a:rPr>
-              <a:t> server configuration. There is also the creation of “glue” parts in the </a:t>
-            </a:r>
-            <a:r>
-              <a:rPr lang="en-US" sz="1000" baseline="0" noProof="0" dirty="0" err="1" smtClean="0">
-                <a:latin typeface="Times New Roman"/>
-                <a:cs typeface="Times New Roman"/>
-              </a:rPr>
-              <a:t>YangTreeNode</a:t>
-            </a:r>
-            <a:r>
-              <a:rPr lang="en-US" sz="1000" baseline="0" noProof="0" dirty="0" smtClean="0">
-                <a:latin typeface="Times New Roman"/>
-                <a:cs typeface="Times New Roman"/>
-              </a:rPr>
-              <a:t> as a virtual </a:t>
-            </a:r>
-            <a:r>
-              <a:rPr lang="en-US" sz="1000" baseline="0" noProof="0" dirty="0" err="1" smtClean="0">
-                <a:latin typeface="Times New Roman"/>
-                <a:cs typeface="Times New Roman"/>
-              </a:rPr>
-              <a:t>netconf</a:t>
-            </a:r>
-            <a:r>
-              <a:rPr lang="en-US" sz="1000" baseline="0" noProof="0" dirty="0" smtClean="0">
-                <a:latin typeface="Times New Roman"/>
-                <a:cs typeface="Times New Roman"/>
-              </a:rPr>
-              <a:t> container, that are needed to built one </a:t>
-            </a:r>
-            <a:r>
-              <a:rPr lang="en-US" sz="1000" baseline="0" noProof="0" dirty="0" err="1" smtClean="0">
-                <a:latin typeface="Times New Roman"/>
-                <a:cs typeface="Times New Roman"/>
-              </a:rPr>
-              <a:t>YangTreeNode</a:t>
-            </a:r>
-            <a:r>
-              <a:rPr lang="en-US" sz="1000" baseline="0" noProof="0" dirty="0" smtClean="0">
-                <a:latin typeface="Times New Roman"/>
-                <a:cs typeface="Times New Roman"/>
-              </a:rPr>
-              <a:t> with several YANG modules. The </a:t>
-            </a:r>
-            <a:r>
-              <a:rPr lang="en-US" sz="1000" baseline="0" noProof="0" dirty="0" smtClean="0">
-                <a:latin typeface="Times New Roman"/>
-                <a:cs typeface="Times New Roman"/>
-              </a:rPr>
-              <a:t>YANG specification repository is showed as an external element of the </a:t>
-            </a:r>
-            <a:r>
-              <a:rPr lang="en-US" sz="1000" baseline="0" noProof="0" dirty="0" err="1" smtClean="0">
-                <a:latin typeface="Times New Roman"/>
-                <a:cs typeface="Times New Roman"/>
-              </a:rPr>
-              <a:t>YencaP</a:t>
-            </a:r>
-            <a:r>
-              <a:rPr lang="en-US" sz="1000" baseline="0" noProof="0" dirty="0" smtClean="0">
-                <a:latin typeface="Times New Roman"/>
-                <a:cs typeface="Times New Roman"/>
-              </a:rPr>
-              <a:t> </a:t>
-            </a:r>
-            <a:r>
-              <a:rPr lang="en-US" sz="1000" baseline="0" noProof="0" dirty="0" smtClean="0">
-                <a:latin typeface="Times New Roman"/>
-                <a:cs typeface="Times New Roman"/>
-              </a:rPr>
-              <a:t>Manager as it</a:t>
-            </a:r>
-            <a:r>
-              <a:rPr lang="en-US" sz="1000" baseline="0" noProof="0" dirty="0" smtClean="0">
-                <a:latin typeface="Times New Roman"/>
-                <a:cs typeface="Times New Roman"/>
-              </a:rPr>
-              <a:t> should be  </a:t>
-            </a:r>
-            <a:r>
-              <a:rPr lang="en-US" sz="1000" baseline="0" noProof="0" dirty="0" smtClean="0">
-                <a:latin typeface="Times New Roman"/>
-                <a:cs typeface="Times New Roman"/>
-              </a:rPr>
-              <a:t>a global repository implemented  for example as a web service.</a:t>
+              <a:t> Manager as it should be  a global repository implemented  for example as a web service.</a:t>
             </a:r>
           </a:p>
           <a:p>
@@ -4200,77 +3739,21 @@
                 <a:latin typeface="Times New Roman"/>
                 <a:cs typeface="Times New Roman"/>
               </a:rPr>
-              <a:t>Once a HTTPS session is open the manager user can ask </a:t>
+              <a:t>Once a HTTPS session is open the manager user can ask for the configuration of a YANG enable device it receives a java applet that contains the </a:t>
+            </a:r>
+            <a:r>
+              <a:rPr lang="en-US" sz="1000" baseline="0" noProof="0" dirty="0" err="1" smtClean="0">
+                <a:latin typeface="Times New Roman"/>
+                <a:cs typeface="Times New Roman"/>
+              </a:rPr>
+              <a:t>YangTreeNode</a:t>
             </a:r>
             <a:r>
               <a:rPr lang="en-US" sz="1000" baseline="0" noProof="0" dirty="0" smtClean="0">
                 <a:latin typeface="Times New Roman"/>
                 <a:cs typeface="Times New Roman"/>
               </a:rPr>
-              <a:t>for the configuration of a YANG enable</a:t>
-            </a:r>
-            <a:r>
-              <a:rPr lang="en-US" sz="1000" baseline="0" noProof="0" dirty="0" smtClean="0">
-                <a:latin typeface="Times New Roman"/>
-                <a:cs typeface="Times New Roman"/>
-              </a:rPr>
-              <a:t> device it </a:t>
-            </a:r>
-            <a:r>
-              <a:rPr lang="en-US" sz="1000" baseline="0" noProof="0" dirty="0" smtClean="0">
-                <a:latin typeface="Times New Roman"/>
-                <a:cs typeface="Times New Roman"/>
-              </a:rPr>
-              <a:t>receives a java applet that contains the</a:t>
-            </a:r>
-            <a:r>
-              <a:rPr lang="en-US" sz="1000" baseline="0" noProof="0" dirty="0" smtClean="0">
-                <a:latin typeface="Times New Roman"/>
-                <a:cs typeface="Times New Roman"/>
-              </a:rPr>
-              <a:t> </a:t>
-            </a:r>
-            <a:r>
-              <a:rPr lang="en-US" sz="1000" baseline="0" noProof="0" dirty="0" err="1" smtClean="0">
-                <a:latin typeface="Times New Roman"/>
-                <a:cs typeface="Times New Roman"/>
-              </a:rPr>
-              <a:t>YangTreeNode</a:t>
-            </a:r>
-            <a:r>
-              <a:rPr lang="en-US" sz="1000" baseline="0" noProof="0" dirty="0" smtClean="0">
-                <a:latin typeface="Times New Roman"/>
-                <a:cs typeface="Times New Roman"/>
-              </a:rPr>
-              <a:t> </a:t>
-            </a:r>
-            <a:r>
-              <a:rPr lang="en-US" sz="1000" baseline="0" noProof="0" dirty="0" smtClean="0">
-                <a:latin typeface="Times New Roman"/>
-                <a:cs typeface="Times New Roman"/>
-              </a:rPr>
-              <a:t>for this equipment only. The applet will </a:t>
-            </a:r>
-            <a:r>
-              <a:rPr lang="en-US" sz="1000" baseline="0" noProof="0" dirty="0" smtClean="0">
-                <a:latin typeface="Times New Roman"/>
-                <a:cs typeface="Times New Roman"/>
-              </a:rPr>
-              <a:t>be loaded by </a:t>
-            </a:r>
-            <a:r>
-              <a:rPr lang="en-US" sz="1000" baseline="0" noProof="0" dirty="0" smtClean="0">
-                <a:latin typeface="Times New Roman"/>
-                <a:cs typeface="Times New Roman"/>
-              </a:rPr>
-              <a:t>the web interface to</a:t>
-            </a:r>
-            <a:r>
-              <a:rPr lang="en-US" sz="1000" baseline="0" noProof="0" dirty="0" smtClean="0">
-                <a:latin typeface="Times New Roman"/>
-                <a:cs typeface="Times New Roman"/>
-              </a:rPr>
-              <a:t> provide the user with a graphical interface representing the configuration.</a:t>
+              <a:t> for this equipment only. The applet will be loaded by the web interface to provide the user with a graphical interface representing the configuration.</a:t>
             </a:r>
           </a:p>
           <a:p>
@@ -4396,224 +3879,77 @@
                 <a:latin typeface="Times New Roman"/>
                 <a:cs typeface="Times New Roman"/>
               </a:rPr>
-              <a:t> interface the manager user will have when asking for the configuration of a device. This first view can be used as a YANG specification browser that looks like a file system browser </a:t>
+              <a:t> interface the manager user will have when asking for the configuration of a device. This first view can be used as a YANG specification browser that looks like a file system browser (we use the swing </a:t>
+            </a:r>
+            <a:r>
+              <a:rPr lang="en-US" sz="1000" baseline="0" dirty="0" err="1" smtClean="0">
+                <a:latin typeface="Times New Roman"/>
+                <a:cs typeface="Times New Roman"/>
+              </a:rPr>
+              <a:t>Jtree</a:t>
             </a:r>
             <a:r>
               <a:rPr lang="en-US" sz="1000" baseline="0" dirty="0" smtClean="0">
                 <a:latin typeface="Times New Roman"/>
                 <a:cs typeface="Times New Roman"/>
               </a:rPr>
-              <a:t>(we use the swing </a:t>
+              <a:t> interface). The tree view match well with YANG because it defines a schema tree. Specific icons are used to distinct node data type, here </a:t>
+            </a:r>
+            <a:r>
+              <a:rPr lang="fr-FR" sz="1000" baseline="0" dirty="0" smtClean="0">
+                <a:latin typeface="Times New Roman"/>
+                <a:cs typeface="Times New Roman"/>
+              </a:rPr>
+              <a:t>NETCONF</a:t>
+            </a:r>
+            <a:r>
+              <a:rPr lang="en-US" sz="1000" baseline="0" dirty="0" smtClean="0">
+                <a:latin typeface="Times New Roman"/>
+                <a:cs typeface="Times New Roman"/>
+              </a:rPr>
+              <a:t>, network and interfaces are all YANG container, interface is a YANG list and name, </a:t>
             </a:r>
             <a:r>
               <a:rPr lang="en-US" sz="1000" baseline="0" dirty="0" err="1" smtClean="0">
                 <a:latin typeface="Times New Roman"/>
                 <a:cs typeface="Times New Roman"/>
               </a:rPr>
-              <a:t>Jtree</a:t>
+              <a:t>mac</a:t>
             </a:r>
             <a:r>
               <a:rPr lang="en-US" sz="1000" baseline="0" dirty="0" smtClean="0">
                 <a:latin typeface="Times New Roman"/>
                 <a:cs typeface="Times New Roman"/>
               </a:rPr>
-              <a:t> interface</a:t>
+              <a:t>-address, </a:t>
+            </a:r>
+            <a:r>
+              <a:rPr lang="en-US" sz="1000" baseline="0" dirty="0" err="1" smtClean="0">
+                <a:latin typeface="Times New Roman"/>
+                <a:cs typeface="Times New Roman"/>
+              </a:rPr>
+              <a:t>mtu</a:t>
             </a:r>
             <a:r>
               <a:rPr lang="en-US" sz="1000" baseline="0" dirty="0" smtClean="0">
                 <a:latin typeface="Times New Roman"/>
                 <a:cs typeface="Times New Roman"/>
               </a:rPr>
-              <a:t>). The tree view match well with YANG because it defines a schema tree. </a:t>
+              <a:t> are YANG leaf. A YANG list can have some key inside its leaf as is the “name” leaf referenced inside brackets in the “interface” list and by a little star on its leaf icon. When selecting a leaf in this tree then the lower part of the applet shows some details of the YANG specification, as the type of a leaf and constraints as a default value. A leaf type is always at least one of the built-in types (as string, int8,…) and can be defined by other type with added constraints or to use an existing useful type (as a </a:t>
+            </a:r>
+            <a:r>
+              <a:rPr lang="en-US" sz="1000" baseline="0" dirty="0" err="1" smtClean="0">
+                <a:latin typeface="Times New Roman"/>
+                <a:cs typeface="Times New Roman"/>
+              </a:rPr>
+              <a:t>mac</a:t>
             </a:r>
             <a:r>
               <a:rPr lang="en-US" sz="1000" baseline="0" dirty="0" smtClean="0">
                 <a:latin typeface="Times New Roman"/>
                 <a:cs typeface="Times New Roman"/>
               </a:rPr>
-              <a:t>Specific icons are used to distinct node</a:t>
-            </a:r>
-            <a:r>
-              <a:rPr lang="en-US" sz="1000" baseline="0" dirty="0" smtClean="0">
-                <a:latin typeface="Times New Roman"/>
-                <a:cs typeface="Times New Roman"/>
-              </a:rPr>
-              <a:t> data type, </a:t>
-            </a:r>
-            <a:r>
-              <a:rPr lang="en-US" sz="1000" baseline="0" dirty="0" smtClean="0">
-                <a:latin typeface="Times New Roman"/>
-                <a:cs typeface="Times New Roman"/>
-              </a:rPr>
-              <a:t>here </a:t>
-            </a:r>
-            <a:r>
-              <a:rPr lang="en-US" sz="1000" baseline="0" dirty="0" err="1" smtClean="0">
-                <a:latin typeface="Times New Roman"/>
-                <a:cs typeface="Times New Roman"/>
-              </a:rPr>
-              <a:t>netconf</a:t>
-            </a:r>
-            <a:r>
-              <a:rPr lang="en-US" sz="1000" baseline="0" dirty="0" smtClean="0">
-                <a:latin typeface="Times New Roman"/>
-                <a:cs typeface="Times New Roman"/>
-              </a:rPr>
-              <a:t>, network and interfaces are all YANG container, interface is a YANG list and name, </a:t>
-            </a:r>
-            <a:r>
-              <a:rPr lang="en-US" sz="1000" baseline="0" dirty="0" err="1" smtClean="0">
-                <a:latin typeface="Times New Roman"/>
-                <a:cs typeface="Times New Roman"/>
-              </a:rPr>
-              <a:t>mac</a:t>
-            </a:r>
-            <a:r>
-              <a:rPr lang="en-US" sz="1000" baseline="0" dirty="0" smtClean="0">
-                <a:latin typeface="Times New Roman"/>
-                <a:cs typeface="Times New Roman"/>
-              </a:rPr>
-              <a:t>-address, </a:t>
-            </a:r>
-            <a:r>
-              <a:rPr lang="en-US" sz="1000" baseline="0" dirty="0" err="1" smtClean="0">
-                <a:latin typeface="Times New Roman"/>
-                <a:cs typeface="Times New Roman"/>
-              </a:rPr>
-              <a:t>mtu</a:t>
-            </a:r>
-            <a:r>
-              <a:rPr lang="en-US" sz="1000" baseline="0" dirty="0" smtClean="0">
-                <a:latin typeface="Times New Roman"/>
-                <a:cs typeface="Times New Roman"/>
-              </a:rPr>
-              <a:t> are YANG leaf. A YANG list</a:t>
-            </a:r>
-            <a:r>
-              <a:rPr lang="en-US" sz="1000" baseline="0" dirty="0" smtClean="0">
-                <a:latin typeface="Times New Roman"/>
-                <a:cs typeface="Times New Roman"/>
-              </a:rPr>
-              <a:t> can have </a:t>
-            </a:r>
-            <a:r>
-              <a:rPr lang="en-US" sz="1000" baseline="0" dirty="0" smtClean="0">
-                <a:latin typeface="Times New Roman"/>
-                <a:cs typeface="Times New Roman"/>
-              </a:rPr>
-              <a:t>some key inside its leaf as is the “name” leaf referenced inside </a:t>
-            </a:r>
-            <a:r>
-              <a:rPr lang="en-US" sz="1000" baseline="0" dirty="0" smtClean="0">
-                <a:latin typeface="Times New Roman"/>
-                <a:cs typeface="Times New Roman"/>
-              </a:rPr>
-              <a:t>brackets </a:t>
-            </a:r>
-            <a:r>
-              <a:rPr lang="en-US" sz="1000" baseline="0" dirty="0" smtClean="0">
-                <a:latin typeface="Times New Roman"/>
-                <a:cs typeface="Times New Roman"/>
-              </a:rPr>
-              <a:t>in the “interface” list and by a little star on its leaf icon. When selecting</a:t>
-            </a:r>
-            <a:r>
-              <a:rPr lang="en-US" sz="1000" baseline="0" dirty="0" smtClean="0">
-                <a:latin typeface="Times New Roman"/>
-                <a:cs typeface="Times New Roman"/>
-              </a:rPr>
-              <a:t> a leaf in </a:t>
-            </a:r>
-            <a:r>
-              <a:rPr lang="en-US" sz="1000" baseline="0" dirty="0" smtClean="0">
-                <a:latin typeface="Times New Roman"/>
-                <a:cs typeface="Times New Roman"/>
-              </a:rPr>
-              <a:t>this</a:t>
-            </a:r>
-            <a:r>
-              <a:rPr lang="en-US" sz="1000" baseline="0" dirty="0" smtClean="0">
-                <a:latin typeface="Times New Roman"/>
-                <a:cs typeface="Times New Roman"/>
-              </a:rPr>
-              <a:t> tree then </a:t>
-            </a:r>
-            <a:r>
-              <a:rPr lang="en-US" sz="1000" baseline="0" dirty="0" smtClean="0">
-                <a:latin typeface="Times New Roman"/>
-                <a:cs typeface="Times New Roman"/>
-              </a:rPr>
-              <a:t>the lower part of the applet shows some details of the YANG specification, as the type of a leaf and constraints as a default value. A leaf type</a:t>
-            </a:r>
-            <a:r>
-              <a:rPr lang="en-US" sz="1000" baseline="0" dirty="0" smtClean="0">
-                <a:latin typeface="Times New Roman"/>
-                <a:cs typeface="Times New Roman"/>
-              </a:rPr>
-              <a:t> is always at least one of the built-</a:t>
-            </a:r>
-            <a:r>
-              <a:rPr lang="en-US" sz="1000" baseline="0" dirty="0" smtClean="0">
-                <a:latin typeface="Times New Roman"/>
-                <a:cs typeface="Times New Roman"/>
-              </a:rPr>
-              <a:t>in </a:t>
-            </a:r>
-            <a:r>
-              <a:rPr lang="en-US" sz="1000" baseline="0" dirty="0" smtClean="0">
-                <a:latin typeface="Times New Roman"/>
-                <a:cs typeface="Times New Roman"/>
-              </a:rPr>
-              <a:t>types </a:t>
-            </a:r>
-            <a:r>
-              <a:rPr lang="en-US" sz="1000" baseline="0" dirty="0" smtClean="0">
-                <a:latin typeface="Times New Roman"/>
-                <a:cs typeface="Times New Roman"/>
-              </a:rPr>
-              <a:t>(as </a:t>
-            </a:r>
-            <a:r>
-              <a:rPr lang="en-US" sz="1000" baseline="0" dirty="0" smtClean="0">
-                <a:latin typeface="Times New Roman"/>
-                <a:cs typeface="Times New Roman"/>
-              </a:rPr>
-              <a:t>string, int8,…) and can be defined </a:t>
-            </a:r>
-            <a:r>
-              <a:rPr lang="en-US" sz="1000" baseline="0" dirty="0" smtClean="0">
-                <a:latin typeface="Times New Roman"/>
-                <a:cs typeface="Times New Roman"/>
-              </a:rPr>
-              <a:t>by other type with added constraints or to use an existing useful type (as a </a:t>
-            </a:r>
-            <a:r>
-              <a:rPr lang="en-US" sz="1000" baseline="0" dirty="0" err="1" smtClean="0">
-                <a:latin typeface="Times New Roman"/>
-                <a:cs typeface="Times New Roman"/>
-              </a:rPr>
-              <a:t>mac</a:t>
-            </a:r>
-            <a:r>
-              <a:rPr lang="en-US" sz="1000" baseline="0" dirty="0" smtClean="0">
-                <a:latin typeface="Times New Roman"/>
-                <a:cs typeface="Times New Roman"/>
-              </a:rPr>
-              <a:t>-address</a:t>
-            </a:r>
-            <a:r>
-              <a:rPr lang="en-US" sz="1000" baseline="0" dirty="0" smtClean="0">
-                <a:latin typeface="Times New Roman"/>
-                <a:cs typeface="Times New Roman"/>
-              </a:rPr>
-              <a:t>). This is the meaning of the “-” (or “+”) behind the name </a:t>
-            </a:r>
-            <a:r>
-              <a:rPr lang="en-US" sz="1000" baseline="0" dirty="0" smtClean="0">
-                <a:latin typeface="Times New Roman"/>
-                <a:cs typeface="Times New Roman"/>
-              </a:rPr>
-              <a:t>type. When “+” is set (by one mouse click on the “-”) one only have the built-in type showed.</a:t>
+              <a:t>-address). This is the meaning of the “-” (or “+”) behind the name type. When “+” is set (by one mouse click on the “-”) one only have the built-in type showed.</a:t>
             </a:r>
           </a:p>
           <a:p>
@@ -4630,49 +3966,56 @@
                 <a:latin typeface="Times New Roman"/>
                 <a:cs typeface="Times New Roman"/>
               </a:rPr>
-              <a:t>As we said in the previous page </a:t>
+              <a:t>As we said in the previous page there is a “</a:t>
+            </a:r>
+            <a:r>
+              <a:rPr lang="fr-FR" sz="1000" baseline="0" dirty="0" smtClean="0">
+                <a:latin typeface="Times New Roman"/>
+                <a:cs typeface="Times New Roman"/>
+              </a:rPr>
+              <a:t>NETCONF</a:t>
             </a:r>
             <a:r>
               <a:rPr lang="en-US" sz="1000" baseline="0" dirty="0" smtClean="0">
                 <a:latin typeface="Times New Roman"/>
                 <a:cs typeface="Times New Roman"/>
               </a:rPr>
-              <a:t>there is a “</a:t>
-            </a:r>
-            <a:r>
-              <a:rPr lang="en-US" sz="1000" baseline="0" dirty="0" err="1" smtClean="0">
-                <a:latin typeface="Times New Roman"/>
-                <a:cs typeface="Times New Roman"/>
-              </a:rPr>
-              <a:t>netconf</a:t>
+              <a:t>” container while there is no a YANG module called “</a:t>
+            </a:r>
+            <a:r>
+              <a:rPr lang="fr-FR" sz="1000" baseline="0" dirty="0" smtClean="0">
+                <a:latin typeface="Times New Roman"/>
+                <a:cs typeface="Times New Roman"/>
+              </a:rPr>
+              <a:t>NETCONF</a:t>
             </a:r>
             <a:r>
               <a:rPr lang="en-US" sz="1000" baseline="0" dirty="0" smtClean="0">
                 <a:latin typeface="Times New Roman"/>
                 <a:cs typeface="Times New Roman"/>
               </a:rPr>
-              <a:t>” container while there is no a YANG module called “</a:t>
-            </a:r>
-            <a:r>
-              <a:rPr lang="en-US" sz="1000" baseline="0" dirty="0" err="1" smtClean="0">
-                <a:latin typeface="Times New Roman"/>
-                <a:cs typeface="Times New Roman"/>
-              </a:rPr>
-              <a:t>netconf</a:t>
+              <a:t>”. This is done by the YANG loader when there is a specific markup in the announcement that gives the location of the module inside the whole configuration data tree of the </a:t>
+            </a:r>
+            <a:r>
+              <a:rPr lang="fr-FR" sz="1000" baseline="0" dirty="0" smtClean="0">
+                <a:latin typeface="Times New Roman"/>
+                <a:cs typeface="Times New Roman"/>
+              </a:rPr>
+              <a:t>NETCONF</a:t>
             </a:r>
             <a:r>
               <a:rPr lang="en-US" sz="1000" baseline="0" dirty="0" smtClean="0">
                 <a:latin typeface="Times New Roman"/>
                 <a:cs typeface="Times New Roman"/>
               </a:rPr>
-              <a:t>”. This is done by the YANG loader when there is a specific markup in the announcement that gives the location of the module inside the whole configuration data tree of the NETCONF agent. So the YANG loader has created a virtual container called “</a:t>
-            </a:r>
-            <a:r>
-              <a:rPr lang="en-US" sz="1000" baseline="0" dirty="0" err="1" smtClean="0">
-                <a:latin typeface="Times New Roman"/>
-                <a:cs typeface="Times New Roman"/>
-              </a:rPr>
-              <a:t>netconf</a:t>
+              <a:t> agent. So the YANG loader has created a virtual container called “</a:t>
+            </a:r>
+            <a:r>
+              <a:rPr lang="fr-FR" sz="1000" baseline="0" dirty="0" smtClean="0">
+                <a:latin typeface="Times New Roman"/>
+                <a:cs typeface="Times New Roman"/>
+              </a:rPr>
+              <a:t>NETCONF</a:t>
             </a:r>
             <a:r>
               <a:rPr lang="en-US" sz="1000" baseline="0" dirty="0" smtClean="0">
@@ -4796,32 +4139,74 @@
               <a:t> the previous figure one can request the indirectly connected </a:t>
             </a:r>
             <a:r>
+              <a:rPr lang="fr-FR" sz="1000" baseline="0" noProof="0" dirty="0" smtClean="0">
+                <a:latin typeface="Times New Roman"/>
+                <a:cs typeface="Times New Roman"/>
+              </a:rPr>
+              <a:t>NETCONF</a:t>
+            </a:r>
+            <a:r>
+              <a:rPr lang="en-US" sz="1000" baseline="0" noProof="0" dirty="0" smtClean="0">
+                <a:latin typeface="Times New Roman"/>
+                <a:cs typeface="Times New Roman"/>
+              </a:rPr>
+              <a:t> device by a mouse contextual menu that pop-up when the right button is pressed on a YANG data type. When one of standard </a:t>
+            </a:r>
+            <a:r>
+              <a:rPr lang="fr-FR" sz="1000" baseline="0" noProof="0" dirty="0" smtClean="0">
+                <a:latin typeface="Times New Roman"/>
+                <a:cs typeface="Times New Roman"/>
+              </a:rPr>
+              <a:t>NETCONF</a:t>
+            </a:r>
+            <a:r>
+              <a:rPr lang="en-US" sz="1000" baseline="0" noProof="0" dirty="0" smtClean="0">
+                <a:latin typeface="Times New Roman"/>
+                <a:cs typeface="Times New Roman"/>
+              </a:rPr>
+              <a:t> operation is chosen then the request is build from the position of the selected node into the tree to an xml </a:t>
+            </a:r>
+            <a:r>
               <a:rPr lang="en-US" sz="1000" baseline="0" noProof="0" dirty="0" err="1" smtClean="0">
                 <a:latin typeface="Times New Roman"/>
                 <a:cs typeface="Times New Roman"/>
               </a:rPr>
-              <a:t>Netconf</a:t>
+              <a:t>subtree</a:t>
             </a:r>
             <a:r>
               <a:rPr lang="en-US" sz="1000" baseline="0" noProof="0" dirty="0" smtClean="0">
                 <a:latin typeface="Times New Roman"/>
                 <a:cs typeface="Times New Roman"/>
               </a:rPr>
-              <a:t> device by a mouse contextual menu that pop-up when the right button is pressed on a YANG data type. When one of standard </a:t>
+              <a:t> document that start from the root node (here the </a:t>
+            </a:r>
+            <a:r>
+              <a:rPr lang="fr-FR" sz="1000" baseline="0" noProof="0" dirty="0" smtClean="0">
+                <a:latin typeface="Times New Roman"/>
+                <a:cs typeface="Times New Roman"/>
+              </a:rPr>
+              <a:t>NETCONF</a:t>
+            </a:r>
+            <a:r>
+              <a:rPr lang="en-US" sz="1000" baseline="0" noProof="0" dirty="0" smtClean="0">
+                <a:latin typeface="Times New Roman"/>
+                <a:cs typeface="Times New Roman"/>
+              </a:rPr>
+              <a:t> virtual container). Note that the key of the list is added to the request while it is not explicitly asked. It is because we will want to have the possibility of requesting identified entry of a list. Such adding is just for list requests but is no needed any more for other ones as container or </a:t>
             </a:r>
             <a:r>
               <a:rPr lang="en-US" sz="1000" baseline="0" noProof="0" dirty="0" err="1" smtClean="0">
                 <a:latin typeface="Times New Roman"/>
                 <a:cs typeface="Times New Roman"/>
               </a:rPr>
-              <a:t>Netconf</a:t>
+              <a:t>leaflist</a:t>
             </a:r>
             <a:r>
               <a:rPr lang="en-US" sz="1000" baseline="0" noProof="0" dirty="0" smtClean="0">
                 <a:latin typeface="Times New Roman"/>
                 <a:cs typeface="Times New Roman"/>
               </a:rPr>
-              <a:t> operation is chosen then the request is build from the position of the selected node into the tree to an xml </a:t>
+              <a:t>. To finalize the request the applet build an HTTP POST request and put the xml </a:t>
             </a:r>
             <a:r>
               <a:rPr lang="en-US" sz="1000" baseline="0" noProof="0" dirty="0" err="1" smtClean="0">
@@ -4835,56 +4220,14 @@
                 <a:latin typeface="Times New Roman"/>
                 <a:cs typeface="Times New Roman"/>
               </a:rPr>
-              <a:t> document that start from the root node (here the </a:t>
-            </a:r>
-            <a:r>
-              <a:rPr lang="en-US" sz="1000" baseline="0" noProof="0" dirty="0" err="1" smtClean="0">
-                <a:latin typeface="Times New Roman"/>
-                <a:cs typeface="Times New Roman"/>
-              </a:rPr>
-              <a:t>netconf</a:t>
-            </a:r>
-            <a:r>
-              <a:rPr lang="en-US" sz="1000" baseline="0" noProof="0" dirty="0" smtClean="0">
-                <a:latin typeface="Times New Roman"/>
-                <a:cs typeface="Times New Roman"/>
-              </a:rPr>
-              <a:t> virtual container). Note that the key of the list is added to the request while it is not explicitly asked. It is because we will want to have the possibility of requesting identified entry of a list. Such adding is just for list requests but is no needed any more for other ones as container or </a:t>
-            </a:r>
-            <a:r>
-              <a:rPr lang="en-US" sz="1000" baseline="0" noProof="0" dirty="0" err="1" smtClean="0">
-                <a:latin typeface="Times New Roman"/>
-                <a:cs typeface="Times New Roman"/>
-              </a:rPr>
-              <a:t>leaflist</a:t>
-            </a:r>
-            <a:r>
-              <a:rPr lang="en-US" sz="1000" baseline="0" noProof="0" dirty="0" smtClean="0">
-                <a:latin typeface="Times New Roman"/>
-                <a:cs typeface="Times New Roman"/>
-              </a:rPr>
-              <a:t>. To finalize the request the applet build an HTTP POST request and put the xml </a:t>
-            </a:r>
-            <a:r>
-              <a:rPr lang="en-US" sz="1000" baseline="0" noProof="0" dirty="0" err="1" smtClean="0">
-                <a:latin typeface="Times New Roman"/>
-                <a:cs typeface="Times New Roman"/>
-              </a:rPr>
-              <a:t>subtree</a:t>
-            </a:r>
-            <a:r>
-              <a:rPr lang="en-US" sz="1000" baseline="0" noProof="0" dirty="0" smtClean="0">
-                <a:latin typeface="Times New Roman"/>
-                <a:cs typeface="Times New Roman"/>
-              </a:rPr>
               <a:t> in the body part. A specific header called “operation” is used to specify which </a:t>
             </a:r>
             <a:r>
-              <a:rPr lang="en-US" sz="1000" baseline="0" noProof="0" dirty="0" err="1" smtClean="0">
-                <a:latin typeface="Times New Roman"/>
-                <a:cs typeface="Times New Roman"/>
-              </a:rPr>
-              <a:t>Netconf</a:t>
+              <a:rPr lang="fr-FR" sz="1000" baseline="0" noProof="0" dirty="0" smtClean="0">
+                <a:latin typeface="Times New Roman"/>
+                <a:cs typeface="Times New Roman"/>
+              </a:rPr>
+              <a:t>NETCONF</a:t>
             </a:r>
             <a:r>
               <a:rPr lang="en-US" sz="1000" baseline="0" noProof="0" dirty="0" smtClean="0">
@@ -4967,109 +4310,109 @@
               <a:t> and filter mechanisms to surround the xml document received and send a valid </a:t>
             </a:r>
             <a:r>
+              <a:rPr lang="fr-FR" sz="1000" baseline="0" noProof="0" dirty="0" smtClean="0">
+                <a:latin typeface="Times New Roman"/>
+                <a:cs typeface="Times New Roman"/>
+              </a:rPr>
+              <a:t>NETCONF</a:t>
+            </a:r>
+            <a:r>
+              <a:rPr lang="en-US" sz="1000" baseline="0" noProof="0" dirty="0" smtClean="0">
+                <a:latin typeface="Times New Roman"/>
+                <a:cs typeface="Times New Roman"/>
+              </a:rPr>
+              <a:t> request. From this step we are independent of any YANG concern because we are in a full </a:t>
+            </a:r>
+            <a:r>
+              <a:rPr lang="fr-FR" sz="1000" baseline="0" noProof="0" dirty="0" smtClean="0">
+                <a:latin typeface="Times New Roman"/>
+                <a:cs typeface="Times New Roman"/>
+              </a:rPr>
+              <a:t>NETCONF</a:t>
+            </a:r>
+            <a:r>
+              <a:rPr lang="en-US" sz="1000" baseline="0" noProof="0" dirty="0" smtClean="0">
+                <a:latin typeface="Times New Roman"/>
+                <a:cs typeface="Times New Roman"/>
+              </a:rPr>
+              <a:t> session. So the reply is send by the </a:t>
+            </a:r>
+            <a:r>
+              <a:rPr lang="fr-FR" sz="1000" baseline="0" noProof="0" dirty="0" smtClean="0">
+                <a:latin typeface="Times New Roman"/>
+                <a:cs typeface="Times New Roman"/>
+              </a:rPr>
+              <a:t>NETCONF</a:t>
+            </a:r>
+            <a:r>
+              <a:rPr lang="en-US" sz="1000" baseline="0" noProof="0" dirty="0" smtClean="0">
+                <a:latin typeface="Times New Roman"/>
+                <a:cs typeface="Times New Roman"/>
+              </a:rPr>
+              <a:t> server to the </a:t>
+            </a:r>
+            <a:r>
               <a:rPr lang="en-US" sz="1000" baseline="0" noProof="0" dirty="0" err="1" smtClean="0">
                 <a:latin typeface="Times New Roman"/>
                 <a:cs typeface="Times New Roman"/>
               </a:rPr>
-              <a:t>Netconf</a:t>
+              <a:t>YencaP</a:t>
             </a:r>
             <a:r>
               <a:rPr lang="en-US" sz="1000" baseline="0" noProof="0" dirty="0" smtClean="0">
                 <a:latin typeface="Times New Roman"/>
                 <a:cs typeface="Times New Roman"/>
               </a:rPr>
-              <a:t> request. From this step we are independent of any YANG concern because we are in a full </a:t>
-            </a:r>
-            <a:r>
-              <a:rPr lang="en-US" sz="1000" baseline="0" noProof="0" dirty="0" err="1" smtClean="0">
-                <a:latin typeface="Times New Roman"/>
-                <a:cs typeface="Times New Roman"/>
-              </a:rPr>
-              <a:t>Netconf</a:t>
+              <a:t> Manager and this finish the </a:t>
+            </a:r>
+            <a:r>
+              <a:rPr lang="fr-FR" sz="1000" baseline="0" noProof="0" dirty="0" smtClean="0">
+                <a:latin typeface="Times New Roman"/>
+                <a:cs typeface="Times New Roman"/>
+              </a:rPr>
+              <a:t>NETCONF</a:t>
             </a:r>
             <a:r>
               <a:rPr lang="en-US" sz="1000" baseline="0" noProof="0" dirty="0" smtClean="0">
                 <a:latin typeface="Times New Roman"/>
                 <a:cs typeface="Times New Roman"/>
               </a:rPr>
-              <a:t> session. So the reply is send by the </a:t>
-            </a:r>
-            <a:r>
-              <a:rPr lang="en-US" sz="1000" baseline="0" noProof="0" dirty="0" err="1" smtClean="0">
-                <a:latin typeface="Times New Roman"/>
-                <a:cs typeface="Times New Roman"/>
-              </a:rPr>
-              <a:t>Netconf</a:t>
+              <a:t> operation. Following is simply a cleaning of </a:t>
+            </a:r>
+            <a:r>
+              <a:rPr lang="fr-FR" sz="1000" baseline="0" noProof="0" dirty="0" smtClean="0">
+                <a:latin typeface="Times New Roman"/>
+                <a:cs typeface="Times New Roman"/>
+              </a:rPr>
+              <a:t>NETCONF</a:t>
             </a:r>
             <a:r>
               <a:rPr lang="en-US" sz="1000" baseline="0" noProof="0" dirty="0" smtClean="0">
                 <a:latin typeface="Times New Roman"/>
                 <a:cs typeface="Times New Roman"/>
               </a:rPr>
-              <a:t> server to the </a:t>
-            </a:r>
-            <a:r>
-              <a:rPr lang="en-US" sz="1000" baseline="0" noProof="0" dirty="0" err="1" smtClean="0">
-                <a:latin typeface="Times New Roman"/>
-                <a:cs typeface="Times New Roman"/>
-              </a:rPr>
-              <a:t>YencaP</a:t>
+              <a:t> XML data until the first node of the Data Store and its forwarding to the client applet that is waiting for the response. The figure shows in the right part of the Yang Browsing view where the response is displayed. The request is synchronous because even if one request contains several data (as is a request on a list with several entries) all of them are returned by one response. Note we have made our protocol synchronous on top of HTTP with several asynchronous requests. We plan allowing multiple selection for the same </a:t>
+            </a:r>
+            <a:r>
+              <a:rPr lang="fr-FR" sz="1000" baseline="0" noProof="0" dirty="0" smtClean="0">
+                <a:latin typeface="Times New Roman"/>
+                <a:cs typeface="Times New Roman"/>
+              </a:rPr>
+              <a:t>NETCONF</a:t>
             </a:r>
             <a:r>
               <a:rPr lang="en-US" sz="1000" baseline="0" noProof="0" dirty="0" smtClean="0">
                 <a:latin typeface="Times New Roman"/>
                 <a:cs typeface="Times New Roman"/>
               </a:rPr>
-              <a:t> Manager and this finish the </a:t>
-            </a:r>
-            <a:r>
-              <a:rPr lang="en-US" sz="1000" baseline="0" noProof="0" dirty="0" err="1" smtClean="0">
-                <a:latin typeface="Times New Roman"/>
-                <a:cs typeface="Times New Roman"/>
-              </a:rPr>
-              <a:t>Netconf</a:t>
-            </a:r>
-            <a:r>
-              <a:rPr lang="en-US" sz="1000" baseline="0" noProof="0" dirty="0" smtClean="0">
-                <a:latin typeface="Times New Roman"/>
-                <a:cs typeface="Times New Roman"/>
-              </a:rPr>
-              <a:t> operation. Following is simply a cleaning of </a:t>
-            </a:r>
-            <a:r>
-              <a:rPr lang="en-US" sz="1000" baseline="0" noProof="0" dirty="0" err="1" smtClean="0">
-                <a:latin typeface="Times New Roman"/>
-                <a:cs typeface="Times New Roman"/>
-              </a:rPr>
-              <a:t>Netconf</a:t>
-            </a:r>
-            <a:r>
-              <a:rPr lang="en-US" sz="1000" baseline="0" noProof="0" dirty="0" smtClean="0">
-                <a:latin typeface="Times New Roman"/>
-                <a:cs typeface="Times New Roman"/>
-              </a:rPr>
-              <a:t> XML data until the first node of the Data Store and its forwarding to the client applet that is waiting for the response. The figure shows in the right part of the Yang Browsing view where the response is displayed. The request is synchronous because even if one request contains several data (as is a request on a list with several entries) all of them are returned by one response. Note we have made our protocol synchronous on top of HTTP with several asynchronous requests. We plan allowing multiple selection for the same </a:t>
-            </a:r>
-            <a:r>
-              <a:rPr lang="en-US" sz="1000" baseline="0" noProof="0" dirty="0" err="1" smtClean="0">
-                <a:latin typeface="Times New Roman"/>
-                <a:cs typeface="Times New Roman"/>
-              </a:rPr>
-              <a:t>Netconf</a:t>
-            </a:r>
-            <a:r>
-              <a:rPr lang="en-US" sz="1000" baseline="0" noProof="0" dirty="0" smtClean="0">
-                <a:latin typeface="Times New Roman"/>
-                <a:cs typeface="Times New Roman"/>
-              </a:rPr>
               <a:t> operation to give an access to the entire </a:t>
             </a:r>
             <a:r>
-              <a:rPr lang="en-US" sz="1000" baseline="0" noProof="0" dirty="0" err="1" smtClean="0">
-                <a:latin typeface="Times New Roman"/>
-                <a:cs typeface="Times New Roman"/>
-              </a:rPr>
-              <a:t>Netconf</a:t>
+              <a:rPr lang="fr-FR" sz="1000" baseline="0" noProof="0" dirty="0" smtClean="0">
+                <a:latin typeface="Times New Roman"/>
+                <a:cs typeface="Times New Roman"/>
+              </a:rPr>
+              <a:t>NETCONF</a:t>
             </a:r>
             <a:r>
               <a:rPr lang="en-US" sz="1000" baseline="0" noProof="0" dirty="0" smtClean="0">
@@ -5155,7 +4498,7 @@
         <p:spPr/>
         <p:txBody>
           <a:bodyPr>
-            <a:normAutofit/>
+            <a:normAutofit fontScale="70000" lnSpcReduction="20000"/>
           </a:bodyPr>
           <a:lstStyle/>
           <a:p>
@@ -5175,11 +4518,11 @@
               <a:t> configuration domain. First is a YANG parser and semantic checker very close to actual version of the draft definition of YANG. Indeed probably few work will be needed to be a standard compliant application. Second is twofold because we made ENSUITE YANG enable on the server and the client side. The server side was relatively easy to modify because we just add a capability announcement related to YANG module implemented by the server. We extend the client side that has now to accept such YANG announces from servers and must find, load and check the specifications documents announced. Then we have designed a java applet that is generic enough to accepts any YANG specification and display a graphical view of them. Moreover this graphical interface can be used to emulate </a:t>
             </a:r>
             <a:r>
-              <a:rPr lang="en-US" sz="1000" baseline="0" noProof="0" dirty="0" err="1" smtClean="0">
-                <a:latin typeface="Times New Roman"/>
-                <a:cs typeface="Times New Roman"/>
-              </a:rPr>
-              <a:t>Netconf</a:t>
+              <a:rPr lang="fr-FR" sz="1000" baseline="0" noProof="0" dirty="0" smtClean="0">
+                <a:latin typeface="Times New Roman"/>
+                <a:cs typeface="Times New Roman"/>
+              </a:rPr>
+              <a:t>NETCONF</a:t>
             </a:r>
             <a:r>
               <a:rPr lang="en-US" sz="1000" baseline="0" noProof="0" dirty="0" smtClean="0">
@@ -5220,11 +4563,11 @@
               <a:t> to be a more YANG based </a:t>
             </a:r>
             <a:r>
-              <a:rPr lang="en-US" sz="1000" baseline="0" noProof="0" dirty="0" err="1" smtClean="0">
-                <a:latin typeface="Times New Roman"/>
-                <a:cs typeface="Times New Roman"/>
-              </a:rPr>
-              <a:t>Netconf</a:t>
+              <a:rPr lang="fr-FR" sz="1000" baseline="0" noProof="0" dirty="0" smtClean="0">
+                <a:latin typeface="Times New Roman"/>
+                <a:cs typeface="Times New Roman"/>
+              </a:rPr>
+              <a:t>NETCONF</a:t>
             </a:r>
             <a:r>
               <a:rPr lang="en-US" sz="1000" baseline="0" noProof="0" dirty="0" smtClean="0">
@@ -5265,11 +4608,11 @@
               <a:t>We are also interested by all YANG constraints one can specify. Default value, must and presence conditions, references between values, length or pattern matching are some examples of such constraints. If one can have a </a:t>
             </a:r>
             <a:r>
-              <a:rPr lang="en-US" sz="1000" baseline="0" noProof="0" dirty="0" err="1" smtClean="0">
-                <a:latin typeface="Times New Roman"/>
-                <a:cs typeface="Times New Roman"/>
-              </a:rPr>
-              <a:t>Netconf</a:t>
+              <a:rPr lang="fr-FR" sz="1000" baseline="0" noProof="0" dirty="0" smtClean="0">
+                <a:latin typeface="Times New Roman"/>
+                <a:cs typeface="Times New Roman"/>
+              </a:rPr>
+              <a:t>NETCONF</a:t>
             </a:r>
             <a:r>
               <a:rPr lang="en-US" sz="1000" baseline="0" noProof="0" dirty="0" smtClean="0">
@@ -5278,6 +4621,942 @@
               </a:rPr>
               <a:t> server with such knowledge this server will be enable to autonomously checks its configuration. At the client side the constraints can ensure the manager user do not make mistakes in its configuration operations.</a:t>
             </a:r>
+          </a:p>
+          <a:p>
+            <a:pPr algn="just"/>
+            <a:endParaRPr lang="en-US" sz="1000" baseline="0" noProof="0" dirty="0" smtClean="0">
+              <a:latin typeface="Times New Roman"/>
+              <a:cs typeface="Times New Roman"/>
+            </a:endParaRPr>
+          </a:p>
+          <a:p>
+            <a:pPr algn="just"/>
+            <a:r>
+              <a:rPr lang="en-US" sz="1200" b="1" baseline="0" noProof="0" dirty="0" smtClean="0">
+                <a:latin typeface="Times New Roman"/>
+                <a:cs typeface="Times New Roman"/>
+              </a:rPr>
+              <a:t>References : </a:t>
+            </a:r>
+          </a:p>
+          <a:p>
+            <a:pPr algn="just"/>
+            <a:endParaRPr lang="en-US" sz="1000" baseline="0" noProof="0" dirty="0" smtClean="0">
+              <a:latin typeface="Times New Roman"/>
+              <a:cs typeface="Times New Roman"/>
+            </a:endParaRPr>
+          </a:p>
+          <a:p>
+            <a:pPr algn="just"/>
+            <a:r>
+              <a:rPr lang="fr-FR" sz="1200" kern="1200" dirty="0" smtClean="0">
+                <a:solidFill>
+                  <a:schemeClr val="tx1"/>
+                </a:solidFill>
+                <a:latin typeface="+mn-lt"/>
+                <a:ea typeface="+mn-ea"/>
+                <a:cs typeface="+mn-cs"/>
+              </a:rPr>
+              <a:t>[1] R. Enns</a:t>
+            </a:r>
+            <a:endParaRPr lang="fr-FR" sz="1200" b="0" kern="1200" dirty="0" smtClean="0">
+              <a:solidFill>
+                <a:schemeClr val="tx1"/>
+              </a:solidFill>
+              <a:latin typeface="+mn-lt"/>
+              <a:ea typeface="+mn-ea"/>
+              <a:cs typeface="+mn-cs"/>
+            </a:endParaRPr>
+          </a:p>
+          <a:p>
+            <a:pPr algn="just"/>
+            <a:r>
+              <a:rPr lang="fr-FR" sz="1200" b="0" kern="1200" dirty="0" smtClean="0">
+                <a:solidFill>
+                  <a:schemeClr val="tx1"/>
+                </a:solidFill>
+                <a:latin typeface="+mn-lt"/>
+                <a:ea typeface="+mn-ea"/>
+                <a:cs typeface="+mn-cs"/>
+              </a:rPr>
+              <a:t>NETCONF Configuration Protocol</a:t>
+            </a:r>
+          </a:p>
+          <a:p>
+            <a:pPr algn="just"/>
+            <a:r>
+              <a:rPr lang="en-US" sz="1000" baseline="0" noProof="0" dirty="0" smtClean="0">
+                <a:latin typeface="Times New Roman"/>
+                <a:cs typeface="Times New Roman"/>
+              </a:rPr>
+              <a:t>Request For Comments 4741</a:t>
+            </a:r>
+          </a:p>
+          <a:p>
+            <a:pPr algn="just"/>
+            <a:r>
+              <a:rPr lang="en-US" sz="1000" baseline="0" noProof="0" dirty="0" smtClean="0">
+                <a:latin typeface="Times New Roman"/>
+                <a:cs typeface="Times New Roman"/>
+              </a:rPr>
+              <a:t>Network Working Group, Dec. 2006</a:t>
+            </a:r>
+          </a:p>
+          <a:p>
+            <a:pPr algn="just"/>
+            <a:endParaRPr lang="en-US" sz="1000" b="0" u="none" baseline="0" noProof="0" dirty="0" smtClean="0">
+              <a:solidFill>
+                <a:schemeClr val="tx1"/>
+              </a:solidFill>
+              <a:latin typeface="Times New Roman"/>
+              <a:cs typeface="Times New Roman"/>
+            </a:endParaRPr>
+          </a:p>
+          <a:p>
+            <a:pPr algn="l"/>
+            <a:r>
+              <a:rPr lang="fr-FR" sz="1000" kern="1200" dirty="0" smtClean="0">
+                <a:solidFill>
+                  <a:schemeClr val="tx1"/>
+                </a:solidFill>
+                <a:latin typeface="Times New Roman"/>
+                <a:ea typeface="+mn-ea"/>
+                <a:cs typeface="Times New Roman"/>
+              </a:rPr>
+              <a:t>[2] M. </a:t>
+            </a:r>
+            <a:r>
+              <a:rPr lang="fr-FR" sz="1000" kern="1200" dirty="0" err="1" smtClean="0">
+                <a:solidFill>
+                  <a:schemeClr val="tx1"/>
+                </a:solidFill>
+                <a:latin typeface="Times New Roman"/>
+                <a:ea typeface="+mn-ea"/>
+                <a:cs typeface="Times New Roman"/>
+              </a:rPr>
+              <a:t>Bjorklund</a:t>
+            </a:r>
+            <a:endParaRPr lang="fr-FR" sz="1000" b="0" kern="1200" dirty="0" smtClean="0">
+              <a:solidFill>
+                <a:schemeClr val="tx1"/>
+              </a:solidFill>
+              <a:latin typeface="Times New Roman"/>
+              <a:ea typeface="+mn-ea"/>
+              <a:cs typeface="Times New Roman"/>
+            </a:endParaRPr>
+          </a:p>
+          <a:p>
+            <a:pPr algn="l"/>
+            <a:r>
+              <a:rPr lang="fr-FR" sz="1000" b="0" kern="1200" dirty="0" smtClean="0">
+                <a:solidFill>
+                  <a:schemeClr val="tx1"/>
+                </a:solidFill>
+                <a:latin typeface="Times New Roman"/>
+                <a:ea typeface="+mn-ea"/>
+                <a:cs typeface="Times New Roman"/>
+              </a:rPr>
+              <a:t>YANG - A data </a:t>
+            </a:r>
+            <a:r>
+              <a:rPr lang="fr-FR" sz="1000" b="0" kern="1200" dirty="0" err="1" smtClean="0">
+                <a:solidFill>
+                  <a:schemeClr val="tx1"/>
+                </a:solidFill>
+                <a:latin typeface="Times New Roman"/>
+                <a:ea typeface="+mn-ea"/>
+                <a:cs typeface="Times New Roman"/>
+              </a:rPr>
+              <a:t>modeling</a:t>
+            </a:r>
+            <a:r>
+              <a:rPr lang="fr-FR" sz="1000" b="0" kern="1200" dirty="0" smtClean="0">
+                <a:solidFill>
+                  <a:schemeClr val="tx1"/>
+                </a:solidFill>
+                <a:latin typeface="Times New Roman"/>
+                <a:ea typeface="+mn-ea"/>
+                <a:cs typeface="Times New Roman"/>
+              </a:rPr>
+              <a:t> </a:t>
+            </a:r>
+            <a:r>
+              <a:rPr lang="fr-FR" sz="1000" b="0" kern="1200" dirty="0" err="1" smtClean="0">
+                <a:solidFill>
+                  <a:schemeClr val="tx1"/>
+                </a:solidFill>
+                <a:latin typeface="Times New Roman"/>
+                <a:ea typeface="+mn-ea"/>
+                <a:cs typeface="Times New Roman"/>
+              </a:rPr>
+              <a:t>language</a:t>
+            </a:r>
+            <a:r>
+              <a:rPr lang="fr-FR" sz="1000" b="0" kern="1200" dirty="0" smtClean="0">
+                <a:solidFill>
+                  <a:schemeClr val="tx1"/>
+                </a:solidFill>
+                <a:latin typeface="Times New Roman"/>
+                <a:ea typeface="+mn-ea"/>
+                <a:cs typeface="Times New Roman"/>
+              </a:rPr>
+              <a:t> for NETCONF</a:t>
+            </a:r>
+          </a:p>
+          <a:p>
+            <a:pPr algn="l"/>
+            <a:r>
+              <a:rPr lang="fr-FR" sz="1000" b="0" kern="1200" baseline="0" dirty="0" smtClean="0">
+                <a:solidFill>
+                  <a:schemeClr val="tx1"/>
+                </a:solidFill>
+                <a:latin typeface="Times New Roman"/>
+                <a:ea typeface="+mn-ea"/>
+                <a:cs typeface="Times New Roman"/>
+              </a:rPr>
+              <a:t> d</a:t>
+            </a:r>
+            <a:r>
+              <a:rPr lang="fr-FR" sz="1000" b="0" u="none" kern="1200" dirty="0" smtClean="0">
+                <a:solidFill>
+                  <a:schemeClr val="tx1"/>
+                </a:solidFill>
+                <a:latin typeface="Times New Roman"/>
+                <a:ea typeface="+mn-ea"/>
+                <a:cs typeface="Times New Roman"/>
+              </a:rPr>
+              <a:t>raft-ietf-netmod-yang-07</a:t>
+            </a:r>
+          </a:p>
+          <a:p>
+            <a:pPr algn="l"/>
+            <a:r>
+              <a:rPr lang="en-US" sz="1000" b="0" u="none" kern="1200" dirty="0" smtClean="0">
+                <a:solidFill>
+                  <a:schemeClr val="tx1"/>
+                </a:solidFill>
+                <a:latin typeface="Times New Roman"/>
+                <a:ea typeface="+mn-ea"/>
+                <a:cs typeface="Times New Roman"/>
+              </a:rPr>
+              <a:t>Network Working Group,</a:t>
+            </a:r>
+            <a:r>
+              <a:rPr lang="en-US" sz="1000" b="0" u="none" kern="1200" baseline="0" dirty="0" smtClean="0">
+                <a:solidFill>
+                  <a:schemeClr val="tx1"/>
+                </a:solidFill>
+                <a:latin typeface="Times New Roman"/>
+                <a:ea typeface="+mn-ea"/>
+                <a:cs typeface="Times New Roman"/>
+              </a:rPr>
+              <a:t> </a:t>
+            </a:r>
+            <a:r>
+              <a:rPr lang="en-US" sz="1000" b="0" u="none" kern="1200" dirty="0" smtClean="0">
+                <a:solidFill>
+                  <a:schemeClr val="tx1"/>
+                </a:solidFill>
+                <a:latin typeface="Times New Roman"/>
+                <a:ea typeface="+mn-ea"/>
+                <a:cs typeface="Times New Roman"/>
+              </a:rPr>
+              <a:t>Internet-Draft, 13 July 2009</a:t>
+            </a:r>
+          </a:p>
+          <a:p>
+            <a:pPr algn="l"/>
+            <a:endParaRPr lang="en-US" sz="1000" b="0" u="none" kern="1200" dirty="0" smtClean="0">
+              <a:solidFill>
+                <a:schemeClr val="tx1"/>
+              </a:solidFill>
+              <a:latin typeface="Times New Roman"/>
+              <a:ea typeface="+mn-ea"/>
+              <a:cs typeface="Times New Roman"/>
+            </a:endParaRPr>
+          </a:p>
+          <a:p>
+            <a:pPr algn="l"/>
+            <a:r>
+              <a:rPr lang="en-US" sz="1000" b="0" u="none" kern="1200" dirty="0" smtClean="0">
+                <a:solidFill>
+                  <a:schemeClr val="tx1"/>
+                </a:solidFill>
+                <a:latin typeface="Times New Roman"/>
+                <a:ea typeface="+mn-ea"/>
+                <a:cs typeface="Times New Roman"/>
+              </a:rPr>
+              <a:t>[3] </a:t>
+            </a:r>
+            <a:r>
+              <a:rPr lang="en-US" sz="1000" b="0" u="none" kern="1200" dirty="0" err="1" smtClean="0">
+                <a:solidFill>
+                  <a:schemeClr val="tx1"/>
+                </a:solidFill>
+                <a:latin typeface="Times New Roman"/>
+                <a:ea typeface="+mn-ea"/>
+                <a:cs typeface="Times New Roman"/>
+              </a:rPr>
+              <a:t>Huiyang</a:t>
+            </a:r>
+            <a:r>
+              <a:rPr lang="en-US" sz="1000" b="0" u="none" kern="1200" dirty="0" smtClean="0">
+                <a:solidFill>
+                  <a:schemeClr val="tx1"/>
+                </a:solidFill>
+                <a:latin typeface="Times New Roman"/>
+                <a:ea typeface="+mn-ea"/>
+                <a:cs typeface="Times New Roman"/>
+              </a:rPr>
+              <a:t> Cui; Bin Zhang; </a:t>
+            </a:r>
+            <a:r>
+              <a:rPr lang="en-US" sz="1000" b="0" u="none" kern="1200" dirty="0" err="1" smtClean="0">
+                <a:solidFill>
+                  <a:schemeClr val="tx1"/>
+                </a:solidFill>
+                <a:latin typeface="Times New Roman"/>
+                <a:ea typeface="+mn-ea"/>
+                <a:cs typeface="Times New Roman"/>
+              </a:rPr>
+              <a:t>Guohui</a:t>
+            </a:r>
+            <a:r>
+              <a:rPr lang="en-US" sz="1000" b="0" u="none" kern="1200" dirty="0" smtClean="0">
+                <a:solidFill>
+                  <a:schemeClr val="tx1"/>
+                </a:solidFill>
+                <a:latin typeface="Times New Roman"/>
+                <a:ea typeface="+mn-ea"/>
+                <a:cs typeface="Times New Roman"/>
+              </a:rPr>
+              <a:t> Li; </a:t>
+            </a:r>
+            <a:r>
+              <a:rPr lang="en-US" sz="1000" b="0" u="none" kern="1200" dirty="0" err="1" smtClean="0">
+                <a:solidFill>
+                  <a:schemeClr val="tx1"/>
+                </a:solidFill>
+                <a:latin typeface="Times New Roman"/>
+                <a:ea typeface="+mn-ea"/>
+                <a:cs typeface="Times New Roman"/>
+              </a:rPr>
+              <a:t>Xuesong</a:t>
+            </a:r>
+            <a:r>
+              <a:rPr lang="en-US" sz="1000" b="0" u="none" kern="1200" dirty="0" smtClean="0">
+                <a:solidFill>
+                  <a:schemeClr val="tx1"/>
+                </a:solidFill>
+                <a:latin typeface="Times New Roman"/>
+                <a:ea typeface="+mn-ea"/>
+                <a:cs typeface="Times New Roman"/>
+              </a:rPr>
+              <a:t> </a:t>
+            </a:r>
+            <a:r>
+              <a:rPr lang="en-US" sz="1000" b="0" u="none" kern="1200" dirty="0" err="1" smtClean="0">
+                <a:solidFill>
+                  <a:schemeClr val="tx1"/>
+                </a:solidFill>
+                <a:latin typeface="Times New Roman"/>
+                <a:ea typeface="+mn-ea"/>
+                <a:cs typeface="Times New Roman"/>
+              </a:rPr>
+              <a:t>Gao</a:t>
+            </a:r>
+            <a:r>
+              <a:rPr lang="en-US" sz="1000" b="0" u="none" kern="1200" dirty="0" smtClean="0">
+                <a:solidFill>
+                  <a:schemeClr val="tx1"/>
+                </a:solidFill>
+                <a:latin typeface="Times New Roman"/>
+                <a:ea typeface="+mn-ea"/>
+                <a:cs typeface="Times New Roman"/>
+              </a:rPr>
+              <a:t>; Yan Li</a:t>
+            </a:r>
+          </a:p>
+          <a:p>
+            <a:pPr algn="l"/>
+            <a:r>
+              <a:rPr lang="en-US" sz="1000" b="0" u="none" kern="1200" dirty="0" smtClean="0">
+                <a:solidFill>
+                  <a:schemeClr val="tx1"/>
+                </a:solidFill>
+                <a:latin typeface="Times New Roman"/>
+                <a:ea typeface="+mn-ea"/>
+                <a:cs typeface="Times New Roman"/>
+              </a:rPr>
+              <a:t>Contrast Analysis of </a:t>
+            </a:r>
+            <a:r>
+              <a:rPr lang="fr-FR" sz="1000" b="0" u="none" kern="1200" dirty="0" smtClean="0">
+                <a:solidFill>
+                  <a:schemeClr val="tx1"/>
+                </a:solidFill>
+                <a:latin typeface="Times New Roman"/>
+                <a:ea typeface="+mn-ea"/>
+                <a:cs typeface="Times New Roman"/>
+              </a:rPr>
+              <a:t>NETCONF</a:t>
+            </a:r>
+            <a:r>
+              <a:rPr lang="en-US" sz="1000" b="0" u="none" kern="1200" dirty="0" smtClean="0">
+                <a:solidFill>
+                  <a:schemeClr val="tx1"/>
+                </a:solidFill>
+                <a:latin typeface="Times New Roman"/>
+                <a:ea typeface="+mn-ea"/>
+                <a:cs typeface="Times New Roman"/>
+              </a:rPr>
+              <a:t> Modeling </a:t>
+            </a:r>
+            <a:r>
+              <a:rPr lang="en-US" sz="1000" b="0" i="0" u="none" kern="1200" dirty="0" smtClean="0">
+                <a:solidFill>
+                  <a:schemeClr val="tx1"/>
+                </a:solidFill>
+                <a:latin typeface="Times New Roman"/>
+                <a:ea typeface="+mn-ea"/>
+                <a:cs typeface="Times New Roman"/>
+              </a:rPr>
+              <a:t>Languages: XML Schema, Relax NG and YANG</a:t>
+            </a:r>
+            <a:endParaRPr lang="en-US" sz="1000" b="0" i="0" u="none" strike="noStrike" kern="1200" cap="none" baseline="0" noProof="0" dirty="0" smtClean="0">
+              <a:solidFill>
+                <a:schemeClr val="tx1"/>
+              </a:solidFill>
+              <a:latin typeface="Times New Roman"/>
+              <a:ea typeface="+mn-ea"/>
+              <a:cs typeface="Times New Roman"/>
+            </a:endParaRPr>
+          </a:p>
+          <a:p>
+            <a:pPr algn="l"/>
+            <a:r>
+              <a:rPr lang="en-US" sz="1000" b="0" i="0" u="none" strike="noStrike" kern="1200" cap="none" baseline="0" noProof="0" dirty="0" smtClean="0">
+                <a:solidFill>
+                  <a:schemeClr val="tx1"/>
+                </a:solidFill>
+                <a:latin typeface="Times New Roman"/>
+                <a:ea typeface="+mn-ea"/>
+                <a:cs typeface="Times New Roman"/>
+              </a:rPr>
+              <a:t>International Conference on Communication Software and Network, 2009, ICCSN’09, 27-28 Feb 2009 Page(s):322 - 326 </a:t>
+            </a:r>
+          </a:p>
+          <a:p>
+            <a:pPr algn="just"/>
+            <a:endParaRPr lang="en-US" sz="800" b="0" i="0" u="none" baseline="0" noProof="0" dirty="0" smtClean="0">
+              <a:solidFill>
+                <a:schemeClr val="tx1"/>
+              </a:solidFill>
+              <a:latin typeface="Times New Roman"/>
+              <a:cs typeface="Times New Roman"/>
+            </a:endParaRPr>
+          </a:p>
+          <a:p>
+            <a:pPr marL="0" marR="0" indent="0" algn="just" defTabSz="457200" rtl="0" eaLnBrk="1" fontAlgn="auto" latinLnBrk="0" hangingPunct="1">
+              <a:lnSpc>
+                <a:spcPct val="100000"/>
+              </a:lnSpc>
+              <a:spcBef>
+                <a:spcPts val="0"/>
+              </a:spcBef>
+              <a:spcAft>
+                <a:spcPts val="0"/>
+              </a:spcAft>
+              <a:buClrTx/>
+              <a:buSzTx/>
+              <a:buFontTx/>
+              <a:buNone/>
+              <a:tabLst/>
+              <a:defRPr/>
+            </a:pPr>
+            <a:r>
+              <a:rPr lang="en-US" sz="800" b="0" i="0" u="none" kern="1200" dirty="0" smtClean="0">
+                <a:solidFill>
+                  <a:schemeClr val="tx1"/>
+                </a:solidFill>
+                <a:latin typeface="Times New Roman"/>
+                <a:ea typeface="+mn-ea"/>
+                <a:cs typeface="Times New Roman"/>
+              </a:rPr>
+              <a:t>[4] </a:t>
+            </a:r>
+            <a:r>
+              <a:rPr lang="en-US" sz="800" b="0" i="0" u="none" kern="1200" dirty="0" err="1" smtClean="0">
+                <a:solidFill>
+                  <a:schemeClr val="tx1"/>
+                </a:solidFill>
+                <a:latin typeface="Times New Roman"/>
+                <a:ea typeface="+mn-ea"/>
+                <a:cs typeface="Times New Roman"/>
+              </a:rPr>
+              <a:t>Hui</a:t>
+            </a:r>
+            <a:r>
+              <a:rPr lang="en-US" sz="800" b="0" i="0" u="none" kern="1200" dirty="0" smtClean="0">
+                <a:solidFill>
+                  <a:schemeClr val="tx1"/>
+                </a:solidFill>
+                <a:latin typeface="Times New Roman"/>
+                <a:ea typeface="+mn-ea"/>
+                <a:cs typeface="Times New Roman"/>
+              </a:rPr>
+              <a:t> </a:t>
+            </a:r>
+            <a:r>
+              <a:rPr lang="en-US" sz="800" b="0" i="0" u="none" kern="1200" dirty="0" err="1" smtClean="0">
+                <a:solidFill>
+                  <a:schemeClr val="tx1"/>
+                </a:solidFill>
+                <a:latin typeface="Times New Roman"/>
+                <a:ea typeface="+mn-ea"/>
+                <a:cs typeface="Times New Roman"/>
+              </a:rPr>
+              <a:t>Xu</a:t>
+            </a:r>
+            <a:r>
+              <a:rPr lang="en-US" sz="800" b="0" i="0" u="none" kern="1200" dirty="0" smtClean="0">
+                <a:solidFill>
+                  <a:schemeClr val="tx1"/>
+                </a:solidFill>
+                <a:latin typeface="Times New Roman"/>
+                <a:ea typeface="+mn-ea"/>
+                <a:cs typeface="Times New Roman"/>
+              </a:rPr>
+              <a:t>; </a:t>
+            </a:r>
+            <a:r>
+              <a:rPr lang="en-US" sz="800" b="0" i="0" u="none" kern="1200" dirty="0" err="1" smtClean="0">
+                <a:solidFill>
+                  <a:schemeClr val="tx1"/>
+                </a:solidFill>
+                <a:latin typeface="Times New Roman"/>
+                <a:ea typeface="+mn-ea"/>
+                <a:cs typeface="Times New Roman"/>
+              </a:rPr>
+              <a:t>Debao</a:t>
+            </a:r>
+            <a:r>
+              <a:rPr lang="en-US" sz="800" b="0" i="0" u="none" kern="1200" dirty="0" smtClean="0">
+                <a:solidFill>
+                  <a:schemeClr val="tx1"/>
+                </a:solidFill>
+                <a:latin typeface="Times New Roman"/>
+                <a:ea typeface="+mn-ea"/>
+                <a:cs typeface="Times New Roman"/>
+              </a:rPr>
+              <a:t> Xiao</a:t>
+            </a:r>
+            <a:endParaRPr lang="en-US" sz="800" b="0" i="0" u="none" baseline="0" noProof="0" dirty="0" smtClean="0">
+              <a:solidFill>
+                <a:schemeClr val="tx1"/>
+              </a:solidFill>
+              <a:latin typeface="Times New Roman"/>
+              <a:cs typeface="Times New Roman"/>
+            </a:endParaRPr>
+          </a:p>
+          <a:p>
+            <a:pPr algn="l"/>
+            <a:r>
+              <a:rPr lang="en-US" sz="1000" b="0" i="0" u="none" kern="1200" dirty="0" smtClean="0">
+                <a:solidFill>
+                  <a:schemeClr val="tx1"/>
+                </a:solidFill>
+                <a:latin typeface="Times New Roman"/>
+                <a:ea typeface="+mn-ea"/>
+                <a:cs typeface="Times New Roman"/>
+              </a:rPr>
+              <a:t>Data modeling for </a:t>
+            </a:r>
+            <a:r>
+              <a:rPr lang="fr-FR" sz="1000" b="0" i="0" u="none" kern="1200" dirty="0" smtClean="0">
+                <a:solidFill>
+                  <a:schemeClr val="tx1"/>
+                </a:solidFill>
+                <a:latin typeface="Times New Roman"/>
+                <a:ea typeface="+mn-ea"/>
+                <a:cs typeface="Times New Roman"/>
+              </a:rPr>
+              <a:t>NETCONF</a:t>
+            </a:r>
+            <a:r>
+              <a:rPr lang="en-US" sz="1000" b="0" i="0" u="none" kern="1200" dirty="0" smtClean="0">
+                <a:solidFill>
+                  <a:schemeClr val="tx1"/>
+                </a:solidFill>
+                <a:latin typeface="Times New Roman"/>
+                <a:ea typeface="+mn-ea"/>
+                <a:cs typeface="Times New Roman"/>
+              </a:rPr>
+              <a:t>-based network management: XML schema or YANG</a:t>
+            </a:r>
+            <a:endParaRPr lang="en-US" sz="1000" b="0" i="0" u="none" strike="noStrike" kern="1200" cap="none" baseline="0" noProof="0" dirty="0" smtClean="0">
+              <a:solidFill>
+                <a:schemeClr val="tx1"/>
+              </a:solidFill>
+              <a:latin typeface="Times New Roman"/>
+              <a:ea typeface="+mn-ea"/>
+              <a:cs typeface="Times New Roman"/>
+            </a:endParaRPr>
+          </a:p>
+          <a:p>
+            <a:pPr algn="l"/>
+            <a:r>
+              <a:rPr lang="en-US" sz="1000" b="0" i="0" u="none" strike="noStrike" kern="1200" cap="none" baseline="0" noProof="0" dirty="0" smtClean="0">
+                <a:solidFill>
+                  <a:schemeClr val="tx1"/>
+                </a:solidFill>
+                <a:latin typeface="Times New Roman"/>
+                <a:ea typeface="+mn-ea"/>
+                <a:cs typeface="Times New Roman"/>
+              </a:rPr>
+              <a:t>11</a:t>
+            </a:r>
+            <a:r>
+              <a:rPr lang="en-US" sz="1000" b="0" i="0" u="none" strike="noStrike" kern="1200" cap="none" baseline="30000" noProof="0" dirty="0" smtClean="0">
+                <a:solidFill>
+                  <a:schemeClr val="tx1"/>
+                </a:solidFill>
+                <a:latin typeface="Times New Roman"/>
+                <a:ea typeface="+mn-ea"/>
+                <a:cs typeface="Times New Roman"/>
+              </a:rPr>
+              <a:t>th</a:t>
+            </a:r>
+            <a:r>
+              <a:rPr lang="en-US" sz="1000" b="0" i="0" u="none" strike="noStrike" kern="1200" cap="none" baseline="0" noProof="0" dirty="0" smtClean="0">
+                <a:solidFill>
+                  <a:schemeClr val="tx1"/>
+                </a:solidFill>
+                <a:latin typeface="Times New Roman"/>
+                <a:ea typeface="+mn-ea"/>
+                <a:cs typeface="Times New Roman"/>
+              </a:rPr>
+              <a:t> IEEE International Conference on Communication Technology, 2008, ICCT 2008, 10-12 Nov 2008 Page(s):561 – 564</a:t>
+            </a:r>
+          </a:p>
+          <a:p>
+            <a:pPr algn="l"/>
+            <a:endParaRPr lang="en-US" sz="1000" b="0" u="none" kern="1200" dirty="0" smtClean="0">
+              <a:solidFill>
+                <a:schemeClr val="tx1"/>
+              </a:solidFill>
+              <a:latin typeface="Times New Roman"/>
+              <a:ea typeface="+mn-ea"/>
+              <a:cs typeface="Times New Roman"/>
+            </a:endParaRPr>
+          </a:p>
+          <a:p>
+            <a:pPr algn="l"/>
+            <a:r>
+              <a:rPr lang="fr-FR" sz="1000" kern="1200" dirty="0" smtClean="0">
+                <a:solidFill>
+                  <a:schemeClr val="tx1"/>
+                </a:solidFill>
+                <a:latin typeface="Times New Roman"/>
+                <a:ea typeface="+mn-ea"/>
+                <a:cs typeface="Times New Roman"/>
+              </a:rPr>
+              <a:t>[5] J. </a:t>
+            </a:r>
+            <a:r>
+              <a:rPr lang="fr-FR" sz="1000" kern="1200" dirty="0" err="1" smtClean="0">
+                <a:solidFill>
+                  <a:schemeClr val="tx1"/>
+                </a:solidFill>
+                <a:latin typeface="Times New Roman"/>
+                <a:ea typeface="+mn-ea"/>
+                <a:cs typeface="Times New Roman"/>
+              </a:rPr>
+              <a:t>Schoenwaelder</a:t>
+            </a:r>
+            <a:endParaRPr lang="fr-FR" sz="1000" kern="1200" dirty="0" smtClean="0">
+              <a:solidFill>
+                <a:schemeClr val="tx1"/>
+              </a:solidFill>
+              <a:latin typeface="Times New Roman"/>
+              <a:ea typeface="+mn-ea"/>
+              <a:cs typeface="Times New Roman"/>
+            </a:endParaRPr>
+          </a:p>
+          <a:p>
+            <a:pPr algn="l"/>
+            <a:r>
+              <a:rPr lang="fr-FR" sz="1000" kern="1200" dirty="0" smtClean="0">
+                <a:solidFill>
+                  <a:schemeClr val="tx1"/>
+                </a:solidFill>
+                <a:latin typeface="Times New Roman"/>
+                <a:ea typeface="+mn-ea"/>
+                <a:cs typeface="Times New Roman"/>
+              </a:rPr>
+              <a:t>Common YANG Data Types</a:t>
+            </a:r>
+          </a:p>
+          <a:p>
+            <a:pPr algn="l"/>
+            <a:r>
+              <a:rPr lang="fr-FR" sz="1000" kern="1200" dirty="0" smtClean="0">
+                <a:solidFill>
+                  <a:schemeClr val="tx1"/>
+                </a:solidFill>
+                <a:latin typeface="Times New Roman"/>
+                <a:ea typeface="+mn-ea"/>
+                <a:cs typeface="Times New Roman"/>
+              </a:rPr>
+              <a:t>draft-ietf-netmod-yang-types-03</a:t>
+            </a:r>
+            <a:endParaRPr lang="fr-FR" sz="1000" b="0" u="none" kern="1200" dirty="0" smtClean="0">
+              <a:solidFill>
+                <a:schemeClr val="tx1"/>
+              </a:solidFill>
+              <a:latin typeface="Times New Roman"/>
+              <a:ea typeface="+mn-ea"/>
+              <a:cs typeface="Times New Roman"/>
+            </a:endParaRPr>
+          </a:p>
+          <a:p>
+            <a:pPr algn="l"/>
+            <a:r>
+              <a:rPr lang="en-US" sz="1000" b="0" u="none" kern="1200" dirty="0" smtClean="0">
+                <a:solidFill>
+                  <a:schemeClr val="tx1"/>
+                </a:solidFill>
+                <a:latin typeface="Times New Roman"/>
+                <a:ea typeface="+mn-ea"/>
+                <a:cs typeface="Times New Roman"/>
+              </a:rPr>
+              <a:t>Network Working Group,</a:t>
+            </a:r>
+            <a:r>
+              <a:rPr lang="en-US" sz="1000" b="0" u="none" kern="1200" baseline="0" dirty="0" smtClean="0">
+                <a:solidFill>
+                  <a:schemeClr val="tx1"/>
+                </a:solidFill>
+                <a:latin typeface="Times New Roman"/>
+                <a:ea typeface="+mn-ea"/>
+                <a:cs typeface="Times New Roman"/>
+              </a:rPr>
+              <a:t> </a:t>
+            </a:r>
+            <a:r>
+              <a:rPr lang="en-US" sz="1000" b="0" u="none" kern="1200" dirty="0" smtClean="0">
+                <a:solidFill>
+                  <a:schemeClr val="tx1"/>
+                </a:solidFill>
+                <a:latin typeface="Times New Roman"/>
+                <a:ea typeface="+mn-ea"/>
+                <a:cs typeface="Times New Roman"/>
+              </a:rPr>
+              <a:t>Internet-Draft, 13 Mai</a:t>
+            </a:r>
+            <a:r>
+              <a:rPr lang="en-US" sz="1000" b="0" u="none" kern="1200" baseline="0" dirty="0" smtClean="0">
+                <a:solidFill>
+                  <a:schemeClr val="tx1"/>
+                </a:solidFill>
+                <a:latin typeface="Times New Roman"/>
+                <a:ea typeface="+mn-ea"/>
+                <a:cs typeface="Times New Roman"/>
+              </a:rPr>
+              <a:t> </a:t>
+            </a:r>
+            <a:r>
+              <a:rPr lang="en-US" sz="1000" b="0" u="none" kern="1200" dirty="0" smtClean="0">
+                <a:solidFill>
+                  <a:schemeClr val="tx1"/>
+                </a:solidFill>
+                <a:latin typeface="Times New Roman"/>
+                <a:ea typeface="+mn-ea"/>
+                <a:cs typeface="Times New Roman"/>
+              </a:rPr>
+              <a:t>2009</a:t>
+            </a:r>
+          </a:p>
+          <a:p>
+            <a:pPr algn="l"/>
+            <a:endParaRPr lang="en-US" sz="1000" b="0" u="none" kern="1200" dirty="0" smtClean="0">
+              <a:solidFill>
+                <a:schemeClr val="tx1"/>
+              </a:solidFill>
+              <a:latin typeface="Times New Roman"/>
+              <a:ea typeface="+mn-ea"/>
+              <a:cs typeface="Times New Roman"/>
+            </a:endParaRPr>
+          </a:p>
+          <a:p>
+            <a:pPr algn="l"/>
+            <a:r>
+              <a:rPr lang="en-US" sz="1000" b="0" u="none" kern="1200" dirty="0" smtClean="0">
+                <a:solidFill>
+                  <a:schemeClr val="tx1"/>
+                </a:solidFill>
+                <a:latin typeface="Times New Roman"/>
+                <a:ea typeface="+mn-ea"/>
+                <a:cs typeface="Times New Roman"/>
+              </a:rPr>
+              <a:t>V. </a:t>
+            </a:r>
+            <a:r>
+              <a:rPr lang="en-US" sz="1000" b="0" u="none" kern="1200" dirty="0" err="1" smtClean="0">
+                <a:solidFill>
+                  <a:schemeClr val="tx1"/>
+                </a:solidFill>
+                <a:latin typeface="Times New Roman"/>
+                <a:ea typeface="+mn-ea"/>
+                <a:cs typeface="Times New Roman"/>
+              </a:rPr>
+              <a:t>Cridlig</a:t>
+            </a:r>
+            <a:r>
+              <a:rPr lang="en-US" sz="1000" b="0" u="none" kern="1200" dirty="0" smtClean="0">
+                <a:solidFill>
+                  <a:schemeClr val="tx1"/>
+                </a:solidFill>
+                <a:latin typeface="Times New Roman"/>
+                <a:ea typeface="+mn-ea"/>
+                <a:cs typeface="Times New Roman"/>
+              </a:rPr>
+              <a:t>;</a:t>
+            </a:r>
+            <a:r>
+              <a:rPr lang="en-US" sz="1000" b="0" u="none" kern="1200" baseline="0" dirty="0" smtClean="0">
+                <a:solidFill>
+                  <a:schemeClr val="tx1"/>
+                </a:solidFill>
+                <a:latin typeface="Times New Roman"/>
+                <a:ea typeface="+mn-ea"/>
+                <a:cs typeface="Times New Roman"/>
+              </a:rPr>
+              <a:t> R. State</a:t>
+            </a:r>
+          </a:p>
+          <a:p>
+            <a:pPr algn="l"/>
+            <a:r>
+              <a:rPr lang="en-US" sz="1000" b="0" u="none" kern="1200" baseline="0" dirty="0" err="1" smtClean="0">
+                <a:solidFill>
+                  <a:schemeClr val="tx1"/>
+                </a:solidFill>
+                <a:latin typeface="Times New Roman"/>
+                <a:ea typeface="+mn-ea"/>
+                <a:cs typeface="Times New Roman"/>
+              </a:rPr>
+              <a:t>YencaP</a:t>
+            </a:r>
+            <a:r>
+              <a:rPr lang="en-US" sz="1000" b="0" u="none" kern="1200" baseline="0" dirty="0" smtClean="0">
+                <a:solidFill>
+                  <a:schemeClr val="tx1"/>
+                </a:solidFill>
+                <a:latin typeface="Times New Roman"/>
+                <a:ea typeface="+mn-ea"/>
+                <a:cs typeface="Times New Roman"/>
+              </a:rPr>
+              <a:t> Documentation</a:t>
+            </a:r>
+          </a:p>
+          <a:p>
+            <a:pPr algn="l"/>
+            <a:r>
+              <a:rPr lang="en-US" sz="1000" b="0" u="none" kern="1200" baseline="0" dirty="0" smtClean="0">
+                <a:solidFill>
+                  <a:schemeClr val="tx1"/>
+                </a:solidFill>
+                <a:latin typeface="Times New Roman"/>
+                <a:ea typeface="+mn-ea"/>
+                <a:cs typeface="Times New Roman"/>
+              </a:rPr>
+              <a:t>Technical Report, 2005, 25 Pages,</a:t>
+            </a:r>
+            <a:r>
+              <a:rPr lang="fr-FR" sz="1200" kern="1200" dirty="0" smtClean="0">
+                <a:solidFill>
+                  <a:schemeClr val="tx1"/>
+                </a:solidFill>
+                <a:latin typeface="+mn-lt"/>
+                <a:ea typeface="+mn-ea"/>
+                <a:cs typeface="+mn-cs"/>
+              </a:rPr>
+              <a:t>http://hal.inria.fr/inria-00000804/fr</a:t>
+            </a:r>
+            <a:endParaRPr lang="en-US" sz="1000" b="0" u="none" kern="1200" dirty="0" smtClean="0">
+              <a:solidFill>
+                <a:schemeClr val="tx1"/>
+              </a:solidFill>
+              <a:latin typeface="Times New Roman"/>
+              <a:ea typeface="+mn-ea"/>
+              <a:cs typeface="Times New Roman"/>
+            </a:endParaRPr>
+          </a:p>
+          <a:p>
+            <a:pPr algn="l"/>
+            <a:endParaRPr lang="en-US" sz="1200" b="0" u="none" kern="1200" dirty="0" smtClean="0">
+              <a:solidFill>
+                <a:schemeClr val="tx1"/>
+              </a:solidFill>
+              <a:latin typeface="Times New Roman"/>
+              <a:ea typeface="+mn-ea"/>
+              <a:cs typeface="Times New Roman"/>
+            </a:endParaRPr>
+          </a:p>
+          <a:p>
+            <a:pPr algn="l"/>
+            <a:endParaRPr lang="en-US" sz="1200" b="0" u="none" kern="1200" dirty="0" smtClean="0">
+              <a:solidFill>
+                <a:schemeClr val="tx1"/>
+              </a:solidFill>
+              <a:latin typeface="Times New Roman"/>
+              <a:ea typeface="+mn-ea"/>
+              <a:cs typeface="Times New Roman"/>
+            </a:endParaRPr>
+          </a:p>
+          <a:p>
+            <a:pPr algn="l"/>
+            <a:endParaRPr lang="en-US" sz="1200" b="0" i="0" u="none" strike="noStrike" kern="1200" cap="none" baseline="0" noProof="0" dirty="0" smtClean="0">
+              <a:solidFill>
+                <a:schemeClr val="tx1"/>
+              </a:solidFill>
+              <a:latin typeface="Times New Roman"/>
+              <a:ea typeface="+mn-ea"/>
+              <a:cs typeface="Times New Roman"/>
+            </a:endParaRPr>
+          </a:p>
+          <a:p>
+            <a:pPr algn="l"/>
+            <a:endParaRPr lang="en-US" sz="1200" b="0" i="0" u="none" kern="1200" dirty="0" smtClean="0">
+              <a:solidFill>
+                <a:schemeClr val="tx1"/>
+              </a:solidFill>
+              <a:latin typeface="Times New Roman"/>
+              <a:ea typeface="+mn-ea"/>
+              <a:cs typeface="Times New Roman"/>
+            </a:endParaRPr>
+          </a:p>
+          <a:p>
+            <a:pPr algn="just"/>
+            <a:endParaRPr lang="fr-FR" sz="1200" b="0" i="0" u="none" kern="1200" baseline="0" noProof="0" dirty="0" smtClean="0">
+              <a:solidFill>
+                <a:schemeClr val="tx1"/>
+              </a:solidFill>
+              <a:latin typeface="Times New Roman"/>
+              <a:ea typeface="+mn-ea"/>
+              <a:cs typeface="Times New Roman"/>
+            </a:endParaRPr>
+          </a:p>
+          <a:p>
+            <a:pPr algn="just"/>
+            <a:endParaRPr lang="en-US" sz="1000" b="0" i="0" u="none" baseline="0" noProof="0" dirty="0" smtClean="0">
+              <a:solidFill>
+                <a:schemeClr val="tx1"/>
+              </a:solidFill>
+              <a:latin typeface="Times New Roman"/>
+              <a:cs typeface="Times New Roman"/>
+            </a:endParaRPr>
           </a:p>
           <a:p>
             <a:pPr algn="just"/>
@@ -5502,7 +5781,7 @@
             <a:fld id="{BB659F3D-3525-E94A-AEAA-F60706E9BB40}" type="datetimeFigureOut">
               <a:rPr lang="fr-FR" smtClean="0"/>
               <a:pPr/>
-              <a:t>24/08/09</a:t>
+              <a:t>31/08/09</a:t>
             </a:fld>
             <a:endParaRPr lang="fr-FR"/>
           </a:p>
@@ -5669,7 +5948,7 @@
             <a:fld id="{BB659F3D-3525-E94A-AEAA-F60706E9BB40}" type="datetimeFigureOut">
               <a:rPr lang="fr-FR" smtClean="0"/>
               <a:pPr/>
-              <a:t>24/08/09</a:t>
+              <a:t>31/08/09</a:t>
             </a:fld>
             <a:endParaRPr lang="fr-FR"/>
           </a:p>
@@ -5846,7 +6125,7 @@
             <a:fld id="{BB659F3D-3525-E94A-AEAA-F60706E9BB40}" type="datetimeFigureOut">
               <a:rPr lang="fr-FR" smtClean="0"/>
               <a:pPr/>
-              <a:t>24/08/09</a:t>
+              <a:t>31/08/09</a:t>
             </a:fld>
             <a:endParaRPr lang="fr-FR"/>
           </a:p>
@@ -6013,7 +6292,7 @@
             <a:fld id="{BB659F3D-3525-E94A-AEAA-F60706E9BB40}" type="datetimeFigureOut">
               <a:rPr lang="fr-FR" smtClean="0"/>
               <a:pPr/>
-              <a:t>24/08/09</a:t>
+              <a:t>31/08/09</a:t>
             </a:fld>
             <a:endParaRPr lang="fr-FR"/>
           </a:p>
@@ -6256,7 +6535,7 @@
             <a:fld id="{BB659F3D-3525-E94A-AEAA-F60706E9BB40}" type="datetimeFigureOut">
               <a:rPr lang="fr-FR" smtClean="0"/>
               <a:pPr/>
-              <a:t>24/08/09</a:t>
+              <a:t>31/08/09</a:t>
             </a:fld>
             <a:endParaRPr lang="fr-FR"/>
           </a:p>
@@ -6541,7 +6820,7 @@
             <a:fld id="{BB659F3D-3525-E94A-AEAA-F60706E9BB40}" type="datetimeFigureOut">
               <a:rPr lang="fr-FR" smtClean="0"/>
               <a:pPr/>
-              <a:t>24/08/09</a:t>
+              <a:t>31/08/09</a:t>
             </a:fld>
             <a:endParaRPr lang="fr-FR"/>
           </a:p>
@@ -6960,7 +7239,7 @@
             <a:fld id="{BB659F3D-3525-E94A-AEAA-F60706E9BB40}" type="datetimeFigureOut">
               <a:rPr lang="fr-FR" smtClean="0"/>
               <a:pPr/>
-              <a:t>24/08/09</a:t>
+              <a:t>31/08/09</a:t>
             </a:fld>
             <a:endParaRPr lang="fr-FR"/>
           </a:p>
@@ -7075,7 +7354,7 @@
             <a:fld id="{BB659F3D-3525-E94A-AEAA-F60706E9BB40}" type="datetimeFigureOut">
               <a:rPr lang="fr-FR" smtClean="0"/>
               <a:pPr/>
-              <a:t>24/08/09</a:t>
+              <a:t>31/08/09</a:t>
             </a:fld>
             <a:endParaRPr lang="fr-FR"/>
           </a:p>
@@ -7167,7 +7446,7 @@
             <a:fld id="{BB659F3D-3525-E94A-AEAA-F60706E9BB40}" type="datetimeFigureOut">
               <a:rPr lang="fr-FR" smtClean="0"/>
               <a:pPr/>
-              <a:t>24/08/09</a:t>
+              <a:t>31/08/09</a:t>
             </a:fld>
             <a:endParaRPr lang="fr-FR"/>
           </a:p>
@@ -7441,7 +7720,7 @@
             <a:fld id="{BB659F3D-3525-E94A-AEAA-F60706E9BB40}" type="datetimeFigureOut">
               <a:rPr lang="fr-FR" smtClean="0"/>
               <a:pPr/>
-              <a:t>24/08/09</a:t>
+              <a:t>31/08/09</a:t>
             </a:fld>
             <a:endParaRPr lang="fr-FR"/>
           </a:p>
@@ -7691,7 +7970,7 @@
             <a:fld id="{BB659F3D-3525-E94A-AEAA-F60706E9BB40}" type="datetimeFigureOut">
               <a:rPr lang="fr-FR" smtClean="0"/>
               <a:pPr/>
-              <a:t>24/08/09</a:t>
+              <a:t>31/08/09</a:t>
             </a:fld>
             <a:endParaRPr lang="fr-FR"/>
           </a:p>
@@ -7901,7 +8180,7 @@
             <a:fld id="{BB659F3D-3525-E94A-AEAA-F60706E9BB40}" type="datetimeFigureOut">
               <a:rPr lang="fr-FR" smtClean="0"/>
               <a:pPr/>
-              <a:t>24/08/09</a:t>
+              <a:t>31/08/09</a:t>
             </a:fld>
             <a:endParaRPr lang="fr-FR"/>
           </a:p>
@@ -8293,15 +8572,7 @@
             </a:r>
             <a:r>
               <a:rPr lang="fr-FR" dirty="0" smtClean="0"/>
-              <a:t> </a:t>
-            </a:r>
-            <a:r>
-              <a:rPr lang="fr-FR" dirty="0" err="1" smtClean="0"/>
-              <a:t>browsing</a:t>
-            </a:r>
-            <a:r>
-              <a:rPr lang="fr-FR" dirty="0" smtClean="0"/>
-              <a:t> application</a:t>
+              <a:t>  Configuration application</a:t>
             </a:r>
             <a:endParaRPr lang="fr-FR" dirty="0"/>
           </a:p>
@@ -8446,7 +8717,7 @@
           <a:p>
             <a:pPr algn="ctr"/>
             <a:r>
-              <a:rPr lang="en-US" sz="1100" dirty="0" smtClean="0"/>
+              <a:rPr lang="fr-FR" sz="1100" dirty="0" smtClean="0"/>
               <a:t>NETCONF</a:t>
             </a:r>
             <a:endParaRPr lang="en-US" sz="1100" dirty="0"/>
@@ -8530,7 +8801,7 @@
           <a:p>
             <a:pPr algn="ctr"/>
             <a:r>
-              <a:rPr lang="en-US" sz="1100" dirty="0" smtClean="0"/>
+              <a:rPr lang="fr-FR" sz="1100" dirty="0" smtClean="0"/>
               <a:t>NETCONF</a:t>
             </a:r>
             <a:endParaRPr lang="en-US" sz="1100" dirty="0"/>
@@ -8564,8 +8835,8 @@
               <a:t>&lt;</a:t>
             </a:r>
             <a:r>
-              <a:rPr lang="en-US" sz="900" dirty="0" err="1" smtClean="0"/>
-              <a:t>netconf</a:t>
+              <a:rPr lang="fr-FR" sz="900" dirty="0" smtClean="0"/>
+              <a:t>NETCONF</a:t>
             </a:r>
             <a:r>
               <a:rPr lang="en-US" sz="900" dirty="0" smtClean="0"/>
@@ -8685,8 +8956,8 @@
               <a:t>&lt;/</a:t>
             </a:r>
             <a:r>
-              <a:rPr lang="en-US" sz="900" dirty="0" err="1" smtClean="0"/>
-              <a:t>netconf</a:t>
+              <a:rPr lang="fr-FR" sz="900" dirty="0" smtClean="0"/>
+              <a:t>NETCONF</a:t>
             </a:r>
             <a:r>
               <a:rPr lang="en-US" sz="900" dirty="0" smtClean="0"/>
@@ -8860,7 +9131,7 @@
           <a:p>
             <a:pPr algn="ctr"/>
             <a:r>
-              <a:rPr lang="en-US" sz="1100" dirty="0" smtClean="0"/>
+              <a:rPr lang="fr-FR" sz="1100" dirty="0" smtClean="0"/>
               <a:t>NETCONF</a:t>
             </a:r>
             <a:endParaRPr lang="en-US" sz="1100" dirty="0"/>
@@ -8902,7 +9173,7 @@
           <a:p>
             <a:pPr algn="ctr"/>
             <a:r>
-              <a:rPr lang="en-US" sz="1100" dirty="0" smtClean="0"/>
+              <a:rPr lang="fr-FR" sz="1100" dirty="0" smtClean="0"/>
               <a:t>NETCONF</a:t>
             </a:r>
             <a:endParaRPr lang="en-US" sz="1100" dirty="0"/>
@@ -8936,8 +9207,8 @@
               <a:t>&lt;</a:t>
             </a:r>
             <a:r>
-              <a:rPr lang="en-US" sz="900" dirty="0" err="1" smtClean="0"/>
-              <a:t>netconf</a:t>
+              <a:rPr lang="fr-FR" sz="900" dirty="0" smtClean="0"/>
+              <a:t>NETCONF</a:t>
             </a:r>
             <a:r>
               <a:rPr lang="en-US" sz="900" dirty="0" smtClean="0"/>
@@ -9057,8 +9328,8 @@
               <a:t>&lt;/</a:t>
             </a:r>
             <a:r>
-              <a:rPr lang="en-US" sz="900" dirty="0" err="1" smtClean="0"/>
-              <a:t>netconf</a:t>
+              <a:rPr lang="fr-FR" sz="900" dirty="0" smtClean="0"/>
+              <a:t>NETCONF</a:t>
             </a:r>
             <a:r>
               <a:rPr lang="en-US" sz="900" dirty="0" smtClean="0"/>
@@ -9406,7 +9677,7 @@
         <p:spPr>
           <a:xfrm>
             <a:off x="330200" y="5073134"/>
-            <a:ext cx="902811" cy="369332"/>
+            <a:ext cx="1083086" cy="369332"/>
           </a:xfrm>
           <a:prstGeom prst="rect">
             <a:avLst/>
@@ -9420,8 +9691,8 @@
           <a:lstStyle/>
           <a:p>
             <a:r>
-              <a:rPr lang="fr-FR" dirty="0" err="1" smtClean="0"/>
-              <a:t>netconf</a:t>
+              <a:rPr lang="fr-FR" dirty="0" smtClean="0"/>
+              <a:t>NETCONF</a:t>
             </a:r>
             <a:endParaRPr lang="fr-FR" dirty="0"/>
           </a:p>
@@ -12596,15 +12867,7 @@
           <a:p>
             <a:r>
               <a:rPr lang="fr-FR" sz="1000" dirty="0" smtClean="0"/>
-              <a:t>   &lt;</a:t>
-            </a:r>
-            <a:r>
-              <a:rPr lang="fr-FR" sz="1000" dirty="0" err="1" smtClean="0"/>
-              <a:t>netconf</a:t>
-            </a:r>
-            <a:r>
-              <a:rPr lang="fr-FR" sz="1000" dirty="0" smtClean="0"/>
-              <a:t>&gt;</a:t>
+              <a:t>   &lt;NETCONF&gt;</a:t>
             </a:r>
           </a:p>
           <a:p>
@@ -12636,15 +12899,7 @@
           <a:p>
             <a:r>
               <a:rPr lang="fr-FR" sz="1000" dirty="0" smtClean="0"/>
-              <a:t>   &lt;/</a:t>
-            </a:r>
-            <a:r>
-              <a:rPr lang="fr-FR" sz="1000" dirty="0" err="1" smtClean="0"/>
-              <a:t>netconf</a:t>
-            </a:r>
-            <a:r>
-              <a:rPr lang="fr-FR" sz="1000" dirty="0" smtClean="0"/>
-              <a:t>&gt;</a:t>
+              <a:t>   &lt;/NETCONF&gt;</a:t>
             </a:r>
           </a:p>
           <a:p>
@@ -14203,11 +14458,51 @@
           <a:p>
             <a:r>
               <a:rPr lang="fr-FR" sz="1000" dirty="0" smtClean="0"/>
-              <a:t>   &lt;</a:t>
+              <a:t>   &lt;NETCONF&gt;</a:t>
+            </a:r>
+          </a:p>
+          <a:p>
+            <a:r>
+              <a:rPr lang="fr-FR" sz="1000" dirty="0" smtClean="0"/>
+              <a:t>      &lt;network&gt;</a:t>
+            </a:r>
+          </a:p>
+          <a:p>
+            <a:r>
+              <a:rPr lang="fr-FR" sz="1000" dirty="0" smtClean="0"/>
+              <a:t>	</a:t>
+            </a:r>
+            <a:r>
+              <a:rPr lang="fr-FR" sz="1000" dirty="0"/>
+              <a:t>&lt;</a:t>
+            </a:r>
+            <a:r>
+              <a:rPr lang="fr-FR" sz="1000" dirty="0" smtClean="0"/>
+              <a:t>interfaces&gt;</a:t>
+            </a:r>
+          </a:p>
+          <a:p>
+            <a:r>
+              <a:rPr lang="fr-FR" sz="1000" dirty="0" smtClean="0"/>
+              <a:t>	    &lt;interface&gt;</a:t>
+            </a:r>
+          </a:p>
+          <a:p>
+            <a:r>
+              <a:rPr lang="fr-FR" sz="1000" dirty="0" smtClean="0"/>
+              <a:t>                        &lt;</a:t>
             </a:r>
             <a:r>
               <a:rPr lang="fr-FR" sz="1000" dirty="0" err="1" smtClean="0"/>
-              <a:t>netconf</a:t>
+              <a:t>name</a:t>
+            </a:r>
+            <a:r>
+              <a:rPr lang="fr-FR" sz="1000" dirty="0" smtClean="0"/>
+              <a:t>&gt;lan0&lt;/</a:t>
+            </a:r>
+            <a:r>
+              <a:rPr lang="fr-FR" sz="1000" dirty="0" err="1" smtClean="0"/>
+              <a:t>name</a:t>
             </a:r>
             <a:r>
               <a:rPr lang="fr-FR" sz="1000" dirty="0" smtClean="0"/>
@@ -14217,54 +14512,6 @@
           <a:p>
             <a:r>
               <a:rPr lang="fr-FR" sz="1000" dirty="0" smtClean="0"/>
-              <a:t>      &lt;network&gt;</a:t>
-            </a:r>
-          </a:p>
-          <a:p>
-            <a:r>
-              <a:rPr lang="fr-FR" sz="1000" dirty="0" smtClean="0"/>
-              <a:t>	</a:t>
-            </a:r>
-            <a:r>
-              <a:rPr lang="fr-FR" sz="1000" dirty="0"/>
-              <a:t>&lt;</a:t>
-            </a:r>
-            <a:r>
-              <a:rPr lang="fr-FR" sz="1000" dirty="0" smtClean="0"/>
-              <a:t>interfaces&gt;</a:t>
-            </a:r>
-          </a:p>
-          <a:p>
-            <a:r>
-              <a:rPr lang="fr-FR" sz="1000" dirty="0" smtClean="0"/>
-              <a:t>	    &lt;interface&gt;</a:t>
-            </a:r>
-          </a:p>
-          <a:p>
-            <a:r>
-              <a:rPr lang="fr-FR" sz="1000" dirty="0" smtClean="0"/>
-              <a:t>                        &lt;</a:t>
-            </a:r>
-            <a:r>
-              <a:rPr lang="fr-FR" sz="1000" dirty="0" err="1" smtClean="0"/>
-              <a:t>name</a:t>
-            </a:r>
-            <a:r>
-              <a:rPr lang="fr-FR" sz="1000" dirty="0" smtClean="0"/>
-              <a:t>&gt;lan0&lt;/</a:t>
-            </a:r>
-            <a:r>
-              <a:rPr lang="fr-FR" sz="1000" dirty="0" err="1" smtClean="0"/>
-              <a:t>name</a:t>
-            </a:r>
-            <a:r>
-              <a:rPr lang="fr-FR" sz="1000" dirty="0" smtClean="0"/>
-              <a:t>&gt;</a:t>
-            </a:r>
-          </a:p>
-          <a:p>
-            <a:r>
-              <a:rPr lang="fr-FR" sz="1000" dirty="0" smtClean="0"/>
               <a:t>                   &lt;/interface&gt;</a:t>
             </a:r>
           </a:p>
@@ -14283,15 +14530,7 @@
           <a:p>
             <a:r>
               <a:rPr lang="fr-FR" sz="1000" dirty="0" smtClean="0"/>
-              <a:t>   &lt;/</a:t>
-            </a:r>
-            <a:r>
-              <a:rPr lang="fr-FR" sz="1000" dirty="0" err="1" smtClean="0"/>
-              <a:t>netconf</a:t>
-            </a:r>
-            <a:r>
-              <a:rPr lang="fr-FR" sz="1000" dirty="0" smtClean="0"/>
-              <a:t>&gt;</a:t>
+              <a:t>   &lt;/NETCONF&gt;</a:t>
             </a:r>
           </a:p>
           <a:p>
@@ -16022,8 +16261,8 @@
           <a:p>
             <a:pPr algn="ctr"/>
             <a:r>
-              <a:rPr lang="en-US" dirty="0" err="1" smtClean="0"/>
-              <a:t>netconf</a:t>
+              <a:rPr lang="fr-FR" dirty="0" smtClean="0"/>
+              <a:t>NETCONF</a:t>
             </a:r>
             <a:endParaRPr lang="en-US" dirty="0"/>
           </a:p>
@@ -16149,7 +16388,7 @@
       </p:grpSpPr>
       <p:pic>
         <p:nvPicPr>
-          <p:cNvPr id="4" name="Image 3" descr="workstation-Vista-256x256.png"/>
+          <p:cNvPr id="56" name="Image 55" descr="workstation-Vista-256x256.png"/>
           <p:cNvPicPr>
             <a:picLocks noChangeAspect="1"/>
           </p:cNvPicPr>
@@ -16171,15 +16410,65 @@
           </a:prstGeom>
         </p:spPr>
       </p:pic>
+      <p:pic>
+        <p:nvPicPr>
+          <p:cNvPr id="57" name="Image 56" descr="black-server-128x128.png"/>
+          <p:cNvPicPr>
+            <a:picLocks noChangeAspect="1"/>
+          </p:cNvPicPr>
+          <p:nvPr/>
+        </p:nvPicPr>
+        <p:blipFill>
+          <a:blip r:embed="rId4"/>
+          <a:stretch>
+            <a:fillRect/>
+          </a:stretch>
+        </p:blipFill>
+        <p:spPr>
+          <a:xfrm flipH="1">
+            <a:off x="4885951" y="838200"/>
+            <a:ext cx="1991423" cy="1971992"/>
+          </a:xfrm>
+          <a:prstGeom prst="rect">
+            <a:avLst/>
+          </a:prstGeom>
+          <a:effectLst/>
+        </p:spPr>
+      </p:pic>
+      <p:pic>
+        <p:nvPicPr>
+          <p:cNvPr id="58" name="Image 57" descr="black-server-128x128.png"/>
+          <p:cNvPicPr>
+            <a:picLocks noChangeAspect="1"/>
+          </p:cNvPicPr>
+          <p:nvPr/>
+        </p:nvPicPr>
+        <p:blipFill>
+          <a:blip r:embed="rId4"/>
+          <a:stretch>
+            <a:fillRect/>
+          </a:stretch>
+        </p:blipFill>
+        <p:spPr>
+          <a:xfrm flipH="1">
+            <a:off x="6877374" y="3549271"/>
+            <a:ext cx="1991423" cy="1971992"/>
+          </a:xfrm>
+          <a:prstGeom prst="rect">
+            <a:avLst/>
+          </a:prstGeom>
+          <a:effectLst/>
+        </p:spPr>
+      </p:pic>
       <p:grpSp>
         <p:nvGrpSpPr>
-          <p:cNvPr id="5" name="Grouper 4"/>
+          <p:cNvPr id="59" name="Grouper 58"/>
           <p:cNvGrpSpPr/>
           <p:nvPr/>
         </p:nvGrpSpPr>
         <p:grpSpPr>
           <a:xfrm>
-            <a:off x="4688481" y="3605389"/>
+            <a:off x="8153400" y="838200"/>
             <a:ext cx="1567431" cy="1915874"/>
             <a:chOff x="6038850" y="2959100"/>
             <a:chExt cx="3251200" cy="3160474"/>
@@ -16188,14 +16477,14 @@
         </p:grpSpPr>
         <p:pic>
           <p:nvPicPr>
-            <p:cNvPr id="6" name="Image 5" descr="wifi-modem-Vista-256x256.png"/>
+            <p:cNvPr id="60" name="Image 59" descr="wifi-modem-Vista-256x256.png"/>
             <p:cNvPicPr>
               <a:picLocks noChangeAspect="1"/>
             </p:cNvPicPr>
             <p:nvPr/>
           </p:nvPicPr>
           <p:blipFill>
-            <a:blip r:embed="rId4"/>
+            <a:blip r:embed="rId5"/>
             <a:srcRect l="54128" r="40110" b="61719"/>
             <a:stretch>
               <a:fillRect/>
@@ -16213,14 +16502,14 @@
         </p:pic>
         <p:pic>
           <p:nvPicPr>
-            <p:cNvPr id="7" name="Image 6" descr="wifi-modem-Vista-256x256.png"/>
+            <p:cNvPr id="61" name="Image 60" descr="wifi-modem-Vista-256x256.png"/>
             <p:cNvPicPr>
               <a:picLocks noChangeAspect="1"/>
             </p:cNvPicPr>
             <p:nvPr/>
           </p:nvPicPr>
           <p:blipFill>
-            <a:blip r:embed="rId4"/>
+            <a:blip r:embed="rId5"/>
             <a:srcRect l="54128" r="40110" b="61719"/>
             <a:stretch>
               <a:fillRect/>
@@ -16238,14 +16527,14 @@
         </p:pic>
         <p:pic>
           <p:nvPicPr>
-            <p:cNvPr id="8" name="Image 7" descr="wifi-modem-Vista-256x256.png"/>
+            <p:cNvPr id="62" name="Image 61" descr="wifi-modem-Vista-256x256.png"/>
             <p:cNvPicPr>
               <a:picLocks noChangeAspect="1"/>
             </p:cNvPicPr>
             <p:nvPr/>
           </p:nvPicPr>
           <p:blipFill>
-            <a:blip r:embed="rId4"/>
+            <a:blip r:embed="rId5"/>
             <a:srcRect t="33594"/>
             <a:stretch>
               <a:fillRect/>
@@ -16263,7 +16552,7 @@
         </p:pic>
         <p:sp>
           <p:nvSpPr>
-            <p:cNvPr id="9" name="Rectangle 8"/>
+            <p:cNvPr id="63" name="Rectangle 62"/>
             <p:cNvSpPr/>
             <p:nvPr/>
           </p:nvSpPr>
@@ -16309,204 +16598,16 @@
           </p:txBody>
         </p:sp>
       </p:grpSp>
-      <p:pic>
-        <p:nvPicPr>
-          <p:cNvPr id="10" name="Image 9" descr="black-server-128x128.png"/>
-          <p:cNvPicPr>
-            <a:picLocks noChangeAspect="1"/>
-          </p:cNvPicPr>
-          <p:nvPr/>
-        </p:nvPicPr>
-        <p:blipFill>
-          <a:blip r:embed="rId5"/>
-          <a:stretch>
-            <a:fillRect/>
-          </a:stretch>
-        </p:blipFill>
-        <p:spPr>
-          <a:xfrm flipH="1">
-            <a:off x="4885951" y="838200"/>
-            <a:ext cx="1991423" cy="1971992"/>
-          </a:xfrm>
-          <a:prstGeom prst="rect">
-            <a:avLst/>
-          </a:prstGeom>
-          <a:effectLst/>
-        </p:spPr>
-      </p:pic>
-      <p:pic>
-        <p:nvPicPr>
-          <p:cNvPr id="11" name="Image 10" descr="black-server-128x128.png"/>
-          <p:cNvPicPr>
-            <a:picLocks noChangeAspect="1"/>
-          </p:cNvPicPr>
-          <p:nvPr/>
-        </p:nvPicPr>
-        <p:blipFill>
-          <a:blip r:embed="rId5"/>
-          <a:stretch>
-            <a:fillRect/>
-          </a:stretch>
-        </p:blipFill>
-        <p:spPr>
-          <a:xfrm flipH="1">
-            <a:off x="6877374" y="3549271"/>
-            <a:ext cx="1991423" cy="1971992"/>
-          </a:xfrm>
-          <a:prstGeom prst="rect">
-            <a:avLst/>
-          </a:prstGeom>
-          <a:effectLst/>
-        </p:spPr>
-      </p:pic>
-      <p:grpSp>
-        <p:nvGrpSpPr>
-          <p:cNvPr id="12" name="Grouper 11"/>
-          <p:cNvGrpSpPr/>
-          <p:nvPr/>
-        </p:nvGrpSpPr>
-        <p:grpSpPr>
-          <a:xfrm>
-            <a:off x="8153400" y="838200"/>
-            <a:ext cx="1567431" cy="1915874"/>
-            <a:chOff x="6038850" y="2959100"/>
-            <a:chExt cx="3251200" cy="3160474"/>
-          </a:xfrm>
-          <a:effectLst/>
-        </p:grpSpPr>
-        <p:pic>
-          <p:nvPicPr>
-            <p:cNvPr id="13" name="Image 12" descr="wifi-modem-Vista-256x256.png"/>
-            <p:cNvPicPr>
-              <a:picLocks noChangeAspect="1"/>
-            </p:cNvPicPr>
-            <p:nvPr/>
-          </p:nvPicPr>
-          <p:blipFill>
-            <a:blip r:embed="rId4"/>
-            <a:srcRect l="54128" r="40110" b="61719"/>
-            <a:stretch>
-              <a:fillRect/>
-            </a:stretch>
-          </p:blipFill>
-          <p:spPr>
-            <a:xfrm>
-              <a:off x="8915400" y="3338274"/>
-              <a:ext cx="187325" cy="1244600"/>
-            </a:xfrm>
-            <a:prstGeom prst="rect">
-              <a:avLst/>
-            </a:prstGeom>
-          </p:spPr>
-        </p:pic>
-        <p:pic>
-          <p:nvPicPr>
-            <p:cNvPr id="14" name="Image 13" descr="wifi-modem-Vista-256x256.png"/>
-            <p:cNvPicPr>
-              <a:picLocks noChangeAspect="1"/>
-            </p:cNvPicPr>
-            <p:nvPr/>
-          </p:nvPicPr>
-          <p:blipFill>
-            <a:blip r:embed="rId4"/>
-            <a:srcRect l="54128" r="40110" b="61719"/>
-            <a:stretch>
-              <a:fillRect/>
-            </a:stretch>
-          </p:blipFill>
-          <p:spPr>
-            <a:xfrm>
-              <a:off x="8270875" y="2959100"/>
-              <a:ext cx="187325" cy="1244600"/>
-            </a:xfrm>
-            <a:prstGeom prst="rect">
-              <a:avLst/>
-            </a:prstGeom>
-          </p:spPr>
-        </p:pic>
-        <p:pic>
-          <p:nvPicPr>
-            <p:cNvPr id="15" name="Image 14" descr="wifi-modem-Vista-256x256.png"/>
-            <p:cNvPicPr>
-              <a:picLocks noChangeAspect="1"/>
-            </p:cNvPicPr>
-            <p:nvPr/>
-          </p:nvPicPr>
-          <p:blipFill>
-            <a:blip r:embed="rId4"/>
-            <a:srcRect t="33594"/>
-            <a:stretch>
-              <a:fillRect/>
-            </a:stretch>
-          </p:blipFill>
-          <p:spPr>
-            <a:xfrm>
-              <a:off x="6038850" y="3960574"/>
-              <a:ext cx="3251200" cy="2159000"/>
-            </a:xfrm>
-            <a:prstGeom prst="rect">
-              <a:avLst/>
-            </a:prstGeom>
-          </p:spPr>
-        </p:pic>
-        <p:sp>
-          <p:nvSpPr>
-            <p:cNvPr id="16" name="Rectangle 15"/>
-            <p:cNvSpPr/>
-            <p:nvPr/>
-          </p:nvSpPr>
-          <p:spPr>
-            <a:xfrm rot="20331376">
-              <a:off x="7565586" y="3808173"/>
-              <a:ext cx="500771" cy="304800"/>
-            </a:xfrm>
-            <a:prstGeom prst="rect">
-              <a:avLst/>
-            </a:prstGeom>
-            <a:solidFill>
-              <a:schemeClr val="bg1"/>
-            </a:solidFill>
-            <a:ln>
-              <a:solidFill>
-                <a:schemeClr val="bg1"/>
-              </a:solidFill>
-            </a:ln>
-            <a:effectLst/>
-          </p:spPr>
-          <p:style>
-            <a:lnRef idx="1">
-              <a:schemeClr val="accent1"/>
-            </a:lnRef>
-            <a:fillRef idx="3">
-              <a:schemeClr val="accent1"/>
-            </a:fillRef>
-            <a:effectRef idx="2">
-              <a:schemeClr val="accent1"/>
-            </a:effectRef>
-            <a:fontRef idx="minor">
-              <a:schemeClr val="lt1"/>
-            </a:fontRef>
-          </p:style>
-          <p:txBody>
-            <a:bodyPr rtlCol="0" anchor="ctr"/>
-            <a:lstStyle/>
-            <a:p>
-              <a:pPr algn="ctr"/>
-              <a:endParaRPr lang="fr-FR"/>
-            </a:p>
-          </p:txBody>
-        </p:sp>
-      </p:grpSp>
       <p:sp>
         <p:nvSpPr>
-          <p:cNvPr id="17" name="ZoneTexte 16"/>
+          <p:cNvPr id="64" name="ZoneTexte 63"/>
           <p:cNvSpPr txBox="1"/>
           <p:nvPr/>
         </p:nvSpPr>
         <p:spPr>
           <a:xfrm>
             <a:off x="7120468" y="318700"/>
-            <a:ext cx="2035608" cy="646331"/>
+            <a:ext cx="2189121" cy="646331"/>
           </a:xfrm>
           <a:prstGeom prst="rect">
             <a:avLst/>
@@ -16525,11 +16626,7 @@
             </a:r>
             <a:r>
               <a:rPr lang="fr-FR" dirty="0" err="1" smtClean="0"/>
-              <a:t>d</a:t>
-            </a:r>
-            <a:r>
-              <a:rPr lang="fr-FR" dirty="0" err="1" smtClean="0"/>
-              <a:t>evices</a:t>
+              <a:t>devices</a:t>
             </a:r>
             <a:r>
               <a:rPr lang="fr-FR" dirty="0" smtClean="0"/>
@@ -16543,15 +16640,7 @@
             </a:r>
             <a:r>
               <a:rPr lang="fr-FR" dirty="0" smtClean="0"/>
-              <a:t> </a:t>
-            </a:r>
-            <a:r>
-              <a:rPr lang="fr-FR" dirty="0" err="1" smtClean="0"/>
-              <a:t>Netconf</a:t>
-            </a:r>
-            <a:r>
-              <a:rPr lang="fr-FR" dirty="0" smtClean="0"/>
-              <a:t> server</a:t>
+              <a:t> NETCONF server</a:t>
             </a:r>
             <a:endParaRPr lang="fr-FR" dirty="0"/>
           </a:p>
@@ -16559,7 +16648,7 @@
       </p:sp>
       <p:sp>
         <p:nvSpPr>
-          <p:cNvPr id="18" name="Carré corné 17"/>
+          <p:cNvPr id="65" name="Carré corné 64"/>
           <p:cNvSpPr/>
           <p:nvPr/>
         </p:nvSpPr>
@@ -16593,7 +16682,14 @@
             <a:pPr algn="ctr"/>
             <a:r>
               <a:rPr lang="fr-FR" dirty="0" smtClean="0"/>
-              <a:t>Information model</a:t>
+              <a:t>Data Model</a:t>
+            </a:r>
+          </a:p>
+          <a:p>
+            <a:pPr algn="ctr"/>
+            <a:r>
+              <a:rPr lang="fr-FR" dirty="0" smtClean="0"/>
+              <a:t>Server</a:t>
             </a:r>
             <a:endParaRPr lang="fr-FR" dirty="0"/>
           </a:p>
@@ -16601,7 +16697,7 @@
       </p:sp>
       <p:sp>
         <p:nvSpPr>
-          <p:cNvPr id="22" name="ZoneTexte 21"/>
+          <p:cNvPr id="66" name="ZoneTexte 65"/>
           <p:cNvSpPr txBox="1"/>
           <p:nvPr/>
         </p:nvSpPr>
@@ -16631,14 +16727,14 @@
       </p:sp>
       <p:cxnSp>
         <p:nvCxnSpPr>
-          <p:cNvPr id="24" name="Connecteur droit avec flèche 23"/>
+          <p:cNvPr id="67" name="Connecteur droit avec flèche 66"/>
           <p:cNvCxnSpPr/>
           <p:nvPr/>
         </p:nvCxnSpPr>
         <p:spPr>
           <a:xfrm>
             <a:off x="3344797" y="3383239"/>
-            <a:ext cx="1817935" cy="1588"/>
+            <a:ext cx="2730493" cy="1588"/>
           </a:xfrm>
           <a:prstGeom prst="straightConnector1">
             <a:avLst/>
@@ -16665,13 +16761,13 @@
       </p:cxnSp>
       <p:sp>
         <p:nvSpPr>
-          <p:cNvPr id="25" name="ZoneTexte 24"/>
+          <p:cNvPr id="68" name="ZoneTexte 67"/>
           <p:cNvSpPr txBox="1"/>
           <p:nvPr/>
         </p:nvSpPr>
         <p:spPr>
           <a:xfrm>
-            <a:off x="3712221" y="3015495"/>
+            <a:off x="4114800" y="3013907"/>
             <a:ext cx="1083086" cy="369332"/>
           </a:xfrm>
           <a:prstGeom prst="rect">
@@ -16686,7 +16782,7 @@
           <a:lstStyle/>
           <a:p>
             <a:r>
-              <a:rPr lang="en-US" dirty="0" smtClean="0"/>
+              <a:rPr lang="fr-FR" dirty="0" smtClean="0"/>
               <a:t>NETCONF</a:t>
             </a:r>
             <a:endParaRPr lang="en-US" dirty="0"/>
@@ -16695,7 +16791,7 @@
       </p:sp>
       <p:sp>
         <p:nvSpPr>
-          <p:cNvPr id="26" name="Carré corné 25"/>
+          <p:cNvPr id="69" name="Carré corné 68"/>
           <p:cNvSpPr/>
           <p:nvPr/>
         </p:nvSpPr>
@@ -16729,7 +16825,14 @@
             <a:pPr algn="ctr"/>
             <a:r>
               <a:rPr lang="fr-FR" dirty="0" smtClean="0"/>
-              <a:t>Information model</a:t>
+              <a:t>Data Model</a:t>
+            </a:r>
+          </a:p>
+          <a:p>
+            <a:pPr algn="ctr"/>
+            <a:r>
+              <a:rPr lang="fr-FR" dirty="0" smtClean="0"/>
+              <a:t>Router</a:t>
             </a:r>
             <a:endParaRPr lang="fr-FR" dirty="0"/>
           </a:p>
@@ -16737,13 +16840,13 @@
       </p:sp>
       <p:sp>
         <p:nvSpPr>
-          <p:cNvPr id="27" name="Carré corné 26"/>
+          <p:cNvPr id="70" name="Carré corné 69"/>
           <p:cNvSpPr/>
           <p:nvPr/>
         </p:nvSpPr>
         <p:spPr>
           <a:xfrm>
-            <a:off x="5162732" y="5521263"/>
+            <a:off x="7929321" y="4731283"/>
             <a:ext cx="1390468" cy="942380"/>
           </a:xfrm>
           <a:prstGeom prst="foldedCorner">
@@ -16771,7 +16874,14 @@
             <a:pPr algn="ctr"/>
             <a:r>
               <a:rPr lang="fr-FR" dirty="0" smtClean="0"/>
-              <a:t>Information model</a:t>
+              <a:t>Data Model</a:t>
+            </a:r>
+          </a:p>
+          <a:p>
+            <a:pPr algn="ctr"/>
+            <a:r>
+              <a:rPr lang="fr-FR" dirty="0" smtClean="0"/>
+              <a:t>Server</a:t>
             </a:r>
             <a:endParaRPr lang="fr-FR" dirty="0"/>
           </a:p>
@@ -16779,13 +16889,13 @@
       </p:sp>
       <p:sp>
         <p:nvSpPr>
-          <p:cNvPr id="28" name="Carré corné 27"/>
+          <p:cNvPr id="71" name="Carré corné 70"/>
           <p:cNvSpPr/>
           <p:nvPr/>
         </p:nvSpPr>
         <p:spPr>
           <a:xfrm>
-            <a:off x="7929321" y="4731283"/>
+            <a:off x="457200" y="4140044"/>
             <a:ext cx="1390468" cy="942380"/>
           </a:xfrm>
           <a:prstGeom prst="foldedCorner">
@@ -16813,7 +16923,7 @@
             <a:pPr algn="ctr"/>
             <a:r>
               <a:rPr lang="fr-FR" dirty="0" smtClean="0"/>
-              <a:t>Information model</a:t>
+              <a:t>Data Model Server</a:t>
             </a:r>
             <a:endParaRPr lang="fr-FR" dirty="0"/>
           </a:p>
@@ -16821,13 +16931,13 @@
       </p:sp>
       <p:sp>
         <p:nvSpPr>
-          <p:cNvPr id="29" name="Carré corné 28"/>
+          <p:cNvPr id="72" name="Carré corné 71"/>
           <p:cNvSpPr/>
           <p:nvPr/>
         </p:nvSpPr>
         <p:spPr>
           <a:xfrm>
-            <a:off x="152400" y="3835244"/>
+            <a:off x="542834" y="5202473"/>
             <a:ext cx="1390468" cy="942380"/>
           </a:xfrm>
           <a:prstGeom prst="foldedCorner">
@@ -16855,7 +16965,14 @@
             <a:pPr algn="ctr"/>
             <a:r>
               <a:rPr lang="fr-FR" dirty="0" smtClean="0"/>
-              <a:t>Information model</a:t>
+              <a:t>Data Model</a:t>
+            </a:r>
+          </a:p>
+          <a:p>
+            <a:pPr algn="ctr"/>
+            <a:r>
+              <a:rPr lang="fr-FR" dirty="0" smtClean="0"/>
+              <a:t>Router</a:t>
             </a:r>
             <a:endParaRPr lang="fr-FR" dirty="0"/>
           </a:p>
@@ -16863,14 +16980,14 @@
       </p:sp>
       <p:sp>
         <p:nvSpPr>
-          <p:cNvPr id="30" name="Carré corné 29"/>
+          <p:cNvPr id="73" name="Carré corné 72"/>
           <p:cNvSpPr/>
           <p:nvPr/>
         </p:nvSpPr>
         <p:spPr>
           <a:xfrm>
-            <a:off x="304800" y="3987644"/>
-            <a:ext cx="1390468" cy="942380"/>
+            <a:off x="304800" y="215677"/>
+            <a:ext cx="933268" cy="610855"/>
           </a:xfrm>
           <a:prstGeom prst="foldedCorner">
             <a:avLst/>
@@ -16896,142 +17013,16 @@
           <a:p>
             <a:pPr algn="ctr"/>
             <a:r>
-              <a:rPr lang="fr-FR" dirty="0" smtClean="0"/>
-              <a:t>Information model</a:t>
-            </a:r>
-            <a:endParaRPr lang="fr-FR" dirty="0"/>
+              <a:rPr lang="fr-FR" sz="1200" dirty="0" smtClean="0"/>
+              <a:t>Data Model</a:t>
+            </a:r>
+            <a:endParaRPr lang="fr-FR" sz="1200" dirty="0"/>
           </a:p>
         </p:txBody>
       </p:sp>
       <p:sp>
         <p:nvSpPr>
-          <p:cNvPr id="31" name="Carré corné 30"/>
-          <p:cNvSpPr/>
-          <p:nvPr/>
-        </p:nvSpPr>
-        <p:spPr>
-          <a:xfrm>
-            <a:off x="457200" y="4140044"/>
-            <a:ext cx="1390468" cy="942380"/>
-          </a:xfrm>
-          <a:prstGeom prst="foldedCorner">
-            <a:avLst/>
-          </a:prstGeom>
-        </p:spPr>
-        <p:style>
-          <a:lnRef idx="1">
-            <a:schemeClr val="accent1"/>
-          </a:lnRef>
-          <a:fillRef idx="3">
-            <a:schemeClr val="accent1"/>
-          </a:fillRef>
-          <a:effectRef idx="2">
-            <a:schemeClr val="accent1"/>
-          </a:effectRef>
-          <a:fontRef idx="minor">
-            <a:schemeClr val="lt1"/>
-          </a:fontRef>
-        </p:style>
-        <p:txBody>
-          <a:bodyPr rtlCol="0" anchor="ctr"/>
-          <a:lstStyle/>
-          <a:p>
-            <a:pPr algn="ctr"/>
-            <a:r>
-              <a:rPr lang="fr-FR" dirty="0" smtClean="0"/>
-              <a:t>Information model</a:t>
-            </a:r>
-            <a:endParaRPr lang="fr-FR" dirty="0"/>
-          </a:p>
-        </p:txBody>
-      </p:sp>
-      <p:sp>
-        <p:nvSpPr>
-          <p:cNvPr id="32" name="Carré corné 31"/>
-          <p:cNvSpPr/>
-          <p:nvPr/>
-        </p:nvSpPr>
-        <p:spPr>
-          <a:xfrm>
-            <a:off x="609600" y="4292444"/>
-            <a:ext cx="1390468" cy="942380"/>
-          </a:xfrm>
-          <a:prstGeom prst="foldedCorner">
-            <a:avLst/>
-          </a:prstGeom>
-        </p:spPr>
-        <p:style>
-          <a:lnRef idx="1">
-            <a:schemeClr val="accent1"/>
-          </a:lnRef>
-          <a:fillRef idx="3">
-            <a:schemeClr val="accent1"/>
-          </a:fillRef>
-          <a:effectRef idx="2">
-            <a:schemeClr val="accent1"/>
-          </a:effectRef>
-          <a:fontRef idx="minor">
-            <a:schemeClr val="lt1"/>
-          </a:fontRef>
-        </p:style>
-        <p:txBody>
-          <a:bodyPr rtlCol="0" anchor="ctr"/>
-          <a:lstStyle/>
-          <a:p>
-            <a:pPr algn="ctr"/>
-            <a:r>
-              <a:rPr lang="fr-FR" dirty="0" smtClean="0"/>
-              <a:t>Information model</a:t>
-            </a:r>
-            <a:endParaRPr lang="fr-FR" dirty="0"/>
-          </a:p>
-        </p:txBody>
-      </p:sp>
-      <p:sp>
-        <p:nvSpPr>
-          <p:cNvPr id="33" name="Carré corné 32"/>
-          <p:cNvSpPr/>
-          <p:nvPr/>
-        </p:nvSpPr>
-        <p:spPr>
-          <a:xfrm>
-            <a:off x="304800" y="215677"/>
-            <a:ext cx="933268" cy="610855"/>
-          </a:xfrm>
-          <a:prstGeom prst="foldedCorner">
-            <a:avLst/>
-          </a:prstGeom>
-        </p:spPr>
-        <p:style>
-          <a:lnRef idx="1">
-            <a:schemeClr val="accent1"/>
-          </a:lnRef>
-          <a:fillRef idx="3">
-            <a:schemeClr val="accent1"/>
-          </a:fillRef>
-          <a:effectRef idx="2">
-            <a:schemeClr val="accent1"/>
-          </a:effectRef>
-          <a:fontRef idx="minor">
-            <a:schemeClr val="lt1"/>
-          </a:fontRef>
-        </p:style>
-        <p:txBody>
-          <a:bodyPr rtlCol="0" anchor="ctr"/>
-          <a:lstStyle/>
-          <a:p>
-            <a:pPr algn="ctr"/>
-            <a:r>
-              <a:rPr lang="fr-FR" sz="1200" dirty="0" smtClean="0"/>
-              <a:t>Information model</a:t>
-            </a:r>
-            <a:endParaRPr lang="fr-FR" sz="1200" dirty="0"/>
-          </a:p>
-        </p:txBody>
-      </p:sp>
-      <p:sp>
-        <p:nvSpPr>
-          <p:cNvPr id="34" name="ZoneTexte 33"/>
+          <p:cNvPr id="74" name="ZoneTexte 73"/>
           <p:cNvSpPr txBox="1"/>
           <p:nvPr/>
         </p:nvSpPr>
@@ -17056,6 +17047,118 @@
               <a:t>: YANG data model</a:t>
             </a:r>
             <a:endParaRPr lang="fr-FR" dirty="0"/>
+          </a:p>
+        </p:txBody>
+      </p:sp>
+      <p:sp>
+        <p:nvSpPr>
+          <p:cNvPr id="75" name="Rectangle 74"/>
+          <p:cNvSpPr/>
+          <p:nvPr/>
+        </p:nvSpPr>
+        <p:spPr>
+          <a:xfrm>
+            <a:off x="3344797" y="3549271"/>
+            <a:ext cx="1227203" cy="413129"/>
+          </a:xfrm>
+          <a:prstGeom prst="rect">
+            <a:avLst/>
+          </a:prstGeom>
+          <a:noFill/>
+          <a:ln>
+            <a:solidFill>
+              <a:schemeClr val="tx1"/>
+            </a:solidFill>
+          </a:ln>
+        </p:spPr>
+        <p:style>
+          <a:lnRef idx="1">
+            <a:schemeClr val="accent1"/>
+          </a:lnRef>
+          <a:fillRef idx="3">
+            <a:schemeClr val="accent1"/>
+          </a:fillRef>
+          <a:effectRef idx="2">
+            <a:schemeClr val="accent1"/>
+          </a:effectRef>
+          <a:fontRef idx="minor">
+            <a:schemeClr val="lt1"/>
+          </a:fontRef>
+        </p:style>
+        <p:txBody>
+          <a:bodyPr rtlCol="0" anchor="ctr"/>
+          <a:lstStyle/>
+          <a:p>
+            <a:pPr algn="ctr"/>
+            <a:r>
+              <a:rPr lang="fr-FR" sz="1400" dirty="0" smtClean="0">
+                <a:solidFill>
+                  <a:schemeClr val="tx1"/>
+                </a:solidFill>
+              </a:rPr>
+              <a:t>NETCONF PDU</a:t>
+            </a:r>
+            <a:endParaRPr lang="fr-FR" sz="1400" dirty="0">
+              <a:solidFill>
+                <a:schemeClr val="tx1"/>
+              </a:solidFill>
+            </a:endParaRPr>
+          </a:p>
+        </p:txBody>
+      </p:sp>
+      <p:sp>
+        <p:nvSpPr>
+          <p:cNvPr id="76" name="Rectangle 75"/>
+          <p:cNvSpPr/>
+          <p:nvPr/>
+        </p:nvSpPr>
+        <p:spPr>
+          <a:xfrm>
+            <a:off x="4584284" y="3549271"/>
+            <a:ext cx="1227203" cy="413129"/>
+          </a:xfrm>
+          <a:prstGeom prst="rect">
+            <a:avLst/>
+          </a:prstGeom>
+          <a:noFill/>
+          <a:ln>
+            <a:solidFill>
+              <a:schemeClr val="tx1"/>
+            </a:solidFill>
+          </a:ln>
+        </p:spPr>
+        <p:style>
+          <a:lnRef idx="1">
+            <a:schemeClr val="accent1"/>
+          </a:lnRef>
+          <a:fillRef idx="3">
+            <a:schemeClr val="accent1"/>
+          </a:fillRef>
+          <a:effectRef idx="2">
+            <a:schemeClr val="accent1"/>
+          </a:effectRef>
+          <a:fontRef idx="minor">
+            <a:schemeClr val="lt1"/>
+          </a:fontRef>
+        </p:style>
+        <p:txBody>
+          <a:bodyPr rtlCol="0" anchor="ctr"/>
+          <a:lstStyle/>
+          <a:p>
+            <a:pPr algn="ctr"/>
+            <a:r>
+              <a:rPr lang="fr-FR" sz="1400" dirty="0" smtClean="0">
+                <a:solidFill>
+                  <a:schemeClr val="tx1"/>
+                </a:solidFill>
+              </a:rPr>
+              <a:t>XML Data</a:t>
+            </a:r>
+            <a:endParaRPr lang="fr-FR" sz="1400" dirty="0">
+              <a:solidFill>
+                <a:schemeClr val="tx1"/>
+              </a:solidFill>
+            </a:endParaRPr>
           </a:p>
         </p:txBody>
       </p:sp>
@@ -17114,8 +17217,12 @@
           <a:lstStyle/>
           <a:p>
             <a:r>
+              <a:rPr lang="fr-FR" sz="1200" dirty="0" smtClean="0"/>
+              <a:t>NETCONF</a:t>
+            </a:r>
+            <a:r>
               <a:rPr lang="en-US" sz="1200" dirty="0" smtClean="0"/>
-              <a:t>NETCONF Data</a:t>
+              <a:t> Data</a:t>
             </a:r>
             <a:endParaRPr lang="en-US" sz="1200" dirty="0"/>
           </a:p>
@@ -17148,8 +17255,8 @@
               <a:t>&lt;</a:t>
             </a:r>
             <a:r>
-              <a:rPr lang="en-US" sz="1200" dirty="0" err="1" smtClean="0"/>
-              <a:t>netconf</a:t>
+              <a:rPr lang="fr-FR" sz="1200" dirty="0" smtClean="0"/>
+              <a:t>NETCONF</a:t>
             </a:r>
             <a:r>
               <a:rPr lang="en-US" sz="1200" dirty="0" smtClean="0"/>
@@ -17255,8 +17362,8 @@
               <a:t>&lt;/</a:t>
             </a:r>
             <a:r>
-              <a:rPr lang="en-US" sz="1200" dirty="0" err="1" smtClean="0"/>
-              <a:t>netconf</a:t>
+              <a:rPr lang="fr-FR" sz="1200" dirty="0" smtClean="0"/>
+              <a:t>NETCONF</a:t>
             </a:r>
             <a:r>
               <a:rPr lang="en-US" sz="1200" dirty="0" smtClean="0"/>
@@ -17326,20 +17433,156 @@
           <a:lstStyle/>
           <a:p>
             <a:r>
+              <a:rPr lang="fr-FR" sz="1000" dirty="0" smtClean="0">
+                <a:solidFill>
+                  <a:schemeClr val="tx1"/>
+                </a:solidFill>
+              </a:rPr>
+              <a:t>(1)</a:t>
+            </a:r>
+            <a:r>
               <a:rPr lang="fr-FR" sz="1400" dirty="0" smtClean="0">
                 <a:solidFill>
                   <a:schemeClr val="tx1"/>
                 </a:solidFill>
               </a:rPr>
-              <a:t>module network </a:t>
-            </a:r>
+              <a:t> module network {</a:t>
+            </a:r>
+          </a:p>
+          <a:p>
             <a:r>
               <a:rPr lang="fr-FR" sz="1400" dirty="0" smtClean="0">
                 <a:solidFill>
                   <a:schemeClr val="tx1"/>
                 </a:solidFill>
               </a:rPr>
-              <a:t>{</a:t>
+              <a:t> </a:t>
+            </a:r>
+          </a:p>
+          <a:p>
+            <a:r>
+              <a:rPr lang="fr-FR" sz="1000" dirty="0" smtClean="0">
+                <a:solidFill>
+                  <a:schemeClr val="tx1"/>
+                </a:solidFill>
+              </a:rPr>
+              <a:t>(2) </a:t>
+            </a:r>
+            <a:r>
+              <a:rPr lang="fr-FR" sz="1400" dirty="0" smtClean="0">
+                <a:solidFill>
+                  <a:schemeClr val="tx1"/>
+                </a:solidFill>
+              </a:rPr>
+              <a:t>	</a:t>
+            </a:r>
+            <a:r>
+              <a:rPr lang="fr-FR" sz="1400" dirty="0" err="1" smtClean="0">
+                <a:solidFill>
+                  <a:schemeClr val="tx1"/>
+                </a:solidFill>
+              </a:rPr>
+              <a:t>namespace</a:t>
+            </a:r>
+            <a:r>
+              <a:rPr lang="fr-FR" sz="1400" dirty="0" smtClean="0">
+                <a:solidFill>
+                  <a:schemeClr val="tx1"/>
+                </a:solidFill>
+              </a:rPr>
+              <a:t> « </a:t>
+            </a:r>
+            <a:r>
+              <a:rPr lang="fr-FR" sz="1400" dirty="0" err="1" smtClean="0">
+                <a:solidFill>
+                  <a:schemeClr val="tx1"/>
+                </a:solidFill>
+              </a:rPr>
+              <a:t>loria:madynes:yang:if</a:t>
+            </a:r>
+            <a:r>
+              <a:rPr lang="fr-FR" sz="1400" dirty="0" smtClean="0">
+                <a:solidFill>
+                  <a:schemeClr val="tx1"/>
+                </a:solidFill>
+              </a:rPr>
+              <a:t> »;</a:t>
+            </a:r>
+          </a:p>
+          <a:p>
+            <a:r>
+              <a:rPr lang="fr-FR" sz="1400" dirty="0" smtClean="0">
+                <a:solidFill>
+                  <a:schemeClr val="tx1"/>
+                </a:solidFill>
+              </a:rPr>
+              <a:t> </a:t>
+            </a:r>
+          </a:p>
+          <a:p>
+            <a:r>
+              <a:rPr lang="fr-FR" sz="1000" dirty="0" smtClean="0">
+                <a:solidFill>
+                  <a:schemeClr val="tx1"/>
+                </a:solidFill>
+              </a:rPr>
+              <a:t>(3) </a:t>
+            </a:r>
+            <a:r>
+              <a:rPr lang="fr-FR" sz="1400" dirty="0" smtClean="0">
+                <a:solidFill>
+                  <a:schemeClr val="tx1"/>
+                </a:solidFill>
+              </a:rPr>
+              <a:t>	import </a:t>
+            </a:r>
+            <a:r>
+              <a:rPr lang="fr-FR" sz="1400" dirty="0" err="1" smtClean="0">
+                <a:solidFill>
+                  <a:schemeClr val="tx1"/>
+                </a:solidFill>
+              </a:rPr>
+              <a:t>ietf-yang-types</a:t>
+            </a:r>
+            <a:r>
+              <a:rPr lang="fr-FR" sz="1400" dirty="0" smtClean="0">
+                <a:solidFill>
+                  <a:schemeClr val="tx1"/>
+                </a:solidFill>
+              </a:rPr>
+              <a:t> { </a:t>
+            </a:r>
+            <a:r>
+              <a:rPr lang="fr-FR" sz="1400" dirty="0" err="1" smtClean="0">
+                <a:solidFill>
+                  <a:schemeClr val="tx1"/>
+                </a:solidFill>
+              </a:rPr>
+              <a:t>prefix</a:t>
+            </a:r>
+            <a:r>
+              <a:rPr lang="fr-FR" sz="1400" dirty="0" smtClean="0">
+                <a:solidFill>
+                  <a:schemeClr val="tx1"/>
+                </a:solidFill>
+              </a:rPr>
+              <a:t> </a:t>
+            </a:r>
+            <a:r>
+              <a:rPr lang="fr-FR" sz="1400" dirty="0" err="1" smtClean="0">
+                <a:solidFill>
+                  <a:schemeClr val="tx1"/>
+                </a:solidFill>
+              </a:rPr>
+              <a:t>yt</a:t>
+            </a:r>
+            <a:r>
+              <a:rPr lang="fr-FR" sz="1400" dirty="0" smtClean="0">
+                <a:solidFill>
+                  <a:schemeClr val="tx1"/>
+                </a:solidFill>
+              </a:rPr>
+              <a:t>;}</a:t>
             </a:r>
           </a:p>
           <a:p>
@@ -17351,6 +17594,14 @@
           </a:p>
           <a:p>
             <a:r>
+              <a:rPr lang="fr-FR" sz="1000" dirty="0" smtClean="0">
+                <a:solidFill>
+                  <a:schemeClr val="tx1"/>
+                </a:solidFill>
+              </a:rPr>
+              <a:t>(4) </a:t>
+            </a:r>
+            <a:r>
               <a:rPr lang="fr-FR" sz="1400" dirty="0" smtClean="0">
                 <a:solidFill>
                   <a:schemeClr val="tx1"/>
@@ -17364,7 +17615,7 @@
                   <a:schemeClr val="tx1"/>
                 </a:solidFill>
               </a:rPr>
-              <a:t>namespace</a:t>
+              <a:t>typedef</a:t>
             </a:r>
             <a:r>
               <a:rPr lang="fr-FR" sz="1400" dirty="0" smtClean="0">
@@ -17372,7 +17623,7 @@
                   <a:schemeClr val="tx1"/>
                 </a:solidFill>
               </a:rPr>
-              <a:t> « </a:t>
+              <a:t> </a:t>
             </a:r>
             <a:r>
               <a:rPr lang="fr-FR" sz="1400" dirty="0" err="1" smtClean="0">
@@ -17380,7 +17631,7 @@
                   <a:schemeClr val="tx1"/>
                 </a:solidFill>
               </a:rPr>
-              <a:t>loria:madynes:yang:if</a:t>
+              <a:t>ifName</a:t>
             </a:r>
             <a:r>
               <a:rPr lang="fr-FR" sz="1400" dirty="0" smtClean="0">
@@ -17388,7 +17639,299 @@
                   <a:schemeClr val="tx1"/>
                 </a:solidFill>
               </a:rPr>
-              <a:t> »;</a:t>
+              <a:t> { </a:t>
+            </a:r>
+          </a:p>
+          <a:p>
+            <a:r>
+              <a:rPr lang="fr-FR" sz="1000" dirty="0" smtClean="0">
+                <a:solidFill>
+                  <a:schemeClr val="tx1"/>
+                </a:solidFill>
+              </a:rPr>
+              <a:t>(5) </a:t>
+            </a:r>
+            <a:r>
+              <a:rPr lang="fr-FR" sz="1400" dirty="0" smtClean="0">
+                <a:solidFill>
+                  <a:schemeClr val="tx1"/>
+                </a:solidFill>
+              </a:rPr>
+              <a:t>		type string;</a:t>
+            </a:r>
+          </a:p>
+          <a:p>
+            <a:r>
+              <a:rPr lang="fr-FR" sz="1000" dirty="0" smtClean="0">
+                <a:solidFill>
+                  <a:schemeClr val="tx1"/>
+                </a:solidFill>
+              </a:rPr>
+              <a:t>(6)</a:t>
+            </a:r>
+            <a:r>
+              <a:rPr lang="fr-FR" sz="1400" dirty="0" smtClean="0">
+                <a:solidFill>
+                  <a:schemeClr val="tx1"/>
+                </a:solidFill>
+              </a:rPr>
+              <a:t> 		</a:t>
+            </a:r>
+            <a:r>
+              <a:rPr lang="fr-FR" sz="1400" dirty="0" err="1" smtClean="0">
+                <a:solidFill>
+                  <a:schemeClr val="tx1"/>
+                </a:solidFill>
+              </a:rPr>
+              <a:t>length</a:t>
+            </a:r>
+            <a:r>
+              <a:rPr lang="fr-FR" sz="1400" dirty="0" smtClean="0">
+                <a:solidFill>
+                  <a:schemeClr val="tx1"/>
+                </a:solidFill>
+              </a:rPr>
+              <a:t> 3-8;</a:t>
+            </a:r>
+          </a:p>
+          <a:p>
+            <a:r>
+              <a:rPr lang="fr-FR" sz="1000" dirty="0" smtClean="0">
+                <a:solidFill>
+                  <a:schemeClr val="tx1"/>
+                </a:solidFill>
+              </a:rPr>
+              <a:t>(7)</a:t>
+            </a:r>
+            <a:r>
+              <a:rPr lang="fr-FR" sz="1400" dirty="0" smtClean="0">
+                <a:solidFill>
+                  <a:schemeClr val="tx1"/>
+                </a:solidFill>
+              </a:rPr>
+              <a:t> 	}</a:t>
+            </a:r>
+          </a:p>
+          <a:p>
+            <a:r>
+              <a:rPr lang="fr-FR" sz="1000" dirty="0" smtClean="0">
+                <a:solidFill>
+                  <a:schemeClr val="tx1"/>
+                </a:solidFill>
+              </a:rPr>
+              <a:t>(8) </a:t>
+            </a:r>
+            <a:r>
+              <a:rPr lang="fr-FR" sz="1400" dirty="0" smtClean="0">
+                <a:solidFill>
+                  <a:schemeClr val="tx1"/>
+                </a:solidFill>
+              </a:rPr>
+              <a:t>	</a:t>
+            </a:r>
+            <a:r>
+              <a:rPr lang="fr-FR" sz="1400" dirty="0" err="1" smtClean="0">
+                <a:solidFill>
+                  <a:schemeClr val="tx1"/>
+                </a:solidFill>
+              </a:rPr>
+              <a:t>grouping</a:t>
+            </a:r>
+            <a:r>
+              <a:rPr lang="fr-FR" sz="1400" dirty="0" smtClean="0">
+                <a:solidFill>
+                  <a:schemeClr val="tx1"/>
+                </a:solidFill>
+              </a:rPr>
+              <a:t> v4add {</a:t>
+            </a:r>
+          </a:p>
+          <a:p>
+            <a:r>
+              <a:rPr lang="fr-FR" sz="1000" dirty="0" smtClean="0">
+                <a:solidFill>
+                  <a:schemeClr val="tx1"/>
+                </a:solidFill>
+              </a:rPr>
+              <a:t>(9) </a:t>
+            </a:r>
+            <a:r>
+              <a:rPr lang="fr-FR" sz="1400" dirty="0" smtClean="0">
+                <a:solidFill>
+                  <a:schemeClr val="tx1"/>
+                </a:solidFill>
+              </a:rPr>
+              <a:t>		container v4 {</a:t>
+            </a:r>
+          </a:p>
+          <a:p>
+            <a:r>
+              <a:rPr lang="fr-FR" sz="1000" dirty="0" smtClean="0">
+                <a:solidFill>
+                  <a:schemeClr val="tx1"/>
+                </a:solidFill>
+              </a:rPr>
+              <a:t>(10) </a:t>
+            </a:r>
+            <a:r>
+              <a:rPr lang="fr-FR" sz="1400" dirty="0" smtClean="0">
+                <a:solidFill>
+                  <a:schemeClr val="tx1"/>
+                </a:solidFill>
+              </a:rPr>
+              <a:t>			</a:t>
+            </a:r>
+            <a:r>
+              <a:rPr lang="fr-FR" sz="1400" dirty="0" err="1" smtClean="0">
+                <a:solidFill>
+                  <a:schemeClr val="tx1"/>
+                </a:solidFill>
+              </a:rPr>
+              <a:t>leaf</a:t>
+            </a:r>
+            <a:r>
+              <a:rPr lang="fr-FR" sz="1400" dirty="0" smtClean="0">
+                <a:solidFill>
+                  <a:schemeClr val="tx1"/>
+                </a:solidFill>
+              </a:rPr>
+              <a:t> </a:t>
+            </a:r>
+            <a:r>
+              <a:rPr lang="fr-FR" sz="1400" dirty="0" err="1" smtClean="0">
+                <a:solidFill>
+                  <a:schemeClr val="tx1"/>
+                </a:solidFill>
+              </a:rPr>
+              <a:t>ip</a:t>
+            </a:r>
+            <a:r>
+              <a:rPr lang="fr-FR" sz="1400" dirty="0" smtClean="0">
+                <a:solidFill>
+                  <a:schemeClr val="tx1"/>
+                </a:solidFill>
+              </a:rPr>
+              <a:t> { type </a:t>
+            </a:r>
+            <a:r>
+              <a:rPr lang="fr-FR" sz="1400" dirty="0" err="1" smtClean="0">
+                <a:solidFill>
+                  <a:schemeClr val="tx1"/>
+                </a:solidFill>
+              </a:rPr>
+              <a:t>ip</a:t>
+            </a:r>
+            <a:r>
+              <a:rPr lang="fr-FR" sz="1400" dirty="0" smtClean="0">
+                <a:solidFill>
+                  <a:schemeClr val="tx1"/>
+                </a:solidFill>
+              </a:rPr>
+              <a:t>;}</a:t>
+            </a:r>
+          </a:p>
+          <a:p>
+            <a:r>
+              <a:rPr lang="fr-FR" sz="1000" dirty="0" smtClean="0">
+                <a:solidFill>
+                  <a:schemeClr val="tx1"/>
+                </a:solidFill>
+              </a:rPr>
+              <a:t>(11) </a:t>
+            </a:r>
+            <a:r>
+              <a:rPr lang="fr-FR" sz="1400" dirty="0" smtClean="0">
+                <a:solidFill>
+                  <a:schemeClr val="tx1"/>
+                </a:solidFill>
+              </a:rPr>
+              <a:t>			</a:t>
+            </a:r>
+            <a:r>
+              <a:rPr lang="fr-FR" sz="1400" dirty="0" err="1" smtClean="0">
+                <a:solidFill>
+                  <a:schemeClr val="tx1"/>
+                </a:solidFill>
+              </a:rPr>
+              <a:t>leaf</a:t>
+            </a:r>
+            <a:r>
+              <a:rPr lang="fr-FR" sz="1400" dirty="0" smtClean="0">
+                <a:solidFill>
+                  <a:schemeClr val="tx1"/>
+                </a:solidFill>
+              </a:rPr>
+              <a:t> </a:t>
+            </a:r>
+            <a:r>
+              <a:rPr lang="fr-FR" sz="1400" dirty="0" err="1" smtClean="0">
+                <a:solidFill>
+                  <a:schemeClr val="tx1"/>
+                </a:solidFill>
+              </a:rPr>
+              <a:t>mask</a:t>
+            </a:r>
+            <a:r>
+              <a:rPr lang="fr-FR" sz="1400" dirty="0" smtClean="0">
+                <a:solidFill>
+                  <a:schemeClr val="tx1"/>
+                </a:solidFill>
+              </a:rPr>
+              <a:t> {type m;</a:t>
+            </a:r>
+          </a:p>
+          <a:p>
+            <a:r>
+              <a:rPr lang="fr-FR" sz="1000" dirty="0" smtClean="0">
+                <a:solidFill>
+                  <a:schemeClr val="tx1"/>
+                </a:solidFill>
+              </a:rPr>
+              <a:t>(12) </a:t>
+            </a:r>
+            <a:r>
+              <a:rPr lang="fr-FR" sz="1400" dirty="0" smtClean="0">
+                <a:solidFill>
+                  <a:schemeClr val="tx1"/>
+                </a:solidFill>
+              </a:rPr>
+              <a:t>		}</a:t>
+            </a:r>
+          </a:p>
+          <a:p>
+            <a:r>
+              <a:rPr lang="fr-FR" sz="1000" dirty="0" smtClean="0">
+                <a:solidFill>
+                  <a:schemeClr val="tx1"/>
+                </a:solidFill>
+              </a:rPr>
+              <a:t>(13) </a:t>
+            </a:r>
+            <a:r>
+              <a:rPr lang="fr-FR" sz="1400" dirty="0" smtClean="0">
+                <a:solidFill>
+                  <a:schemeClr val="tx1"/>
+                </a:solidFill>
+              </a:rPr>
+              <a:t>	}</a:t>
+            </a:r>
+          </a:p>
+          <a:p>
+            <a:r>
+              <a:rPr lang="fr-FR" sz="1000" dirty="0" smtClean="0">
+                <a:solidFill>
+                  <a:schemeClr val="tx1"/>
+                </a:solidFill>
+              </a:rPr>
+              <a:t>(14) </a:t>
+            </a:r>
+            <a:r>
+              <a:rPr lang="fr-FR" sz="1400" dirty="0" smtClean="0">
+                <a:solidFill>
+                  <a:schemeClr val="tx1"/>
+                </a:solidFill>
+              </a:rPr>
+              <a:t>	container interfaces {</a:t>
             </a:r>
           </a:p>
           <a:p>
@@ -17400,12 +17943,20 @@
           </a:p>
           <a:p>
             <a:r>
+              <a:rPr lang="fr-FR" sz="1000" dirty="0" smtClean="0">
+                <a:solidFill>
+                  <a:schemeClr val="tx1"/>
+                </a:solidFill>
+              </a:rPr>
+              <a:t>(15) </a:t>
+            </a:r>
+            <a:r>
               <a:rPr lang="fr-FR" sz="1400" dirty="0" smtClean="0">
                 <a:solidFill>
                   <a:schemeClr val="tx1"/>
                 </a:solidFill>
               </a:rPr>
-              <a:t>	import </a:t>
+              <a:t>		</a:t>
             </a:r>
             <a:r>
               <a:rPr lang="fr-FR" sz="1400" dirty="0" err="1" smtClean="0">
@@ -17413,7 +17964,7 @@
                   <a:schemeClr val="tx1"/>
                 </a:solidFill>
               </a:rPr>
-              <a:t>ietf-yang-types</a:t>
+              <a:t>list</a:t>
             </a:r>
             <a:r>
               <a:rPr lang="fr-FR" sz="1400" dirty="0" smtClean="0">
@@ -17421,7 +17972,25 @@
                   <a:schemeClr val="tx1"/>
                 </a:solidFill>
               </a:rPr>
-              <a:t> { </a:t>
+              <a:t> interface {</a:t>
+            </a:r>
+          </a:p>
+          <a:p>
+            <a:r>
+              <a:rPr lang="fr-FR" sz="1000" dirty="0" smtClean="0">
+                <a:solidFill>
+                  <a:schemeClr val="tx1"/>
+                </a:solidFill>
+              </a:rPr>
+              <a:t>(16) 	</a:t>
+            </a:r>
+            <a:r>
+              <a:rPr lang="fr-FR" sz="1400" dirty="0" smtClean="0">
+                <a:solidFill>
+                  <a:schemeClr val="tx1"/>
+                </a:solidFill>
+              </a:rPr>
+              <a:t>		</a:t>
             </a:r>
             <a:r>
               <a:rPr lang="fr-FR" sz="1400" dirty="0" err="1" smtClean="0">
@@ -17429,7 +17998,7 @@
                   <a:schemeClr val="tx1"/>
                 </a:solidFill>
               </a:rPr>
-              <a:t>prefix</a:t>
+              <a:t>key</a:t>
             </a:r>
             <a:r>
               <a:rPr lang="fr-FR" sz="1400" dirty="0" smtClean="0">
@@ -17445,18 +18014,8 @@
                   <a:schemeClr val="tx1"/>
                 </a:solidFill>
               </a:rPr>
-              <a:t>yt</a:t>
-            </a:r>
-            <a:r>
-              <a:rPr lang="fr-FR" sz="1400" dirty="0" smtClean="0">
-                <a:solidFill>
-                  <a:schemeClr val="tx1"/>
-                </a:solidFill>
-              </a:rPr>
-              <a:t>;}</a:t>
-            </a:r>
-          </a:p>
-          <a:p>
+              <a:t>name</a:t>
+            </a:r>
             <a:endParaRPr lang="fr-FR" sz="1400" dirty="0" smtClean="0">
               <a:solidFill>
                 <a:schemeClr val="tx1"/>
@@ -17465,12 +18024,20 @@
           </a:p>
           <a:p>
             <a:r>
+              <a:rPr lang="fr-FR" sz="1000" dirty="0" smtClean="0">
+                <a:solidFill>
+                  <a:schemeClr val="tx1"/>
+                </a:solidFill>
+              </a:rPr>
+              <a:t>(17) </a:t>
+            </a:r>
+            <a:r>
               <a:rPr lang="fr-FR" sz="1400" dirty="0" smtClean="0">
                 <a:solidFill>
                   <a:schemeClr val="tx1"/>
                 </a:solidFill>
               </a:rPr>
-              <a:t>	</a:t>
+              <a:t>			</a:t>
             </a:r>
             <a:r>
               <a:rPr lang="fr-FR" sz="1400" dirty="0" err="1" smtClean="0">
@@ -17478,7 +18045,7 @@
                   <a:schemeClr val="tx1"/>
                 </a:solidFill>
               </a:rPr>
-              <a:t>typedef</a:t>
+              <a:t>leaf</a:t>
             </a:r>
             <a:r>
               <a:rPr lang="fr-FR" sz="1400" dirty="0" smtClean="0">
@@ -17494,7 +18061,7 @@
                   <a:schemeClr val="tx1"/>
                 </a:solidFill>
               </a:rPr>
-              <a:t>ifName</a:t>
+              <a:t>name</a:t>
             </a:r>
             <a:r>
               <a:rPr lang="fr-FR" sz="1400" dirty="0" smtClean="0">
@@ -17502,20 +18069,34 @@
                   <a:schemeClr val="tx1"/>
                 </a:solidFill>
               </a:rPr>
-              <a:t> { </a:t>
-            </a:r>
-          </a:p>
-          <a:p>
+              <a:t> { type </a:t>
+            </a:r>
+            <a:r>
+              <a:rPr lang="fr-FR" sz="1400" dirty="0" err="1" smtClean="0">
+                <a:solidFill>
+                  <a:schemeClr val="tx1"/>
+                </a:solidFill>
+              </a:rPr>
+              <a:t>ifName</a:t>
+            </a:r>
             <a:r>
               <a:rPr lang="fr-FR" sz="1400" dirty="0" smtClean="0">
                 <a:solidFill>
                   <a:schemeClr val="tx1"/>
                 </a:solidFill>
               </a:rPr>
-              <a:t>		type string;</a:t>
-            </a:r>
-          </a:p>
-          <a:p>
+              <a:t>};</a:t>
+            </a:r>
+          </a:p>
+          <a:p>
+            <a:r>
+              <a:rPr lang="fr-FR" sz="1000" dirty="0" smtClean="0">
+                <a:solidFill>
+                  <a:schemeClr val="tx1"/>
+                </a:solidFill>
+              </a:rPr>
+              <a:t>(18) 	</a:t>
+            </a:r>
             <a:r>
               <a:rPr lang="fr-FR" sz="1400" dirty="0" smtClean="0">
                 <a:solidFill>
@@ -17530,7 +18111,7 @@
                   <a:schemeClr val="tx1"/>
                 </a:solidFill>
               </a:rPr>
-              <a:t>length</a:t>
+              <a:t>leaf</a:t>
             </a:r>
             <a:r>
               <a:rPr lang="fr-FR" sz="1400" dirty="0" smtClean="0">
@@ -17538,17 +18119,33 @@
                   <a:schemeClr val="tx1"/>
                 </a:solidFill>
               </a:rPr>
-              <a:t> 3-8;</a:t>
-            </a:r>
-          </a:p>
-          <a:p>
+              <a:t> mac { type </a:t>
+            </a:r>
+            <a:r>
+              <a:rPr lang="fr-FR" sz="1400" dirty="0" err="1" smtClean="0">
+                <a:solidFill>
+                  <a:schemeClr val="tx1"/>
+                </a:solidFill>
+              </a:rPr>
+              <a:t>yt:mac-address</a:t>
+            </a:r>
             <a:r>
               <a:rPr lang="fr-FR" sz="1400" dirty="0" smtClean="0">
                 <a:solidFill>
                   <a:schemeClr val="tx1"/>
                 </a:solidFill>
               </a:rPr>
-              <a:t>	</a:t>
+              <a:t>;}</a:t>
+            </a:r>
+          </a:p>
+          <a:p>
+            <a:r>
+              <a:rPr lang="fr-FR" sz="1000" dirty="0" smtClean="0">
+                <a:solidFill>
+                  <a:schemeClr val="tx1"/>
+                </a:solidFill>
+              </a:rPr>
+              <a:t>(19) </a:t>
             </a:r>
             <a:r>
               <a:rPr lang="fr-FR" sz="1400" dirty="0" smtClean="0">
@@ -17556,17 +18153,23 @@
                   <a:schemeClr val="tx1"/>
                 </a:solidFill>
               </a:rPr>
-              <a:t>}</a:t>
-            </a:r>
-          </a:p>
-          <a:p>
+              <a:t>			</a:t>
+            </a:r>
+            <a:r>
+              <a:rPr lang="fr-FR" sz="1400" dirty="0" err="1" smtClean="0">
+                <a:solidFill>
+                  <a:schemeClr val="tx1"/>
+                </a:solidFill>
+              </a:rPr>
+              <a:t>leaf</a:t>
+            </a:r>
             <a:r>
               <a:rPr lang="fr-FR" sz="1400" dirty="0" smtClean="0">
                 <a:solidFill>
                   <a:schemeClr val="tx1"/>
                 </a:solidFill>
               </a:rPr>
-              <a:t>	</a:t>
+              <a:t> </a:t>
             </a:r>
             <a:r>
               <a:rPr lang="fr-FR" sz="1400" dirty="0" err="1" smtClean="0">
@@ -17574,7 +18177,7 @@
                   <a:schemeClr val="tx1"/>
                 </a:solidFill>
               </a:rPr>
-              <a:t>grouping</a:t>
+              <a:t>mtu</a:t>
             </a:r>
             <a:r>
               <a:rPr lang="fr-FR" sz="1400" dirty="0" smtClean="0">
@@ -17582,27 +18185,41 @@
                   <a:schemeClr val="tx1"/>
                 </a:solidFill>
               </a:rPr>
-              <a:t> v4add {</a:t>
-            </a:r>
-          </a:p>
-          <a:p>
+              <a:t> { type uint32};</a:t>
+            </a:r>
+          </a:p>
+          <a:p>
+            <a:r>
+              <a:rPr lang="fr-FR" sz="1000" dirty="0" smtClean="0">
+                <a:solidFill>
+                  <a:schemeClr val="tx1"/>
+                </a:solidFill>
+              </a:rPr>
+              <a:t>(20) </a:t>
+            </a:r>
             <a:r>
               <a:rPr lang="fr-FR" sz="1400" dirty="0" smtClean="0">
                 <a:solidFill>
                   <a:schemeClr val="tx1"/>
                 </a:solidFill>
               </a:rPr>
-              <a:t>		container v4 {</a:t>
-            </a:r>
-          </a:p>
-          <a:p>
+              <a:t>			</a:t>
+            </a:r>
+            <a:r>
+              <a:rPr lang="fr-FR" sz="1400" dirty="0" err="1" smtClean="0">
+                <a:solidFill>
+                  <a:schemeClr val="tx1"/>
+                </a:solidFill>
+              </a:rPr>
+              <a:t>choice</a:t>
+            </a:r>
             <a:r>
               <a:rPr lang="fr-FR" sz="1400" dirty="0" smtClean="0">
                 <a:solidFill>
                   <a:schemeClr val="tx1"/>
                 </a:solidFill>
               </a:rPr>
-              <a:t>			</a:t>
+              <a:t> </a:t>
             </a:r>
             <a:r>
               <a:rPr lang="fr-FR" sz="1400" dirty="0" err="1" smtClean="0">
@@ -17610,7 +18227,7 @@
                   <a:schemeClr val="tx1"/>
                 </a:solidFill>
               </a:rPr>
-              <a:t>leaf</a:t>
+              <a:t>ad-type</a:t>
             </a:r>
             <a:r>
               <a:rPr lang="fr-FR" sz="1400" dirty="0" smtClean="0">
@@ -17618,15 +18235,17 @@
                   <a:schemeClr val="tx1"/>
                 </a:solidFill>
               </a:rPr>
-              <a:t> </a:t>
-            </a:r>
-            <a:r>
-              <a:rPr lang="fr-FR" sz="1400" dirty="0" err="1" smtClean="0">
+              <a:t> {</a:t>
+            </a:r>
+          </a:p>
+          <a:p>
+            <a:r>
+              <a:rPr lang="fr-FR" sz="1000" dirty="0" smtClean="0">
                 <a:solidFill>
                   <a:schemeClr val="tx1"/>
                 </a:solidFill>
               </a:rPr>
-              <a:t>ip</a:t>
+              <a:t>(21) </a:t>
             </a:r>
             <a:r>
               <a:rPr lang="fr-FR" sz="1400" dirty="0" smtClean="0">
@@ -17634,15 +18253,17 @@
                   <a:schemeClr val="tx1"/>
                 </a:solidFill>
               </a:rPr>
-              <a:t> { type </a:t>
-            </a:r>
-            <a:r>
-              <a:rPr lang="fr-FR" sz="1400" dirty="0" err="1" smtClean="0">
+              <a:t>				case v4 uses v4add;</a:t>
+            </a:r>
+          </a:p>
+          <a:p>
+            <a:r>
+              <a:rPr lang="fr-FR" sz="1000" dirty="0" smtClean="0">
                 <a:solidFill>
                   <a:schemeClr val="tx1"/>
                 </a:solidFill>
               </a:rPr>
-              <a:t>ip</a:t>
+              <a:t>(22) </a:t>
             </a:r>
             <a:r>
               <a:rPr lang="fr-FR" sz="1400" dirty="0" smtClean="0">
@@ -17650,25 +18271,35 @@
                   <a:schemeClr val="tx1"/>
                 </a:solidFill>
               </a:rPr>
-              <a:t>;}</a:t>
-            </a:r>
-          </a:p>
-          <a:p>
+              <a:t>				case v6 uses v6add;</a:t>
+            </a:r>
+          </a:p>
+          <a:p>
+            <a:r>
+              <a:rPr lang="fr-FR" sz="1000" dirty="0" smtClean="0">
+                <a:solidFill>
+                  <a:schemeClr val="tx1"/>
+                </a:solidFill>
+              </a:rPr>
+              <a:t>(23) </a:t>
+            </a:r>
             <a:r>
               <a:rPr lang="fr-FR" sz="1400" dirty="0" smtClean="0">
                 <a:solidFill>
                   <a:schemeClr val="tx1"/>
                 </a:solidFill>
               </a:rPr>
-              <a:t>			</a:t>
-            </a:r>
-            <a:r>
-              <a:rPr lang="fr-FR" sz="1400" dirty="0" err="1" smtClean="0">
+              <a:t>			}</a:t>
+            </a:r>
+          </a:p>
+          <a:p>
+            <a:r>
+              <a:rPr lang="fr-FR" sz="1000" dirty="0" smtClean="0">
                 <a:solidFill>
                   <a:schemeClr val="tx1"/>
                 </a:solidFill>
               </a:rPr>
-              <a:t>leaf</a:t>
+              <a:t>(24) </a:t>
             </a:r>
             <a:r>
               <a:rPr lang="fr-FR" sz="1400" dirty="0" smtClean="0">
@@ -17676,15 +18307,17 @@
                   <a:schemeClr val="tx1"/>
                 </a:solidFill>
               </a:rPr>
-              <a:t> </a:t>
-            </a:r>
-            <a:r>
-              <a:rPr lang="fr-FR" sz="1400" dirty="0" err="1" smtClean="0">
+              <a:t>		}</a:t>
+            </a:r>
+          </a:p>
+          <a:p>
+            <a:r>
+              <a:rPr lang="fr-FR" sz="1000" dirty="0" smtClean="0">
                 <a:solidFill>
                   <a:schemeClr val="tx1"/>
                 </a:solidFill>
               </a:rPr>
-              <a:t>mask</a:t>
+              <a:t>(25) </a:t>
             </a:r>
             <a:r>
               <a:rPr lang="fr-FR" sz="1400" dirty="0" smtClean="0">
@@ -17692,383 +18325,26 @@
                   <a:schemeClr val="tx1"/>
                 </a:solidFill>
               </a:rPr>
-              <a:t> {type m;</a:t>
-            </a:r>
-          </a:p>
-          <a:p>
+              <a:t>	}</a:t>
+            </a:r>
+          </a:p>
+          <a:p>
+            <a:r>
+              <a:rPr lang="fr-FR" sz="1000" dirty="0" smtClean="0">
+                <a:solidFill>
+                  <a:schemeClr val="tx1"/>
+                </a:solidFill>
+              </a:rPr>
+              <a:t>(26) </a:t>
+            </a:r>
             <a:r>
               <a:rPr lang="fr-FR" sz="1400" dirty="0" smtClean="0">
                 <a:solidFill>
                   <a:schemeClr val="tx1"/>
                 </a:solidFill>
               </a:rPr>
-              <a:t>		}</a:t>
-            </a:r>
-          </a:p>
-          <a:p>
-            <a:r>
-              <a:rPr lang="fr-FR" sz="1400" dirty="0" smtClean="0">
-                <a:solidFill>
-                  <a:schemeClr val="tx1"/>
-                </a:solidFill>
-              </a:rPr>
-              <a:t>	}</a:t>
-            </a:r>
-          </a:p>
-          <a:p>
-            <a:r>
-              <a:rPr lang="fr-FR" sz="1400" dirty="0" smtClean="0">
-                <a:solidFill>
-                  <a:schemeClr val="tx1"/>
-                </a:solidFill>
-              </a:rPr>
-              <a:t>	</a:t>
-            </a:r>
-            <a:r>
-              <a:rPr lang="fr-FR" sz="1400" dirty="0" smtClean="0">
-                <a:solidFill>
-                  <a:schemeClr val="tx1"/>
-                </a:solidFill>
-              </a:rPr>
-              <a:t>container interfaces {</a:t>
-            </a:r>
-          </a:p>
-          <a:p>
-            <a:endParaRPr lang="fr-FR" sz="1400" dirty="0" smtClean="0">
-              <a:solidFill>
-                <a:schemeClr val="tx1"/>
-              </a:solidFill>
-            </a:endParaRPr>
-          </a:p>
-          <a:p>
-            <a:r>
-              <a:rPr lang="fr-FR" sz="1400" dirty="0" smtClean="0">
-                <a:solidFill>
-                  <a:schemeClr val="tx1"/>
-                </a:solidFill>
-              </a:rPr>
-              <a:t>		</a:t>
-            </a:r>
-            <a:r>
-              <a:rPr lang="fr-FR" sz="1400" dirty="0" err="1" smtClean="0">
-                <a:solidFill>
-                  <a:schemeClr val="tx1"/>
-                </a:solidFill>
-              </a:rPr>
-              <a:t>list</a:t>
-            </a:r>
-            <a:r>
-              <a:rPr lang="fr-FR" sz="1400" dirty="0" smtClean="0">
-                <a:solidFill>
-                  <a:schemeClr val="tx1"/>
-                </a:solidFill>
-              </a:rPr>
-              <a:t> interface {</a:t>
-            </a:r>
-          </a:p>
-          <a:p>
-            <a:r>
-              <a:rPr lang="fr-FR" sz="1400" dirty="0" smtClean="0">
-                <a:solidFill>
-                  <a:schemeClr val="tx1"/>
-                </a:solidFill>
-              </a:rPr>
-              <a:t>			</a:t>
-            </a:r>
-            <a:r>
-              <a:rPr lang="fr-FR" sz="1400" dirty="0" err="1" smtClean="0">
-                <a:solidFill>
-                  <a:schemeClr val="tx1"/>
-                </a:solidFill>
-              </a:rPr>
-              <a:t>key</a:t>
-            </a:r>
-            <a:r>
-              <a:rPr lang="fr-FR" sz="1400" dirty="0" smtClean="0">
-                <a:solidFill>
-                  <a:schemeClr val="tx1"/>
-                </a:solidFill>
-              </a:rPr>
-              <a:t> </a:t>
-            </a:r>
-            <a:r>
-              <a:rPr lang="fr-FR" sz="1400" dirty="0" err="1" smtClean="0">
-                <a:solidFill>
-                  <a:schemeClr val="tx1"/>
-                </a:solidFill>
-              </a:rPr>
-              <a:t>name</a:t>
-            </a:r>
-            <a:endParaRPr lang="fr-FR" sz="1400" dirty="0" smtClean="0">
-              <a:solidFill>
-                <a:schemeClr val="tx1"/>
-              </a:solidFill>
-            </a:endParaRPr>
-          </a:p>
-          <a:p>
-            <a:r>
-              <a:rPr lang="fr-FR" sz="1400" dirty="0" smtClean="0">
-                <a:solidFill>
-                  <a:schemeClr val="tx1"/>
-                </a:solidFill>
-              </a:rPr>
-              <a:t>			</a:t>
-            </a:r>
-            <a:r>
-              <a:rPr lang="fr-FR" sz="1400" dirty="0" err="1" smtClean="0">
-                <a:solidFill>
-                  <a:schemeClr val="tx1"/>
-                </a:solidFill>
-              </a:rPr>
-              <a:t>leaf</a:t>
-            </a:r>
-            <a:r>
-              <a:rPr lang="fr-FR" sz="1400" dirty="0" smtClean="0">
-                <a:solidFill>
-                  <a:schemeClr val="tx1"/>
-                </a:solidFill>
-              </a:rPr>
-              <a:t> </a:t>
-            </a:r>
-            <a:r>
-              <a:rPr lang="fr-FR" sz="1400" dirty="0" err="1" smtClean="0">
-                <a:solidFill>
-                  <a:schemeClr val="tx1"/>
-                </a:solidFill>
-              </a:rPr>
-              <a:t>name</a:t>
-            </a:r>
-            <a:r>
-              <a:rPr lang="fr-FR" sz="1400" dirty="0" smtClean="0">
-                <a:solidFill>
-                  <a:schemeClr val="tx1"/>
-                </a:solidFill>
-              </a:rPr>
-              <a:t> { type </a:t>
-            </a:r>
-            <a:r>
-              <a:rPr lang="fr-FR" sz="1400" dirty="0" err="1" smtClean="0">
-                <a:solidFill>
-                  <a:schemeClr val="tx1"/>
-                </a:solidFill>
-              </a:rPr>
-              <a:t>ifName</a:t>
-            </a:r>
-            <a:r>
-              <a:rPr lang="fr-FR" sz="1400" dirty="0" smtClean="0">
-                <a:solidFill>
-                  <a:schemeClr val="tx1"/>
-                </a:solidFill>
-              </a:rPr>
               <a:t>}</a:t>
             </a:r>
-            <a:r>
-              <a:rPr lang="fr-FR" sz="1400" dirty="0" smtClean="0">
-                <a:solidFill>
-                  <a:schemeClr val="tx1"/>
-                </a:solidFill>
-              </a:rPr>
-              <a:t>;</a:t>
-            </a:r>
-          </a:p>
-          <a:p>
-            <a:r>
-              <a:rPr lang="fr-FR" sz="1400" dirty="0" smtClean="0">
-                <a:solidFill>
-                  <a:schemeClr val="tx1"/>
-                </a:solidFill>
-              </a:rPr>
-              <a:t>			</a:t>
-            </a:r>
-            <a:r>
-              <a:rPr lang="fr-FR" sz="1400" dirty="0" err="1" smtClean="0">
-                <a:solidFill>
-                  <a:schemeClr val="tx1"/>
-                </a:solidFill>
-              </a:rPr>
-              <a:t>leaf</a:t>
-            </a:r>
-            <a:r>
-              <a:rPr lang="fr-FR" sz="1400" dirty="0" smtClean="0">
-                <a:solidFill>
-                  <a:schemeClr val="tx1"/>
-                </a:solidFill>
-              </a:rPr>
-              <a:t> mac { type </a:t>
-            </a:r>
-            <a:r>
-              <a:rPr lang="fr-FR" sz="1400" dirty="0" err="1" smtClean="0">
-                <a:solidFill>
-                  <a:schemeClr val="tx1"/>
-                </a:solidFill>
-              </a:rPr>
-              <a:t>yt:mac-address</a:t>
-            </a:r>
-            <a:r>
-              <a:rPr lang="fr-FR" sz="1400" dirty="0" smtClean="0">
-                <a:solidFill>
-                  <a:schemeClr val="tx1"/>
-                </a:solidFill>
-              </a:rPr>
-              <a:t>;}</a:t>
-            </a:r>
-          </a:p>
-          <a:p>
-            <a:r>
-              <a:rPr lang="fr-FR" sz="1400" dirty="0" smtClean="0">
-                <a:solidFill>
-                  <a:schemeClr val="tx1"/>
-                </a:solidFill>
-              </a:rPr>
-              <a:t>			</a:t>
-            </a:r>
-            <a:r>
-              <a:rPr lang="fr-FR" sz="1400" dirty="0" err="1" smtClean="0">
-                <a:solidFill>
-                  <a:schemeClr val="tx1"/>
-                </a:solidFill>
-              </a:rPr>
-              <a:t>leaf</a:t>
-            </a:r>
-            <a:r>
-              <a:rPr lang="fr-FR" sz="1400" dirty="0" smtClean="0">
-                <a:solidFill>
-                  <a:schemeClr val="tx1"/>
-                </a:solidFill>
-              </a:rPr>
-              <a:t> </a:t>
-            </a:r>
-            <a:r>
-              <a:rPr lang="fr-FR" sz="1400" dirty="0" err="1" smtClean="0">
-                <a:solidFill>
-                  <a:schemeClr val="tx1"/>
-                </a:solidFill>
-              </a:rPr>
-              <a:t>mtu</a:t>
-            </a:r>
-            <a:r>
-              <a:rPr lang="fr-FR" sz="1400" dirty="0" smtClean="0">
-                <a:solidFill>
-                  <a:schemeClr val="tx1"/>
-                </a:solidFill>
-              </a:rPr>
-              <a:t> { type uint32}</a:t>
-            </a:r>
-            <a:r>
-              <a:rPr lang="fr-FR" sz="1400" dirty="0" smtClean="0">
-                <a:solidFill>
-                  <a:schemeClr val="tx1"/>
-                </a:solidFill>
-              </a:rPr>
-              <a:t>;</a:t>
-            </a:r>
-          </a:p>
-          <a:p>
-            <a:r>
-              <a:rPr lang="fr-FR" sz="1400" dirty="0" smtClean="0">
-                <a:solidFill>
-                  <a:schemeClr val="tx1"/>
-                </a:solidFill>
-              </a:rPr>
-              <a:t>			</a:t>
-            </a:r>
-            <a:r>
-              <a:rPr lang="fr-FR" sz="1400" dirty="0" err="1" smtClean="0">
-                <a:solidFill>
-                  <a:schemeClr val="tx1"/>
-                </a:solidFill>
-              </a:rPr>
-              <a:t>choice</a:t>
-            </a:r>
-            <a:r>
-              <a:rPr lang="fr-FR" sz="1400" dirty="0" smtClean="0">
-                <a:solidFill>
-                  <a:schemeClr val="tx1"/>
-                </a:solidFill>
-              </a:rPr>
-              <a:t> </a:t>
-            </a:r>
-            <a:r>
-              <a:rPr lang="fr-FR" sz="1400" dirty="0" err="1" smtClean="0">
-                <a:solidFill>
-                  <a:schemeClr val="tx1"/>
-                </a:solidFill>
-              </a:rPr>
-              <a:t>ad-type</a:t>
-            </a:r>
-            <a:r>
-              <a:rPr lang="fr-FR" sz="1400" dirty="0" smtClean="0">
-                <a:solidFill>
-                  <a:schemeClr val="tx1"/>
-                </a:solidFill>
-              </a:rPr>
-              <a:t> {</a:t>
-            </a:r>
-          </a:p>
-          <a:p>
-            <a:r>
-              <a:rPr lang="fr-FR" sz="1400" dirty="0" smtClean="0">
-                <a:solidFill>
-                  <a:schemeClr val="tx1"/>
-                </a:solidFill>
-              </a:rPr>
-              <a:t>				case v4 uses v4add;</a:t>
-            </a:r>
-          </a:p>
-          <a:p>
-            <a:r>
-              <a:rPr lang="fr-FR" sz="1400" dirty="0" smtClean="0">
-                <a:solidFill>
-                  <a:schemeClr val="tx1"/>
-                </a:solidFill>
-              </a:rPr>
-              <a:t>				case v6 uses v6add;</a:t>
-            </a:r>
-          </a:p>
-          <a:p>
-            <a:r>
-              <a:rPr lang="fr-FR" sz="1400" dirty="0" smtClean="0">
-                <a:solidFill>
-                  <a:schemeClr val="tx1"/>
-                </a:solidFill>
-              </a:rPr>
-              <a:t>			}</a:t>
-            </a:r>
-          </a:p>
-          <a:p>
-            <a:r>
-              <a:rPr lang="fr-FR" sz="1400" dirty="0" smtClean="0">
-                <a:solidFill>
-                  <a:schemeClr val="tx1"/>
-                </a:solidFill>
-              </a:rPr>
-              <a:t>		}</a:t>
-            </a:r>
-          </a:p>
-          <a:p>
-            <a:r>
-              <a:rPr lang="fr-FR" sz="1400" dirty="0" smtClean="0">
-                <a:solidFill>
-                  <a:schemeClr val="tx1"/>
-                </a:solidFill>
-              </a:rPr>
-              <a:t>	}</a:t>
-            </a:r>
-          </a:p>
-          <a:p>
-            <a:r>
-              <a:rPr lang="fr-FR" sz="1400" dirty="0" smtClean="0">
-                <a:solidFill>
-                  <a:schemeClr val="tx1"/>
-                </a:solidFill>
-              </a:rPr>
-              <a:t>}</a:t>
-            </a:r>
-            <a:endParaRPr lang="fr-FR" sz="1400" dirty="0" smtClean="0">
-              <a:solidFill>
-                <a:schemeClr val="tx1"/>
-              </a:solidFill>
-            </a:endParaRPr>
           </a:p>
           <a:p>
             <a:endParaRPr lang="fr-FR" sz="1400" dirty="0">
@@ -24390,7 +24666,7 @@
           <a:p>
             <a:pPr algn="ctr"/>
             <a:r>
-              <a:rPr lang="en-US" sz="1400" dirty="0" smtClean="0"/>
+              <a:rPr lang="fr-FR" sz="1400" dirty="0" smtClean="0"/>
               <a:t>NETCONF</a:t>
             </a:r>
             <a:endParaRPr lang="en-US" sz="1400" dirty="0"/>
@@ -24432,7 +24708,7 @@
           <a:p>
             <a:pPr algn="ctr"/>
             <a:r>
-              <a:rPr lang="en-US" sz="1400" dirty="0" smtClean="0"/>
+              <a:rPr lang="fr-FR" sz="1400" dirty="0" smtClean="0"/>
               <a:t>NETCONF</a:t>
             </a:r>
             <a:endParaRPr lang="en-US" sz="1400" dirty="0"/>
@@ -30010,7 +30286,15 @@
             </a:r>
             <a:r>
               <a:rPr lang="en-US" dirty="0" smtClean="0"/>
-              <a:t> : a NETCONF server</a:t>
+              <a:t> : a </a:t>
+            </a:r>
+            <a:r>
+              <a:rPr lang="fr-FR" dirty="0" smtClean="0"/>
+              <a:t>NETCONF</a:t>
+            </a:r>
+            <a:r>
+              <a:rPr lang="en-US" dirty="0" smtClean="0"/>
+              <a:t> server</a:t>
             </a:r>
             <a:endParaRPr lang="en-US" dirty="0"/>
           </a:p>
@@ -30093,8 +30377,12 @@
           <a:p>
             <a:pPr algn="ctr"/>
             <a:r>
+              <a:rPr lang="fr-FR" dirty="0" smtClean="0"/>
+              <a:t>NETCONF</a:t>
+            </a:r>
+            <a:r>
               <a:rPr lang="en-US" dirty="0" smtClean="0"/>
-              <a:t>NETCONF Operation</a:t>
+              <a:t> Operation</a:t>
             </a:r>
             <a:endParaRPr lang="en-US" dirty="0"/>
           </a:p>
@@ -30688,7 +30976,7 @@
         <p:spPr>
           <a:xfrm>
             <a:off x="8153400" y="762000"/>
-            <a:ext cx="1133644" cy="369332"/>
+            <a:ext cx="1313180" cy="369332"/>
           </a:xfrm>
           <a:prstGeom prst="rect">
             <a:avLst/>
@@ -30706,8 +30994,8 @@
               <a:t>&lt;</a:t>
             </a:r>
             <a:r>
-              <a:rPr lang="en-US" dirty="0" err="1" smtClean="0"/>
-              <a:t>netconf</a:t>
+              <a:rPr lang="fr-FR" dirty="0" smtClean="0"/>
+              <a:t>NETCONF</a:t>
             </a:r>
             <a:r>
               <a:rPr lang="en-US" dirty="0" smtClean="0"/>
@@ -30752,8 +31040,12 @@
           <a:p>
             <a:pPr algn="ctr"/>
             <a:r>
+              <a:rPr lang="fr-FR" dirty="0" smtClean="0"/>
+              <a:t>NETCONF</a:t>
+            </a:r>
+            <a:r>
               <a:rPr lang="en-US" dirty="0" smtClean="0"/>
-              <a:t>NETCONF RPC</a:t>
+              <a:t> RPC</a:t>
             </a:r>
             <a:endParaRPr lang="en-US" dirty="0"/>
           </a:p>
@@ -30819,15 +31111,7 @@
             </a:r>
             <a:r>
               <a:rPr lang="fr-FR" sz="1200" dirty="0" smtClean="0"/>
-              <a:t>&gt;/</a:t>
-            </a:r>
-            <a:r>
-              <a:rPr lang="fr-FR" sz="1200" dirty="0" err="1" smtClean="0"/>
-              <a:t>netconf</a:t>
-            </a:r>
-            <a:r>
-              <a:rPr lang="fr-FR" sz="1200" dirty="0" smtClean="0"/>
-              <a:t>/network/interfaces&lt;/</a:t>
+              <a:t>&gt;/NETCONF/network/interfaces&lt;/</a:t>
             </a:r>
             <a:r>
               <a:rPr lang="fr-FR" sz="1200" dirty="0" err="1" smtClean="0"/>
@@ -31066,11 +31350,6 @@
               </a:rPr>
               <a:t>YANG</a:t>
             </a:r>
-            <a:endParaRPr lang="fr-FR" sz="1200" dirty="0" smtClean="0">
-              <a:solidFill>
-                <a:schemeClr val="tx1"/>
-              </a:solidFill>
-            </a:endParaRPr>
           </a:p>
           <a:p>
             <a:pPr algn="ctr"/>
@@ -31188,18 +31467,13 @@
           <a:p>
             <a:pPr algn="ctr"/>
             <a:r>
-              <a:rPr lang="fr-FR" dirty="0" err="1" smtClean="0">
+              <a:rPr lang="fr-FR" dirty="0" smtClean="0">
                 <a:solidFill>
                   <a:schemeClr val="tx1"/>
                 </a:solidFill>
               </a:rPr>
-              <a:t>Netconf</a:t>
-            </a:r>
-            <a:endParaRPr lang="fr-FR" dirty="0" smtClean="0">
-              <a:solidFill>
-                <a:schemeClr val="tx1"/>
-              </a:solidFill>
-            </a:endParaRPr>
+              <a:t>NETCONF</a:t>
+            </a:r>
           </a:p>
           <a:p>
             <a:pPr algn="ctr"/>
@@ -32233,7 +32507,7 @@
         <p:spPr>
           <a:xfrm>
             <a:off x="5638800" y="734199"/>
-            <a:ext cx="2734969" cy="1938992"/>
+            <a:ext cx="2734969" cy="2123658"/>
           </a:xfrm>
           <a:prstGeom prst="rect">
             <a:avLst/>
@@ -32248,15 +32522,7 @@
           <a:p>
             <a:r>
               <a:rPr lang="fr-FR" sz="1200" dirty="0" smtClean="0"/>
-              <a:t>&lt;</a:t>
-            </a:r>
-            <a:r>
-              <a:rPr lang="fr-FR" sz="1200" dirty="0" err="1" smtClean="0"/>
-              <a:t>netconf</a:t>
-            </a:r>
-            <a:r>
-              <a:rPr lang="fr-FR" sz="1200" dirty="0" smtClean="0"/>
-              <a:t> </a:t>
+              <a:t>&lt;NETCONF </a:t>
             </a:r>
             <a:r>
               <a:rPr lang="fr-FR" sz="1200" dirty="0" err="1" smtClean="0"/>
@@ -32342,15 +32608,7 @@
           <a:p>
             <a:r>
               <a:rPr lang="fr-FR" sz="1200" dirty="0" smtClean="0"/>
-              <a:t>&lt;/</a:t>
-            </a:r>
-            <a:r>
-              <a:rPr lang="fr-FR" sz="1200" dirty="0" err="1" smtClean="0"/>
-              <a:t>netconf</a:t>
-            </a:r>
-            <a:r>
-              <a:rPr lang="fr-FR" sz="1200" dirty="0" smtClean="0"/>
-              <a:t>&gt;</a:t>
+              <a:t>&lt;/NETCONF&gt;</a:t>
             </a:r>
             <a:endParaRPr lang="fr-FR" sz="1200" dirty="0"/>
           </a:p>
@@ -32669,7 +32927,6 @@
               <a:rPr lang="fr-FR" sz="1200" dirty="0" smtClean="0"/>
               <a:t>	&lt;interface&gt;</a:t>
             </a:r>
-            <a:endParaRPr lang="fr-FR" sz="1200" dirty="0" smtClean="0"/>
           </a:p>
           <a:p>
             <a:r>
@@ -32682,11 +32939,7 @@
             </a:r>
             <a:r>
               <a:rPr lang="fr-FR" sz="1200" dirty="0" smtClean="0"/>
-              <a:t>&gt;lo0&lt;</a:t>
-            </a:r>
-            <a:r>
-              <a:rPr lang="fr-FR" sz="1200" dirty="0" smtClean="0"/>
-              <a:t>/</a:t>
+              <a:t>&gt;lo0&lt;/</a:t>
             </a:r>
             <a:r>
               <a:rPr lang="fr-FR" sz="1200" dirty="0" err="1" smtClean="0"/>
@@ -32708,11 +32961,7 @@
             </a:r>
             <a:r>
               <a:rPr lang="fr-FR" sz="1200" dirty="0" smtClean="0"/>
-              <a:t>&gt;16436&lt;</a:t>
-            </a:r>
-            <a:r>
-              <a:rPr lang="fr-FR" sz="1200" dirty="0" smtClean="0"/>
-              <a:t>/</a:t>
+              <a:t>&gt;16436&lt;/</a:t>
             </a:r>
             <a:r>
               <a:rPr lang="fr-FR" sz="1200" dirty="0" err="1" smtClean="0"/>
@@ -32728,7 +32977,6 @@
               <a:rPr lang="fr-FR" sz="1200" dirty="0" smtClean="0"/>
               <a:t>	&lt;/interface&gt;</a:t>
             </a:r>
-            <a:endParaRPr lang="fr-FR" sz="1200" dirty="0" smtClean="0"/>
           </a:p>
           <a:p>
             <a:r>

--- a/yang-manager/reports/YangArchi.pptx
+++ b/yang-manager/reports/YangArchi.pptx
@@ -215,7 +215,8 @@
           <a:p>
             <a:fld id="{69351470-D01B-924B-AB3C-0D4571B89327}" type="datetime1">
               <a:rPr lang="fr-FR" smtClean="0"/>
-              <a:t>2/09/09</a:t>
+              <a:pPr/>
+              <a:t>4/09/09</a:t>
             </a:fld>
             <a:endParaRPr lang="fr-FR"/>
           </a:p>
@@ -281,6 +282,7 @@
           <a:p>
             <a:fld id="{CEFAD041-C426-304C-B169-E33EBA927933}" type="slidenum">
               <a:rPr lang="fr-FR" smtClean="0"/>
+              <a:pPr/>
               <a:t>‹#›</a:t>
             </a:fld>
             <a:endParaRPr lang="fr-FR"/>
@@ -376,7 +378,8 @@
           <a:p>
             <a:fld id="{94DC8044-5188-1245-98C0-4935C45961F4}" type="datetime1">
               <a:rPr lang="fr-FR" smtClean="0"/>
-              <a:t>2/09/09</a:t>
+              <a:pPr/>
+              <a:t>4/09/09</a:t>
             </a:fld>
             <a:endParaRPr lang="fr-FR"/>
           </a:p>
@@ -711,168 +714,42 @@
                 <a:latin typeface="Times New Roman"/>
                 <a:cs typeface="Times New Roman"/>
               </a:rPr>
-              <a:t>Networks resources</a:t>
+              <a:t>Networked resources</a:t>
             </a:r>
             <a:r>
               <a:rPr lang="en-US" sz="1000" baseline="0" noProof="0" dirty="0" smtClean="0">
                 <a:latin typeface="Times New Roman"/>
                 <a:cs typeface="Times New Roman"/>
               </a:rPr>
-              <a:t> are </a:t>
+              <a:t> are of increasing complexity and have to be configured to guarantee proper operation. Within the IETF, current efforts are focused on both a protocol and a data model definition language for configuration management. The NETCONF protocol describes the communication between network devices to be configured and remote configuration applications. </a:t>
+            </a:r>
+            <a:r>
+              <a:rPr lang="fr-FR" sz="1000" baseline="0" noProof="0" dirty="0" smtClean="0">
+                <a:latin typeface="Times New Roman"/>
+                <a:cs typeface="Times New Roman"/>
+              </a:rPr>
+              <a:t>NETCONF</a:t>
             </a:r>
             <a:r>
               <a:rPr lang="en-US" sz="1000" baseline="0" noProof="0" dirty="0" smtClean="0">
                 <a:latin typeface="Times New Roman"/>
                 <a:cs typeface="Times New Roman"/>
               </a:rPr>
-              <a:t>of</a:t>
+              <a:t> does not describe how configuration data is represented. This is addressed by the YANG data modeling language, the emerging proposal of the </a:t>
+            </a:r>
+            <a:r>
+              <a:rPr lang="en-US" sz="1000" baseline="0" noProof="0" dirty="0" err="1" smtClean="0">
+                <a:latin typeface="Times New Roman"/>
+                <a:cs typeface="Times New Roman"/>
+              </a:rPr>
+              <a:t>netmod</a:t>
             </a:r>
             <a:r>
               <a:rPr lang="en-US" sz="1000" baseline="0" noProof="0" dirty="0" smtClean="0">
                 <a:latin typeface="Times New Roman"/>
                 <a:cs typeface="Times New Roman"/>
               </a:rPr>
-              <a:t> increasing </a:t>
-            </a:r>
-            <a:r>
-              <a:rPr lang="en-US" sz="1000" baseline="0" noProof="0" dirty="0" smtClean="0">
-                <a:latin typeface="Times New Roman"/>
-                <a:cs typeface="Times New Roman"/>
-              </a:rPr>
-              <a:t>complexity and have to be properly configured to</a:t>
-            </a:r>
-            <a:r>
-              <a:rPr lang="en-US" sz="1000" baseline="0" noProof="0" dirty="0" smtClean="0">
-                <a:latin typeface="Times New Roman"/>
-                <a:cs typeface="Times New Roman"/>
-              </a:rPr>
-              <a:t> guarantee proper operation</a:t>
-            </a:r>
-            <a:r>
-              <a:rPr lang="en-US" sz="1000" baseline="0" noProof="0" dirty="0" smtClean="0">
-                <a:latin typeface="Times New Roman"/>
-                <a:cs typeface="Times New Roman"/>
-              </a:rPr>
-              <a:t>.</a:t>
-            </a:r>
-            <a:r>
-              <a:rPr lang="en-US" sz="1000" baseline="0" noProof="0" dirty="0" smtClean="0">
-                <a:latin typeface="Times New Roman"/>
-                <a:cs typeface="Times New Roman"/>
-              </a:rPr>
-              <a:t> Within the IETF, current efforts are focused on both a protocol and a data model definition for configuration management. The NETCONF </a:t>
-            </a:r>
-            <a:r>
-              <a:rPr lang="en-US" sz="1000" baseline="0" noProof="0" dirty="0" smtClean="0">
-                <a:latin typeface="Times New Roman"/>
-                <a:cs typeface="Times New Roman"/>
-              </a:rPr>
-              <a:t>protocol describes</a:t>
-            </a:r>
-            <a:r>
-              <a:rPr lang="en-US" sz="1000" baseline="0" noProof="0" dirty="0" smtClean="0">
-                <a:latin typeface="Times New Roman"/>
-                <a:cs typeface="Times New Roman"/>
-              </a:rPr>
-              <a:t> the communication </a:t>
-            </a:r>
-            <a:r>
-              <a:rPr lang="en-US" sz="1000" baseline="0" noProof="0" dirty="0" smtClean="0">
-                <a:latin typeface="Times New Roman"/>
-                <a:cs typeface="Times New Roman"/>
-              </a:rPr>
-              <a:t>between network </a:t>
-            </a:r>
-            <a:r>
-              <a:rPr lang="en-US" sz="1000" baseline="0" noProof="0" dirty="0" smtClean="0">
-                <a:latin typeface="Times New Roman"/>
-                <a:cs typeface="Times New Roman"/>
-              </a:rPr>
-              <a:t>devices </a:t>
-            </a:r>
-            <a:r>
-              <a:rPr lang="en-US" sz="1000" baseline="0" noProof="0" dirty="0" smtClean="0">
-                <a:latin typeface="Times New Roman"/>
-                <a:cs typeface="Times New Roman"/>
-              </a:rPr>
-              <a:t>to be configured </a:t>
-            </a:r>
-            <a:r>
-              <a:rPr lang="en-US" sz="1000" baseline="0" noProof="0" dirty="0" smtClean="0">
-                <a:latin typeface="Times New Roman"/>
-                <a:cs typeface="Times New Roman"/>
-              </a:rPr>
-              <a:t>and remote configuration applications. </a:t>
-            </a:r>
-            <a:r>
-              <a:rPr lang="fr-FR" sz="1000" baseline="0" noProof="0" dirty="0" smtClean="0">
-                <a:latin typeface="Times New Roman"/>
-                <a:cs typeface="Times New Roman"/>
-              </a:rPr>
-              <a:t>NETCONF</a:t>
-            </a:r>
-            <a:r>
-              <a:rPr lang="en-US" sz="1000" baseline="0" noProof="0" dirty="0" smtClean="0">
-                <a:latin typeface="Times New Roman"/>
-                <a:cs typeface="Times New Roman"/>
-              </a:rPr>
-              <a:t> </a:t>
-            </a:r>
-            <a:r>
-              <a:rPr lang="en-US" sz="1000" baseline="0" noProof="0" dirty="0" smtClean="0">
-                <a:latin typeface="Times New Roman"/>
-                <a:cs typeface="Times New Roman"/>
-              </a:rPr>
-              <a:t>does not </a:t>
-            </a:r>
-            <a:r>
-              <a:rPr lang="en-US" sz="1000" baseline="0" noProof="0" dirty="0" smtClean="0">
-                <a:latin typeface="Times New Roman"/>
-                <a:cs typeface="Times New Roman"/>
-              </a:rPr>
-              <a:t>describe </a:t>
-            </a:r>
-            <a:r>
-              <a:rPr lang="en-US" sz="1000" baseline="0" noProof="0" dirty="0" smtClean="0">
-                <a:latin typeface="Times New Roman"/>
-                <a:cs typeface="Times New Roman"/>
-              </a:rPr>
-              <a:t>how configuration data</a:t>
-            </a:r>
-            <a:r>
-              <a:rPr lang="en-US" sz="1000" baseline="0" noProof="0" dirty="0" smtClean="0">
-                <a:latin typeface="Times New Roman"/>
-                <a:cs typeface="Times New Roman"/>
-              </a:rPr>
-              <a:t> is presented. This is addressed by the </a:t>
-            </a:r>
-            <a:r>
-              <a:rPr lang="en-US" sz="1000" baseline="0" noProof="0" dirty="0" smtClean="0">
-                <a:latin typeface="Times New Roman"/>
-                <a:cs typeface="Times New Roman"/>
-              </a:rPr>
-              <a:t>YANG data modeling language, the emerging proposal of the </a:t>
-            </a:r>
-            <a:r>
-              <a:rPr lang="en-US" sz="1000" baseline="0" noProof="0" dirty="0" err="1" smtClean="0">
-                <a:latin typeface="Times New Roman"/>
-                <a:cs typeface="Times New Roman"/>
-              </a:rPr>
-              <a:t>netmod</a:t>
-            </a:r>
-            <a:r>
-              <a:rPr lang="en-US" sz="1000" baseline="0" noProof="0" dirty="0" smtClean="0">
-                <a:latin typeface="Times New Roman"/>
-                <a:cs typeface="Times New Roman"/>
-              </a:rPr>
-              <a:t> standard working group.</a:t>
-            </a:r>
-            <a:r>
-              <a:rPr lang="en-US" sz="1000" baseline="0" noProof="0" dirty="0" smtClean="0">
-                <a:latin typeface="Times New Roman"/>
-                <a:cs typeface="Times New Roman"/>
-              </a:rPr>
-              <a:t> </a:t>
+              <a:t> standard working group. </a:t>
             </a:r>
           </a:p>
           <a:p>
@@ -898,7 +775,7 @@
                 <a:latin typeface="Times New Roman"/>
                 <a:cs typeface="Times New Roman"/>
               </a:rPr>
-              <a:t>We present in this paper the result of the integration of YANG and NETCONF in the open source ENSUITE framework. We illustrate this integration through a YANG-based configuration navigation and edition tool.</a:t>
+              <a:t>We present in this paper the result of the integration of YANG and NETCONF in the ENSUITE open source framework. We illustrate this integration through a YANG-based configuration navigation and edition tool.</a:t>
             </a:r>
           </a:p>
           <a:p>
@@ -971,26 +848,83 @@
           </a:bodyPr>
           <a:lstStyle/>
           <a:p>
-            <a:endParaRPr lang="fr-FR" sz="1000" dirty="0" smtClean="0">
-              <a:latin typeface="Times New Roman"/>
-              <a:cs typeface="Times New Roman"/>
-            </a:endParaRPr>
-          </a:p>
-          <a:p>
             <a:pPr algn="just"/>
             <a:r>
               <a:rPr lang="en-US" sz="1000" noProof="0" dirty="0" smtClean="0">
                 <a:latin typeface="Times New Roman"/>
                 <a:cs typeface="Times New Roman"/>
               </a:rPr>
-              <a:t>We provide two contributions to the network</a:t>
+              <a:t>We </a:t>
+            </a:r>
+            <a:r>
+              <a:rPr lang="en-US" sz="1000" noProof="0" dirty="0" smtClean="0">
+                <a:latin typeface="Times New Roman"/>
+                <a:cs typeface="Times New Roman"/>
+              </a:rPr>
+              <a:t>provide two </a:t>
+            </a:r>
+            <a:r>
+              <a:rPr lang="en-US" sz="1000" noProof="0" dirty="0" smtClean="0">
+                <a:latin typeface="Times New Roman"/>
+                <a:cs typeface="Times New Roman"/>
+              </a:rPr>
+              <a:t>contribution </a:t>
+            </a:r>
+            <a:r>
+              <a:rPr lang="en-US" sz="1000" noProof="0" dirty="0" smtClean="0">
+                <a:latin typeface="Times New Roman"/>
+                <a:cs typeface="Times New Roman"/>
+              </a:rPr>
+              <a:t>to the network</a:t>
             </a:r>
             <a:r>
               <a:rPr lang="en-US" sz="1000" baseline="0" noProof="0" dirty="0" smtClean="0">
                 <a:latin typeface="Times New Roman"/>
                 <a:cs typeface="Times New Roman"/>
               </a:rPr>
-              <a:t> configuration domain. The first one is a YANG parser and semantic checker close to actual version of the draft definition of YANG. The second contribution is that now, the ENSUITE framework is YANG enabled both on the server and the client side. </a:t>
+              <a:t> configuration domain. The first one is a YANG parser and semantic checker close to</a:t>
+            </a:r>
+            <a:r>
+              <a:rPr lang="en-US" sz="1000" baseline="0" noProof="0" dirty="0" smtClean="0">
+                <a:latin typeface="Times New Roman"/>
+                <a:cs typeface="Times New Roman"/>
+              </a:rPr>
+              <a:t> the actual </a:t>
+            </a:r>
+            <a:r>
+              <a:rPr lang="en-US" sz="1000" baseline="0" noProof="0" dirty="0" smtClean="0">
+                <a:latin typeface="Times New Roman"/>
+                <a:cs typeface="Times New Roman"/>
+              </a:rPr>
+              <a:t>version of the draft definition of YANG. The second contribution is</a:t>
+            </a:r>
+            <a:r>
+              <a:rPr lang="en-US" sz="1000" baseline="0" noProof="0" dirty="0" smtClean="0">
+                <a:latin typeface="Times New Roman"/>
+                <a:cs typeface="Times New Roman"/>
+              </a:rPr>
+              <a:t> the support within the </a:t>
+            </a:r>
+            <a:r>
+              <a:rPr lang="en-US" sz="1000" baseline="0" noProof="0" dirty="0" smtClean="0">
+                <a:latin typeface="Times New Roman"/>
+                <a:cs typeface="Times New Roman"/>
+              </a:rPr>
+              <a:t>ENSUITE framework</a:t>
+            </a:r>
+            <a:r>
+              <a:rPr lang="en-US" sz="1000" baseline="0" noProof="0" dirty="0" smtClean="0">
+                <a:latin typeface="Times New Roman"/>
+                <a:cs typeface="Times New Roman"/>
+              </a:rPr>
+              <a:t> of YANG based models both </a:t>
+            </a:r>
+            <a:r>
+              <a:rPr lang="en-US" sz="1000" baseline="0" noProof="0" dirty="0" smtClean="0">
+                <a:latin typeface="Times New Roman"/>
+                <a:cs typeface="Times New Roman"/>
+              </a:rPr>
+              <a:t>on the server and the client side. </a:t>
             </a:r>
           </a:p>
           <a:p>
@@ -1021,7 +955,21 @@
                 <a:latin typeface="Times New Roman"/>
                 <a:cs typeface="Times New Roman"/>
               </a:rPr>
-              <a:t> to be able to generate parts of its code from YANG specifications, or build generic parts, to ensure the server maintains a valid Data Store compliant with YANG . The server has to be able to send notifications especially those defined in YANG and also have to be able to accept user defined operations as there are YANG </a:t>
+              <a:t> to be able to generate parts of its code from YANG specifications, or build generic parts, to ensure the server maintains a valid Data Store compliant with YANG . The server has to be able to send notifications especially those defined in YANG and</a:t>
+            </a:r>
+            <a:r>
+              <a:rPr lang="en-US" sz="1000" baseline="0" noProof="0" dirty="0" smtClean="0">
+                <a:latin typeface="Times New Roman"/>
+                <a:cs typeface="Times New Roman"/>
+              </a:rPr>
+              <a:t> must also accept </a:t>
+            </a:r>
+            <a:r>
+              <a:rPr lang="en-US" sz="1000" baseline="0" noProof="0" dirty="0" smtClean="0">
+                <a:latin typeface="Times New Roman"/>
+                <a:cs typeface="Times New Roman"/>
+              </a:rPr>
+              <a:t>user defined operations as there are YANG </a:t>
             </a:r>
             <a:r>
               <a:rPr lang="en-US" sz="1000" baseline="0" noProof="0" dirty="0" err="1" smtClean="0">
@@ -1066,7 +1014,35 @@
                 <a:latin typeface="Times New Roman"/>
                 <a:cs typeface="Times New Roman"/>
               </a:rPr>
-              <a:t> server with such knowledge this server will be enabled to autonomously checks its configuration. At the client side the constraints can ensure the manager user do not make mistakes in its configuration operations and can notify user if constraints are not respected.</a:t>
+              <a:t> server with such knowledge this server will be enabled to autonomously checks its configuration. At the client side the constraints can ensure the manager</a:t>
+            </a:r>
+            <a:r>
+              <a:rPr lang="en-US" sz="1000" baseline="0" noProof="0" dirty="0" smtClean="0">
+                <a:latin typeface="Times New Roman"/>
+                <a:cs typeface="Times New Roman"/>
+              </a:rPr>
+              <a:t> does </a:t>
+            </a:r>
+            <a:r>
+              <a:rPr lang="en-US" sz="1000" baseline="0" noProof="0" dirty="0" smtClean="0">
+                <a:latin typeface="Times New Roman"/>
+                <a:cs typeface="Times New Roman"/>
+              </a:rPr>
+              <a:t>not make mistakes in its configuration operations and can notify </a:t>
+            </a:r>
+            <a:r>
+              <a:rPr lang="en-US" sz="1000" baseline="0" noProof="0" dirty="0" smtClean="0">
+                <a:latin typeface="Times New Roman"/>
+                <a:cs typeface="Times New Roman"/>
+              </a:rPr>
+              <a:t>users </a:t>
+            </a:r>
+            <a:r>
+              <a:rPr lang="en-US" sz="1000" baseline="0" noProof="0" dirty="0" smtClean="0">
+                <a:latin typeface="Times New Roman"/>
+                <a:cs typeface="Times New Roman"/>
+              </a:rPr>
+              <a:t>if constraints are not respected.</a:t>
             </a:r>
           </a:p>
           <a:p>
@@ -1747,14 +1723,14 @@
                 <a:latin typeface="Times New Roman"/>
                 <a:cs typeface="Times New Roman"/>
               </a:rPr>
-              <a:t> management is gaining importance as the size and the complexity of network resources is growing. In the Internet context, the </a:t>
+              <a:t> management importance is increasing with the growing size and the complexity of network resources. In the Internet context, the </a:t>
             </a:r>
             <a:r>
               <a:rPr lang="en-US" sz="1000" baseline="0" noProof="0" dirty="0" err="1" smtClean="0">
                 <a:latin typeface="Times New Roman"/>
                 <a:cs typeface="Times New Roman"/>
               </a:rPr>
-              <a:t>netmod</a:t>
+              <a:t>netconf</a:t>
             </a:r>
             <a:r>
               <a:rPr lang="en-US" sz="1000" baseline="0" noProof="0" dirty="0" smtClean="0">
@@ -1775,89 +1751,22 @@
                 <a:latin typeface="Times New Roman"/>
                 <a:cs typeface="Times New Roman"/>
               </a:rPr>
-              <a:t> protocol [1] as a standard to manage configuration of network devices. This protocol is tailored to configuration operation</a:t>
+              <a:t> protocol [1] as a standard to manage configuration of network devices. This protocol is tailored to configuration operation  i.e. setting and/or getting configuration data values to/from devices. Values are </a:t>
+            </a:r>
+            <a:r>
+              <a:rPr lang="en-US" sz="1000" baseline="0" noProof="0" dirty="0" err="1" smtClean="0">
+                <a:latin typeface="Times New Roman"/>
+                <a:cs typeface="Times New Roman"/>
+              </a:rPr>
+              <a:t>tansmitted</a:t>
             </a:r>
             <a:r>
               <a:rPr lang="en-US" sz="1000" baseline="0" noProof="0" dirty="0" smtClean="0">
                 <a:latin typeface="Times New Roman"/>
                 <a:cs typeface="Times New Roman"/>
               </a:rPr>
-              <a:t>  i.e. setting and/or getting configuration </a:t>
-            </a:r>
-            <a:r>
-              <a:rPr lang="en-US" sz="1000" baseline="0" noProof="0" dirty="0" smtClean="0">
-                <a:latin typeface="Times New Roman"/>
-                <a:cs typeface="Times New Roman"/>
-              </a:rPr>
-              <a:t>data values </a:t>
-            </a:r>
-            <a:r>
-              <a:rPr lang="en-US" sz="1000" baseline="0" noProof="0" dirty="0" smtClean="0">
-                <a:latin typeface="Times New Roman"/>
-                <a:cs typeface="Times New Roman"/>
-              </a:rPr>
-              <a:t>to/from devices. </a:t>
-            </a:r>
-            <a:r>
-              <a:rPr lang="en-US" sz="1000" baseline="0" noProof="0" dirty="0" smtClean="0">
-                <a:latin typeface="Times New Roman"/>
-                <a:cs typeface="Times New Roman"/>
-              </a:rPr>
-              <a:t>Values are </a:t>
-            </a:r>
-            <a:r>
-              <a:rPr lang="en-US" sz="1000" baseline="0" noProof="0" dirty="0" err="1" smtClean="0">
-                <a:latin typeface="Times New Roman"/>
-                <a:cs typeface="Times New Roman"/>
-              </a:rPr>
-              <a:t>tansmitted</a:t>
-            </a:r>
-            <a:r>
-              <a:rPr lang="en-US" sz="1000" baseline="0" noProof="0" dirty="0" smtClean="0">
-                <a:latin typeface="Times New Roman"/>
-                <a:cs typeface="Times New Roman"/>
-              </a:rPr>
-              <a:t> in a XML document. The standardization body admits this should be improved by a data model that will </a:t>
-            </a:r>
-            <a:r>
-              <a:rPr lang="en-US" sz="1000" baseline="0" noProof="0" dirty="0" smtClean="0">
-                <a:latin typeface="Times New Roman"/>
-                <a:cs typeface="Times New Roman"/>
-              </a:rPr>
-              <a:t>give </a:t>
-            </a:r>
-            <a:r>
-              <a:rPr lang="en-US" sz="1000" baseline="0" noProof="0" dirty="0" smtClean="0">
-                <a:latin typeface="Times New Roman"/>
-                <a:cs typeface="Times New Roman"/>
-              </a:rPr>
-              <a:t>semantic to these data values and should be used as a contract between device </a:t>
-            </a:r>
-            <a:r>
-              <a:rPr lang="en-US" sz="1000" baseline="0" noProof="0" dirty="0" smtClean="0">
-                <a:latin typeface="Times New Roman"/>
-                <a:cs typeface="Times New Roman"/>
-              </a:rPr>
-              <a:t>vendors </a:t>
-            </a:r>
-            <a:r>
-              <a:rPr lang="en-US" sz="1000" baseline="0" noProof="0" dirty="0" smtClean="0">
-                <a:latin typeface="Times New Roman"/>
-                <a:cs typeface="Times New Roman"/>
-              </a:rPr>
-              <a:t>and application </a:t>
-            </a:r>
-            <a:r>
-              <a:rPr lang="en-US" sz="1000" baseline="0" noProof="0" dirty="0" smtClean="0">
-                <a:latin typeface="Times New Roman"/>
-                <a:cs typeface="Times New Roman"/>
-              </a:rPr>
-              <a:t>developers. </a:t>
-            </a:r>
-            <a:endParaRPr lang="en-US" sz="1000" baseline="0" noProof="0" dirty="0" smtClean="0">
-              <a:latin typeface="Times New Roman"/>
-              <a:cs typeface="Times New Roman"/>
-            </a:endParaRPr>
+              <a:t> in a XML document. The standardization body admits this should be improved by a data model that will give semantic to these data values and should be used as a contract between device vendors and application developers. </a:t>
+            </a:r>
           </a:p>
           <a:p>
             <a:pPr marL="0" marR="0" indent="0" algn="just" defTabSz="457200" rtl="0" eaLnBrk="1" fontAlgn="auto" latinLnBrk="0" hangingPunct="1">
@@ -1905,189 +1814,63 @@
                 <a:latin typeface="Times New Roman"/>
                 <a:cs typeface="Times New Roman"/>
               </a:rPr>
-              <a:t>YANG [2] is the data modeling language</a:t>
+              <a:t>YANG [2] is the data modeling language proposed by the </a:t>
+            </a:r>
+            <a:r>
+              <a:rPr lang="en-US" sz="1000" baseline="0" noProof="0" dirty="0" err="1" smtClean="0">
+                <a:latin typeface="Times New Roman"/>
+                <a:cs typeface="Times New Roman"/>
+              </a:rPr>
+              <a:t>netmod</a:t>
             </a:r>
             <a:r>
               <a:rPr lang="en-US" sz="1000" baseline="0" noProof="0" dirty="0" smtClean="0">
                 <a:latin typeface="Times New Roman"/>
                 <a:cs typeface="Times New Roman"/>
               </a:rPr>
-              <a:t> proposed by </a:t>
+              <a:t> working group. YANG can be compared to SMI [3] in the SNMP [4] framework because it is a data modeling language and because data values are distributed and accessible through a protocol. With YANG one can specify complex but human-readable configurations for any network device. YANG is presented as a more focused and adapted data modeling language for configuration management than XML Schema or Relax NG [5,6]. On the server side, any vendor can use such specifications to build a </a:t>
+            </a:r>
+            <a:r>
+              <a:rPr lang="fr-FR" sz="1000" baseline="0" noProof="0" dirty="0" smtClean="0">
+                <a:latin typeface="Times New Roman"/>
+                <a:cs typeface="Times New Roman"/>
+              </a:rPr>
+              <a:t>NETCONF</a:t>
             </a:r>
             <a:r>
               <a:rPr lang="en-US" sz="1000" baseline="0" noProof="0" dirty="0" smtClean="0">
                 <a:latin typeface="Times New Roman"/>
                 <a:cs typeface="Times New Roman"/>
               </a:rPr>
-              <a:t>the </a:t>
-            </a:r>
-            <a:r>
-              <a:rPr lang="en-US" sz="1000" baseline="0" noProof="0" dirty="0" err="1" smtClean="0">
-                <a:latin typeface="Times New Roman"/>
-                <a:cs typeface="Times New Roman"/>
-              </a:rPr>
-              <a:t>netmod</a:t>
+              <a:t> server that will maintain the local configuration objects that map YANG specifications. On the </a:t>
+            </a:r>
+            <a:r>
+              <a:rPr lang="fr-FR" sz="1000" baseline="0" noProof="0" dirty="0" smtClean="0">
+                <a:latin typeface="Times New Roman"/>
+                <a:cs typeface="Times New Roman"/>
+              </a:rPr>
+              <a:t>client </a:t>
             </a:r>
             <a:r>
               <a:rPr lang="en-US" sz="1000" baseline="0" noProof="0" dirty="0" smtClean="0">
                 <a:latin typeface="Times New Roman"/>
                 <a:cs typeface="Times New Roman"/>
               </a:rPr>
-              <a:t> working group. YANG can be compared to</a:t>
+              <a:t>side</a:t>
+            </a:r>
+            <a:r>
+              <a:rPr lang="fr-FR" sz="1000" baseline="0" noProof="0" dirty="0" smtClean="0">
+                <a:latin typeface="Times New Roman"/>
+                <a:cs typeface="Times New Roman"/>
+              </a:rPr>
+              <a:t>, </a:t>
             </a:r>
             <a:r>
               <a:rPr lang="en-US" sz="1000" baseline="0" noProof="0" dirty="0" smtClean="0">
                 <a:latin typeface="Times New Roman"/>
                 <a:cs typeface="Times New Roman"/>
               </a:rPr>
-              <a:t> SMI [3] </a:t>
-            </a:r>
-            <a:r>
-              <a:rPr lang="en-US" sz="1000" baseline="0" noProof="0" dirty="0" smtClean="0">
-                <a:latin typeface="Times New Roman"/>
-                <a:cs typeface="Times New Roman"/>
-              </a:rPr>
-              <a:t>in the </a:t>
-            </a:r>
-            <a:r>
-              <a:rPr lang="en-US" sz="1000" baseline="0" noProof="0" dirty="0" smtClean="0">
-                <a:latin typeface="Times New Roman"/>
-                <a:cs typeface="Times New Roman"/>
-              </a:rPr>
-              <a:t>SNMP [4] framework because </a:t>
-            </a:r>
-            <a:r>
-              <a:rPr lang="en-US" sz="1000" baseline="0" noProof="0" dirty="0" smtClean="0">
-                <a:latin typeface="Times New Roman"/>
-                <a:cs typeface="Times New Roman"/>
-              </a:rPr>
-              <a:t>it is a data modeling language and because data values are distributed and accessible by a protocol. With YANG one can specify complex but human-readable configuration of any network device. YANG</a:t>
-            </a:r>
-            <a:r>
-              <a:rPr lang="en-US" sz="1000" baseline="0" noProof="0" dirty="0" smtClean="0">
-                <a:latin typeface="Times New Roman"/>
-                <a:cs typeface="Times New Roman"/>
-              </a:rPr>
-              <a:t> is presented as a </a:t>
-            </a:r>
-            <a:r>
-              <a:rPr lang="en-US" sz="1000" baseline="0" noProof="0" dirty="0" smtClean="0">
-                <a:latin typeface="Times New Roman"/>
-                <a:cs typeface="Times New Roman"/>
-              </a:rPr>
-              <a:t>better data </a:t>
-            </a:r>
-            <a:r>
-              <a:rPr lang="en-US" sz="1000" baseline="0" noProof="0" dirty="0" smtClean="0">
-                <a:latin typeface="Times New Roman"/>
-                <a:cs typeface="Times New Roman"/>
-              </a:rPr>
-              <a:t>modeling </a:t>
-            </a:r>
-            <a:r>
-              <a:rPr lang="en-US" sz="1000" baseline="0" noProof="0" dirty="0" smtClean="0">
-                <a:latin typeface="Times New Roman"/>
-                <a:cs typeface="Times New Roman"/>
-              </a:rPr>
-              <a:t>language than XML Schema or Relax NG </a:t>
-            </a:r>
-            <a:r>
-              <a:rPr lang="en-US" sz="1000" baseline="0" noProof="0" dirty="0" smtClean="0">
-                <a:latin typeface="Times New Roman"/>
-                <a:cs typeface="Times New Roman"/>
-              </a:rPr>
-              <a:t>[5,6]</a:t>
-            </a:r>
-            <a:r>
-              <a:rPr lang="en-US" sz="1000" baseline="0" noProof="0" dirty="0" smtClean="0">
-                <a:latin typeface="Times New Roman"/>
-                <a:cs typeface="Times New Roman"/>
-              </a:rPr>
-              <a:t>. On the server side, any vendor can use such specifications to build a </a:t>
-            </a:r>
-            <a:r>
-              <a:rPr lang="fr-FR" sz="1000" baseline="0" noProof="0" dirty="0" smtClean="0">
-                <a:latin typeface="Times New Roman"/>
-                <a:cs typeface="Times New Roman"/>
-              </a:rPr>
-              <a:t>NETCONF</a:t>
-            </a:r>
-            <a:r>
-              <a:rPr lang="en-US" sz="1000" baseline="0" noProof="0" dirty="0" smtClean="0">
-                <a:latin typeface="Times New Roman"/>
-                <a:cs typeface="Times New Roman"/>
-              </a:rPr>
-              <a:t> server that will maintain</a:t>
-            </a:r>
-            <a:r>
-              <a:rPr lang="en-US" sz="1000" baseline="0" noProof="0" dirty="0" smtClean="0">
-                <a:latin typeface="Times New Roman"/>
-                <a:cs typeface="Times New Roman"/>
-              </a:rPr>
-              <a:t> the local configuration objects that map YANG specifications. </a:t>
-            </a:r>
-            <a:r>
-              <a:rPr lang="en-US" sz="1000" baseline="0" noProof="0" dirty="0" smtClean="0">
-                <a:latin typeface="Times New Roman"/>
-                <a:cs typeface="Times New Roman"/>
-              </a:rPr>
-              <a:t>On the </a:t>
-            </a:r>
-            <a:r>
-              <a:rPr lang="fr-FR" sz="1000" baseline="0" noProof="0" dirty="0" smtClean="0">
-                <a:latin typeface="Times New Roman"/>
-                <a:cs typeface="Times New Roman"/>
-              </a:rPr>
-              <a:t>client </a:t>
-            </a:r>
-            <a:r>
-              <a:rPr lang="en-US" sz="1000" baseline="0" noProof="0" dirty="0" smtClean="0">
-                <a:latin typeface="Times New Roman"/>
-                <a:cs typeface="Times New Roman"/>
-              </a:rPr>
-              <a:t>side</a:t>
-            </a:r>
-            <a:r>
-              <a:rPr lang="fr-FR" sz="1000" baseline="0" noProof="0" dirty="0" smtClean="0">
-                <a:latin typeface="Times New Roman"/>
-                <a:cs typeface="Times New Roman"/>
-              </a:rPr>
-              <a:t>, </a:t>
-            </a:r>
-            <a:r>
-              <a:rPr lang="en-US" sz="1000" baseline="0" noProof="0" dirty="0" smtClean="0">
-                <a:latin typeface="Times New Roman"/>
-                <a:cs typeface="Times New Roman"/>
-              </a:rPr>
-              <a:t>configuration applications need data values </a:t>
-            </a:r>
-            <a:r>
-              <a:rPr lang="en-US" sz="1000" baseline="0" noProof="0" dirty="0" smtClean="0">
-                <a:latin typeface="Times New Roman"/>
-                <a:cs typeface="Times New Roman"/>
-              </a:rPr>
-              <a:t>to operate testing </a:t>
-            </a:r>
-            <a:r>
-              <a:rPr lang="en-US" sz="1000" baseline="0" noProof="0" dirty="0" smtClean="0">
-                <a:latin typeface="Times New Roman"/>
-                <a:cs typeface="Times New Roman"/>
-              </a:rPr>
-              <a:t>or browsing configurations. YANG data model specifications are a formal contract between devices' vendors and configuration application and our goal is to provide tools helping users to ensure that the contract is</a:t>
-            </a:r>
-            <a:r>
-              <a:rPr lang="en-US" sz="1000" baseline="0" noProof="0" dirty="0" smtClean="0">
-                <a:latin typeface="Times New Roman"/>
-                <a:cs typeface="Times New Roman"/>
-              </a:rPr>
-              <a:t> respected</a:t>
-            </a:r>
-            <a:r>
-              <a:rPr lang="en-US" sz="1000" baseline="0" noProof="0" dirty="0" smtClean="0">
-                <a:latin typeface="Times New Roman"/>
-                <a:cs typeface="Times New Roman"/>
-              </a:rPr>
-              <a:t>. </a:t>
+              <a:t>configuration applications need data values to operate, test or browse configurations. YANG data model specifications are a formal contract between devices' vendors and configuration applications and our goal is to provide tools helping users to ensure that the contract is respected. </a:t>
             </a:r>
           </a:p>
           <a:p>
@@ -2136,84 +1919,35 @@
                 <a:latin typeface="Times New Roman"/>
                 <a:cs typeface="Times New Roman"/>
               </a:rPr>
-              <a:t>The subject of this paper is to</a:t>
+              <a:t>The objective of this paper is to demonstrate the feasibility of an End-to-End YANG-aware management framework and to describe how it can be implemented in an open source framework. First we describe the YANG language, focusing on its major concepts. Secondly we present a parser for YANG specifications : </a:t>
+            </a:r>
+            <a:r>
+              <a:rPr lang="en-US" sz="1000" baseline="0" noProof="0" dirty="0" err="1" smtClean="0">
+                <a:latin typeface="Times New Roman"/>
+                <a:cs typeface="Times New Roman"/>
+              </a:rPr>
+              <a:t>jYang</a:t>
             </a:r>
             <a:r>
               <a:rPr lang="en-US" sz="1000" baseline="0" noProof="0" dirty="0" smtClean="0">
                 <a:latin typeface="Times New Roman"/>
                 <a:cs typeface="Times New Roman"/>
               </a:rPr>
-              <a:t> demonstrate the feasibility of an End-to-End YANG-aware management framework and to describe how it can be implemented in an open source framework. </a:t>
+              <a:t>, an open source implementation we provide to the community. The third part shows how we did integrate YANG into the used </a:t>
+            </a:r>
+            <a:r>
+              <a:rPr lang="fr-FR" sz="1000" baseline="0" noProof="0" dirty="0" smtClean="0">
+                <a:latin typeface="Times New Roman"/>
+                <a:cs typeface="Times New Roman"/>
+              </a:rPr>
+              <a:t>NETCONF</a:t>
             </a:r>
             <a:r>
               <a:rPr lang="en-US" sz="1000" baseline="0" noProof="0" dirty="0" smtClean="0">
                 <a:latin typeface="Times New Roman"/>
                 <a:cs typeface="Times New Roman"/>
               </a:rPr>
-              <a:t>First we</a:t>
-            </a:r>
-            <a:r>
-              <a:rPr lang="en-US" sz="1000" baseline="0" noProof="0" dirty="0" smtClean="0">
-                <a:latin typeface="Times New Roman"/>
-                <a:cs typeface="Times New Roman"/>
-              </a:rPr>
-              <a:t> describe </a:t>
-            </a:r>
-            <a:r>
-              <a:rPr lang="en-US" sz="1000" baseline="0" noProof="0" dirty="0" smtClean="0">
-                <a:latin typeface="Times New Roman"/>
-                <a:cs typeface="Times New Roman"/>
-              </a:rPr>
-              <a:t>the YANG language focusing on major concepts. Secondly we present a parser for YANG specification : </a:t>
-            </a:r>
-            <a:r>
-              <a:rPr lang="en-US" sz="1000" baseline="0" noProof="0" dirty="0" err="1" smtClean="0">
-                <a:latin typeface="Times New Roman"/>
-                <a:cs typeface="Times New Roman"/>
-              </a:rPr>
-              <a:t>jYang</a:t>
-            </a:r>
-            <a:r>
-              <a:rPr lang="en-US" sz="1000" baseline="0" noProof="0" dirty="0" smtClean="0">
-                <a:latin typeface="Times New Roman"/>
-                <a:cs typeface="Times New Roman"/>
-              </a:rPr>
-              <a:t>, an </a:t>
-            </a:r>
-            <a:r>
-              <a:rPr lang="en-US" sz="1000" baseline="0" noProof="0" dirty="0" smtClean="0">
-                <a:latin typeface="Times New Roman"/>
-                <a:cs typeface="Times New Roman"/>
-              </a:rPr>
-              <a:t>open source proposal we provide to the community. The third part shows how </a:t>
-            </a:r>
-            <a:r>
-              <a:rPr lang="en-US" sz="1000" baseline="0" noProof="0" dirty="0" smtClean="0">
-                <a:latin typeface="Times New Roman"/>
-                <a:cs typeface="Times New Roman"/>
-              </a:rPr>
-              <a:t>we did </a:t>
-            </a:r>
-            <a:r>
-              <a:rPr lang="en-US" sz="1000" baseline="0" noProof="0" dirty="0" smtClean="0">
-                <a:latin typeface="Times New Roman"/>
-                <a:cs typeface="Times New Roman"/>
-              </a:rPr>
-              <a:t>integrate YANG within the used </a:t>
-            </a:r>
-            <a:r>
-              <a:rPr lang="fr-FR" sz="1000" baseline="0" noProof="0" dirty="0" smtClean="0">
-                <a:latin typeface="Times New Roman"/>
-                <a:cs typeface="Times New Roman"/>
-              </a:rPr>
-              <a:t>NETCONF</a:t>
-            </a:r>
-            <a:r>
-              <a:rPr lang="en-US" sz="1000" baseline="0" noProof="0" dirty="0" smtClean="0">
-                <a:latin typeface="Times New Roman"/>
-                <a:cs typeface="Times New Roman"/>
-              </a:rPr>
-              <a:t> server. Finally we show the YANG browsing application and its functionalities to get and edit configuration data.</a:t>
+              <a:t> server. Finally we show a YANG browsing application and its functionalities to get and edit configuration data.</a:t>
             </a:r>
           </a:p>
           <a:p>
@@ -2515,8 +2249,33 @@
                 <a:latin typeface="Times New Roman"/>
                 <a:cs typeface="Times New Roman"/>
               </a:rPr>
-              <a:t> exchanged between a device and a configuration application are XML documents and it is the responsibility of the agent or the manager to send well formed document. Such schema could be the mean to formally express which configuration data could be exchanged but indeed are not human friendly readable and so limits the understanding of complex data structure. For example a typical network configuration data (but also a network management)  is a list (or a table) of the set of network interfaces a network device contains. XML example for such data is given on the figure. </a:t>
-            </a:r>
+              <a:t> exchanged between a device and a configuration application are XML documents and it is the responsibility of the agent or the manager to send well formed document. Such schema could be the mean to formally express which configuration data could be exchanged but indeed are not human friendly readable and so limits the understanding of complex data structure. For example a typical network configuration data (but also a network management)  is a list (or a table) of the set of network interfaces a network device contains. XML example for such data is given on the</a:t>
+            </a:r>
+            <a:r>
+              <a:rPr lang="en-US" sz="1200" baseline="0" dirty="0" smtClean="0">
+                <a:latin typeface="Times New Roman"/>
+                <a:cs typeface="Times New Roman"/>
+              </a:rPr>
+              <a:t> </a:t>
+            </a:r>
+            <a:r>
+              <a:rPr lang="fr-FR" sz="1200" baseline="0" dirty="0" smtClean="0">
+                <a:latin typeface="Times New Roman"/>
+                <a:cs typeface="Times New Roman"/>
+              </a:rPr>
+              <a:t>slide</a:t>
+            </a:r>
+            <a:r>
+              <a:rPr lang="en-US" sz="1200" baseline="0" dirty="0" smtClean="0">
+                <a:latin typeface="Times New Roman"/>
+                <a:cs typeface="Times New Roman"/>
+              </a:rPr>
+              <a:t>. </a:t>
+            </a:r>
+            <a:endParaRPr lang="en-US" sz="1200" baseline="0" dirty="0" smtClean="0">
+              <a:latin typeface="Times New Roman"/>
+              <a:cs typeface="Times New Roman"/>
+            </a:endParaRPr>
           </a:p>
           <a:p>
             <a:pPr algn="just"/>
@@ -2590,173 +2349,22 @@
                 <a:latin typeface="Times New Roman"/>
                 <a:cs typeface="Times New Roman"/>
               </a:rPr>
-              <a:t>Data </a:t>
+              <a:t>Data model configurations are grouped into YANG modules or submodules. A module is a set of data types specifications on a given subject like the configuration of network interfaces or the configuration of an application protocol parameters. Modules are the largest unit of granularity and a network device should announce which YANG modules it implements. A module defines a name space (line 2) of all its data types to ensure unique naming. Modules can reference each other (without cycle) in order to improve the reusability of YANG specifications as shown in line 3 of our network module example. The “</a:t>
+            </a:r>
+            <a:r>
+              <a:rPr lang="en-US" sz="1000" b="0" i="0" baseline="0" dirty="0" err="1" smtClean="0">
+                <a:latin typeface="Times New Roman"/>
+                <a:cs typeface="Times New Roman"/>
+              </a:rPr>
+              <a:t>ietf</a:t>
             </a:r>
             <a:r>
               <a:rPr lang="en-US" sz="1000" b="0" i="0" baseline="0" dirty="0" smtClean="0">
                 <a:latin typeface="Times New Roman"/>
                 <a:cs typeface="Times New Roman"/>
               </a:rPr>
-              <a:t>model configurations </a:t>
-            </a:r>
-            <a:r>
-              <a:rPr lang="en-US" sz="1000" b="0" i="0" baseline="0" dirty="0" smtClean="0">
-                <a:latin typeface="Times New Roman"/>
-                <a:cs typeface="Times New Roman"/>
-              </a:rPr>
-              <a:t>are grouped into YANG modules or submodules. A module is a set of data types </a:t>
-            </a:r>
-            <a:r>
-              <a:rPr lang="en-US" sz="1000" b="0" i="0" baseline="0" dirty="0" smtClean="0">
-                <a:latin typeface="Times New Roman"/>
-                <a:cs typeface="Times New Roman"/>
-              </a:rPr>
-              <a:t>specifications </a:t>
-            </a:r>
-            <a:r>
-              <a:rPr lang="en-US" sz="1000" b="0" i="0" baseline="0" dirty="0" smtClean="0">
-                <a:latin typeface="Times New Roman"/>
-                <a:cs typeface="Times New Roman"/>
-              </a:rPr>
-              <a:t>around a given subject like the configuration of network interfaces or</a:t>
-            </a:r>
-            <a:r>
-              <a:rPr lang="en-US" sz="1000" b="0" i="0" baseline="0" dirty="0" smtClean="0">
-                <a:latin typeface="Times New Roman"/>
-                <a:cs typeface="Times New Roman"/>
-              </a:rPr>
-              <a:t> the configuration </a:t>
-            </a:r>
-            <a:r>
-              <a:rPr lang="en-US" sz="1000" b="0" i="0" baseline="0" dirty="0" smtClean="0">
-                <a:latin typeface="Times New Roman"/>
-                <a:cs typeface="Times New Roman"/>
-              </a:rPr>
-              <a:t>of a network protocol parameters. Modules are the</a:t>
-            </a:r>
-            <a:r>
-              <a:rPr lang="en-US" sz="1000" b="0" i="0" baseline="0" dirty="0" smtClean="0">
-                <a:latin typeface="Times New Roman"/>
-                <a:cs typeface="Times New Roman"/>
-              </a:rPr>
-              <a:t> largest </a:t>
-            </a:r>
-            <a:r>
-              <a:rPr lang="en-US" sz="1000" b="0" i="0" baseline="0" dirty="0" smtClean="0">
-                <a:latin typeface="Times New Roman"/>
-                <a:cs typeface="Times New Roman"/>
-              </a:rPr>
-              <a:t>unit of granularity and a network device should announce which YANG modules it implements. A module defines a name space (line 2) of all its data types to ensure</a:t>
-            </a:r>
-            <a:r>
-              <a:rPr lang="en-US" sz="1000" b="0" i="0" baseline="0" dirty="0" smtClean="0">
-                <a:latin typeface="Times New Roman"/>
-                <a:cs typeface="Times New Roman"/>
-              </a:rPr>
-              <a:t> unique </a:t>
-            </a:r>
-            <a:r>
-              <a:rPr lang="en-US" sz="1000" b="0" i="0" baseline="0" dirty="0" smtClean="0">
-                <a:latin typeface="Times New Roman"/>
-                <a:cs typeface="Times New Roman"/>
-              </a:rPr>
-              <a:t>naming. Modules can </a:t>
-            </a:r>
-            <a:r>
-              <a:rPr lang="en-US" sz="1000" b="0" i="0" baseline="0" dirty="0" smtClean="0">
-                <a:latin typeface="Times New Roman"/>
-                <a:cs typeface="Times New Roman"/>
-              </a:rPr>
-              <a:t>reference </a:t>
-            </a:r>
-            <a:r>
-              <a:rPr lang="en-US" sz="1000" b="0" i="0" baseline="0" dirty="0" smtClean="0">
-                <a:latin typeface="Times New Roman"/>
-                <a:cs typeface="Times New Roman"/>
-              </a:rPr>
-              <a:t>each other (without cycle) in order to improve the reusability of YANG </a:t>
-            </a:r>
-            <a:r>
-              <a:rPr lang="en-US" sz="1000" b="0" i="0" baseline="0" dirty="0" smtClean="0">
-                <a:latin typeface="Times New Roman"/>
-                <a:cs typeface="Times New Roman"/>
-              </a:rPr>
-              <a:t>specifications </a:t>
-            </a:r>
-            <a:r>
-              <a:rPr lang="en-US" sz="1000" b="0" i="0" baseline="0" dirty="0" smtClean="0">
-                <a:latin typeface="Times New Roman"/>
-                <a:cs typeface="Times New Roman"/>
-              </a:rPr>
-              <a:t>as shown</a:t>
-            </a:r>
-            <a:r>
-              <a:rPr lang="en-US" sz="1000" b="0" i="0" baseline="0" dirty="0" smtClean="0">
-                <a:latin typeface="Times New Roman"/>
-                <a:cs typeface="Times New Roman"/>
-              </a:rPr>
-              <a:t> line </a:t>
-            </a:r>
-            <a:r>
-              <a:rPr lang="en-US" sz="1000" b="0" i="0" baseline="0" dirty="0" smtClean="0">
-                <a:latin typeface="Times New Roman"/>
-                <a:cs typeface="Times New Roman"/>
-              </a:rPr>
-              <a:t>3 of our network module example. The “</a:t>
-            </a:r>
-            <a:r>
-              <a:rPr lang="en-US" sz="1000" b="0" i="0" baseline="0" dirty="0" err="1" smtClean="0">
-                <a:latin typeface="Times New Roman"/>
-                <a:cs typeface="Times New Roman"/>
-              </a:rPr>
-              <a:t>ietf</a:t>
-            </a:r>
-            <a:r>
-              <a:rPr lang="en-US" sz="1000" b="0" i="0" baseline="0" dirty="0" smtClean="0">
-                <a:latin typeface="Times New Roman"/>
-                <a:cs typeface="Times New Roman"/>
-              </a:rPr>
-              <a:t>-yang-types” reference is a YANG module </a:t>
-            </a:r>
-            <a:r>
-              <a:rPr lang="en-US" sz="1000" b="0" i="0" baseline="0" dirty="0" smtClean="0">
-                <a:latin typeface="Times New Roman"/>
-                <a:cs typeface="Times New Roman"/>
-              </a:rPr>
-              <a:t>[7] </a:t>
-            </a:r>
-            <a:r>
-              <a:rPr lang="en-US" sz="1000" b="0" i="0" baseline="0" dirty="0" smtClean="0">
-                <a:latin typeface="Times New Roman"/>
-                <a:cs typeface="Times New Roman"/>
-              </a:rPr>
-              <a:t>with useful types</a:t>
-            </a:r>
-            <a:r>
-              <a:rPr lang="en-US" sz="1000" b="0" i="0" baseline="0" dirty="0" smtClean="0">
-                <a:latin typeface="Times New Roman"/>
-                <a:cs typeface="Times New Roman"/>
-              </a:rPr>
-              <a:t> intended </a:t>
-            </a:r>
-            <a:r>
-              <a:rPr lang="en-US" sz="1000" b="0" i="0" baseline="0" dirty="0" smtClean="0">
-                <a:latin typeface="Times New Roman"/>
-                <a:cs typeface="Times New Roman"/>
-              </a:rPr>
-              <a:t>to be used by other </a:t>
-            </a:r>
-            <a:r>
-              <a:rPr lang="en-US" sz="1000" b="0" i="0" baseline="0" dirty="0" smtClean="0">
-                <a:latin typeface="Times New Roman"/>
-                <a:cs typeface="Times New Roman"/>
-              </a:rPr>
-              <a:t>modules. </a:t>
-            </a:r>
-            <a:endParaRPr lang="en-US" sz="1000" b="0" i="0" baseline="0" dirty="0" smtClean="0">
-              <a:latin typeface="Times New Roman"/>
-              <a:cs typeface="Times New Roman"/>
-            </a:endParaRPr>
+              <a:t>-yang-types” reference is a YANG module [7] with useful types intended to be used by other modules. </a:t>
+            </a:r>
           </a:p>
           <a:p>
             <a:pPr algn="just"/>
@@ -2772,119 +2380,35 @@
                 <a:latin typeface="Times New Roman"/>
                 <a:cs typeface="Times New Roman"/>
               </a:rPr>
-              <a:t>As often in data model </a:t>
+              <a:t>As often in data model languages there are some build-in types such as string, </a:t>
+            </a:r>
+            <a:r>
+              <a:rPr lang="en-US" sz="1000" b="0" i="0" baseline="0" dirty="0" err="1" smtClean="0">
+                <a:latin typeface="Times New Roman"/>
+                <a:cs typeface="Times New Roman"/>
+              </a:rPr>
+              <a:t>boolean</a:t>
             </a:r>
             <a:r>
               <a:rPr lang="en-US" sz="1000" b="0" i="0" baseline="0" dirty="0" smtClean="0">
                 <a:latin typeface="Times New Roman"/>
                 <a:cs typeface="Times New Roman"/>
               </a:rPr>
-              <a:t>languages </a:t>
+              <a:t>, signed or unsigned integer on several sizes (8, 16, 32, 64 bits). These basic types can be used to create other types with a “</a:t>
+            </a:r>
+            <a:r>
+              <a:rPr lang="en-US" sz="1000" b="0" i="0" baseline="0" dirty="0" err="1" smtClean="0">
+                <a:latin typeface="Times New Roman"/>
+                <a:cs typeface="Times New Roman"/>
+              </a:rPr>
+              <a:t>typedef</a:t>
             </a:r>
             <a:r>
               <a:rPr lang="en-US" sz="1000" b="0" i="0" baseline="0" dirty="0" smtClean="0">
                 <a:latin typeface="Times New Roman"/>
                 <a:cs typeface="Times New Roman"/>
               </a:rPr>
-              <a:t>there are some build-in types</a:t>
-            </a:r>
-            <a:r>
-              <a:rPr lang="en-US" sz="1000" b="0" i="0" baseline="0" dirty="0" smtClean="0">
-                <a:latin typeface="Times New Roman"/>
-                <a:cs typeface="Times New Roman"/>
-              </a:rPr>
-              <a:t> such as </a:t>
-            </a:r>
-            <a:r>
-              <a:rPr lang="en-US" sz="1000" b="0" i="0" baseline="0" dirty="0" smtClean="0">
-                <a:latin typeface="Times New Roman"/>
-                <a:cs typeface="Times New Roman"/>
-              </a:rPr>
-              <a:t>string, </a:t>
-            </a:r>
-            <a:r>
-              <a:rPr lang="en-US" sz="1000" b="0" i="0" baseline="0" dirty="0" err="1" smtClean="0">
-                <a:latin typeface="Times New Roman"/>
-                <a:cs typeface="Times New Roman"/>
-              </a:rPr>
-              <a:t>boolean</a:t>
-            </a:r>
-            <a:r>
-              <a:rPr lang="en-US" sz="1000" b="0" i="0" baseline="0" dirty="0" smtClean="0">
-                <a:latin typeface="Times New Roman"/>
-                <a:cs typeface="Times New Roman"/>
-              </a:rPr>
-              <a:t>, signed or unsigned integer on several </a:t>
-            </a:r>
-            <a:r>
-              <a:rPr lang="en-US" sz="1000" b="0" i="0" baseline="0" dirty="0" smtClean="0">
-                <a:latin typeface="Times New Roman"/>
-                <a:cs typeface="Times New Roman"/>
-              </a:rPr>
-              <a:t>sizes </a:t>
-            </a:r>
-            <a:r>
-              <a:rPr lang="en-US" sz="1000" b="0" i="0" baseline="0" dirty="0" smtClean="0">
-                <a:latin typeface="Times New Roman"/>
-                <a:cs typeface="Times New Roman"/>
-              </a:rPr>
-              <a:t>(8, 16, 32 </a:t>
-            </a:r>
-            <a:r>
-              <a:rPr lang="en-US" sz="1000" b="0" i="0" baseline="0" dirty="0" smtClean="0">
-                <a:latin typeface="Times New Roman"/>
-                <a:cs typeface="Times New Roman"/>
-              </a:rPr>
-              <a:t>bits). </a:t>
-            </a:r>
-            <a:r>
-              <a:rPr lang="en-US" sz="1000" b="0" i="0" baseline="0" dirty="0" smtClean="0">
-                <a:latin typeface="Times New Roman"/>
-                <a:cs typeface="Times New Roman"/>
-              </a:rPr>
-              <a:t>These basic types can be used to model or to create other types with a “</a:t>
-            </a:r>
-            <a:r>
-              <a:rPr lang="en-US" sz="1000" b="0" i="0" baseline="0" dirty="0" err="1" smtClean="0">
-                <a:latin typeface="Times New Roman"/>
-                <a:cs typeface="Times New Roman"/>
-              </a:rPr>
-              <a:t>typedef</a:t>
-            </a:r>
-            <a:r>
-              <a:rPr lang="en-US" sz="1000" b="0" i="0" baseline="0" dirty="0" smtClean="0">
-                <a:latin typeface="Times New Roman"/>
-                <a:cs typeface="Times New Roman"/>
-              </a:rPr>
-              <a:t> “ statement (line 4) that allow a more precise semantic or to add some constraints as shown at line 6 where the length of a string is limited. </a:t>
-            </a:r>
-            <a:r>
-              <a:rPr lang="en-US" sz="1000" b="0" i="0" baseline="0" dirty="0" smtClean="0">
-                <a:latin typeface="Times New Roman"/>
-                <a:cs typeface="Times New Roman"/>
-              </a:rPr>
-              <a:t>Another </a:t>
-            </a:r>
-            <a:r>
-              <a:rPr lang="en-US" sz="1000" b="0" i="0" baseline="0" dirty="0" smtClean="0">
-                <a:latin typeface="Times New Roman"/>
-                <a:cs typeface="Times New Roman"/>
-              </a:rPr>
-              <a:t>construct that </a:t>
-            </a:r>
-            <a:r>
-              <a:rPr lang="en-US" sz="1000" b="0" i="0" baseline="0" dirty="0" smtClean="0">
-                <a:latin typeface="Times New Roman"/>
-                <a:cs typeface="Times New Roman"/>
-              </a:rPr>
-              <a:t>improves </a:t>
-            </a:r>
-            <a:r>
-              <a:rPr lang="en-US" sz="1000" b="0" i="0" baseline="0" dirty="0" smtClean="0">
-                <a:latin typeface="Times New Roman"/>
-                <a:cs typeface="Times New Roman"/>
-              </a:rPr>
-              <a:t>reusability is the “grouping” statement (line 8) that allows the definition of data model in order to use them more than one times at separate places in the current module (seen line 21) or by other modules. It can be compared to a C macro definition.</a:t>
+              <a:t> “ statement (line 4) that allows more precise semantics or to add some constraints as shown at line 6 where the length of a string is limited. Another construct that improves reusability is the “grouping” statement (line 8) that allows the definition of a data model in order to use it more than once at separate places in the current module (seen line 21) or in other modules. It can be compared to a C macro definition.</a:t>
             </a:r>
           </a:p>
           <a:p>
@@ -2901,21 +2425,7 @@
                 <a:latin typeface="Times New Roman"/>
                 <a:cs typeface="Times New Roman"/>
               </a:rPr>
-              <a:t>Data </a:t>
-            </a:r>
-            <a:r>
-              <a:rPr lang="en-US" sz="1000" b="0" i="0" baseline="0" dirty="0" smtClean="0">
-                <a:latin typeface="Times New Roman"/>
-                <a:cs typeface="Times New Roman"/>
-              </a:rPr>
-              <a:t>models </a:t>
-            </a:r>
-            <a:r>
-              <a:rPr lang="en-US" sz="1000" b="0" i="0" baseline="0" dirty="0" smtClean="0">
-                <a:latin typeface="Times New Roman"/>
-                <a:cs typeface="Times New Roman"/>
-              </a:rPr>
-              <a:t>are mainly expressed with the following statements that are called </a:t>
+              <a:t>Data models are mainly expressed with the following statements that are called </a:t>
             </a:r>
             <a:r>
               <a:rPr lang="en-US" sz="1000" b="0" i="0" baseline="0" dirty="0" err="1" smtClean="0">
@@ -3055,35 +2565,7 @@
                 <a:latin typeface="Times New Roman"/>
                 <a:cs typeface="Times New Roman"/>
               </a:rPr>
-              <a:t>The API we propose reflects YANG statements of data model. For each YANG statement we have a corresponding java class (seen class diagram on the </a:t>
-            </a:r>
-            <a:r>
-              <a:rPr lang="en-US" sz="1000" b="0" i="0" baseline="0" dirty="0" smtClean="0">
-                <a:latin typeface="Times New Roman"/>
-                <a:cs typeface="Times New Roman"/>
-              </a:rPr>
-              <a:t>figure 3)</a:t>
-            </a:r>
-            <a:r>
-              <a:rPr lang="en-US" sz="1000" b="0" i="0" baseline="0" dirty="0" smtClean="0">
-                <a:latin typeface="Times New Roman"/>
-                <a:cs typeface="Times New Roman"/>
-              </a:rPr>
-              <a:t>. A YANG module is represented as a tree of java instances (what the standard call the schema tree). The </a:t>
-            </a:r>
-            <a:r>
-              <a:rPr lang="en-US" sz="1000" b="0" i="0" baseline="0" dirty="0" smtClean="0">
-                <a:latin typeface="Times New Roman"/>
-                <a:cs typeface="Times New Roman"/>
-              </a:rPr>
-              <a:t>figure 3 </a:t>
-            </a:r>
-            <a:r>
-              <a:rPr lang="en-US" sz="1000" b="0" i="0" baseline="0" dirty="0" smtClean="0">
-                <a:latin typeface="Times New Roman"/>
-                <a:cs typeface="Times New Roman"/>
-              </a:rPr>
-              <a:t>shows the java classes organization for the network module given for example. Each java object have getters methods to follow the tree of instances. About hundred of java classes have been needed to represent any YANG specification.</a:t>
+              <a:t>The API we propose reflects YANG statements of the data model. For each YANG statement we have a corresponding java class (see class diagram on the slide 3). A YANG module is represented as a tree of java instances (what the standard call the schema tree). The slide 3 shows as an example the java classes organization for the network module. Each java object have getters methods to follow the tree of instances. About hundred of java classes have been needed to represent any YANG specification.</a:t>
             </a:r>
           </a:p>
         </p:txBody>
@@ -3162,35 +2644,175 @@
                 <a:latin typeface="Times New Roman"/>
                 <a:cs typeface="Times New Roman"/>
               </a:rPr>
-              <a:t> open source parser </a:t>
+              <a:t> open source parser for the YANG language. It is written in java with the </a:t>
+            </a:r>
+            <a:r>
+              <a:rPr lang="en-US" sz="1000" baseline="0" dirty="0" err="1" smtClean="0">
+                <a:latin typeface="Times New Roman"/>
+                <a:cs typeface="Times New Roman"/>
+              </a:rPr>
+              <a:t>javaCC</a:t>
             </a:r>
             <a:r>
               <a:rPr lang="en-US" sz="1000" baseline="0" dirty="0" smtClean="0">
                 <a:latin typeface="Times New Roman"/>
                 <a:cs typeface="Times New Roman"/>
               </a:rPr>
-              <a:t>for the </a:t>
+              <a:t> library(</a:t>
+            </a:r>
+            <a:r>
+              <a:rPr lang="fr-FR" sz="1000" u="none" baseline="0" dirty="0" err="1" smtClean="0">
+                <a:latin typeface="Times New Roman"/>
+                <a:cs typeface="Times New Roman"/>
+              </a:rPr>
+              <a:t>https://javacc.dev.java.net</a:t>
+            </a:r>
+            <a:r>
+              <a:rPr lang="fr-FR" sz="1000" u="none" baseline="0" dirty="0" smtClean="0">
+                <a:latin typeface="Times New Roman"/>
+                <a:cs typeface="Times New Roman"/>
+              </a:rPr>
+              <a:t>/</a:t>
+            </a:r>
+            <a:r>
+              <a:rPr lang="fr-FR" sz="1000" baseline="0" dirty="0" smtClean="0">
+                <a:latin typeface="Times New Roman"/>
+                <a:cs typeface="Times New Roman"/>
+              </a:rPr>
+              <a:t>)</a:t>
             </a:r>
             <a:r>
               <a:rPr lang="en-US" sz="1000" baseline="0" dirty="0" smtClean="0">
                 <a:latin typeface="Times New Roman"/>
                 <a:cs typeface="Times New Roman"/>
               </a:rPr>
-              <a:t>YANG language. It is written in java with the </a:t>
+              <a:t>. A </a:t>
             </a:r>
             <a:r>
               <a:rPr lang="en-US" sz="1000" baseline="0" dirty="0" err="1" smtClean="0">
                 <a:latin typeface="Times New Roman"/>
                 <a:cs typeface="Times New Roman"/>
               </a:rPr>
-              <a:t>javaCC</a:t>
+              <a:t>jYang</a:t>
             </a:r>
             <a:r>
               <a:rPr lang="en-US" sz="1000" baseline="0" dirty="0" smtClean="0">
                 <a:latin typeface="Times New Roman"/>
                 <a:cs typeface="Times New Roman"/>
               </a:rPr>
-              <a:t> library. A </a:t>
+              <a:t> compilation starts with one or more YANG files references that will be loaded by the parser. All import and include statements are followed without parsing twice the same file. So for example if one just gives the </a:t>
+            </a:r>
+            <a:r>
+              <a:rPr lang="en-US" sz="1000" i="1" baseline="0" dirty="0" smtClean="0">
+                <a:latin typeface="Times New Roman"/>
+                <a:cs typeface="Times New Roman"/>
+              </a:rPr>
+              <a:t>sa1 </a:t>
+            </a:r>
+            <a:r>
+              <a:rPr lang="en-US" sz="1000" baseline="0" dirty="0" smtClean="0">
+                <a:latin typeface="Times New Roman"/>
+                <a:cs typeface="Times New Roman"/>
+              </a:rPr>
+              <a:t>sub-module to check then the modules </a:t>
+            </a:r>
+            <a:r>
+              <a:rPr lang="en-US" sz="1000" i="1" baseline="0" dirty="0" smtClean="0">
+                <a:latin typeface="Times New Roman"/>
+                <a:cs typeface="Times New Roman"/>
+              </a:rPr>
+              <a:t>a</a:t>
+            </a:r>
+            <a:r>
+              <a:rPr lang="en-US" sz="1000" baseline="0" dirty="0" smtClean="0">
+                <a:latin typeface="Times New Roman"/>
+                <a:cs typeface="Times New Roman"/>
+              </a:rPr>
+              <a:t> and </a:t>
+            </a:r>
+            <a:r>
+              <a:rPr lang="en-US" sz="1000" i="1" baseline="0" dirty="0" err="1" smtClean="0">
+                <a:latin typeface="Times New Roman"/>
+                <a:cs typeface="Times New Roman"/>
+              </a:rPr>
+              <a:t>b</a:t>
+            </a:r>
+            <a:r>
+              <a:rPr lang="en-US" sz="1000" i="1" baseline="0" dirty="0" smtClean="0">
+                <a:latin typeface="Times New Roman"/>
+                <a:cs typeface="Times New Roman"/>
+              </a:rPr>
+              <a:t> </a:t>
+            </a:r>
+            <a:r>
+              <a:rPr lang="en-US" sz="1000" i="0" baseline="0" dirty="0" smtClean="0">
+                <a:latin typeface="Times New Roman"/>
+                <a:cs typeface="Times New Roman"/>
+              </a:rPr>
+              <a:t>will be too</a:t>
+            </a:r>
+            <a:r>
+              <a:rPr lang="en-US" sz="1000" baseline="0" dirty="0" smtClean="0">
+                <a:latin typeface="Times New Roman"/>
+                <a:cs typeface="Times New Roman"/>
+              </a:rPr>
+              <a:t>, because </a:t>
+            </a:r>
+            <a:r>
+              <a:rPr lang="en-US" sz="1000" i="1" baseline="0" dirty="0" smtClean="0">
+                <a:latin typeface="Times New Roman"/>
+                <a:cs typeface="Times New Roman"/>
+              </a:rPr>
+              <a:t>sa1 </a:t>
+            </a:r>
+            <a:r>
+              <a:rPr lang="en-US" sz="1000" baseline="0" dirty="0" smtClean="0">
+                <a:latin typeface="Times New Roman"/>
+                <a:cs typeface="Times New Roman"/>
+              </a:rPr>
+              <a:t>belongs-to </a:t>
+            </a:r>
+            <a:r>
+              <a:rPr lang="en-US" sz="1000" i="1" baseline="0" dirty="0" smtClean="0">
+                <a:latin typeface="Times New Roman"/>
+                <a:cs typeface="Times New Roman"/>
+              </a:rPr>
+              <a:t>a </a:t>
+            </a:r>
+            <a:r>
+              <a:rPr lang="en-US" sz="1000" baseline="0" dirty="0" smtClean="0">
+                <a:latin typeface="Times New Roman"/>
+                <a:cs typeface="Times New Roman"/>
+              </a:rPr>
+              <a:t>and </a:t>
+            </a:r>
+            <a:r>
+              <a:rPr lang="en-US" sz="1000" i="1" baseline="0" dirty="0" smtClean="0">
+                <a:latin typeface="Times New Roman"/>
+                <a:cs typeface="Times New Roman"/>
+              </a:rPr>
+              <a:t>a </a:t>
+            </a:r>
+            <a:r>
+              <a:rPr lang="en-US" sz="1000" baseline="0" dirty="0" smtClean="0">
+                <a:latin typeface="Times New Roman"/>
+                <a:cs typeface="Times New Roman"/>
+              </a:rPr>
+              <a:t>import </a:t>
+            </a:r>
+            <a:r>
+              <a:rPr lang="en-US" sz="1000" i="1" baseline="0" dirty="0" err="1" smtClean="0">
+                <a:latin typeface="Times New Roman"/>
+                <a:cs typeface="Times New Roman"/>
+              </a:rPr>
+              <a:t>b</a:t>
+            </a:r>
+            <a:r>
+              <a:rPr lang="en-US" sz="1000" baseline="0" dirty="0" smtClean="0">
+                <a:latin typeface="Times New Roman"/>
+                <a:cs typeface="Times New Roman"/>
+              </a:rPr>
+              <a:t>. The internal representation of YANG specifications is one of the output of </a:t>
             </a:r>
             <a:r>
               <a:rPr lang="en-US" sz="1000" baseline="0" dirty="0" err="1" smtClean="0">
@@ -3204,231 +2826,35 @@
                 <a:latin typeface="Times New Roman"/>
                 <a:cs typeface="Times New Roman"/>
               </a:rPr>
-              <a:t> compilation starts with one or more YANG files references that will be</a:t>
+              <a:t> and is composed of the java objects tree we show in</a:t>
             </a:r>
             <a:r>
               <a:rPr lang="en-US" sz="1000" baseline="0" dirty="0" smtClean="0">
                 <a:latin typeface="Times New Roman"/>
                 <a:cs typeface="Times New Roman"/>
               </a:rPr>
-              <a:t> loaded by </a:t>
+              <a:t> </a:t>
+            </a:r>
+            <a:r>
+              <a:rPr lang="fr-FR" sz="1000" baseline="0" dirty="0" smtClean="0">
+                <a:latin typeface="Times New Roman"/>
+                <a:cs typeface="Times New Roman"/>
+              </a:rPr>
+              <a:t>slide</a:t>
             </a:r>
             <a:r>
               <a:rPr lang="en-US" sz="1000" baseline="0" dirty="0" smtClean="0">
                 <a:latin typeface="Times New Roman"/>
                 <a:cs typeface="Times New Roman"/>
               </a:rPr>
-              <a:t>the parser. All import and include  (a sort of import) statements are followed without parsing twice the same file. So for example if one just give the </a:t>
-            </a:r>
-            <a:r>
-              <a:rPr lang="en-US" sz="1000" i="1" baseline="0" dirty="0" smtClean="0">
-                <a:latin typeface="Times New Roman"/>
-                <a:cs typeface="Times New Roman"/>
-              </a:rPr>
-              <a:t>sa1 </a:t>
+              <a:t> </a:t>
             </a:r>
             <a:r>
               <a:rPr lang="en-US" sz="1000" baseline="0" dirty="0" smtClean="0">
                 <a:latin typeface="Times New Roman"/>
                 <a:cs typeface="Times New Roman"/>
               </a:rPr>
-              <a:t>sub-module to check then the modules </a:t>
-            </a:r>
-            <a:r>
-              <a:rPr lang="en-US" sz="1000" i="1" baseline="0" dirty="0" smtClean="0">
-                <a:latin typeface="Times New Roman"/>
-                <a:cs typeface="Times New Roman"/>
-              </a:rPr>
-              <a:t>a</a:t>
-            </a:r>
-            <a:r>
-              <a:rPr lang="en-US" sz="1000" baseline="0" dirty="0" smtClean="0">
-                <a:latin typeface="Times New Roman"/>
-                <a:cs typeface="Times New Roman"/>
-              </a:rPr>
-              <a:t> and </a:t>
-            </a:r>
-            <a:r>
-              <a:rPr lang="en-US" sz="1000" i="1" baseline="0" dirty="0" err="1" smtClean="0">
-                <a:latin typeface="Times New Roman"/>
-                <a:cs typeface="Times New Roman"/>
-              </a:rPr>
-              <a:t>b</a:t>
-            </a:r>
-            <a:r>
-              <a:rPr lang="en-US" sz="1000" i="1" baseline="0" dirty="0" smtClean="0">
-                <a:latin typeface="Times New Roman"/>
-                <a:cs typeface="Times New Roman"/>
-              </a:rPr>
-              <a:t> </a:t>
-            </a:r>
-            <a:r>
-              <a:rPr lang="en-US" sz="1000" i="0" baseline="0" dirty="0" smtClean="0">
-                <a:latin typeface="Times New Roman"/>
-                <a:cs typeface="Times New Roman"/>
-              </a:rPr>
-              <a:t>will be too</a:t>
-            </a:r>
-            <a:r>
-              <a:rPr lang="en-US" sz="1000" baseline="0" dirty="0" smtClean="0">
-                <a:latin typeface="Times New Roman"/>
-                <a:cs typeface="Times New Roman"/>
-              </a:rPr>
-              <a:t>, because </a:t>
-            </a:r>
-            <a:r>
-              <a:rPr lang="en-US" sz="1000" i="1" baseline="0" dirty="0" smtClean="0">
-                <a:latin typeface="Times New Roman"/>
-                <a:cs typeface="Times New Roman"/>
-              </a:rPr>
-              <a:t>sa1 </a:t>
-            </a:r>
-            <a:r>
-              <a:rPr lang="en-US" sz="1000" baseline="0" dirty="0" smtClean="0">
-                <a:latin typeface="Times New Roman"/>
-                <a:cs typeface="Times New Roman"/>
-              </a:rPr>
-              <a:t>belongs-to </a:t>
-            </a:r>
-            <a:r>
-              <a:rPr lang="en-US" sz="1000" i="1" baseline="0" dirty="0" smtClean="0">
-                <a:latin typeface="Times New Roman"/>
-                <a:cs typeface="Times New Roman"/>
-              </a:rPr>
-              <a:t>a </a:t>
-            </a:r>
-            <a:r>
-              <a:rPr lang="en-US" sz="1000" baseline="0" dirty="0" smtClean="0">
-                <a:latin typeface="Times New Roman"/>
-                <a:cs typeface="Times New Roman"/>
-              </a:rPr>
-              <a:t>and </a:t>
-            </a:r>
-            <a:r>
-              <a:rPr lang="en-US" sz="1000" i="1" baseline="0" dirty="0" smtClean="0">
-                <a:latin typeface="Times New Roman"/>
-                <a:cs typeface="Times New Roman"/>
-              </a:rPr>
-              <a:t>a </a:t>
-            </a:r>
-            <a:r>
-              <a:rPr lang="en-US" sz="1000" baseline="0" dirty="0" smtClean="0">
-                <a:latin typeface="Times New Roman"/>
-                <a:cs typeface="Times New Roman"/>
-              </a:rPr>
-              <a:t>import </a:t>
-            </a:r>
-            <a:r>
-              <a:rPr lang="en-US" sz="1000" i="1" baseline="0" dirty="0" err="1" smtClean="0">
-                <a:latin typeface="Times New Roman"/>
-                <a:cs typeface="Times New Roman"/>
-              </a:rPr>
-              <a:t>b</a:t>
-            </a:r>
-            <a:r>
-              <a:rPr lang="en-US" sz="1000" baseline="0" dirty="0" smtClean="0">
-                <a:latin typeface="Times New Roman"/>
-                <a:cs typeface="Times New Roman"/>
-              </a:rPr>
-              <a:t>. The internal representation of YANG specifications is one of the output of </a:t>
-            </a:r>
-            <a:r>
-              <a:rPr lang="en-US" sz="1000" baseline="0" dirty="0" err="1" smtClean="0">
-                <a:latin typeface="Times New Roman"/>
-                <a:cs typeface="Times New Roman"/>
-              </a:rPr>
-              <a:t>jYang</a:t>
-            </a:r>
-            <a:r>
-              <a:rPr lang="en-US" sz="1000" baseline="0" dirty="0" smtClean="0">
-                <a:latin typeface="Times New Roman"/>
-                <a:cs typeface="Times New Roman"/>
-              </a:rPr>
-              <a:t> and is composed of the java objects tree we show in the</a:t>
-            </a:r>
-            <a:r>
-              <a:rPr lang="en-US" sz="1000" baseline="0" dirty="0" smtClean="0">
-                <a:latin typeface="Times New Roman"/>
-                <a:cs typeface="Times New Roman"/>
-              </a:rPr>
-              <a:t> figure 3. </a:t>
-            </a:r>
-            <a:r>
-              <a:rPr lang="en-US" sz="1000" baseline="0" dirty="0" smtClean="0">
-                <a:latin typeface="Times New Roman"/>
-                <a:cs typeface="Times New Roman"/>
-              </a:rPr>
-              <a:t>An other output can be a list of errors encountered during the parsing. Full lexical and syntax checking are done and part of semantic is covered. YANG allows data </a:t>
-            </a:r>
-            <a:r>
-              <a:rPr lang="en-US" sz="1000" baseline="0" dirty="0" smtClean="0">
-                <a:latin typeface="Times New Roman"/>
-                <a:cs typeface="Times New Roman"/>
-              </a:rPr>
-              <a:t>modelers </a:t>
-            </a:r>
-            <a:r>
-              <a:rPr lang="en-US" sz="1000" baseline="0" dirty="0" smtClean="0">
-                <a:latin typeface="Times New Roman"/>
-                <a:cs typeface="Times New Roman"/>
-              </a:rPr>
-              <a:t>to express some constraints</a:t>
-            </a:r>
-            <a:r>
-              <a:rPr lang="en-US" sz="1000" baseline="0" dirty="0" smtClean="0">
-                <a:latin typeface="Times New Roman"/>
-                <a:cs typeface="Times New Roman"/>
-              </a:rPr>
-              <a:t> like </a:t>
-            </a:r>
-            <a:r>
-              <a:rPr lang="en-US" sz="1000" baseline="0" dirty="0" smtClean="0">
-                <a:latin typeface="Times New Roman"/>
-                <a:cs typeface="Times New Roman"/>
-              </a:rPr>
-              <a:t>range number or string </a:t>
-            </a:r>
-            <a:r>
-              <a:rPr lang="en-US" sz="1000" baseline="0" dirty="0" smtClean="0">
-                <a:latin typeface="Times New Roman"/>
-                <a:cs typeface="Times New Roman"/>
-              </a:rPr>
-              <a:t>pattern. The constraints are </a:t>
-            </a:r>
-            <a:r>
-              <a:rPr lang="en-US" sz="1000" baseline="0" dirty="0" smtClean="0">
-                <a:latin typeface="Times New Roman"/>
-                <a:cs typeface="Times New Roman"/>
-              </a:rPr>
-              <a:t>checked when sub typing is used or when default values are set. Other constraints that can be expressed on the data value level are not checked. For example</a:t>
-            </a:r>
-            <a:r>
-              <a:rPr lang="en-US" sz="1000" baseline="0" dirty="0" smtClean="0">
-                <a:latin typeface="Times New Roman"/>
-                <a:cs typeface="Times New Roman"/>
-              </a:rPr>
-              <a:t> one </a:t>
-            </a:r>
-            <a:r>
-              <a:rPr lang="en-US" sz="1000" baseline="0" dirty="0" smtClean="0">
-                <a:latin typeface="Times New Roman"/>
-                <a:cs typeface="Times New Roman"/>
-              </a:rPr>
-              <a:t>can specify conditional presence of data depending on other data </a:t>
-            </a:r>
-            <a:r>
-              <a:rPr lang="en-US" sz="1000" baseline="0" dirty="0" smtClean="0">
-                <a:latin typeface="Times New Roman"/>
-                <a:cs typeface="Times New Roman"/>
-              </a:rPr>
-              <a:t>values </a:t>
-            </a:r>
-            <a:r>
-              <a:rPr lang="en-US" sz="1000" baseline="0" dirty="0" smtClean="0">
-                <a:latin typeface="Times New Roman"/>
-                <a:cs typeface="Times New Roman"/>
-              </a:rPr>
-              <a:t>(or hosting device capabilities).</a:t>
+              <a:t>3. Another output can be a list of errors encountered during the parsing. Full lexical and syntax checking are done and part of semantic checks is covered. YANG allows data modelers to express some constraints like range number or string pattern. The constraints are checked when sub typing is used or when default values are set. Other constraints that can be expressed on the data value level are not checked. For example one can specify conditional presence of data depending on other data values (or hosting device capabilities).</a:t>
             </a:r>
           </a:p>
           <a:p>
@@ -3445,34 +2871,55 @@
                 <a:latin typeface="Times New Roman"/>
                 <a:cs typeface="Times New Roman"/>
               </a:rPr>
-              <a:t>Another </a:t>
+              <a:t>Another useful output of </a:t>
+            </a:r>
+            <a:r>
+              <a:rPr lang="en-US" sz="1000" baseline="0" dirty="0" err="1" smtClean="0">
+                <a:latin typeface="Times New Roman"/>
+                <a:cs typeface="Times New Roman"/>
+              </a:rPr>
+              <a:t>jYang</a:t>
             </a:r>
             <a:r>
               <a:rPr lang="en-US" sz="1000" baseline="0" dirty="0" smtClean="0">
                 <a:latin typeface="Times New Roman"/>
                 <a:cs typeface="Times New Roman"/>
               </a:rPr>
-              <a:t>useful output of </a:t>
+              <a:t> is the </a:t>
             </a:r>
             <a:r>
               <a:rPr lang="en-US" sz="1000" baseline="0" dirty="0" err="1" smtClean="0">
                 <a:latin typeface="Times New Roman"/>
                 <a:cs typeface="Times New Roman"/>
               </a:rPr>
-              <a:t>jYang</a:t>
+              <a:t>YangTreeNode</a:t>
             </a:r>
             <a:r>
               <a:rPr lang="en-US" sz="1000" baseline="0" dirty="0" smtClean="0">
                 <a:latin typeface="Times New Roman"/>
                 <a:cs typeface="Times New Roman"/>
               </a:rPr>
-              <a:t> is the </a:t>
+              <a:t> that is also a java object tree where each node contains a reference to a YANG statement. This tree represents YANG specification but where </a:t>
             </a:r>
             <a:r>
               <a:rPr lang="en-US" sz="1000" baseline="0" dirty="0" err="1" smtClean="0">
                 <a:latin typeface="Times New Roman"/>
                 <a:cs typeface="Times New Roman"/>
               </a:rPr>
+              <a:t>typedef</a:t>
+            </a:r>
+            <a:r>
+              <a:rPr lang="en-US" sz="1000" baseline="0" dirty="0" smtClean="0">
+                <a:latin typeface="Times New Roman"/>
+                <a:cs typeface="Times New Roman"/>
+              </a:rPr>
+              <a:t> and grouping are copied at places where they are used. </a:t>
+            </a:r>
+            <a:r>
+              <a:rPr lang="en-US" sz="1000" baseline="0" dirty="0" err="1" smtClean="0">
+                <a:latin typeface="Times New Roman"/>
+                <a:cs typeface="Times New Roman"/>
+              </a:rPr>
               <a:t>YangTreeNode</a:t>
             </a:r>
             <a:r>
@@ -3480,91 +2927,35 @@
                 <a:latin typeface="Times New Roman"/>
                 <a:cs typeface="Times New Roman"/>
               </a:rPr>
-              <a:t> that is also a</a:t>
+              <a:t> is an intermediary representation of YANG specifications between static data model and data values on the wire. Its goal is to alleviate the work of any backend that focuses on NETCONF data values. As an example on the</a:t>
             </a:r>
             <a:r>
               <a:rPr lang="en-US" sz="1000" baseline="0" dirty="0" smtClean="0">
                 <a:latin typeface="Times New Roman"/>
                 <a:cs typeface="Times New Roman"/>
               </a:rPr>
-              <a:t> java objects tree where </a:t>
+              <a:t> </a:t>
+            </a:r>
+            <a:r>
+              <a:rPr lang="fr-FR" sz="1000" baseline="0" dirty="0" smtClean="0">
+                <a:latin typeface="Times New Roman"/>
+                <a:cs typeface="Times New Roman"/>
+              </a:rPr>
+              <a:t>slide</a:t>
             </a:r>
             <a:r>
               <a:rPr lang="en-US" sz="1000" baseline="0" dirty="0" smtClean="0">
                 <a:latin typeface="Times New Roman"/>
                 <a:cs typeface="Times New Roman"/>
               </a:rPr>
-              <a:t>each node contains a reference to a YANG statement. This tree</a:t>
+              <a:t> </a:t>
             </a:r>
             <a:r>
               <a:rPr lang="en-US" sz="1000" baseline="0" dirty="0" smtClean="0">
                 <a:latin typeface="Times New Roman"/>
                 <a:cs typeface="Times New Roman"/>
               </a:rPr>
-              <a:t> represents </a:t>
-            </a:r>
-            <a:r>
-              <a:rPr lang="en-US" sz="1000" baseline="0" dirty="0" smtClean="0">
-                <a:latin typeface="Times New Roman"/>
-                <a:cs typeface="Times New Roman"/>
-              </a:rPr>
-              <a:t>YANG specification but where </a:t>
-            </a:r>
-            <a:r>
-              <a:rPr lang="en-US" sz="1000" baseline="0" dirty="0" err="1" smtClean="0">
-                <a:latin typeface="Times New Roman"/>
-                <a:cs typeface="Times New Roman"/>
-              </a:rPr>
-              <a:t>typedef</a:t>
-            </a:r>
-            <a:r>
-              <a:rPr lang="en-US" sz="1000" baseline="0" dirty="0" smtClean="0">
-                <a:latin typeface="Times New Roman"/>
-                <a:cs typeface="Times New Roman"/>
-              </a:rPr>
-              <a:t> and grouping are copied at places where they are used. </a:t>
-            </a:r>
-            <a:r>
-              <a:rPr lang="en-US" sz="1000" baseline="0" dirty="0" err="1" smtClean="0">
-                <a:latin typeface="Times New Roman"/>
-                <a:cs typeface="Times New Roman"/>
-              </a:rPr>
-              <a:t>YangTreeNode</a:t>
-            </a:r>
-            <a:r>
-              <a:rPr lang="en-US" sz="1000" baseline="0" dirty="0" smtClean="0">
-                <a:latin typeface="Times New Roman"/>
-                <a:cs typeface="Times New Roman"/>
-              </a:rPr>
-              <a:t> is an intermediary representation of YANG specifications between static data model and data values on the wire. Its goal is to alleviate the work of any backend that </a:t>
-            </a:r>
-            <a:r>
-              <a:rPr lang="en-US" sz="1000" baseline="0" dirty="0" smtClean="0">
-                <a:latin typeface="Times New Roman"/>
-                <a:cs typeface="Times New Roman"/>
-              </a:rPr>
-              <a:t>focuses </a:t>
-            </a:r>
-            <a:r>
-              <a:rPr lang="en-US" sz="1000" baseline="0" dirty="0" smtClean="0">
-                <a:latin typeface="Times New Roman"/>
-                <a:cs typeface="Times New Roman"/>
-              </a:rPr>
-              <a:t>on NETCONF data values. As example on the </a:t>
-            </a:r>
-            <a:r>
-              <a:rPr lang="en-US" sz="1000" baseline="0" dirty="0" smtClean="0">
-                <a:latin typeface="Times New Roman"/>
-                <a:cs typeface="Times New Roman"/>
-              </a:rPr>
-              <a:t>figure 4 </a:t>
-            </a:r>
-            <a:r>
-              <a:rPr lang="en-US" sz="1000" baseline="0" dirty="0" smtClean="0">
-                <a:latin typeface="Times New Roman"/>
-                <a:cs typeface="Times New Roman"/>
-              </a:rPr>
-              <a:t>the module </a:t>
+              <a:t>4 the module </a:t>
             </a:r>
             <a:r>
               <a:rPr lang="en-US" sz="1000" i="1" baseline="0" dirty="0" err="1" smtClean="0">
@@ -3749,98 +3140,49 @@
                 <a:latin typeface="Times New Roman"/>
                 <a:cs typeface="Times New Roman"/>
               </a:rPr>
-              <a:t> is </a:t>
+              <a:t> is used to produce the YANG standard data tree from XML data of </a:t>
+            </a:r>
+            <a:r>
+              <a:rPr lang="fr-FR" sz="1000" baseline="0" dirty="0" smtClean="0">
+                <a:latin typeface="Times New Roman"/>
+                <a:cs typeface="Times New Roman"/>
+              </a:rPr>
+              <a:t>NETCONF</a:t>
             </a:r>
             <a:r>
               <a:rPr lang="en-US" sz="1000" baseline="0" dirty="0" smtClean="0">
                 <a:latin typeface="Times New Roman"/>
                 <a:cs typeface="Times New Roman"/>
               </a:rPr>
-              <a:t>used to</a:t>
+              <a:t> operations. The</a:t>
             </a:r>
             <a:r>
               <a:rPr lang="en-US" sz="1000" baseline="0" dirty="0" smtClean="0">
                 <a:latin typeface="Times New Roman"/>
                 <a:cs typeface="Times New Roman"/>
               </a:rPr>
-              <a:t> produce the YANG standard data tree from XML </a:t>
+              <a:t> </a:t>
+            </a:r>
+            <a:r>
+              <a:rPr lang="fr-FR" sz="1000" baseline="0" dirty="0" smtClean="0">
+                <a:latin typeface="Times New Roman"/>
+                <a:cs typeface="Times New Roman"/>
+              </a:rPr>
+              <a:t>slide</a:t>
             </a:r>
             <a:r>
               <a:rPr lang="en-US" sz="1000" baseline="0" dirty="0" smtClean="0">
                 <a:latin typeface="Times New Roman"/>
                 <a:cs typeface="Times New Roman"/>
               </a:rPr>
-              <a:t>data of </a:t>
-            </a:r>
-            <a:r>
-              <a:rPr lang="fr-FR" sz="1000" baseline="0" dirty="0" smtClean="0">
-                <a:latin typeface="Times New Roman"/>
-                <a:cs typeface="Times New Roman"/>
-              </a:rPr>
-              <a:t>NETCONF</a:t>
+              <a:t> </a:t>
             </a:r>
             <a:r>
               <a:rPr lang="en-US" sz="1000" baseline="0" dirty="0" smtClean="0">
                 <a:latin typeface="Times New Roman"/>
                 <a:cs typeface="Times New Roman"/>
               </a:rPr>
-              <a:t> </a:t>
-            </a:r>
-            <a:r>
-              <a:rPr lang="en-US" sz="1000" baseline="0" dirty="0" smtClean="0">
-                <a:latin typeface="Times New Roman"/>
-                <a:cs typeface="Times New Roman"/>
-              </a:rPr>
-              <a:t>operations </a:t>
-            </a:r>
-            <a:r>
-              <a:rPr lang="en-US" sz="1000" baseline="0" dirty="0" smtClean="0">
-                <a:latin typeface="Times New Roman"/>
-                <a:cs typeface="Times New Roman"/>
-              </a:rPr>
-              <a:t>to</a:t>
-            </a:r>
-            <a:r>
-              <a:rPr lang="en-US" sz="1000" baseline="0" dirty="0" smtClean="0">
-                <a:latin typeface="Times New Roman"/>
-                <a:cs typeface="Times New Roman"/>
-              </a:rPr>
-              <a:t> what </a:t>
-            </a:r>
-            <a:r>
-              <a:rPr lang="en-US" sz="1000" baseline="0" dirty="0" smtClean="0">
-                <a:latin typeface="Times New Roman"/>
-                <a:cs typeface="Times New Roman"/>
-              </a:rPr>
-              <a:t>the standard call </a:t>
-            </a:r>
-            <a:r>
-              <a:rPr lang="en-US" sz="1000" baseline="0" dirty="0" smtClean="0">
-                <a:latin typeface="Times New Roman"/>
-                <a:cs typeface="Times New Roman"/>
-              </a:rPr>
-              <a:t>the. </a:t>
-            </a:r>
-            <a:r>
-              <a:rPr lang="en-US" sz="1000" baseline="0" dirty="0" smtClean="0">
-                <a:latin typeface="Times New Roman"/>
-                <a:cs typeface="Times New Roman"/>
-              </a:rPr>
-              <a:t>The figure</a:t>
-            </a:r>
-            <a:r>
-              <a:rPr lang="en-US" sz="1000" baseline="0" dirty="0" smtClean="0">
-                <a:latin typeface="Times New Roman"/>
-                <a:cs typeface="Times New Roman"/>
-              </a:rPr>
-              <a:t> 4 suggests </a:t>
-            </a:r>
-            <a:r>
-              <a:rPr lang="en-US" sz="1000" baseline="0" dirty="0" smtClean="0">
-                <a:latin typeface="Times New Roman"/>
-                <a:cs typeface="Times New Roman"/>
-              </a:rPr>
-              <a:t>that the data tree has more nodes than the </a:t>
+              <a:t>4 suggests that the data tree has more nodes than the </a:t>
             </a:r>
             <a:r>
               <a:rPr lang="en-US" sz="1000" baseline="0" dirty="0" err="1" smtClean="0">
@@ -3961,126 +3303,91 @@
                 <a:latin typeface="Times New Roman"/>
                 <a:cs typeface="Times New Roman"/>
               </a:rPr>
-              <a:t> </a:t>
+              <a:t> is an implementation of the server side of </a:t>
+            </a:r>
+            <a:r>
+              <a:rPr lang="fr-FR" sz="1000" baseline="0" dirty="0" smtClean="0">
+                <a:latin typeface="Times New Roman"/>
+                <a:cs typeface="Times New Roman"/>
+              </a:rPr>
+              <a:t>NETCONF.</a:t>
             </a:r>
             <a:r>
               <a:rPr lang="en-US" sz="1000" baseline="0" dirty="0" smtClean="0">
                 <a:latin typeface="Times New Roman"/>
                 <a:cs typeface="Times New Roman"/>
               </a:rPr>
-              <a:t>is an implementation of the server side of </a:t>
+              <a:t> It is an open source software initially created by our research team. It is built on top of an SSH layer to ensure security, session and connection-oriented communication as stated by the standard. The RPC layer implements the RPC mechanism with &lt;</a:t>
+            </a:r>
+            <a:r>
+              <a:rPr lang="en-US" sz="1000" baseline="0" dirty="0" err="1" smtClean="0">
+                <a:latin typeface="Times New Roman"/>
+                <a:cs typeface="Times New Roman"/>
+              </a:rPr>
+              <a:t>rpc</a:t>
+            </a:r>
+            <a:r>
+              <a:rPr lang="en-US" sz="1000" baseline="0" dirty="0" smtClean="0">
+                <a:latin typeface="Times New Roman"/>
+                <a:cs typeface="Times New Roman"/>
+              </a:rPr>
+              <a:t>&gt; and &lt;</a:t>
+            </a:r>
+            <a:r>
+              <a:rPr lang="en-US" sz="1000" baseline="0" dirty="0" err="1" smtClean="0">
+                <a:latin typeface="Times New Roman"/>
+                <a:cs typeface="Times New Roman"/>
+              </a:rPr>
+              <a:t>rpc</a:t>
+            </a:r>
+            <a:r>
+              <a:rPr lang="en-US" sz="1000" baseline="0" dirty="0" smtClean="0">
+                <a:latin typeface="Times New Roman"/>
+                <a:cs typeface="Times New Roman"/>
+              </a:rPr>
+              <a:t>-reply&gt; primitives that carries basic operations of the </a:t>
             </a:r>
             <a:r>
               <a:rPr lang="fr-FR" sz="1000" baseline="0" dirty="0" smtClean="0">
                 <a:latin typeface="Times New Roman"/>
                 <a:cs typeface="Times New Roman"/>
               </a:rPr>
-              <a:t>NETCONF.</a:t>
+              <a:t>NETCONF</a:t>
             </a:r>
             <a:r>
               <a:rPr lang="en-US" sz="1000" baseline="0" dirty="0" smtClean="0">
                 <a:latin typeface="Times New Roman"/>
                 <a:cs typeface="Times New Roman"/>
               </a:rPr>
-              <a:t> It is an open source software initially created by our research team. </a:t>
+              <a:t> operation layer as &lt;get&gt;, &lt;get-</a:t>
+            </a:r>
+            <a:r>
+              <a:rPr lang="en-US" sz="1000" baseline="0" dirty="0" err="1" smtClean="0">
+                <a:latin typeface="Times New Roman"/>
+                <a:cs typeface="Times New Roman"/>
+              </a:rPr>
+              <a:t>config</a:t>
             </a:r>
             <a:r>
               <a:rPr lang="en-US" sz="1000" baseline="0" dirty="0" smtClean="0">
                 <a:latin typeface="Times New Roman"/>
                 <a:cs typeface="Times New Roman"/>
               </a:rPr>
-              <a:t>It is build on </a:t>
+              <a:t>&gt; and &lt;edit-</a:t>
+            </a:r>
+            <a:r>
+              <a:rPr lang="en-US" sz="1000" baseline="0" dirty="0" err="1" smtClean="0">
+                <a:latin typeface="Times New Roman"/>
+                <a:cs typeface="Times New Roman"/>
+              </a:rPr>
+              <a:t>config</a:t>
             </a:r>
             <a:r>
               <a:rPr lang="en-US" sz="1000" baseline="0" dirty="0" smtClean="0">
                 <a:latin typeface="Times New Roman"/>
                 <a:cs typeface="Times New Roman"/>
               </a:rPr>
-              <a:t>top of an SSH layer to ensure security, session and connection-oriented communication as stated by the standard. The RPC layer implements the RPC mechanism with &lt;</a:t>
-            </a:r>
-            <a:r>
-              <a:rPr lang="en-US" sz="1000" baseline="0" dirty="0" err="1" smtClean="0">
-                <a:latin typeface="Times New Roman"/>
-                <a:cs typeface="Times New Roman"/>
-              </a:rPr>
-              <a:t>rpc</a:t>
-            </a:r>
-            <a:r>
-              <a:rPr lang="en-US" sz="1000" baseline="0" dirty="0" smtClean="0">
-                <a:latin typeface="Times New Roman"/>
-                <a:cs typeface="Times New Roman"/>
-              </a:rPr>
-              <a:t>&gt; and &lt;</a:t>
-            </a:r>
-            <a:r>
-              <a:rPr lang="en-US" sz="1000" baseline="0" dirty="0" err="1" smtClean="0">
-                <a:latin typeface="Times New Roman"/>
-                <a:cs typeface="Times New Roman"/>
-              </a:rPr>
-              <a:t>rpc</a:t>
-            </a:r>
-            <a:r>
-              <a:rPr lang="en-US" sz="1000" baseline="0" dirty="0" smtClean="0">
-                <a:latin typeface="Times New Roman"/>
-                <a:cs typeface="Times New Roman"/>
-              </a:rPr>
-              <a:t>-reply&gt; primitives that carries basic operations of the </a:t>
-            </a:r>
-            <a:r>
-              <a:rPr lang="fr-FR" sz="1000" baseline="0" dirty="0" smtClean="0">
-                <a:latin typeface="Times New Roman"/>
-                <a:cs typeface="Times New Roman"/>
-              </a:rPr>
-              <a:t>NETCONF</a:t>
-            </a:r>
-            <a:r>
-              <a:rPr lang="en-US" sz="1000" baseline="0" dirty="0" smtClean="0">
-                <a:latin typeface="Times New Roman"/>
-                <a:cs typeface="Times New Roman"/>
-              </a:rPr>
-              <a:t> operation layer as &lt;get&gt;, &lt;get-</a:t>
-            </a:r>
-            <a:r>
-              <a:rPr lang="en-US" sz="1000" baseline="0" dirty="0" err="1" smtClean="0">
-                <a:latin typeface="Times New Roman"/>
-                <a:cs typeface="Times New Roman"/>
-              </a:rPr>
-              <a:t>config</a:t>
-            </a:r>
-            <a:r>
-              <a:rPr lang="en-US" sz="1000" baseline="0" dirty="0" smtClean="0">
-                <a:latin typeface="Times New Roman"/>
-                <a:cs typeface="Times New Roman"/>
-              </a:rPr>
-              <a:t>&gt; and &lt;edit-</a:t>
-            </a:r>
-            <a:r>
-              <a:rPr lang="en-US" sz="1000" baseline="0" dirty="0" err="1" smtClean="0">
-                <a:latin typeface="Times New Roman"/>
-                <a:cs typeface="Times New Roman"/>
-              </a:rPr>
-              <a:t>config</a:t>
-            </a:r>
-            <a:r>
-              <a:rPr lang="en-US" sz="1000" baseline="0" dirty="0" smtClean="0">
-                <a:latin typeface="Times New Roman"/>
-                <a:cs typeface="Times New Roman"/>
-              </a:rPr>
-              <a:t>&gt; (notification are planned). The Data store Manager layer entity is responsible</a:t>
-            </a:r>
-            <a:r>
-              <a:rPr lang="en-US" sz="1000" baseline="0" dirty="0" smtClean="0">
-                <a:latin typeface="Times New Roman"/>
-                <a:cs typeface="Times New Roman"/>
-              </a:rPr>
-              <a:t> for maintaining </a:t>
-            </a:r>
-            <a:r>
-              <a:rPr lang="en-US" sz="1000" baseline="0" dirty="0" smtClean="0">
-                <a:latin typeface="Times New Roman"/>
-                <a:cs typeface="Times New Roman"/>
-              </a:rPr>
-              <a:t>a virtual database of configuration (and state) data and provides a read / write access to these data (state data being read-</a:t>
+              <a:t>&gt; (notification are planned). The Data store Manager layer entity is responsible for maintaining a virtual database of configuration (and state) data and provides a read / write access to these data (state data being read-</a:t>
             </a:r>
             <a:r>
               <a:rPr lang="en-US" sz="1000" baseline="0" dirty="0" err="1" smtClean="0">
@@ -4111,133 +3418,91 @@
                 <a:latin typeface="Times New Roman"/>
                 <a:cs typeface="Times New Roman"/>
               </a:rPr>
-              <a:t>At the starting of a session the Data Store Manager looks for modules in a text configuration file and dynamically load them. A module is a piece of code that </a:t>
+              <a:t>At the starting of a session the Data Store Manager looks for modules in a text configuration file and dynamically loads them. A module is a piece of code that accesses to specific configuration and state information with an interface compliant with </a:t>
+            </a:r>
+            <a:r>
+              <a:rPr lang="fr-FR" sz="1000" baseline="0" dirty="0" smtClean="0">
+                <a:latin typeface="Times New Roman"/>
+                <a:cs typeface="Times New Roman"/>
+              </a:rPr>
+              <a:t>NETCONF</a:t>
             </a:r>
             <a:r>
               <a:rPr lang="en-US" sz="1000" baseline="0" dirty="0" smtClean="0">
                 <a:latin typeface="Times New Roman"/>
                 <a:cs typeface="Times New Roman"/>
               </a:rPr>
-              <a:t>accesses </a:t>
+              <a:t> operations. For example there are modules for network interfaces, system, protocols like RIP or OLSR... When a module is loaded it must provide the location of its data by giving a path from the global root  (the &lt;</a:t>
+            </a:r>
+            <a:r>
+              <a:rPr lang="en-US" sz="1000" baseline="0" dirty="0" err="1" smtClean="0">
+                <a:latin typeface="Times New Roman"/>
+                <a:cs typeface="Times New Roman"/>
+              </a:rPr>
+              <a:t>netconf</a:t>
             </a:r>
             <a:r>
               <a:rPr lang="en-US" sz="1000" baseline="0" dirty="0" smtClean="0">
                 <a:latin typeface="Times New Roman"/>
                 <a:cs typeface="Times New Roman"/>
               </a:rPr>
-              <a:t>to specific configuration and state information with an interface compliant with </a:t>
+              <a:t>&gt; node) to the root node of the module. This path is expressed with the </a:t>
+            </a:r>
+            <a:r>
+              <a:rPr lang="en-US" sz="1000" baseline="0" dirty="0" err="1" smtClean="0">
+                <a:latin typeface="Times New Roman"/>
+                <a:cs typeface="Times New Roman"/>
+              </a:rPr>
+              <a:t>Xpath</a:t>
+            </a:r>
+            <a:r>
+              <a:rPr lang="en-US" sz="1000" baseline="0" dirty="0" smtClean="0">
+                <a:latin typeface="Times New Roman"/>
+                <a:cs typeface="Times New Roman"/>
+              </a:rPr>
+              <a:t> notation. For example, the interfaces module is localized with the “/</a:t>
+            </a:r>
+            <a:r>
+              <a:rPr lang="fr-FR" sz="1000" baseline="0" dirty="0" err="1" smtClean="0">
+                <a:latin typeface="Times New Roman"/>
+                <a:cs typeface="Times New Roman"/>
+              </a:rPr>
+              <a:t>netconf</a:t>
+            </a:r>
+            <a:r>
+              <a:rPr lang="en-US" sz="1000" baseline="0" dirty="0" smtClean="0">
+                <a:latin typeface="Times New Roman"/>
+                <a:cs typeface="Times New Roman"/>
+              </a:rPr>
+              <a:t>/network/interfaces” expression and  it maintains data under the &lt;interfaces&gt; node. Thus, part of the global Data Store is managed by the Data Store Manager (light grey on</a:t>
+            </a:r>
+            <a:r>
+              <a:rPr lang="en-US" sz="1000" baseline="0" dirty="0" smtClean="0">
+                <a:latin typeface="Times New Roman"/>
+                <a:cs typeface="Times New Roman"/>
+              </a:rPr>
+              <a:t> </a:t>
             </a:r>
             <a:r>
               <a:rPr lang="fr-FR" sz="1000" baseline="0" dirty="0" smtClean="0">
                 <a:latin typeface="Times New Roman"/>
                 <a:cs typeface="Times New Roman"/>
               </a:rPr>
-              <a:t>NETCONF</a:t>
+              <a:t>slide</a:t>
             </a:r>
             <a:r>
               <a:rPr lang="en-US" sz="1000" baseline="0" dirty="0" smtClean="0">
                 <a:latin typeface="Times New Roman"/>
                 <a:cs typeface="Times New Roman"/>
               </a:rPr>
-              <a:t> operations. For example there are modules for network interfaces, system, protocols</a:t>
+              <a:t> </a:t>
             </a:r>
             <a:r>
               <a:rPr lang="en-US" sz="1000" baseline="0" dirty="0" smtClean="0">
                 <a:latin typeface="Times New Roman"/>
                 <a:cs typeface="Times New Roman"/>
               </a:rPr>
-              <a:t> like RIP </a:t>
-            </a:r>
-            <a:r>
-              <a:rPr lang="en-US" sz="1000" baseline="0" dirty="0" smtClean="0">
-                <a:latin typeface="Times New Roman"/>
-                <a:cs typeface="Times New Roman"/>
-              </a:rPr>
-              <a:t>or OLSR... When a module is loaded it must </a:t>
-            </a:r>
-            <a:r>
-              <a:rPr lang="en-US" sz="1000" baseline="0" dirty="0" smtClean="0">
-                <a:latin typeface="Times New Roman"/>
-                <a:cs typeface="Times New Roman"/>
-              </a:rPr>
-              <a:t>provide </a:t>
-            </a:r>
-            <a:r>
-              <a:rPr lang="en-US" sz="1000" baseline="0" dirty="0" smtClean="0">
-                <a:latin typeface="Times New Roman"/>
-                <a:cs typeface="Times New Roman"/>
-              </a:rPr>
-              <a:t>the location of its data by giving a path from the global root  (the &lt;</a:t>
-            </a:r>
-            <a:r>
-              <a:rPr lang="en-US" sz="1000" baseline="0" dirty="0" err="1" smtClean="0">
-                <a:latin typeface="Times New Roman"/>
-                <a:cs typeface="Times New Roman"/>
-              </a:rPr>
-              <a:t>netconf</a:t>
-            </a:r>
-            <a:r>
-              <a:rPr lang="en-US" sz="1000" baseline="0" dirty="0" smtClean="0">
-                <a:latin typeface="Times New Roman"/>
-                <a:cs typeface="Times New Roman"/>
-              </a:rPr>
-              <a:t>&gt; node) to the root node of the module. This path is expressed with the </a:t>
-            </a:r>
-            <a:r>
-              <a:rPr lang="en-US" sz="1000" baseline="0" dirty="0" err="1" smtClean="0">
-                <a:latin typeface="Times New Roman"/>
-                <a:cs typeface="Times New Roman"/>
-              </a:rPr>
-              <a:t>Xpath</a:t>
-            </a:r>
-            <a:r>
-              <a:rPr lang="en-US" sz="1000" baseline="0" dirty="0" smtClean="0">
-                <a:latin typeface="Times New Roman"/>
-                <a:cs typeface="Times New Roman"/>
-              </a:rPr>
-              <a:t> notation. For example, the interfaces module is localized with the “/</a:t>
-            </a:r>
-            <a:r>
-              <a:rPr lang="fr-FR" sz="1000" baseline="0" dirty="0" err="1" smtClean="0">
-                <a:latin typeface="Times New Roman"/>
-                <a:cs typeface="Times New Roman"/>
-              </a:rPr>
-              <a:t>netconf</a:t>
-            </a:r>
-            <a:r>
-              <a:rPr lang="en-US" sz="1000" baseline="0" dirty="0" smtClean="0">
-                <a:latin typeface="Times New Roman"/>
-                <a:cs typeface="Times New Roman"/>
-              </a:rPr>
-              <a:t>/network/interfaces” expression and  it maintains data under the &lt;interfaces&gt; node. So a part of the global Data Store is managed by the Data Store Manager (the grey light on the </a:t>
-            </a:r>
-            <a:r>
-              <a:rPr lang="en-US" sz="1000" baseline="0" dirty="0" smtClean="0">
-                <a:latin typeface="Times New Roman"/>
-                <a:cs typeface="Times New Roman"/>
-              </a:rPr>
-              <a:t>figure 5) </a:t>
-            </a:r>
-            <a:r>
-              <a:rPr lang="en-US" sz="1000" baseline="0" dirty="0" smtClean="0">
-                <a:latin typeface="Times New Roman"/>
-                <a:cs typeface="Times New Roman"/>
-              </a:rPr>
-              <a:t>and the rest is distributed among modules (dark grey sub trees). This </a:t>
-            </a:r>
-            <a:r>
-              <a:rPr lang="en-US" sz="1000" baseline="0" dirty="0" smtClean="0">
-                <a:latin typeface="Times New Roman"/>
-                <a:cs typeface="Times New Roman"/>
-              </a:rPr>
-              <a:t>facilitates </a:t>
-            </a:r>
-            <a:r>
-              <a:rPr lang="en-US" sz="1000" baseline="0" dirty="0" smtClean="0">
-                <a:latin typeface="Times New Roman"/>
-                <a:cs typeface="Times New Roman"/>
-              </a:rPr>
-              <a:t>modularity of the server without increasing the complexity of the Data Store Manager.</a:t>
+              <a:t>5) and the rest is distributed among modules (dark grey sub trees). This enables modularity of the server without increasing the complexity of the Data Store Manager.</a:t>
             </a:r>
           </a:p>
           <a:p>
@@ -4317,7 +3582,7 @@
                 <a:latin typeface="Times New Roman"/>
                 <a:cs typeface="Times New Roman"/>
               </a:rPr>
-              <a:t> requests to distinguish its XML naming. It must be the same as the one defined in the YANG module and can be easily extracted from the </a:t>
+              <a:t> requests to distinguish its XML naming. It must be the same as the one defined in the YANG module and can easily be extracted from the </a:t>
             </a:r>
             <a:r>
               <a:rPr lang="en-US" sz="1000" baseline="0" dirty="0" err="1" smtClean="0">
@@ -4410,14 +3675,21 @@
                 <a:latin typeface="Times New Roman"/>
                 <a:cs typeface="Times New Roman"/>
               </a:rPr>
-              <a:t> Manager is an open source</a:t>
+              <a:t> Manager is an open source </a:t>
+            </a:r>
+            <a:r>
+              <a:rPr lang="fr-FR" sz="1000" baseline="0" noProof="0" dirty="0" smtClean="0">
+                <a:latin typeface="Times New Roman"/>
+                <a:cs typeface="Times New Roman"/>
+              </a:rPr>
+              <a:t>NETCONF</a:t>
             </a:r>
             <a:r>
               <a:rPr lang="en-US" sz="1000" baseline="0" noProof="0" dirty="0" smtClean="0">
                 <a:latin typeface="Times New Roman"/>
                 <a:cs typeface="Times New Roman"/>
               </a:rPr>
-              <a:t> </a:t>
+              <a:t> application that can send queries and receive responses with any </a:t>
             </a:r>
             <a:r>
               <a:rPr lang="fr-FR" sz="1000" baseline="0" noProof="0" dirty="0" smtClean="0">
@@ -4431,14 +3703,21 @@
                 <a:latin typeface="Times New Roman"/>
                 <a:cs typeface="Times New Roman"/>
               </a:rPr>
-              <a:t> </a:t>
+              <a:t> server. The </a:t>
+            </a:r>
+            <a:r>
+              <a:rPr lang="fr-FR" sz="1000" baseline="0" noProof="0" dirty="0" smtClean="0">
+                <a:latin typeface="Times New Roman"/>
+                <a:cs typeface="Times New Roman"/>
+              </a:rPr>
+              <a:t>NETCONF</a:t>
             </a:r>
             <a:r>
               <a:rPr lang="en-US" sz="1000" baseline="0" noProof="0" dirty="0" smtClean="0">
                 <a:latin typeface="Times New Roman"/>
                 <a:cs typeface="Times New Roman"/>
               </a:rPr>
-              <a:t>application that can send queries and receive responses with any </a:t>
+              <a:t> Client can have several </a:t>
             </a:r>
             <a:r>
               <a:rPr lang="fr-FR" sz="1000" baseline="0" noProof="0" dirty="0" smtClean="0">
@@ -4452,21 +3731,35 @@
                 <a:latin typeface="Times New Roman"/>
                 <a:cs typeface="Times New Roman"/>
               </a:rPr>
-              <a:t> </a:t>
+              <a:t> sessions with different servers at one time. Each of theses sessions is initialized from the HTTPS server inside the </a:t>
+            </a:r>
+            <a:r>
+              <a:rPr lang="en-US" sz="1000" baseline="0" noProof="0" dirty="0" err="1" smtClean="0">
+                <a:latin typeface="Times New Roman"/>
+                <a:cs typeface="Times New Roman"/>
+              </a:rPr>
+              <a:t>YencaP</a:t>
             </a:r>
             <a:r>
               <a:rPr lang="en-US" sz="1000" baseline="0" noProof="0" dirty="0" smtClean="0">
                 <a:latin typeface="Times New Roman"/>
                 <a:cs typeface="Times New Roman"/>
               </a:rPr>
-              <a:t>server. </a:t>
+              <a:t> Manager when a user opens a HTTPS session.  There is a one to one mapping between HTTPS and </a:t>
+            </a:r>
+            <a:r>
+              <a:rPr lang="fr-FR" sz="1000" baseline="0" noProof="0" dirty="0" smtClean="0">
+                <a:latin typeface="Times New Roman"/>
+                <a:cs typeface="Times New Roman"/>
+              </a:rPr>
+              <a:t>NETCONF</a:t>
             </a:r>
             <a:r>
               <a:rPr lang="en-US" sz="1000" baseline="0" noProof="0" dirty="0" smtClean="0">
                 <a:latin typeface="Times New Roman"/>
                 <a:cs typeface="Times New Roman"/>
               </a:rPr>
-              <a:t>The </a:t>
+              <a:t> sessions even if two users are accessing the same </a:t>
             </a:r>
             <a:r>
               <a:rPr lang="fr-FR" sz="1000" baseline="0" noProof="0" dirty="0" smtClean="0">
@@ -4480,21 +3773,21 @@
                 <a:latin typeface="Times New Roman"/>
                 <a:cs typeface="Times New Roman"/>
               </a:rPr>
-              <a:t> Client can have several </a:t>
-            </a:r>
-            <a:r>
-              <a:rPr lang="fr-FR" sz="1000" baseline="0" noProof="0" dirty="0" smtClean="0">
-                <a:latin typeface="Times New Roman"/>
-                <a:cs typeface="Times New Roman"/>
-              </a:rPr>
-              <a:t>NETCONF</a:t>
+              <a:t> server. The couple (</a:t>
+            </a:r>
+            <a:r>
+              <a:rPr lang="en-US" sz="1000" baseline="0" noProof="0" dirty="0" err="1" smtClean="0">
+                <a:latin typeface="Times New Roman"/>
+                <a:cs typeface="Times New Roman"/>
+              </a:rPr>
+              <a:t>YencaP</a:t>
             </a:r>
             <a:r>
               <a:rPr lang="en-US" sz="1000" baseline="0" noProof="0" dirty="0" smtClean="0">
                 <a:latin typeface="Times New Roman"/>
                 <a:cs typeface="Times New Roman"/>
               </a:rPr>
-              <a:t> sessions with different servers at one time. Each of theses sessions is initialized from the HTTPS server inside the </a:t>
+              <a:t> / </a:t>
             </a:r>
             <a:r>
               <a:rPr lang="en-US" sz="1000" baseline="0" noProof="0" dirty="0" err="1" smtClean="0">
@@ -4508,112 +3801,7 @@
                 <a:latin typeface="Times New Roman"/>
                 <a:cs typeface="Times New Roman"/>
               </a:rPr>
-              <a:t> Manager when </a:t>
-            </a:r>
-            <a:r>
-              <a:rPr lang="en-US" sz="1000" baseline="0" noProof="0" dirty="0" smtClean="0">
-                <a:latin typeface="Times New Roman"/>
-                <a:cs typeface="Times New Roman"/>
-              </a:rPr>
-              <a:t>a </a:t>
-            </a:r>
-            <a:r>
-              <a:rPr lang="en-US" sz="1000" baseline="0" noProof="0" dirty="0" smtClean="0">
-                <a:latin typeface="Times New Roman"/>
-                <a:cs typeface="Times New Roman"/>
-              </a:rPr>
-              <a:t>user </a:t>
-            </a:r>
-            <a:r>
-              <a:rPr lang="en-US" sz="1000" baseline="0" noProof="0" dirty="0" smtClean="0">
-                <a:latin typeface="Times New Roman"/>
-                <a:cs typeface="Times New Roman"/>
-              </a:rPr>
-              <a:t>opens a </a:t>
-            </a:r>
-            <a:r>
-              <a:rPr lang="en-US" sz="1000" baseline="0" noProof="0" dirty="0" smtClean="0">
-                <a:latin typeface="Times New Roman"/>
-                <a:cs typeface="Times New Roman"/>
-              </a:rPr>
-              <a:t>HTTPS session.  There is a one to one mapping between HTTPS and </a:t>
-            </a:r>
-            <a:r>
-              <a:rPr lang="fr-FR" sz="1000" baseline="0" noProof="0" dirty="0" smtClean="0">
-                <a:latin typeface="Times New Roman"/>
-                <a:cs typeface="Times New Roman"/>
-              </a:rPr>
-              <a:t>NETCONF</a:t>
-            </a:r>
-            <a:r>
-              <a:rPr lang="en-US" sz="1000" baseline="0" noProof="0" dirty="0" smtClean="0">
-                <a:latin typeface="Times New Roman"/>
-                <a:cs typeface="Times New Roman"/>
-              </a:rPr>
-              <a:t> sessions even if two users are accessing the same </a:t>
-            </a:r>
-            <a:r>
-              <a:rPr lang="fr-FR" sz="1000" baseline="0" noProof="0" dirty="0" smtClean="0">
-                <a:latin typeface="Times New Roman"/>
-                <a:cs typeface="Times New Roman"/>
-              </a:rPr>
-              <a:t>NETCONF</a:t>
-            </a:r>
-            <a:r>
-              <a:rPr lang="en-US" sz="1000" baseline="0" noProof="0" dirty="0" smtClean="0">
-                <a:latin typeface="Times New Roman"/>
-                <a:cs typeface="Times New Roman"/>
-              </a:rPr>
-              <a:t> server. The couple</a:t>
-            </a:r>
-            <a:r>
-              <a:rPr lang="en-US" sz="1000" baseline="0" noProof="0" dirty="0" smtClean="0">
-                <a:latin typeface="Times New Roman"/>
-                <a:cs typeface="Times New Roman"/>
-              </a:rPr>
-              <a:t> (</a:t>
-            </a:r>
-            <a:r>
-              <a:rPr lang="en-US" sz="1000" baseline="0" noProof="0" dirty="0" err="1" smtClean="0">
-                <a:latin typeface="Times New Roman"/>
-                <a:cs typeface="Times New Roman"/>
-              </a:rPr>
-              <a:t>YencaP</a:t>
-            </a:r>
-            <a:r>
-              <a:rPr lang="en-US" sz="1000" baseline="0" noProof="0" dirty="0" smtClean="0">
-                <a:latin typeface="Times New Roman"/>
-                <a:cs typeface="Times New Roman"/>
-              </a:rPr>
-              <a:t> / </a:t>
-            </a:r>
-            <a:r>
-              <a:rPr lang="en-US" sz="1000" baseline="0" noProof="0" dirty="0" err="1" smtClean="0">
-                <a:latin typeface="Times New Roman"/>
-                <a:cs typeface="Times New Roman"/>
-              </a:rPr>
-              <a:t>YencaP</a:t>
-            </a:r>
-            <a:r>
-              <a:rPr lang="en-US" sz="1000" baseline="0" noProof="0" dirty="0" smtClean="0">
-                <a:latin typeface="Times New Roman"/>
-                <a:cs typeface="Times New Roman"/>
-              </a:rPr>
-              <a:t> </a:t>
-            </a:r>
-            <a:r>
-              <a:rPr lang="en-US" sz="1000" baseline="0" noProof="0" dirty="0" smtClean="0">
-                <a:latin typeface="Times New Roman"/>
-                <a:cs typeface="Times New Roman"/>
-              </a:rPr>
-              <a:t>Manager) forms </a:t>
-            </a:r>
-            <a:r>
-              <a:rPr lang="en-US" sz="1000" baseline="0" noProof="0" dirty="0" smtClean="0">
-                <a:latin typeface="Times New Roman"/>
-                <a:cs typeface="Times New Roman"/>
-              </a:rPr>
-              <a:t>the ENSUITE framework.</a:t>
+              <a:t> Manager) forms the ENSUITE framework.</a:t>
             </a:r>
           </a:p>
           <a:p>
@@ -4636,55 +3824,111 @@
                 <a:latin typeface="Times New Roman"/>
                 <a:cs typeface="Times New Roman"/>
               </a:rPr>
-              <a:t>As</a:t>
+              <a:t>As shown in</a:t>
             </a:r>
             <a:r>
               <a:rPr lang="en-US" sz="1000" baseline="0" noProof="0" dirty="0" smtClean="0">
                 <a:latin typeface="Times New Roman"/>
                 <a:cs typeface="Times New Roman"/>
               </a:rPr>
-              <a:t> shown in </a:t>
+              <a:t> </a:t>
+            </a:r>
+            <a:r>
+              <a:rPr lang="fr-FR" sz="1000" baseline="0" noProof="0" dirty="0" smtClean="0">
+                <a:latin typeface="Times New Roman"/>
+                <a:cs typeface="Times New Roman"/>
+              </a:rPr>
+              <a:t>slide</a:t>
             </a:r>
             <a:r>
               <a:rPr lang="en-US" sz="1000" baseline="0" noProof="0" dirty="0" smtClean="0">
                 <a:latin typeface="Times New Roman"/>
                 <a:cs typeface="Times New Roman"/>
               </a:rPr>
-              <a:t>the</a:t>
+              <a:t> </a:t>
             </a:r>
             <a:r>
               <a:rPr lang="en-US" sz="1000" baseline="0" noProof="0" dirty="0" smtClean="0">
                 <a:latin typeface="Times New Roman"/>
                 <a:cs typeface="Times New Roman"/>
               </a:rPr>
-              <a:t> figure 5 </a:t>
+              <a:t>5 we had to extend </a:t>
+            </a:r>
+            <a:r>
+              <a:rPr lang="en-US" sz="1000" baseline="0" noProof="0" dirty="0" err="1" smtClean="0">
+                <a:latin typeface="Times New Roman"/>
+                <a:cs typeface="Times New Roman"/>
+              </a:rPr>
+              <a:t>YencaP</a:t>
             </a:r>
             <a:r>
               <a:rPr lang="en-US" sz="1000" baseline="0" noProof="0" dirty="0" smtClean="0">
                 <a:latin typeface="Times New Roman"/>
                 <a:cs typeface="Times New Roman"/>
               </a:rPr>
-              <a:t>we</a:t>
+              <a:t> to announce which YANG modules it implements (together with version and revision information) as a capability in its standard hello message. On the client side, a YANG loader will be used by the </a:t>
+            </a:r>
+            <a:r>
+              <a:rPr lang="en-US" sz="1000" baseline="0" noProof="0" dirty="0" err="1" smtClean="0">
+                <a:latin typeface="Times New Roman"/>
+                <a:cs typeface="Times New Roman"/>
+              </a:rPr>
+              <a:t>YencaP</a:t>
             </a:r>
             <a:r>
               <a:rPr lang="en-US" sz="1000" baseline="0" noProof="0" dirty="0" smtClean="0">
                 <a:latin typeface="Times New Roman"/>
                 <a:cs typeface="Times New Roman"/>
               </a:rPr>
-              <a:t> had to </a:t>
+              <a:t> Manager when such a capability is detected. We do not constraint the </a:t>
+            </a:r>
+            <a:r>
+              <a:rPr lang="en-US" sz="1000" baseline="0" noProof="0" dirty="0" err="1" smtClean="0">
+                <a:latin typeface="Times New Roman"/>
+                <a:cs typeface="Times New Roman"/>
+              </a:rPr>
+              <a:t>YencaP</a:t>
             </a:r>
             <a:r>
               <a:rPr lang="en-US" sz="1000" baseline="0" noProof="0" dirty="0" smtClean="0">
                 <a:latin typeface="Times New Roman"/>
                 <a:cs typeface="Times New Roman"/>
               </a:rPr>
-              <a:t>slightly extends </a:t>
+              <a:t> Manager to only work with YANG but to accept servers that are YANG enabled or not. The YANG loader gets the specifications from an external repository and builds a specific </a:t>
             </a:r>
             <a:r>
               <a:rPr lang="en-US" sz="1000" baseline="0" noProof="0" dirty="0" err="1" smtClean="0">
                 <a:latin typeface="Times New Roman"/>
                 <a:cs typeface="Times New Roman"/>
               </a:rPr>
+              <a:t>YangTreeNode</a:t>
+            </a:r>
+            <a:r>
+              <a:rPr lang="en-US" sz="1000" baseline="0" noProof="0" dirty="0" smtClean="0">
+                <a:latin typeface="Times New Roman"/>
+                <a:cs typeface="Times New Roman"/>
+              </a:rPr>
+              <a:t> for the data model maintained by the server. The YANG loader is a java program that uses </a:t>
+            </a:r>
+            <a:r>
+              <a:rPr lang="en-US" sz="1000" baseline="0" noProof="0" dirty="0" err="1" smtClean="0">
+                <a:latin typeface="Times New Roman"/>
+                <a:cs typeface="Times New Roman"/>
+              </a:rPr>
+              <a:t>jYang</a:t>
+            </a:r>
+            <a:r>
+              <a:rPr lang="en-US" sz="1000" baseline="0" noProof="0" dirty="0" smtClean="0">
+                <a:latin typeface="Times New Roman"/>
+                <a:cs typeface="Times New Roman"/>
+              </a:rPr>
+              <a:t> to dynamically parse YANG specifications. We took this choice because we suppose the </a:t>
+            </a:r>
+            <a:r>
+              <a:rPr lang="en-US" sz="1000" baseline="0" noProof="0" dirty="0" err="1" smtClean="0">
+                <a:latin typeface="Times New Roman"/>
+                <a:cs typeface="Times New Roman"/>
+              </a:rPr>
               <a:t>YencaP</a:t>
             </a:r>
             <a:r>
@@ -4692,147 +3936,7 @@
                 <a:latin typeface="Times New Roman"/>
                 <a:cs typeface="Times New Roman"/>
               </a:rPr>
-              <a:t> to</a:t>
-            </a:r>
-            <a:r>
-              <a:rPr lang="en-US" sz="1000" baseline="0" noProof="0" dirty="0" smtClean="0">
-                <a:latin typeface="Times New Roman"/>
-                <a:cs typeface="Times New Roman"/>
-              </a:rPr>
-              <a:t> announce </a:t>
-            </a:r>
-            <a:r>
-              <a:rPr lang="en-US" sz="1000" baseline="0" noProof="0" dirty="0" smtClean="0">
-                <a:latin typeface="Times New Roman"/>
-                <a:cs typeface="Times New Roman"/>
-              </a:rPr>
-              <a:t>which YANG modules it implements (and which version and revision) as a capability in its standard hello message. On the client side a YANG loader will be used by the </a:t>
-            </a:r>
-            <a:r>
-              <a:rPr lang="en-US" sz="1000" baseline="0" noProof="0" dirty="0" err="1" smtClean="0">
-                <a:latin typeface="Times New Roman"/>
-                <a:cs typeface="Times New Roman"/>
-              </a:rPr>
-              <a:t>YencaP</a:t>
-            </a:r>
-            <a:r>
-              <a:rPr lang="en-US" sz="1000" baseline="0" noProof="0" dirty="0" smtClean="0">
-                <a:latin typeface="Times New Roman"/>
-                <a:cs typeface="Times New Roman"/>
-              </a:rPr>
-              <a:t> Manager when such capability is detected. We do not constraint the </a:t>
-            </a:r>
-            <a:r>
-              <a:rPr lang="en-US" sz="1000" baseline="0" noProof="0" dirty="0" err="1" smtClean="0">
-                <a:latin typeface="Times New Roman"/>
-                <a:cs typeface="Times New Roman"/>
-              </a:rPr>
-              <a:t>YencaP</a:t>
-            </a:r>
-            <a:r>
-              <a:rPr lang="en-US" sz="1000" baseline="0" noProof="0" dirty="0" smtClean="0">
-                <a:latin typeface="Times New Roman"/>
-                <a:cs typeface="Times New Roman"/>
-              </a:rPr>
-              <a:t> Manager to only work with YANG but to accept servers that are YANG </a:t>
-            </a:r>
-            <a:r>
-              <a:rPr lang="en-US" sz="1000" baseline="0" noProof="0" dirty="0" smtClean="0">
-                <a:latin typeface="Times New Roman"/>
-                <a:cs typeface="Times New Roman"/>
-              </a:rPr>
-              <a:t>enabled </a:t>
-            </a:r>
-            <a:r>
-              <a:rPr lang="en-US" sz="1000" baseline="0" noProof="0" dirty="0" smtClean="0">
-                <a:latin typeface="Times New Roman"/>
-                <a:cs typeface="Times New Roman"/>
-              </a:rPr>
-              <a:t>or not. The YANG loader gets the specifications from an external repository and </a:t>
-            </a:r>
-            <a:r>
-              <a:rPr lang="en-US" sz="1000" baseline="0" noProof="0" dirty="0" smtClean="0">
-                <a:latin typeface="Times New Roman"/>
-                <a:cs typeface="Times New Roman"/>
-              </a:rPr>
-              <a:t>builds </a:t>
-            </a:r>
-            <a:r>
-              <a:rPr lang="en-US" sz="1000" baseline="0" noProof="0" dirty="0" smtClean="0">
-                <a:latin typeface="Times New Roman"/>
-                <a:cs typeface="Times New Roman"/>
-              </a:rPr>
-              <a:t>a specific </a:t>
-            </a:r>
-            <a:r>
-              <a:rPr lang="en-US" sz="1000" baseline="0" noProof="0" dirty="0" err="1" smtClean="0">
-                <a:latin typeface="Times New Roman"/>
-                <a:cs typeface="Times New Roman"/>
-              </a:rPr>
-              <a:t>YangTreeNode</a:t>
-            </a:r>
-            <a:r>
-              <a:rPr lang="en-US" sz="1000" baseline="0" noProof="0" dirty="0" smtClean="0">
-                <a:latin typeface="Times New Roman"/>
-                <a:cs typeface="Times New Roman"/>
-              </a:rPr>
-              <a:t> for the data model maintained by the server. The YANG </a:t>
-            </a:r>
-            <a:r>
-              <a:rPr lang="en-US" sz="1000" baseline="0" noProof="0" dirty="0" smtClean="0">
-                <a:latin typeface="Times New Roman"/>
-                <a:cs typeface="Times New Roman"/>
-              </a:rPr>
-              <a:t>loader is </a:t>
-            </a:r>
-            <a:r>
-              <a:rPr lang="en-US" sz="1000" baseline="0" noProof="0" dirty="0" smtClean="0">
-                <a:latin typeface="Times New Roman"/>
-                <a:cs typeface="Times New Roman"/>
-              </a:rPr>
-              <a:t>a java program that uses </a:t>
-            </a:r>
-            <a:r>
-              <a:rPr lang="en-US" sz="1000" baseline="0" noProof="0" dirty="0" err="1" smtClean="0">
-                <a:latin typeface="Times New Roman"/>
-                <a:cs typeface="Times New Roman"/>
-              </a:rPr>
-              <a:t>jYang</a:t>
-            </a:r>
-            <a:r>
-              <a:rPr lang="en-US" sz="1000" baseline="0" noProof="0" dirty="0" smtClean="0">
-                <a:latin typeface="Times New Roman"/>
-                <a:cs typeface="Times New Roman"/>
-              </a:rPr>
-              <a:t> to dynamically parse YANG specifications. We</a:t>
-            </a:r>
-            <a:r>
-              <a:rPr lang="en-US" sz="1000" baseline="0" noProof="0" dirty="0" smtClean="0">
-                <a:latin typeface="Times New Roman"/>
-                <a:cs typeface="Times New Roman"/>
-              </a:rPr>
-              <a:t> took this </a:t>
-            </a:r>
-            <a:r>
-              <a:rPr lang="en-US" sz="1000" baseline="0" noProof="0" dirty="0" smtClean="0">
-                <a:latin typeface="Times New Roman"/>
-                <a:cs typeface="Times New Roman"/>
-              </a:rPr>
-              <a:t>choice because we suppose the </a:t>
-            </a:r>
-            <a:r>
-              <a:rPr lang="en-US" sz="1000" baseline="0" noProof="0" dirty="0" err="1" smtClean="0">
-                <a:latin typeface="Times New Roman"/>
-                <a:cs typeface="Times New Roman"/>
-              </a:rPr>
-              <a:t>YencaP</a:t>
-            </a:r>
-            <a:r>
-              <a:rPr lang="en-US" sz="1000" baseline="0" noProof="0" dirty="0" smtClean="0">
-                <a:latin typeface="Times New Roman"/>
-                <a:cs typeface="Times New Roman"/>
-              </a:rPr>
-              <a:t> Manager will discover servers without knowledge of their configuration and so must be able to dynamically load and parse any YANG specification. There is also the creation of “glue” parts in the </a:t>
+              <a:t> Manager will discover servers without knowledge of their configuration and thus must be able to dynamically load and parse any YANG specification. There is also the creation of “glue” parts in the </a:t>
             </a:r>
             <a:r>
               <a:rPr lang="en-US" sz="1000" baseline="0" noProof="0" dirty="0" err="1" smtClean="0">
@@ -4918,21 +4022,7 @@
                 <a:latin typeface="Times New Roman"/>
                 <a:cs typeface="Times New Roman"/>
               </a:rPr>
-              <a:t>Once a HTTPS session is</a:t>
-            </a:r>
-            <a:r>
-              <a:rPr lang="en-US" sz="1000" baseline="0" noProof="0" dirty="0" smtClean="0">
-                <a:latin typeface="Times New Roman"/>
-                <a:cs typeface="Times New Roman"/>
-              </a:rPr>
-              <a:t> opened </a:t>
-            </a:r>
-            <a:r>
-              <a:rPr lang="en-US" sz="1000" baseline="0" noProof="0" dirty="0" smtClean="0">
-                <a:latin typeface="Times New Roman"/>
-                <a:cs typeface="Times New Roman"/>
-              </a:rPr>
-              <a:t>the user can ask for the configuration of a YANG enable device. In doing so it receives a java applet that contains the </a:t>
+              <a:t>Once a HTTPS session is opened the user can ask for the configuration of a YANG enabled device. In doing so it receives a java applet that contains the </a:t>
             </a:r>
             <a:r>
               <a:rPr lang="en-US" sz="1000" baseline="0" noProof="0" dirty="0" err="1" smtClean="0">
@@ -5041,28 +4131,49 @@
                 <a:latin typeface="Times New Roman"/>
                 <a:cs typeface="Times New Roman"/>
               </a:rPr>
-              <a:t>The figure</a:t>
+              <a:t>Slide </a:t>
             </a:r>
             <a:r>
               <a:rPr lang="en-US" sz="1000" dirty="0" smtClean="0">
                 <a:latin typeface="Times New Roman"/>
                 <a:cs typeface="Times New Roman"/>
               </a:rPr>
-              <a:t> 7 shows </a:t>
-            </a:r>
-            <a:r>
-              <a:rPr lang="en-US" sz="1000" dirty="0" smtClean="0">
-                <a:latin typeface="Times New Roman"/>
-                <a:cs typeface="Times New Roman"/>
-              </a:rPr>
-              <a:t>the applet part of the web</a:t>
+              <a:t>7 shows the applet part of the web</a:t>
             </a:r>
             <a:r>
               <a:rPr lang="en-US" sz="1000" baseline="0" dirty="0" smtClean="0">
                 <a:latin typeface="Times New Roman"/>
                 <a:cs typeface="Times New Roman"/>
               </a:rPr>
-              <a:t> interface the user will have when asking for the configuration of a device. This first view can be used as a YANG specification browser that looks like a file system browser (we use the swing </a:t>
+              <a:t> </a:t>
+            </a:r>
+            <a:r>
+              <a:rPr lang="en-US" sz="1000" baseline="0" dirty="0" smtClean="0">
+                <a:latin typeface="Times New Roman"/>
+                <a:cs typeface="Times New Roman"/>
+              </a:rPr>
+              <a:t>interface, </a:t>
+            </a:r>
+            <a:r>
+              <a:rPr lang="en-US" sz="1000" baseline="0" dirty="0" smtClean="0">
+                <a:latin typeface="Times New Roman"/>
+                <a:cs typeface="Times New Roman"/>
+              </a:rPr>
+              <a:t>the user</a:t>
+            </a:r>
+            <a:r>
+              <a:rPr lang="en-US" sz="1000" baseline="0" dirty="0" smtClean="0">
+                <a:latin typeface="Times New Roman"/>
+                <a:cs typeface="Times New Roman"/>
+              </a:rPr>
+              <a:t> gets when </a:t>
+            </a:r>
+            <a:r>
+              <a:rPr lang="en-US" sz="1000" baseline="0" dirty="0" smtClean="0">
+                <a:latin typeface="Times New Roman"/>
+                <a:cs typeface="Times New Roman"/>
+              </a:rPr>
+              <a:t>asking for the configuration of a device. This first view can be used as a YANG specification browser that looks like a file system browser (we use the swing </a:t>
             </a:r>
             <a:r>
               <a:rPr lang="en-US" sz="1000" baseline="0" dirty="0" err="1" smtClean="0">
@@ -5076,91 +4187,77 @@
                 <a:latin typeface="Times New Roman"/>
                 <a:cs typeface="Times New Roman"/>
               </a:rPr>
-              <a:t> interface). The tree view </a:t>
+              <a:t> interface). The tree view matches well with YANG because it defines a schema tree. Specific icons are used to distinct nodes, here </a:t>
+            </a:r>
+            <a:r>
+              <a:rPr lang="fr-FR" sz="1000" baseline="0" dirty="0" smtClean="0">
+                <a:latin typeface="Times New Roman"/>
+                <a:cs typeface="Times New Roman"/>
+              </a:rPr>
+              <a:t>NETCONF</a:t>
             </a:r>
             <a:r>
               <a:rPr lang="en-US" sz="1000" baseline="0" dirty="0" smtClean="0">
                 <a:latin typeface="Times New Roman"/>
                 <a:cs typeface="Times New Roman"/>
               </a:rPr>
-              <a:t>matches </a:t>
+              <a:t>, network and interfaces are all YANG containers, interface is a YANG list and name, </a:t>
+            </a:r>
+            <a:r>
+              <a:rPr lang="en-US" sz="1000" baseline="0" dirty="0" err="1" smtClean="0">
+                <a:latin typeface="Times New Roman"/>
+                <a:cs typeface="Times New Roman"/>
+              </a:rPr>
+              <a:t>mac</a:t>
             </a:r>
             <a:r>
               <a:rPr lang="en-US" sz="1000" baseline="0" dirty="0" smtClean="0">
                 <a:latin typeface="Times New Roman"/>
                 <a:cs typeface="Times New Roman"/>
               </a:rPr>
-              <a:t>well with YANG because it defines a schema tree. Specific icons are used to distinct nodes, here </a:t>
-            </a:r>
-            <a:r>
-              <a:rPr lang="fr-FR" sz="1000" baseline="0" dirty="0" smtClean="0">
-                <a:latin typeface="Times New Roman"/>
-                <a:cs typeface="Times New Roman"/>
-              </a:rPr>
-              <a:t>NETCONF</a:t>
+              <a:t>-address, </a:t>
+            </a:r>
+            <a:r>
+              <a:rPr lang="en-US" sz="1000" baseline="0" dirty="0" err="1" smtClean="0">
+                <a:latin typeface="Times New Roman"/>
+                <a:cs typeface="Times New Roman"/>
+              </a:rPr>
+              <a:t>mtu</a:t>
             </a:r>
             <a:r>
               <a:rPr lang="en-US" sz="1000" baseline="0" dirty="0" smtClean="0">
                 <a:latin typeface="Times New Roman"/>
                 <a:cs typeface="Times New Roman"/>
               </a:rPr>
-              <a:t>, network and interfaces are all YANG </a:t>
+              <a:t> are YANG</a:t>
             </a:r>
             <a:r>
               <a:rPr lang="en-US" sz="1000" baseline="0" dirty="0" smtClean="0">
                 <a:latin typeface="Times New Roman"/>
                 <a:cs typeface="Times New Roman"/>
               </a:rPr>
-              <a:t>containers, </a:t>
+              <a:t> leaves. </a:t>
             </a:r>
             <a:r>
               <a:rPr lang="en-US" sz="1000" baseline="0" dirty="0" smtClean="0">
                 <a:latin typeface="Times New Roman"/>
                 <a:cs typeface="Times New Roman"/>
               </a:rPr>
-              <a:t>interface is a YANG list and name, </a:t>
-            </a:r>
-            <a:r>
-              <a:rPr lang="en-US" sz="1000" baseline="0" dirty="0" err="1" smtClean="0">
-                <a:latin typeface="Times New Roman"/>
-                <a:cs typeface="Times New Roman"/>
-              </a:rPr>
-              <a:t>mac</a:t>
+              <a:t>A YANG list can have some key inside its leaf as is the “name” leaf referenced inside brackets in the “interface” list and by a little star on its leaf icon. When selecting a leaf in this tree, the lower part of the applet shows details of the YANG specification, as the type of a leaf and constraints such default value or range intervals. A leaf type is always at least of a built-in types (as string, int8,…) and can be refined by other </a:t>
             </a:r>
             <a:r>
               <a:rPr lang="en-US" sz="1000" baseline="0" dirty="0" smtClean="0">
                 <a:latin typeface="Times New Roman"/>
                 <a:cs typeface="Times New Roman"/>
               </a:rPr>
-              <a:t>-address, </a:t>
-            </a:r>
-            <a:r>
-              <a:rPr lang="en-US" sz="1000" baseline="0" dirty="0" err="1" smtClean="0">
-                <a:latin typeface="Times New Roman"/>
-                <a:cs typeface="Times New Roman"/>
-              </a:rPr>
-              <a:t>mtu</a:t>
+              <a:t>types </a:t>
             </a:r>
             <a:r>
               <a:rPr lang="en-US" sz="1000" baseline="0" dirty="0" smtClean="0">
                 <a:latin typeface="Times New Roman"/>
                 <a:cs typeface="Times New Roman"/>
               </a:rPr>
-              <a:t> are YANG leaf. A YANG list can have some key inside its leaf as is the “name” leaf referenced inside brackets in the “interface” list and by a little star on its leaf icon. When selecting a leaf in this </a:t>
-            </a:r>
-            <a:r>
-              <a:rPr lang="en-US" sz="1000" baseline="0" dirty="0" smtClean="0">
-                <a:latin typeface="Times New Roman"/>
-                <a:cs typeface="Times New Roman"/>
-              </a:rPr>
-              <a:t>tree, the </a:t>
-            </a:r>
-            <a:r>
-              <a:rPr lang="en-US" sz="1000" baseline="0" dirty="0" smtClean="0">
-                <a:latin typeface="Times New Roman"/>
-                <a:cs typeface="Times New Roman"/>
-              </a:rPr>
-              <a:t>lower part of the applet shows details of the YANG specification, as the type of a leaf and constraints such default value or range intervals. A leaf type is always at least of a built-in types (as string, int8,…) and can be refined by other type with added constraints or to use an existing useful type (as a </a:t>
+              <a:t>with added constraints or to use an existing useful type (as a </a:t>
             </a:r>
             <a:r>
               <a:rPr lang="en-US" sz="1000" baseline="0" dirty="0" err="1" smtClean="0">
@@ -5330,14 +4427,28 @@
                 <a:latin typeface="Times New Roman"/>
                 <a:cs typeface="Times New Roman"/>
               </a:rPr>
-              <a:t> figure 7 </a:t>
+              <a:t> </a:t>
+            </a:r>
+            <a:r>
+              <a:rPr lang="fr-FR" sz="1000" baseline="0" noProof="0" dirty="0" smtClean="0">
+                <a:latin typeface="Times New Roman"/>
+                <a:cs typeface="Times New Roman"/>
+              </a:rPr>
+              <a:t>slide</a:t>
             </a:r>
             <a:r>
               <a:rPr lang="en-US" sz="1000" baseline="0" noProof="0" dirty="0" smtClean="0">
                 <a:latin typeface="Times New Roman"/>
                 <a:cs typeface="Times New Roman"/>
               </a:rPr>
-              <a:t>one can request the indirectly connected </a:t>
+              <a:t> </a:t>
+            </a:r>
+            <a:r>
+              <a:rPr lang="en-US" sz="1000" baseline="0" noProof="0" dirty="0" smtClean="0">
+                <a:latin typeface="Times New Roman"/>
+                <a:cs typeface="Times New Roman"/>
+              </a:rPr>
+              <a:t>7 one can request the indirectly connected </a:t>
             </a:r>
             <a:r>
               <a:rPr lang="fr-FR" sz="1000" baseline="0" noProof="0" dirty="0" smtClean="0">
@@ -5351,27 +4462,76 @@
                 <a:latin typeface="Times New Roman"/>
                 <a:cs typeface="Times New Roman"/>
               </a:rPr>
-              <a:t> device by a mouse contextual menu that </a:t>
+              <a:t> device by a mouse contextual menu that pops-up when the right button is pressed on a YANG data type. When one of the standard </a:t>
+            </a:r>
+            <a:r>
+              <a:rPr lang="fr-FR" sz="1000" baseline="0" noProof="0" dirty="0" smtClean="0">
+                <a:latin typeface="Times New Roman"/>
+                <a:cs typeface="Times New Roman"/>
+              </a:rPr>
+              <a:t>NETCONF</a:t>
             </a:r>
             <a:r>
               <a:rPr lang="en-US" sz="1000" baseline="0" noProof="0" dirty="0" smtClean="0">
                 <a:latin typeface="Times New Roman"/>
                 <a:cs typeface="Times New Roman"/>
               </a:rPr>
-              <a:t>pops-</a:t>
+              <a:t> </a:t>
             </a:r>
             <a:r>
               <a:rPr lang="en-US" sz="1000" baseline="0" noProof="0" dirty="0" smtClean="0">
                 <a:latin typeface="Times New Roman"/>
                 <a:cs typeface="Times New Roman"/>
               </a:rPr>
-              <a:t>up when the right button is pressed on a YANG data type. When one of the standard </a:t>
+              <a:t>operations </a:t>
+            </a:r>
+            <a:r>
+              <a:rPr lang="en-US" sz="1000" baseline="0" noProof="0" dirty="0" smtClean="0">
+                <a:latin typeface="Times New Roman"/>
+                <a:cs typeface="Times New Roman"/>
+              </a:rPr>
+              <a:t>is chosen, the request is </a:t>
+            </a:r>
+            <a:r>
+              <a:rPr lang="en-US" sz="1000" baseline="0" noProof="0" dirty="0" smtClean="0">
+                <a:latin typeface="Times New Roman"/>
+                <a:cs typeface="Times New Roman"/>
+              </a:rPr>
+              <a:t>built </a:t>
+            </a:r>
+            <a:r>
+              <a:rPr lang="en-US" sz="1000" baseline="0" noProof="0" dirty="0" smtClean="0">
+                <a:latin typeface="Times New Roman"/>
+                <a:cs typeface="Times New Roman"/>
+              </a:rPr>
+              <a:t>from the root node (here the </a:t>
+            </a:r>
+            <a:r>
+              <a:rPr lang="fr-FR" sz="1000" baseline="0" noProof="0" dirty="0" err="1" smtClean="0">
+                <a:latin typeface="Times New Roman"/>
+                <a:cs typeface="Times New Roman"/>
+              </a:rPr>
+              <a:t>netconf</a:t>
             </a:r>
             <a:r>
               <a:rPr lang="fr-FR" sz="1000" baseline="0" noProof="0" dirty="0" smtClean="0">
                 <a:latin typeface="Times New Roman"/>
                 <a:cs typeface="Times New Roman"/>
               </a:rPr>
+              <a:t> </a:t>
+            </a:r>
+            <a:r>
+              <a:rPr lang="en-US" sz="1000" baseline="0" noProof="0" dirty="0" smtClean="0">
+                <a:latin typeface="Times New Roman"/>
+                <a:cs typeface="Times New Roman"/>
+              </a:rPr>
+              <a:t>virtual container) to the tree position of the selected node. The resulting XML document is sent inside a HTTP POST request. A specific header called “operation” is used to specify which </a:t>
+            </a:r>
+            <a:r>
+              <a:rPr lang="fr-FR" sz="1000" baseline="0" noProof="0" dirty="0" smtClean="0">
+                <a:latin typeface="Times New Roman"/>
+                <a:cs typeface="Times New Roman"/>
+              </a:rPr>
               <a:t>NETCONF</a:t>
             </a:r>
             <a:r>
@@ -5379,112 +4539,77 @@
                 <a:latin typeface="Times New Roman"/>
                 <a:cs typeface="Times New Roman"/>
               </a:rPr>
-              <a:t> operation is chosen, the request is build from the root node (here the </a:t>
-            </a:r>
-            <a:r>
-              <a:rPr lang="fr-FR" sz="1000" baseline="0" noProof="0" dirty="0" err="1" smtClean="0">
-                <a:latin typeface="Times New Roman"/>
-                <a:cs typeface="Times New Roman"/>
-              </a:rPr>
-              <a:t>netconf</a:t>
-            </a:r>
-            <a:r>
-              <a:rPr lang="fr-FR" sz="1000" baseline="0" noProof="0" dirty="0" smtClean="0">
-                <a:latin typeface="Times New Roman"/>
-                <a:cs typeface="Times New Roman"/>
-              </a:rPr>
-              <a:t> </a:t>
+              <a:t> operation must be</a:t>
             </a:r>
             <a:r>
               <a:rPr lang="en-US" sz="1000" baseline="0" noProof="0" dirty="0" smtClean="0">
                 <a:latin typeface="Times New Roman"/>
                 <a:cs typeface="Times New Roman"/>
               </a:rPr>
-              <a:t>virtual </a:t>
+              <a:t> performed on </a:t>
             </a:r>
             <a:r>
               <a:rPr lang="en-US" sz="1000" baseline="0" noProof="0" dirty="0" smtClean="0">
                 <a:latin typeface="Times New Roman"/>
                 <a:cs typeface="Times New Roman"/>
               </a:rPr>
-              <a:t>container) </a:t>
+              <a:t>the server (get, get-</a:t>
+            </a:r>
+            <a:r>
+              <a:rPr lang="en-US" sz="1000" baseline="0" noProof="0" dirty="0" err="1" smtClean="0">
+                <a:latin typeface="Times New Roman"/>
+                <a:cs typeface="Times New Roman"/>
+              </a:rPr>
+              <a:t>config</a:t>
             </a:r>
             <a:r>
               <a:rPr lang="en-US" sz="1000" baseline="0" noProof="0" dirty="0" smtClean="0">
                 <a:latin typeface="Times New Roman"/>
                 <a:cs typeface="Times New Roman"/>
               </a:rPr>
-              <a:t>to the tree position of the selected node. The resulting XML document is </a:t>
+              <a:t> or edit-</a:t>
+            </a:r>
+            <a:r>
+              <a:rPr lang="en-US" sz="1000" baseline="0" noProof="0" dirty="0" err="1" smtClean="0">
+                <a:latin typeface="Times New Roman"/>
+                <a:cs typeface="Times New Roman"/>
+              </a:rPr>
+              <a:t>config</a:t>
             </a:r>
             <a:r>
               <a:rPr lang="en-US" sz="1000" baseline="0" noProof="0" dirty="0" smtClean="0">
                 <a:latin typeface="Times New Roman"/>
                 <a:cs typeface="Times New Roman"/>
               </a:rPr>
-              <a:t>sent </a:t>
+              <a:t>). Note that the key of the list is added to the request while it is not explicitly asked. This is an optimization because subsequent requests on </a:t>
             </a:r>
             <a:r>
               <a:rPr lang="en-US" sz="1000" baseline="0" noProof="0" dirty="0" smtClean="0">
                 <a:latin typeface="Times New Roman"/>
                 <a:cs typeface="Times New Roman"/>
               </a:rPr>
-              <a:t>inside a HTTP POST request. A specific header called “operation” is used to specify which </a:t>
-            </a:r>
-            <a:r>
-              <a:rPr lang="fr-FR" sz="1000" baseline="0" noProof="0" dirty="0" smtClean="0">
-                <a:latin typeface="Times New Roman"/>
-                <a:cs typeface="Times New Roman"/>
-              </a:rPr>
-              <a:t>NETCONF</a:t>
+              <a:t>lists </a:t>
             </a:r>
             <a:r>
               <a:rPr lang="en-US" sz="1000" baseline="0" noProof="0" dirty="0" smtClean="0">
                 <a:latin typeface="Times New Roman"/>
                 <a:cs typeface="Times New Roman"/>
               </a:rPr>
-              <a:t> operation must be done</a:t>
+              <a:t>(and especially on list </a:t>
             </a:r>
             <a:r>
               <a:rPr lang="en-US" sz="1000" baseline="0" noProof="0" dirty="0" smtClean="0">
                 <a:latin typeface="Times New Roman"/>
                 <a:cs typeface="Times New Roman"/>
               </a:rPr>
-              <a:t> on the </a:t>
+              <a:t>entries) </a:t>
             </a:r>
             <a:r>
               <a:rPr lang="en-US" sz="1000" baseline="0" noProof="0" dirty="0" smtClean="0">
                 <a:latin typeface="Times New Roman"/>
                 <a:cs typeface="Times New Roman"/>
               </a:rPr>
-              <a:t>server (get, get-</a:t>
-            </a:r>
-            <a:r>
-              <a:rPr lang="en-US" sz="1000" baseline="0" noProof="0" dirty="0" err="1" smtClean="0">
-                <a:latin typeface="Times New Roman"/>
-                <a:cs typeface="Times New Roman"/>
-              </a:rPr>
-              <a:t>config</a:t>
-            </a:r>
-            <a:r>
-              <a:rPr lang="en-US" sz="1000" baseline="0" noProof="0" dirty="0" smtClean="0">
-                <a:latin typeface="Times New Roman"/>
-                <a:cs typeface="Times New Roman"/>
-              </a:rPr>
-              <a:t> or edit-</a:t>
-            </a:r>
-            <a:r>
-              <a:rPr lang="en-US" sz="1000" baseline="0" noProof="0" dirty="0" err="1" smtClean="0">
-                <a:latin typeface="Times New Roman"/>
-                <a:cs typeface="Times New Roman"/>
-              </a:rPr>
-              <a:t>config</a:t>
-            </a:r>
-            <a:r>
-              <a:rPr lang="en-US" sz="1000" baseline="0" noProof="0" dirty="0" smtClean="0">
-                <a:latin typeface="Times New Roman"/>
-                <a:cs typeface="Times New Roman"/>
-              </a:rPr>
-              <a:t>). Note that the key of the list is added to the request while it is not explicitly asked. This is an optimization because subsequent requests on list (and especially on list entry) will likely need the key. </a:t>
+              <a:t>will likely need the key. </a:t>
             </a:r>
           </a:p>
           <a:p>
@@ -5522,7 +4647,35 @@
                 <a:latin typeface="Times New Roman"/>
                 <a:cs typeface="Times New Roman"/>
               </a:rPr>
-              <a:t> Manager this latter add the </a:t>
+              <a:t> </a:t>
+            </a:r>
+            <a:r>
+              <a:rPr lang="en-US" sz="1000" baseline="0" noProof="0" dirty="0" smtClean="0">
+                <a:latin typeface="Times New Roman"/>
+                <a:cs typeface="Times New Roman"/>
+              </a:rPr>
+              <a:t>Manager, the </a:t>
+            </a:r>
+            <a:r>
+              <a:rPr lang="en-US" sz="1000" baseline="0" noProof="0" dirty="0" smtClean="0">
+                <a:latin typeface="Times New Roman"/>
+                <a:cs typeface="Times New Roman"/>
+              </a:rPr>
+              <a:t>latter </a:t>
+            </a:r>
+            <a:r>
+              <a:rPr lang="en-US" sz="1000" baseline="0" noProof="0" dirty="0" smtClean="0">
+                <a:latin typeface="Times New Roman"/>
+                <a:cs typeface="Times New Roman"/>
+              </a:rPr>
+              <a:t>adds </a:t>
+            </a:r>
+            <a:r>
+              <a:rPr lang="en-US" sz="1000" baseline="0" noProof="0" dirty="0" smtClean="0">
+                <a:latin typeface="Times New Roman"/>
+                <a:cs typeface="Times New Roman"/>
+              </a:rPr>
+              <a:t>the </a:t>
             </a:r>
             <a:r>
               <a:rPr lang="en-US" sz="1000" baseline="0" noProof="0" dirty="0" err="1" smtClean="0">
@@ -5536,7 +4689,21 @@
                 <a:latin typeface="Times New Roman"/>
                 <a:cs typeface="Times New Roman"/>
               </a:rPr>
-              <a:t> and filter mechanisms to surround the XML document received and send a valid </a:t>
+              <a:t> and filter mechanisms to surround the XML document received and </a:t>
+            </a:r>
+            <a:r>
+              <a:rPr lang="en-US" sz="1000" baseline="0" noProof="0" dirty="0" smtClean="0">
+                <a:latin typeface="Times New Roman"/>
+                <a:cs typeface="Times New Roman"/>
+              </a:rPr>
+              <a:t>sends </a:t>
+            </a:r>
+            <a:r>
+              <a:rPr lang="en-US" sz="1000" baseline="0" noProof="0" dirty="0" smtClean="0">
+                <a:latin typeface="Times New Roman"/>
+                <a:cs typeface="Times New Roman"/>
+              </a:rPr>
+              <a:t>a valid </a:t>
             </a:r>
             <a:r>
               <a:rPr lang="fr-FR" sz="1000" baseline="0" noProof="0" dirty="0" smtClean="0">
@@ -5564,7 +4731,21 @@
                 <a:latin typeface="Times New Roman"/>
                 <a:cs typeface="Times New Roman"/>
               </a:rPr>
-              <a:t> session. So the reply is send by the </a:t>
+              <a:t> session. So the reply is </a:t>
+            </a:r>
+            <a:r>
+              <a:rPr lang="en-US" sz="1000" baseline="0" noProof="0" dirty="0" smtClean="0">
+                <a:latin typeface="Times New Roman"/>
+                <a:cs typeface="Times New Roman"/>
+              </a:rPr>
+              <a:t>sent </a:t>
+            </a:r>
+            <a:r>
+              <a:rPr lang="en-US" sz="1000" baseline="0" noProof="0" dirty="0" smtClean="0">
+                <a:latin typeface="Times New Roman"/>
+                <a:cs typeface="Times New Roman"/>
+              </a:rPr>
+              <a:t>by the </a:t>
             </a:r>
             <a:r>
               <a:rPr lang="fr-FR" sz="1000" baseline="0" noProof="0" dirty="0" smtClean="0">
@@ -5620,63 +4801,49 @@
                 <a:latin typeface="Times New Roman"/>
                 <a:cs typeface="Times New Roman"/>
               </a:rPr>
-              <a:t> XML data until the first node of the Data Store and its forwarding to the client applet that is waiting for the response. The </a:t>
+              <a:t> XML data until the first node of the Data Store and its forwarding to the client applet that is waiting for the response. The</a:t>
             </a:r>
             <a:r>
               <a:rPr lang="en-US" sz="1000" baseline="0" noProof="0" dirty="0" smtClean="0">
                 <a:latin typeface="Times New Roman"/>
                 <a:cs typeface="Times New Roman"/>
               </a:rPr>
-              <a:t>figure 8 </a:t>
+              <a:t> </a:t>
+            </a:r>
+            <a:r>
+              <a:rPr lang="fr-FR" sz="1000" baseline="0" noProof="0" dirty="0" smtClean="0">
+                <a:latin typeface="Times New Roman"/>
+                <a:cs typeface="Times New Roman"/>
+              </a:rPr>
+              <a:t>slide</a:t>
             </a:r>
             <a:r>
               <a:rPr lang="en-US" sz="1000" baseline="0" noProof="0" dirty="0" smtClean="0">
                 <a:latin typeface="Times New Roman"/>
                 <a:cs typeface="Times New Roman"/>
               </a:rPr>
-              <a:t>shows the response on the right part of the management applet. The request is synchronous because even if one request contains several data (as can be a request on a list) all of them are returned by one response. Note we have made our protocol synchronous on top of HTTP with several asynchronous requests. We plan</a:t>
+              <a:t> </a:t>
             </a:r>
             <a:r>
               <a:rPr lang="en-US" sz="1000" baseline="0" noProof="0" dirty="0" smtClean="0">
                 <a:latin typeface="Times New Roman"/>
                 <a:cs typeface="Times New Roman"/>
               </a:rPr>
-              <a:t> to allow multiple selections </a:t>
+              <a:t>8 shows the response on the right part of the management applet. The request is synchronous because even if one request contains several data (as can be a request on a list) all of them are returned by one response. Note we have made our protocol synchronous on top of HTTP with several asynchronous requests. We plan to allow multiple selections for the same </a:t>
+            </a:r>
+            <a:r>
+              <a:rPr lang="fr-FR" sz="1000" baseline="0" noProof="0" dirty="0" smtClean="0">
+                <a:latin typeface="Times New Roman"/>
+                <a:cs typeface="Times New Roman"/>
+              </a:rPr>
+              <a:t>NETCONF</a:t>
             </a:r>
             <a:r>
               <a:rPr lang="en-US" sz="1000" baseline="0" noProof="0" dirty="0" smtClean="0">
                 <a:latin typeface="Times New Roman"/>
                 <a:cs typeface="Times New Roman"/>
               </a:rPr>
-              <a:t>for the same </a:t>
-            </a:r>
-            <a:r>
-              <a:rPr lang="fr-FR" sz="1000" baseline="0" noProof="0" dirty="0" smtClean="0">
-                <a:latin typeface="Times New Roman"/>
-                <a:cs typeface="Times New Roman"/>
-              </a:rPr>
-              <a:t>NETCONF</a:t>
-            </a:r>
-            <a:r>
-              <a:rPr lang="en-US" sz="1000" baseline="0" noProof="0" dirty="0" smtClean="0">
-                <a:latin typeface="Times New Roman"/>
-                <a:cs typeface="Times New Roman"/>
-              </a:rPr>
-              <a:t> operation to give</a:t>
-            </a:r>
-            <a:r>
-              <a:rPr lang="en-US" sz="1000" baseline="0" noProof="0" dirty="0" smtClean="0">
-                <a:latin typeface="Times New Roman"/>
-                <a:cs typeface="Times New Roman"/>
-              </a:rPr>
-              <a:t> access </a:t>
-            </a:r>
-            <a:r>
-              <a:rPr lang="en-US" sz="1000" baseline="0" noProof="0" dirty="0" smtClean="0">
-                <a:latin typeface="Times New Roman"/>
-                <a:cs typeface="Times New Roman"/>
-              </a:rPr>
-              <a:t>to the separate part of the </a:t>
+              <a:t> operation to give access to the separate part of the </a:t>
             </a:r>
             <a:r>
               <a:rPr lang="fr-FR" sz="1000" baseline="0" noProof="0" dirty="0" smtClean="0">
@@ -5762,7 +4929,42 @@
                 <a:latin typeface="Times New Roman"/>
                 <a:cs typeface="Times New Roman"/>
               </a:rPr>
-              <a:t> figure 9 depicts some functionalities of the Yang Browsing client. The part (a) is a simple access to a leaf in a container and where we get the response of a get-</a:t>
+              <a:t> </a:t>
+            </a:r>
+            <a:r>
+              <a:rPr lang="fr-FR" sz="1000" baseline="0" noProof="0" dirty="0" smtClean="0">
+                <a:latin typeface="Times New Roman"/>
+                <a:cs typeface="Times New Roman"/>
+              </a:rPr>
+              <a:t>slide</a:t>
+            </a:r>
+            <a:r>
+              <a:rPr lang="en-US" sz="1000" baseline="0" noProof="0" dirty="0" smtClean="0">
+                <a:latin typeface="Times New Roman"/>
+                <a:cs typeface="Times New Roman"/>
+              </a:rPr>
+              <a:t> </a:t>
+            </a:r>
+            <a:r>
+              <a:rPr lang="en-US" sz="1000" baseline="0" noProof="0" dirty="0" smtClean="0">
+                <a:latin typeface="Times New Roman"/>
+                <a:cs typeface="Times New Roman"/>
+              </a:rPr>
+              <a:t>9 depicts some functionalities of the Yang Browsing client.</a:t>
+            </a:r>
+            <a:r>
+              <a:rPr lang="en-US" sz="1000" baseline="0" noProof="0" dirty="0" smtClean="0">
+                <a:latin typeface="Times New Roman"/>
+                <a:cs typeface="Times New Roman"/>
+              </a:rPr>
+              <a:t> Part </a:t>
+            </a:r>
+            <a:r>
+              <a:rPr lang="en-US" sz="1000" baseline="0" noProof="0" dirty="0" smtClean="0">
+                <a:latin typeface="Times New Roman"/>
+                <a:cs typeface="Times New Roman"/>
+              </a:rPr>
+              <a:t>(a) is a simple access to a leaf in a container and where we get the response of a get-</a:t>
             </a:r>
             <a:r>
               <a:rPr lang="en-US" sz="1000" baseline="0" noProof="0" dirty="0" err="1" smtClean="0">
@@ -5776,7 +4978,21 @@
                 <a:latin typeface="Times New Roman"/>
                 <a:cs typeface="Times New Roman"/>
               </a:rPr>
-              <a:t> operation. The part (</a:t>
+              <a:t> operation.</a:t>
+            </a:r>
+            <a:r>
+              <a:rPr lang="en-US" sz="1000" baseline="0" noProof="0" dirty="0" smtClean="0">
+                <a:latin typeface="Times New Roman"/>
+                <a:cs typeface="Times New Roman"/>
+              </a:rPr>
+              <a:t> Part </a:t>
+            </a:r>
+            <a:r>
+              <a:rPr lang="en-US" sz="1000" baseline="0" noProof="0" dirty="0" smtClean="0">
+                <a:latin typeface="Times New Roman"/>
+                <a:cs typeface="Times New Roman"/>
+              </a:rPr>
+              <a:t>(</a:t>
             </a:r>
             <a:r>
               <a:rPr lang="en-US" sz="1000" baseline="0" noProof="0" dirty="0" err="1" smtClean="0">
@@ -5790,7 +5006,21 @@
                 <a:latin typeface="Times New Roman"/>
                 <a:cs typeface="Times New Roman"/>
               </a:rPr>
-              <a:t>) shows that when editing a container, its components are listed with a warning until a correct value is given. The part (</a:t>
+              <a:t>) shows that when editing a container, its components are listed with a warning until a correct value is given.</a:t>
+            </a:r>
+            <a:r>
+              <a:rPr lang="en-US" sz="1000" baseline="0" noProof="0" dirty="0" smtClean="0">
+                <a:latin typeface="Times New Roman"/>
+                <a:cs typeface="Times New Roman"/>
+              </a:rPr>
+              <a:t> Part </a:t>
+            </a:r>
+            <a:r>
+              <a:rPr lang="en-US" sz="1000" baseline="0" noProof="0" dirty="0" smtClean="0">
+                <a:latin typeface="Times New Roman"/>
+                <a:cs typeface="Times New Roman"/>
+              </a:rPr>
+              <a:t>(</a:t>
             </a:r>
             <a:r>
               <a:rPr lang="en-US" sz="1000" baseline="0" noProof="0" dirty="0" err="1" smtClean="0">
@@ -5818,7 +5048,35 @@
                 <a:latin typeface="Times New Roman"/>
                 <a:cs typeface="Times New Roman"/>
               </a:rPr>
-              <a:t> for a list. For such a case a list is edited entry by entry (that we call a list occurrence) and one can see an empty list entry ready to be filled. Note that a red mark is on the “login” leaf because it is the key of the list and so its value must be set. The part (</a:t>
+              <a:t> for a list.</a:t>
+            </a:r>
+            <a:r>
+              <a:rPr lang="en-US" sz="1000" baseline="0" noProof="0" dirty="0" smtClean="0">
+                <a:latin typeface="Times New Roman"/>
+                <a:cs typeface="Times New Roman"/>
+              </a:rPr>
+              <a:t> Here a </a:t>
+            </a:r>
+            <a:r>
+              <a:rPr lang="en-US" sz="1000" baseline="0" noProof="0" dirty="0" smtClean="0">
+                <a:latin typeface="Times New Roman"/>
+                <a:cs typeface="Times New Roman"/>
+              </a:rPr>
+              <a:t>list is edited entry by entry (that we call a list occurrence) and one can see an empty list entry ready to be filled. Note that a red mark is on the “login” leaf because it is the key of the list and so its value must be set.</a:t>
+            </a:r>
+            <a:r>
+              <a:rPr lang="en-US" sz="1000" baseline="0" noProof="0" dirty="0" smtClean="0">
+                <a:latin typeface="Times New Roman"/>
+                <a:cs typeface="Times New Roman"/>
+              </a:rPr>
+              <a:t> Part </a:t>
+            </a:r>
+            <a:r>
+              <a:rPr lang="en-US" sz="1000" baseline="0" noProof="0" dirty="0" smtClean="0">
+                <a:latin typeface="Times New Roman"/>
+                <a:cs typeface="Times New Roman"/>
+              </a:rPr>
+              <a:t>(</a:t>
             </a:r>
             <a:r>
               <a:rPr lang="en-US" sz="1000" baseline="0" noProof="0" dirty="0" err="1" smtClean="0">
@@ -6044,7 +5302,8 @@
           <a:p>
             <a:fld id="{7F2B8709-3F46-DE42-BD3E-692D784503EE}" type="datetime1">
               <a:rPr lang="fr-FR" smtClean="0"/>
-              <a:t>2/09/09</a:t>
+              <a:pPr/>
+              <a:t>4/09/09</a:t>
             </a:fld>
             <a:endParaRPr lang="fr-FR"/>
           </a:p>
@@ -6210,7 +5469,8 @@
           <a:p>
             <a:fld id="{4EBEFD6C-C087-154D-B622-7C02A58805D5}" type="datetime1">
               <a:rPr lang="fr-FR" smtClean="0"/>
-              <a:t>2/09/09</a:t>
+              <a:pPr/>
+              <a:t>4/09/09</a:t>
             </a:fld>
             <a:endParaRPr lang="fr-FR"/>
           </a:p>
@@ -6386,7 +5646,8 @@
           <a:p>
             <a:fld id="{07D8C6FC-5D38-E240-8250-E4BC28BDE1B6}" type="datetime1">
               <a:rPr lang="fr-FR" smtClean="0"/>
-              <a:t>2/09/09</a:t>
+              <a:pPr/>
+              <a:t>4/09/09</a:t>
             </a:fld>
             <a:endParaRPr lang="fr-FR"/>
           </a:p>
@@ -6552,7 +5813,8 @@
           <a:p>
             <a:fld id="{4E2F6B51-FB45-C74D-A600-600DD287541D}" type="datetime1">
               <a:rPr lang="fr-FR" smtClean="0"/>
-              <a:t>2/09/09</a:t>
+              <a:pPr/>
+              <a:t>4/09/09</a:t>
             </a:fld>
             <a:endParaRPr lang="fr-FR"/>
           </a:p>
@@ -6794,7 +6056,8 @@
           <a:p>
             <a:fld id="{DFEE11C6-5005-A744-9B9D-B94478DE044A}" type="datetime1">
               <a:rPr lang="fr-FR" smtClean="0"/>
-              <a:t>2/09/09</a:t>
+              <a:pPr/>
+              <a:t>4/09/09</a:t>
             </a:fld>
             <a:endParaRPr lang="fr-FR"/>
           </a:p>
@@ -7078,7 +6341,8 @@
           <a:p>
             <a:fld id="{9202BA27-7F62-034A-AD65-AD2BE6700D12}" type="datetime1">
               <a:rPr lang="fr-FR" smtClean="0"/>
-              <a:t>2/09/09</a:t>
+              <a:pPr/>
+              <a:t>4/09/09</a:t>
             </a:fld>
             <a:endParaRPr lang="fr-FR"/>
           </a:p>
@@ -7496,7 +6760,8 @@
           <a:p>
             <a:fld id="{33C87D94-F7E6-1E43-8374-5AB40E5CD468}" type="datetime1">
               <a:rPr lang="fr-FR" smtClean="0"/>
-              <a:t>2/09/09</a:t>
+              <a:pPr/>
+              <a:t>4/09/09</a:t>
             </a:fld>
             <a:endParaRPr lang="fr-FR"/>
           </a:p>
@@ -7610,7 +6875,8 @@
           <a:p>
             <a:fld id="{52EA62D5-502B-6246-986C-7F1DA3AA6C60}" type="datetime1">
               <a:rPr lang="fr-FR" smtClean="0"/>
-              <a:t>2/09/09</a:t>
+              <a:pPr/>
+              <a:t>4/09/09</a:t>
             </a:fld>
             <a:endParaRPr lang="fr-FR"/>
           </a:p>
@@ -7701,7 +6967,8 @@
           <a:p>
             <a:fld id="{8A43F226-8798-FB4E-9920-C90450151C74}" type="datetime1">
               <a:rPr lang="fr-FR" smtClean="0"/>
-              <a:t>2/09/09</a:t>
+              <a:pPr/>
+              <a:t>4/09/09</a:t>
             </a:fld>
             <a:endParaRPr lang="fr-FR"/>
           </a:p>
@@ -7974,7 +7241,8 @@
           <a:p>
             <a:fld id="{F3A22977-08BB-B542-B315-0A1A944980B8}" type="datetime1">
               <a:rPr lang="fr-FR" smtClean="0"/>
-              <a:t>2/09/09</a:t>
+              <a:pPr/>
+              <a:t>4/09/09</a:t>
             </a:fld>
             <a:endParaRPr lang="fr-FR"/>
           </a:p>
@@ -8223,7 +7491,8 @@
           <a:p>
             <a:fld id="{096F2F73-03B7-8F4F-B0B3-3EA33E3C8A3F}" type="datetime1">
               <a:rPr lang="fr-FR" smtClean="0"/>
-              <a:t>2/09/09</a:t>
+              <a:pPr/>
+              <a:t>4/09/09</a:t>
             </a:fld>
             <a:endParaRPr lang="fr-FR"/>
           </a:p>
@@ -8432,7 +7701,8 @@
           <a:p>
             <a:fld id="{C1D26DE3-065C-5345-9B04-A6BA04230672}" type="datetime1">
               <a:rPr lang="fr-FR" smtClean="0"/>
-              <a:t>2/09/09</a:t>
+              <a:pPr/>
+              <a:t>4/09/09</a:t>
             </a:fld>
             <a:endParaRPr lang="fr-FR"/>
           </a:p>
@@ -8821,11 +8091,7 @@
           <a:p>
             <a:r>
               <a:rPr lang="fr-FR" dirty="0" err="1" smtClean="0"/>
-              <a:t>End-to</a:t>
-            </a:r>
-            <a:r>
-              <a:rPr lang="fr-FR" dirty="0" err="1" smtClean="0"/>
-              <a:t>-end</a:t>
+              <a:t>End-to-end</a:t>
             </a:r>
             <a:r>
               <a:rPr lang="fr-FR" dirty="0" smtClean="0"/>
@@ -8833,19 +8099,11 @@
             </a:r>
             <a:r>
               <a:rPr lang="fr-FR" dirty="0" err="1" smtClean="0"/>
-              <a:t>YANG</a:t>
-            </a:r>
-            <a:r>
-              <a:rPr lang="fr-FR" dirty="0" err="1" smtClean="0"/>
-              <a:t>-based</a:t>
+              <a:t>YANG-based</a:t>
             </a:r>
             <a:r>
               <a:rPr lang="fr-FR" dirty="0" smtClean="0"/>
-              <a:t>  Configuration</a:t>
-            </a:r>
-            <a:r>
-              <a:rPr lang="fr-FR" dirty="0" smtClean="0"/>
-              <a:t> Management</a:t>
+              <a:t>  Configuration Management</a:t>
             </a:r>
             <a:endParaRPr lang="fr-FR" dirty="0"/>
           </a:p>
@@ -9181,28 +8439,14 @@
                 <a:latin typeface="Arial"/>
                 <a:cs typeface="Arial"/>
               </a:rPr>
-              <a:t>NETCONF Configuration </a:t>
-            </a:r>
-            <a:r>
-              <a:rPr lang="fr-FR" sz="1400" dirty="0" smtClean="0">
-                <a:latin typeface="Arial"/>
-                <a:cs typeface="Arial"/>
-              </a:rPr>
-              <a:t>Protocol, </a:t>
+              <a:t>NETCONF Configuration Protocol, </a:t>
             </a:r>
             <a:r>
               <a:rPr lang="en-US" sz="1400" dirty="0" smtClean="0">
                 <a:latin typeface="Arial"/>
                 <a:cs typeface="Arial"/>
               </a:rPr>
-              <a:t>RFC 4741, December </a:t>
-            </a:r>
-            <a:r>
-              <a:rPr lang="en-US" sz="1400" dirty="0" smtClean="0">
-                <a:latin typeface="Arial"/>
-                <a:cs typeface="Arial"/>
-              </a:rPr>
-              <a:t>2006</a:t>
+              <a:t>RFC 4741, December 2006</a:t>
             </a:r>
           </a:p>
           <a:p>
@@ -9275,35 +8519,14 @@
                 <a:latin typeface="Arial"/>
                 <a:cs typeface="Arial"/>
               </a:rPr>
-              <a:t> draft-ietf-netmod-yang-</a:t>
-            </a:r>
-            <a:r>
-              <a:rPr lang="fr-FR" sz="1400" dirty="0" smtClean="0">
-                <a:latin typeface="Arial"/>
-                <a:cs typeface="Arial"/>
-              </a:rPr>
-              <a:t>07, </a:t>
+              <a:t> draft-ietf-netmod-yang-07, </a:t>
             </a:r>
             <a:r>
               <a:rPr lang="en-US" sz="1400" dirty="0" smtClean="0">
                 <a:latin typeface="Arial"/>
                 <a:cs typeface="Arial"/>
               </a:rPr>
-              <a:t>Network </a:t>
-            </a:r>
-            <a:r>
-              <a:rPr lang="en-US" sz="1400" dirty="0" smtClean="0">
-                <a:latin typeface="Arial"/>
-                <a:cs typeface="Arial"/>
-              </a:rPr>
-              <a:t>Working Group, Internet-Draft, 13 July </a:t>
-            </a:r>
-            <a:r>
-              <a:rPr lang="en-US" sz="1400" dirty="0" smtClean="0">
-                <a:latin typeface="Arial"/>
-                <a:cs typeface="Arial"/>
-              </a:rPr>
-              <a:t>2009</a:t>
+              <a:t>Network Working Group, Internet-Draft, 13 July 2009</a:t>
             </a:r>
           </a:p>
           <a:p>
@@ -9325,93 +8548,58 @@
                 <a:latin typeface="Arial"/>
                 <a:cs typeface="Arial"/>
               </a:rPr>
-              <a:t>K.</a:t>
+              <a:t>K.  </a:t>
+            </a:r>
+            <a:r>
+              <a:rPr lang="fr-FR" sz="1400" dirty="0" err="1" smtClean="0">
+                <a:latin typeface="Arial"/>
+                <a:cs typeface="Arial"/>
+              </a:rPr>
+              <a:t>McCloghrie</a:t>
             </a:r>
             <a:r>
               <a:rPr lang="fr-FR" sz="1400" dirty="0" smtClean="0">
                 <a:latin typeface="Arial"/>
                 <a:cs typeface="Arial"/>
               </a:rPr>
-              <a:t>  </a:t>
+              <a:t>, D. </a:t>
             </a:r>
             <a:r>
               <a:rPr lang="fr-FR" sz="1400" dirty="0" err="1" smtClean="0">
                 <a:latin typeface="Arial"/>
                 <a:cs typeface="Arial"/>
               </a:rPr>
-              <a:t>McCloghrie</a:t>
+              <a:t>Perkins</a:t>
             </a:r>
             <a:r>
               <a:rPr lang="fr-FR" sz="1400" dirty="0" smtClean="0">
                 <a:latin typeface="Arial"/>
                 <a:cs typeface="Arial"/>
               </a:rPr>
-              <a:t>, D. </a:t>
+              <a:t>, J. </a:t>
             </a:r>
             <a:r>
               <a:rPr lang="fr-FR" sz="1400" dirty="0" err="1" smtClean="0">
                 <a:latin typeface="Arial"/>
                 <a:cs typeface="Arial"/>
               </a:rPr>
-              <a:t>Perkins</a:t>
+              <a:t>Schoenwaelder</a:t>
             </a:r>
             <a:r>
               <a:rPr lang="fr-FR" sz="1400" dirty="0" smtClean="0">
                 <a:latin typeface="Arial"/>
                 <a:cs typeface="Arial"/>
               </a:rPr>
-              <a:t>, J. </a:t>
-            </a:r>
-            <a:r>
-              <a:rPr lang="fr-FR" sz="1400" dirty="0" err="1" smtClean="0">
-                <a:latin typeface="Arial"/>
-                <a:cs typeface="Arial"/>
-              </a:rPr>
-              <a:t>Schoenwaelder</a:t>
-            </a:r>
+              <a:t>. </a:t>
+            </a:r>
+          </a:p>
+          <a:p>
             <a:r>
               <a:rPr lang="fr-FR" sz="1400" dirty="0" smtClean="0">
                 <a:latin typeface="Arial"/>
                 <a:cs typeface="Arial"/>
               </a:rPr>
-              <a:t>.</a:t>
-            </a:r>
-            <a:r>
-              <a:rPr lang="fr-FR" sz="1400" dirty="0" smtClean="0">
-                <a:latin typeface="Arial"/>
-                <a:cs typeface="Arial"/>
-              </a:rPr>
-              <a:t> </a:t>
-            </a:r>
-          </a:p>
-          <a:p>
-            <a:r>
-              <a:rPr lang="fr-FR" sz="1400" dirty="0" smtClean="0">
-                <a:latin typeface="Arial"/>
-                <a:cs typeface="Arial"/>
-              </a:rPr>
-              <a:t>Structure </a:t>
-            </a:r>
-            <a:r>
-              <a:rPr lang="fr-FR" sz="1400" dirty="0" smtClean="0">
-                <a:latin typeface="Arial"/>
-                <a:cs typeface="Arial"/>
-              </a:rPr>
-              <a:t>of Management Information Version 2 (SMIv2</a:t>
-            </a:r>
-            <a:r>
-              <a:rPr lang="fr-FR" sz="1400" dirty="0" smtClean="0">
-                <a:latin typeface="Arial"/>
-                <a:cs typeface="Arial"/>
-              </a:rPr>
-              <a:t>), RFC 2578, April </a:t>
-            </a:r>
-            <a:r>
-              <a:rPr lang="fr-FR" sz="1400" dirty="0" smtClean="0">
-                <a:latin typeface="Arial"/>
-                <a:cs typeface="Arial"/>
-              </a:rPr>
-              <a:t>1999.</a:t>
+              <a:t>Structure of Management Information Version 2 (SMIv2), RFC 2578, April 1999.</a:t>
             </a:r>
             <a:endParaRPr lang="en-US" sz="1400" dirty="0" smtClean="0">
               <a:latin typeface="Arial"/>
@@ -9479,51 +8667,16 @@
                 <a:latin typeface="Arial"/>
                 <a:cs typeface="Arial"/>
               </a:rPr>
-              <a:t>,</a:t>
-            </a:r>
+              <a:t>, </a:t>
+            </a:r>
+          </a:p>
+          <a:p>
             <a:r>
               <a:rPr lang="fr-FR" sz="1400" dirty="0" smtClean="0">
                 <a:latin typeface="Arial"/>
                 <a:cs typeface="Arial"/>
               </a:rPr>
-              <a:t> </a:t>
-            </a:r>
-          </a:p>
-          <a:p>
-            <a:r>
-              <a:rPr lang="fr-FR" sz="1400" dirty="0" smtClean="0">
-                <a:latin typeface="Arial"/>
-                <a:cs typeface="Arial"/>
-              </a:rPr>
-              <a:t>Simple </a:t>
-            </a:r>
-            <a:r>
-              <a:rPr lang="fr-FR" sz="1400" dirty="0" smtClean="0">
-                <a:latin typeface="Arial"/>
-                <a:cs typeface="Arial"/>
-              </a:rPr>
-              <a:t>Network     Management </a:t>
-            </a:r>
-            <a:r>
-              <a:rPr lang="fr-FR" sz="1400" dirty="0" smtClean="0">
-                <a:latin typeface="Arial"/>
-                <a:cs typeface="Arial"/>
-              </a:rPr>
-              <a:t>Protocol, </a:t>
-            </a:r>
-            <a:r>
-              <a:rPr lang="fr-FR" sz="1400" dirty="0" smtClean="0">
-                <a:latin typeface="Arial"/>
-                <a:cs typeface="Arial"/>
-              </a:rPr>
-              <a:t>RFC 1157, May 1990</a:t>
-            </a:r>
-            <a:r>
-              <a:rPr lang="fr-FR" sz="1400" dirty="0" smtClean="0">
-                <a:latin typeface="Arial"/>
-                <a:cs typeface="Arial"/>
-              </a:rPr>
-              <a:t>.</a:t>
+              <a:t>Simple Network     Management Protocol, RFC 1157, May 1990.</a:t>
             </a:r>
           </a:p>
           <a:p>
@@ -9748,14 +8901,7 @@
                 <a:latin typeface="Arial"/>
                 <a:cs typeface="Arial"/>
               </a:rPr>
-              <a:t>[7] </a:t>
-            </a:r>
-            <a:r>
-              <a:rPr lang="fr-FR" sz="1400" dirty="0" smtClean="0">
-                <a:latin typeface="Arial"/>
-                <a:cs typeface="Arial"/>
-              </a:rPr>
-              <a:t>J. </a:t>
+              <a:t>[7] J. </a:t>
             </a:r>
             <a:r>
               <a:rPr lang="fr-FR" sz="1400" dirty="0" err="1" smtClean="0">
@@ -9784,28 +8930,14 @@
                 <a:latin typeface="Arial"/>
                 <a:cs typeface="Arial"/>
               </a:rPr>
-              <a:t>draft-ietf-netmod-yang-types-</a:t>
-            </a:r>
-            <a:r>
-              <a:rPr lang="fr-FR" sz="1400" dirty="0" smtClean="0">
-                <a:latin typeface="Arial"/>
-                <a:cs typeface="Arial"/>
-              </a:rPr>
-              <a:t>03, </a:t>
+              <a:t>draft-ietf-netmod-yang-types-03, </a:t>
             </a:r>
             <a:r>
               <a:rPr lang="en-US" sz="1400" dirty="0" smtClean="0">
                 <a:latin typeface="Arial"/>
                 <a:cs typeface="Arial"/>
               </a:rPr>
-              <a:t>Network </a:t>
-            </a:r>
-            <a:r>
-              <a:rPr lang="en-US" sz="1400" dirty="0" smtClean="0">
-                <a:latin typeface="Arial"/>
-                <a:cs typeface="Arial"/>
-              </a:rPr>
-              <a:t>Working Group, Internet-Draft, 13 Mai 2009</a:t>
+              <a:t>Network Working Group, Internet-Draft, 13 Mai 2009</a:t>
             </a:r>
           </a:p>
           <a:p>
@@ -9820,52 +8952,45 @@
                 <a:latin typeface="Arial"/>
                 <a:cs typeface="Arial"/>
               </a:rPr>
-              <a:t>[8] V</a:t>
+              <a:t>[8] V. </a:t>
+            </a:r>
+            <a:r>
+              <a:rPr lang="en-US" sz="1400" dirty="0" err="1" smtClean="0">
+                <a:latin typeface="Arial"/>
+                <a:cs typeface="Arial"/>
+              </a:rPr>
+              <a:t>Cridlig</a:t>
             </a:r>
             <a:r>
               <a:rPr lang="en-US" sz="1400" dirty="0" smtClean="0">
                 <a:latin typeface="Arial"/>
                 <a:cs typeface="Arial"/>
               </a:rPr>
-              <a:t>. </a:t>
-            </a:r>
+              <a:t>; R. State</a:t>
+            </a:r>
+          </a:p>
+          <a:p>
             <a:r>
               <a:rPr lang="en-US" sz="1400" dirty="0" err="1" smtClean="0">
                 <a:latin typeface="Arial"/>
                 <a:cs typeface="Arial"/>
               </a:rPr>
-              <a:t>Cridlig</a:t>
+              <a:t>YencaP</a:t>
             </a:r>
             <a:r>
               <a:rPr lang="en-US" sz="1400" dirty="0" smtClean="0">
                 <a:latin typeface="Arial"/>
                 <a:cs typeface="Arial"/>
               </a:rPr>
-              <a:t>; R. State</a:t>
-            </a:r>
-          </a:p>
-          <a:p>
-            <a:r>
-              <a:rPr lang="en-US" sz="1400" dirty="0" err="1" smtClean="0">
-                <a:latin typeface="Arial"/>
-                <a:cs typeface="Arial"/>
-              </a:rPr>
-              <a:t>YencaP</a:t>
-            </a:r>
+              <a:t> Documentation</a:t>
+            </a:r>
+          </a:p>
+          <a:p>
             <a:r>
               <a:rPr lang="en-US" sz="1400" dirty="0" smtClean="0">
                 <a:latin typeface="Arial"/>
                 <a:cs typeface="Arial"/>
               </a:rPr>
-              <a:t> Documentation</a:t>
-            </a:r>
-          </a:p>
-          <a:p>
-            <a:r>
-              <a:rPr lang="en-US" sz="1400" dirty="0" smtClean="0">
-                <a:latin typeface="Arial"/>
-                <a:cs typeface="Arial"/>
-              </a:rPr>
               <a:t>Technical Report, 2005, 25 Pages,</a:t>
             </a:r>
             <a:r>
@@ -9873,14 +8998,7 @@
                 <a:latin typeface="Arial"/>
                 <a:cs typeface="Arial"/>
               </a:rPr>
-              <a:t>http://hal.inria.fr/inria-00000804/</a:t>
-            </a:r>
-            <a:r>
-              <a:rPr lang="fr-FR" sz="1400" dirty="0" smtClean="0">
-                <a:latin typeface="Arial"/>
-                <a:cs typeface="Arial"/>
-              </a:rPr>
-              <a:t>fr</a:t>
+              <a:t>http://hal.inria.fr/inria-00000804/fr</a:t>
             </a:r>
             <a:endParaRPr lang="en-US" sz="1400" dirty="0" smtClean="0">
               <a:latin typeface="Arial"/>
@@ -17319,23 +16437,7 @@
           <a:p>
             <a:r>
               <a:rPr lang="fr-FR" sz="2400" i="1" dirty="0" smtClean="0"/>
-              <a:t>Standard </a:t>
-            </a:r>
-            <a:r>
-              <a:rPr lang="fr-FR" sz="2400" i="1" dirty="0" smtClean="0"/>
-              <a:t>C</a:t>
-            </a:r>
-            <a:r>
-              <a:rPr lang="fr-FR" sz="2400" i="1" dirty="0" smtClean="0"/>
-              <a:t>onfiguration </a:t>
-            </a:r>
-            <a:r>
-              <a:rPr lang="fr-FR" sz="2400" i="1" dirty="0" smtClean="0"/>
-              <a:t>M</a:t>
-            </a:r>
-            <a:r>
-              <a:rPr lang="fr-FR" sz="2400" i="1" dirty="0" smtClean="0"/>
-              <a:t>anagement</a:t>
+              <a:t>Standard Configuration Management</a:t>
             </a:r>
             <a:endParaRPr lang="fr-FR" sz="2400" i="1" dirty="0"/>
           </a:p>
@@ -18971,11 +18073,6 @@
               </a:rPr>
               <a:t> </a:t>
             </a:r>
-            <a:endParaRPr lang="fr-FR" sz="1100" dirty="0" smtClean="0">
-              <a:solidFill>
-                <a:schemeClr val="tx1"/>
-              </a:solidFill>
-            </a:endParaRPr>
           </a:p>
           <a:p>
             <a:pPr marL="228600" indent="-228600"/>
@@ -19020,23 +18117,7 @@
                   <a:srgbClr val="000000"/>
                 </a:solidFill>
               </a:rPr>
-              <a:t> </a:t>
-            </a:r>
-            <a:r>
-              <a:rPr lang="fr-FR" sz="1100" dirty="0" smtClean="0">
-                <a:solidFill>
-                  <a:srgbClr val="000000"/>
-                </a:solidFill>
-              </a:rPr>
-              <a:t>urn:loria:madynes:ensuite:yencap:1.0:module:Interfaces:</a:t>
-            </a:r>
-            <a:r>
-              <a:rPr lang="fr-FR" sz="1100" dirty="0" smtClean="0">
-                <a:solidFill>
-                  <a:srgbClr val="000000"/>
-                </a:solidFill>
-              </a:rPr>
-              <a:t>1.0</a:t>
+              <a:t> urn:loria:madynes:ensuite:yencap:1.0:module:Interfaces:1.0</a:t>
             </a:r>
             <a:r>
               <a:rPr lang="fr-FR" sz="1100" dirty="0" smtClean="0">
@@ -19044,15 +18125,7 @@
                   <a:schemeClr val="tx1"/>
                 </a:solidFill>
               </a:rPr>
-              <a:t> </a:t>
-            </a:r>
-            <a:r>
-              <a:rPr lang="fr-FR" sz="1100" dirty="0" smtClean="0">
-                <a:solidFill>
-                  <a:schemeClr val="tx1"/>
-                </a:solidFill>
-              </a:rPr>
-              <a:t>»;</a:t>
+              <a:t> »;</a:t>
             </a:r>
           </a:p>
           <a:p>
@@ -36439,11 +35512,7 @@
             </a:r>
             <a:r>
               <a:rPr lang="en-US" sz="2400" i="1" dirty="0" smtClean="0"/>
-              <a:t> Manager : </a:t>
-            </a:r>
-            <a:r>
-              <a:rPr lang="en-US" sz="2400" i="1" dirty="0" smtClean="0"/>
-              <a:t>a </a:t>
+              <a:t> Manager : a </a:t>
             </a:r>
             <a:r>
               <a:rPr lang="fr-FR" sz="2400" i="1" dirty="0" smtClean="0"/>
@@ -36650,15 +35719,7 @@
             </a:r>
             <a:r>
               <a:rPr lang="fr-FR" sz="1200" dirty="0" smtClean="0"/>
-              <a:t>=</a:t>
-            </a:r>
-            <a:r>
-              <a:rPr lang="fr-FR" sz="1200" dirty="0" smtClean="0"/>
-              <a:t>«urn:loria:madynes:ensuite:yencap:1.0:module:Interfaces:1.0»</a:t>
-            </a:r>
-            <a:r>
-              <a:rPr lang="fr-FR" sz="1200" dirty="0" smtClean="0"/>
-              <a:t>&gt;</a:t>
+              <a:t>=«urn:loria:madynes:ensuite:yencap:1.0:module:Interfaces:1.0»&gt;</a:t>
             </a:r>
           </a:p>
           <a:p>
@@ -37186,7 +36247,6 @@
               <a:rPr lang="fr-FR" sz="1200" dirty="0" smtClean="0"/>
               <a:t>&gt;</a:t>
             </a:r>
-            <a:endParaRPr lang="fr-FR" sz="1200" dirty="0" smtClean="0"/>
           </a:p>
           <a:p>
             <a:r>
@@ -37211,11 +36271,7 @@
           <a:p>
             <a:r>
               <a:rPr lang="fr-FR" sz="1200" dirty="0" smtClean="0"/>
-              <a:t>&lt;</a:t>
-            </a:r>
-            <a:r>
-              <a:rPr lang="fr-FR" sz="1200" dirty="0" smtClean="0"/>
-              <a:t>/</a:t>
+              <a:t>&lt;/</a:t>
             </a:r>
             <a:r>
               <a:rPr lang="fr-FR" sz="1200" dirty="0" err="1" smtClean="0"/>

--- a/yang-manager/reports/YangArchi.pptx
+++ b/yang-manager/reports/YangArchi.pptx
@@ -216,7 +216,7 @@
             <a:fld id="{69351470-D01B-924B-AB3C-0D4571B89327}" type="datetime1">
               <a:rPr lang="fr-FR" smtClean="0"/>
               <a:pPr/>
-              <a:t>4/09/09</a:t>
+              <a:t>21/09/09</a:t>
             </a:fld>
             <a:endParaRPr lang="fr-FR"/>
           </a:p>
@@ -379,7 +379,7 @@
             <a:fld id="{94DC8044-5188-1245-98C0-4935C45961F4}" type="datetime1">
               <a:rPr lang="fr-FR" smtClean="0"/>
               <a:pPr/>
-              <a:t>4/09/09</a:t>
+              <a:t>21/09/09</a:t>
             </a:fld>
             <a:endParaRPr lang="fr-FR"/>
           </a:p>
@@ -854,77 +854,14 @@
                 <a:latin typeface="Times New Roman"/>
                 <a:cs typeface="Times New Roman"/>
               </a:rPr>
-              <a:t>We </a:t>
-            </a:r>
-            <a:r>
-              <a:rPr lang="en-US" sz="1000" noProof="0" dirty="0" smtClean="0">
-                <a:latin typeface="Times New Roman"/>
-                <a:cs typeface="Times New Roman"/>
-              </a:rPr>
-              <a:t>provide two </a:t>
-            </a:r>
-            <a:r>
-              <a:rPr lang="en-US" sz="1000" noProof="0" dirty="0" smtClean="0">
-                <a:latin typeface="Times New Roman"/>
-                <a:cs typeface="Times New Roman"/>
-              </a:rPr>
-              <a:t>contribution </a:t>
-            </a:r>
-            <a:r>
-              <a:rPr lang="en-US" sz="1000" noProof="0" dirty="0" smtClean="0">
-                <a:latin typeface="Times New Roman"/>
-                <a:cs typeface="Times New Roman"/>
-              </a:rPr>
-              <a:t>to the network</a:t>
+              <a:t>We provide two contribution to the network</a:t>
             </a:r>
             <a:r>
               <a:rPr lang="en-US" sz="1000" baseline="0" noProof="0" dirty="0" smtClean="0">
                 <a:latin typeface="Times New Roman"/>
                 <a:cs typeface="Times New Roman"/>
               </a:rPr>
-              <a:t> configuration domain. The first one is a YANG parser and semantic checker close to</a:t>
-            </a:r>
-            <a:r>
-              <a:rPr lang="en-US" sz="1000" baseline="0" noProof="0" dirty="0" smtClean="0">
-                <a:latin typeface="Times New Roman"/>
-                <a:cs typeface="Times New Roman"/>
-              </a:rPr>
-              <a:t> the actual </a:t>
-            </a:r>
-            <a:r>
-              <a:rPr lang="en-US" sz="1000" baseline="0" noProof="0" dirty="0" smtClean="0">
-                <a:latin typeface="Times New Roman"/>
-                <a:cs typeface="Times New Roman"/>
-              </a:rPr>
-              <a:t>version of the draft definition of YANG. The second contribution is</a:t>
-            </a:r>
-            <a:r>
-              <a:rPr lang="en-US" sz="1000" baseline="0" noProof="0" dirty="0" smtClean="0">
-                <a:latin typeface="Times New Roman"/>
-                <a:cs typeface="Times New Roman"/>
-              </a:rPr>
-              <a:t> the support within the </a:t>
-            </a:r>
-            <a:r>
-              <a:rPr lang="en-US" sz="1000" baseline="0" noProof="0" dirty="0" smtClean="0">
-                <a:latin typeface="Times New Roman"/>
-                <a:cs typeface="Times New Roman"/>
-              </a:rPr>
-              <a:t>ENSUITE framework</a:t>
-            </a:r>
-            <a:r>
-              <a:rPr lang="en-US" sz="1000" baseline="0" noProof="0" dirty="0" smtClean="0">
-                <a:latin typeface="Times New Roman"/>
-                <a:cs typeface="Times New Roman"/>
-              </a:rPr>
-              <a:t> of YANG based models both </a:t>
-            </a:r>
-            <a:r>
-              <a:rPr lang="en-US" sz="1000" baseline="0" noProof="0" dirty="0" smtClean="0">
-                <a:latin typeface="Times New Roman"/>
-                <a:cs typeface="Times New Roman"/>
-              </a:rPr>
-              <a:t>on the server and the client side. </a:t>
+              <a:t> configuration domain. The first one is a YANG parser and semantic checker close to the actual version of the draft definition of YANG. The second contribution is the support within the ENSUITE framework of YANG based models both on the server and the client side. </a:t>
             </a:r>
           </a:p>
           <a:p>
@@ -955,21 +892,7 @@
                 <a:latin typeface="Times New Roman"/>
                 <a:cs typeface="Times New Roman"/>
               </a:rPr>
-              <a:t> to be able to generate parts of its code from YANG specifications, or build generic parts, to ensure the server maintains a valid Data Store compliant with YANG . The server has to be able to send notifications especially those defined in YANG and</a:t>
-            </a:r>
-            <a:r>
-              <a:rPr lang="en-US" sz="1000" baseline="0" noProof="0" dirty="0" smtClean="0">
-                <a:latin typeface="Times New Roman"/>
-                <a:cs typeface="Times New Roman"/>
-              </a:rPr>
-              <a:t> must also accept </a:t>
-            </a:r>
-            <a:r>
-              <a:rPr lang="en-US" sz="1000" baseline="0" noProof="0" dirty="0" smtClean="0">
-                <a:latin typeface="Times New Roman"/>
-                <a:cs typeface="Times New Roman"/>
-              </a:rPr>
-              <a:t>user defined operations as there are YANG </a:t>
+              <a:t> to be able to generate parts of its code from YANG specifications, or build generic parts, to ensure the server maintains a valid Data Store compliant with YANG . The server has to be able to send notifications especially those defined in YANG and must also accept user defined operations as there are YANG </a:t>
             </a:r>
             <a:r>
               <a:rPr lang="en-US" sz="1000" baseline="0" noProof="0" dirty="0" err="1" smtClean="0">
@@ -1014,35 +937,7 @@
                 <a:latin typeface="Times New Roman"/>
                 <a:cs typeface="Times New Roman"/>
               </a:rPr>
-              <a:t> server with such knowledge this server will be enabled to autonomously checks its configuration. At the client side the constraints can ensure the manager</a:t>
-            </a:r>
-            <a:r>
-              <a:rPr lang="en-US" sz="1000" baseline="0" noProof="0" dirty="0" smtClean="0">
-                <a:latin typeface="Times New Roman"/>
-                <a:cs typeface="Times New Roman"/>
-              </a:rPr>
-              <a:t> does </a:t>
-            </a:r>
-            <a:r>
-              <a:rPr lang="en-US" sz="1000" baseline="0" noProof="0" dirty="0" smtClean="0">
-                <a:latin typeface="Times New Roman"/>
-                <a:cs typeface="Times New Roman"/>
-              </a:rPr>
-              <a:t>not make mistakes in its configuration operations and can notify </a:t>
-            </a:r>
-            <a:r>
-              <a:rPr lang="en-US" sz="1000" baseline="0" noProof="0" dirty="0" smtClean="0">
-                <a:latin typeface="Times New Roman"/>
-                <a:cs typeface="Times New Roman"/>
-              </a:rPr>
-              <a:t>users </a:t>
-            </a:r>
-            <a:r>
-              <a:rPr lang="en-US" sz="1000" baseline="0" noProof="0" dirty="0" smtClean="0">
-                <a:latin typeface="Times New Roman"/>
-                <a:cs typeface="Times New Roman"/>
-              </a:rPr>
-              <a:t>if constraints are not respected.</a:t>
+              <a:t> server with such knowledge this server will be enabled to autonomously checks its configuration. At the client side the constraints can ensure the manager does not make mistakes in its configuration operations and can notify users if constraints are not respected.</a:t>
             </a:r>
           </a:p>
           <a:p>
@@ -2249,33 +2144,22 @@
                 <a:latin typeface="Times New Roman"/>
                 <a:cs typeface="Times New Roman"/>
               </a:rPr>
-              <a:t> exchanged between a device and a configuration application are XML documents and it is the responsibility of the agent or the manager to send well formed document. Such schema could be the mean to formally express which configuration data could be exchanged but indeed are not human friendly readable and so limits the understanding of complex data structure. For example a typical network configuration data (but also a network management)  is a list (or a table) of the set of network interfaces a network device contains. XML example for such data is given on the</a:t>
+              <a:t> exchanged between a device and a configuration application are XML documents and it is the responsibility of the agent or the manager to send well formed document. Such schema could be the mean to formally express which configuration data could be exchanged but indeed are not human friendly readable and so limits the understanding of complex data structure. For example a typical network configuration data (but also a network management)  is a list (or a table) of the set of network interfaces a network device contains. XML example for such data is given on the </a:t>
+            </a:r>
+            <a:r>
+              <a:rPr lang="fr-FR" sz="1200" baseline="0" dirty="0" smtClean="0">
+                <a:latin typeface="Times New Roman"/>
+                <a:cs typeface="Times New Roman"/>
+              </a:rPr>
+              <a:t>slide</a:t>
             </a:r>
             <a:r>
               <a:rPr lang="en-US" sz="1200" baseline="0" dirty="0" smtClean="0">
                 <a:latin typeface="Times New Roman"/>
                 <a:cs typeface="Times New Roman"/>
               </a:rPr>
-              <a:t> </a:t>
-            </a:r>
-            <a:r>
-              <a:rPr lang="fr-FR" sz="1200" baseline="0" dirty="0" smtClean="0">
-                <a:latin typeface="Times New Roman"/>
-                <a:cs typeface="Times New Roman"/>
-              </a:rPr>
-              <a:t>slide</a:t>
-            </a:r>
-            <a:r>
-              <a:rPr lang="en-US" sz="1200" baseline="0" dirty="0" smtClean="0">
-                <a:latin typeface="Times New Roman"/>
-                <a:cs typeface="Times New Roman"/>
-              </a:rPr>
               <a:t>. </a:t>
             </a:r>
-            <a:endParaRPr lang="en-US" sz="1200" baseline="0" dirty="0" smtClean="0">
-              <a:latin typeface="Times New Roman"/>
-              <a:cs typeface="Times New Roman"/>
-            </a:endParaRPr>
           </a:p>
           <a:p>
             <a:pPr algn="just"/>
@@ -2826,35 +2710,21 @@
                 <a:latin typeface="Times New Roman"/>
                 <a:cs typeface="Times New Roman"/>
               </a:rPr>
-              <a:t> and is composed of the java objects tree we show in</a:t>
+              <a:t> and is composed of the java objects tree we show in </a:t>
+            </a:r>
+            <a:r>
+              <a:rPr lang="fr-FR" sz="1000" baseline="0" dirty="0" smtClean="0">
+                <a:latin typeface="Times New Roman"/>
+                <a:cs typeface="Times New Roman"/>
+              </a:rPr>
+              <a:t>slide</a:t>
             </a:r>
             <a:r>
               <a:rPr lang="en-US" sz="1000" baseline="0" dirty="0" smtClean="0">
                 <a:latin typeface="Times New Roman"/>
                 <a:cs typeface="Times New Roman"/>
               </a:rPr>
-              <a:t> </a:t>
-            </a:r>
-            <a:r>
-              <a:rPr lang="fr-FR" sz="1000" baseline="0" dirty="0" smtClean="0">
-                <a:latin typeface="Times New Roman"/>
-                <a:cs typeface="Times New Roman"/>
-              </a:rPr>
-              <a:t>slide</a:t>
-            </a:r>
-            <a:r>
-              <a:rPr lang="en-US" sz="1000" baseline="0" dirty="0" smtClean="0">
-                <a:latin typeface="Times New Roman"/>
-                <a:cs typeface="Times New Roman"/>
-              </a:rPr>
-              <a:t> </a:t>
-            </a:r>
-            <a:r>
-              <a:rPr lang="en-US" sz="1000" baseline="0" dirty="0" smtClean="0">
-                <a:latin typeface="Times New Roman"/>
-                <a:cs typeface="Times New Roman"/>
-              </a:rPr>
-              <a:t>3. Another output can be a list of errors encountered during the parsing. Full lexical and syntax checking are done and part of semantic checks is covered. YANG allows data modelers to express some constraints like range number or string pattern. The constraints are checked when sub typing is used or when default values are set. Other constraints that can be expressed on the data value level are not checked. For example one can specify conditional presence of data depending on other data values (or hosting device capabilities).</a:t>
+              <a:t> 3. Another output can be a list of errors encountered during the parsing. Full lexical and syntax checking are done and part of semantic checks is covered. YANG allows data modelers to express some constraints like range number or string pattern. The constraints are checked when sub typing is used or when default values are set. Other constraints that can be expressed on the data value level are not checked. For example one can specify conditional presence of data depending on other data values (or hosting device capabilities).</a:t>
             </a:r>
           </a:p>
           <a:p>
@@ -2927,35 +2797,21 @@
                 <a:latin typeface="Times New Roman"/>
                 <a:cs typeface="Times New Roman"/>
               </a:rPr>
-              <a:t> is an intermediary representation of YANG specifications between static data model and data values on the wire. Its goal is to alleviate the work of any backend that focuses on NETCONF data values. As an example on the</a:t>
+              <a:t> is an intermediary representation of YANG specifications between static data model and data values on the wire. Its goal is to alleviate the work of any backend that focuses on NETCONF data values. As an example on the </a:t>
+            </a:r>
+            <a:r>
+              <a:rPr lang="fr-FR" sz="1000" baseline="0" dirty="0" smtClean="0">
+                <a:latin typeface="Times New Roman"/>
+                <a:cs typeface="Times New Roman"/>
+              </a:rPr>
+              <a:t>slide</a:t>
             </a:r>
             <a:r>
               <a:rPr lang="en-US" sz="1000" baseline="0" dirty="0" smtClean="0">
                 <a:latin typeface="Times New Roman"/>
                 <a:cs typeface="Times New Roman"/>
               </a:rPr>
-              <a:t> </a:t>
-            </a:r>
-            <a:r>
-              <a:rPr lang="fr-FR" sz="1000" baseline="0" dirty="0" smtClean="0">
-                <a:latin typeface="Times New Roman"/>
-                <a:cs typeface="Times New Roman"/>
-              </a:rPr>
-              <a:t>slide</a:t>
-            </a:r>
-            <a:r>
-              <a:rPr lang="en-US" sz="1000" baseline="0" dirty="0" smtClean="0">
-                <a:latin typeface="Times New Roman"/>
-                <a:cs typeface="Times New Roman"/>
-              </a:rPr>
-              <a:t> </a:t>
-            </a:r>
-            <a:r>
-              <a:rPr lang="en-US" sz="1000" baseline="0" dirty="0" smtClean="0">
-                <a:latin typeface="Times New Roman"/>
-                <a:cs typeface="Times New Roman"/>
-              </a:rPr>
-              <a:t>4 the module </a:t>
+              <a:t> 4 the module </a:t>
             </a:r>
             <a:r>
               <a:rPr lang="en-US" sz="1000" i="1" baseline="0" dirty="0" err="1" smtClean="0">
@@ -3154,35 +3010,21 @@
                 <a:latin typeface="Times New Roman"/>
                 <a:cs typeface="Times New Roman"/>
               </a:rPr>
-              <a:t> operations. The</a:t>
+              <a:t> operations. The </a:t>
+            </a:r>
+            <a:r>
+              <a:rPr lang="fr-FR" sz="1000" baseline="0" dirty="0" smtClean="0">
+                <a:latin typeface="Times New Roman"/>
+                <a:cs typeface="Times New Roman"/>
+              </a:rPr>
+              <a:t>slide</a:t>
             </a:r>
             <a:r>
               <a:rPr lang="en-US" sz="1000" baseline="0" dirty="0" smtClean="0">
                 <a:latin typeface="Times New Roman"/>
                 <a:cs typeface="Times New Roman"/>
               </a:rPr>
-              <a:t> </a:t>
-            </a:r>
-            <a:r>
-              <a:rPr lang="fr-FR" sz="1000" baseline="0" dirty="0" smtClean="0">
-                <a:latin typeface="Times New Roman"/>
-                <a:cs typeface="Times New Roman"/>
-              </a:rPr>
-              <a:t>slide</a:t>
-            </a:r>
-            <a:r>
-              <a:rPr lang="en-US" sz="1000" baseline="0" dirty="0" smtClean="0">
-                <a:latin typeface="Times New Roman"/>
-                <a:cs typeface="Times New Roman"/>
-              </a:rPr>
-              <a:t> </a:t>
-            </a:r>
-            <a:r>
-              <a:rPr lang="en-US" sz="1000" baseline="0" dirty="0" smtClean="0">
-                <a:latin typeface="Times New Roman"/>
-                <a:cs typeface="Times New Roman"/>
-              </a:rPr>
-              <a:t>4 suggests that the data tree has more nodes than the </a:t>
+              <a:t> 4 suggests that the data tree has more nodes than the </a:t>
             </a:r>
             <a:r>
               <a:rPr lang="en-US" sz="1000" baseline="0" dirty="0" err="1" smtClean="0">
@@ -3474,35 +3316,21 @@
                 <a:latin typeface="Times New Roman"/>
                 <a:cs typeface="Times New Roman"/>
               </a:rPr>
-              <a:t>/network/interfaces” expression and  it maintains data under the &lt;interfaces&gt; node. Thus, part of the global Data Store is managed by the Data Store Manager (light grey on</a:t>
+              <a:t>/network/interfaces” expression and  it maintains data under the &lt;interfaces&gt; node. Thus, part of the global Data Store is managed by the Data Store Manager (light grey on </a:t>
+            </a:r>
+            <a:r>
+              <a:rPr lang="fr-FR" sz="1000" baseline="0" dirty="0" smtClean="0">
+                <a:latin typeface="Times New Roman"/>
+                <a:cs typeface="Times New Roman"/>
+              </a:rPr>
+              <a:t>slide</a:t>
             </a:r>
             <a:r>
               <a:rPr lang="en-US" sz="1000" baseline="0" dirty="0" smtClean="0">
                 <a:latin typeface="Times New Roman"/>
                 <a:cs typeface="Times New Roman"/>
               </a:rPr>
-              <a:t> </a:t>
-            </a:r>
-            <a:r>
-              <a:rPr lang="fr-FR" sz="1000" baseline="0" dirty="0" smtClean="0">
-                <a:latin typeface="Times New Roman"/>
-                <a:cs typeface="Times New Roman"/>
-              </a:rPr>
-              <a:t>slide</a:t>
-            </a:r>
-            <a:r>
-              <a:rPr lang="en-US" sz="1000" baseline="0" dirty="0" smtClean="0">
-                <a:latin typeface="Times New Roman"/>
-                <a:cs typeface="Times New Roman"/>
-              </a:rPr>
-              <a:t> </a:t>
-            </a:r>
-            <a:r>
-              <a:rPr lang="en-US" sz="1000" baseline="0" dirty="0" smtClean="0">
-                <a:latin typeface="Times New Roman"/>
-                <a:cs typeface="Times New Roman"/>
-              </a:rPr>
-              <a:t>5) and the rest is distributed among modules (dark grey sub trees). This enables modularity of the server without increasing the complexity of the Data Store Manager.</a:t>
+              <a:t> 5) and the rest is distributed among modules (dark grey sub trees). This enables modularity of the server without increasing the complexity of the Data Store Manager.</a:t>
             </a:r>
           </a:p>
           <a:p>
@@ -3824,35 +3652,21 @@
                 <a:latin typeface="Times New Roman"/>
                 <a:cs typeface="Times New Roman"/>
               </a:rPr>
-              <a:t>As shown in</a:t>
+              <a:t>As shown in </a:t>
+            </a:r>
+            <a:r>
+              <a:rPr lang="fr-FR" sz="1000" baseline="0" noProof="0" dirty="0" smtClean="0">
+                <a:latin typeface="Times New Roman"/>
+                <a:cs typeface="Times New Roman"/>
+              </a:rPr>
+              <a:t>slide</a:t>
             </a:r>
             <a:r>
               <a:rPr lang="en-US" sz="1000" baseline="0" noProof="0" dirty="0" smtClean="0">
                 <a:latin typeface="Times New Roman"/>
                 <a:cs typeface="Times New Roman"/>
               </a:rPr>
-              <a:t> </a:t>
-            </a:r>
-            <a:r>
-              <a:rPr lang="fr-FR" sz="1000" baseline="0" noProof="0" dirty="0" smtClean="0">
-                <a:latin typeface="Times New Roman"/>
-                <a:cs typeface="Times New Roman"/>
-              </a:rPr>
-              <a:t>slide</a:t>
-            </a:r>
-            <a:r>
-              <a:rPr lang="en-US" sz="1000" baseline="0" noProof="0" dirty="0" smtClean="0">
-                <a:latin typeface="Times New Roman"/>
-                <a:cs typeface="Times New Roman"/>
-              </a:rPr>
-              <a:t> </a:t>
-            </a:r>
-            <a:r>
-              <a:rPr lang="en-US" sz="1000" baseline="0" noProof="0" dirty="0" smtClean="0">
-                <a:latin typeface="Times New Roman"/>
-                <a:cs typeface="Times New Roman"/>
-              </a:rPr>
-              <a:t>5 we had to extend </a:t>
+              <a:t> 5 we had to extend </a:t>
             </a:r>
             <a:r>
               <a:rPr lang="en-US" sz="1000" baseline="0" noProof="0" dirty="0" err="1" smtClean="0">
@@ -4131,133 +3945,70 @@
                 <a:latin typeface="Times New Roman"/>
                 <a:cs typeface="Times New Roman"/>
               </a:rPr>
-              <a:t>Slide </a:t>
-            </a:r>
-            <a:r>
-              <a:rPr lang="en-US" sz="1000" dirty="0" smtClean="0">
-                <a:latin typeface="Times New Roman"/>
-                <a:cs typeface="Times New Roman"/>
-              </a:rPr>
-              <a:t>7 shows the applet part of the web</a:t>
+              <a:t>Slide 7 shows the applet part of the web</a:t>
             </a:r>
             <a:r>
               <a:rPr lang="en-US" sz="1000" baseline="0" dirty="0" smtClean="0">
                 <a:latin typeface="Times New Roman"/>
                 <a:cs typeface="Times New Roman"/>
               </a:rPr>
-              <a:t> </a:t>
+              <a:t> interface, the user gets when asking for the configuration of a device. This first view can be used as a YANG specification browser that looks like a file system browser (we use the swing </a:t>
+            </a:r>
+            <a:r>
+              <a:rPr lang="en-US" sz="1000" baseline="0" dirty="0" err="1" smtClean="0">
+                <a:latin typeface="Times New Roman"/>
+                <a:cs typeface="Times New Roman"/>
+              </a:rPr>
+              <a:t>Jtree</a:t>
             </a:r>
             <a:r>
               <a:rPr lang="en-US" sz="1000" baseline="0" dirty="0" smtClean="0">
                 <a:latin typeface="Times New Roman"/>
                 <a:cs typeface="Times New Roman"/>
               </a:rPr>
-              <a:t>interface, </a:t>
+              <a:t> interface). The tree view matches well with YANG because it defines a schema tree. Specific icons are used to distinct nodes, here </a:t>
+            </a:r>
+            <a:r>
+              <a:rPr lang="fr-FR" sz="1000" baseline="0" dirty="0" smtClean="0">
+                <a:latin typeface="Times New Roman"/>
+                <a:cs typeface="Times New Roman"/>
+              </a:rPr>
+              <a:t>NETCONF</a:t>
             </a:r>
             <a:r>
               <a:rPr lang="en-US" sz="1000" baseline="0" dirty="0" smtClean="0">
                 <a:latin typeface="Times New Roman"/>
                 <a:cs typeface="Times New Roman"/>
               </a:rPr>
-              <a:t>the user</a:t>
+              <a:t>, network and interfaces are all YANG containers, interface is a YANG list and name, </a:t>
+            </a:r>
+            <a:r>
+              <a:rPr lang="en-US" sz="1000" baseline="0" dirty="0" err="1" smtClean="0">
+                <a:latin typeface="Times New Roman"/>
+                <a:cs typeface="Times New Roman"/>
+              </a:rPr>
+              <a:t>mac</a:t>
             </a:r>
             <a:r>
               <a:rPr lang="en-US" sz="1000" baseline="0" dirty="0" smtClean="0">
                 <a:latin typeface="Times New Roman"/>
                 <a:cs typeface="Times New Roman"/>
               </a:rPr>
-              <a:t> gets when </a:t>
+              <a:t>-address, </a:t>
+            </a:r>
+            <a:r>
+              <a:rPr lang="en-US" sz="1000" baseline="0" dirty="0" err="1" smtClean="0">
+                <a:latin typeface="Times New Roman"/>
+                <a:cs typeface="Times New Roman"/>
+              </a:rPr>
+              <a:t>mtu</a:t>
             </a:r>
             <a:r>
               <a:rPr lang="en-US" sz="1000" baseline="0" dirty="0" smtClean="0">
                 <a:latin typeface="Times New Roman"/>
                 <a:cs typeface="Times New Roman"/>
               </a:rPr>
-              <a:t>asking for the configuration of a device. This first view can be used as a YANG specification browser that looks like a file system browser (we use the swing </a:t>
-            </a:r>
-            <a:r>
-              <a:rPr lang="en-US" sz="1000" baseline="0" dirty="0" err="1" smtClean="0">
-                <a:latin typeface="Times New Roman"/>
-                <a:cs typeface="Times New Roman"/>
-              </a:rPr>
-              <a:t>Jtree</a:t>
-            </a:r>
-            <a:r>
-              <a:rPr lang="en-US" sz="1000" baseline="0" dirty="0" smtClean="0">
-                <a:latin typeface="Times New Roman"/>
-                <a:cs typeface="Times New Roman"/>
-              </a:rPr>
-              <a:t> interface). The tree view matches well with YANG because it defines a schema tree. Specific icons are used to distinct nodes, here </a:t>
-            </a:r>
-            <a:r>
-              <a:rPr lang="fr-FR" sz="1000" baseline="0" dirty="0" smtClean="0">
-                <a:latin typeface="Times New Roman"/>
-                <a:cs typeface="Times New Roman"/>
-              </a:rPr>
-              <a:t>NETCONF</a:t>
-            </a:r>
-            <a:r>
-              <a:rPr lang="en-US" sz="1000" baseline="0" dirty="0" smtClean="0">
-                <a:latin typeface="Times New Roman"/>
-                <a:cs typeface="Times New Roman"/>
-              </a:rPr>
-              <a:t>, network and interfaces are all YANG containers, interface is a YANG list and name, </a:t>
-            </a:r>
-            <a:r>
-              <a:rPr lang="en-US" sz="1000" baseline="0" dirty="0" err="1" smtClean="0">
-                <a:latin typeface="Times New Roman"/>
-                <a:cs typeface="Times New Roman"/>
-              </a:rPr>
-              <a:t>mac</a:t>
-            </a:r>
-            <a:r>
-              <a:rPr lang="en-US" sz="1000" baseline="0" dirty="0" smtClean="0">
-                <a:latin typeface="Times New Roman"/>
-                <a:cs typeface="Times New Roman"/>
-              </a:rPr>
-              <a:t>-address, </a:t>
-            </a:r>
-            <a:r>
-              <a:rPr lang="en-US" sz="1000" baseline="0" dirty="0" err="1" smtClean="0">
-                <a:latin typeface="Times New Roman"/>
-                <a:cs typeface="Times New Roman"/>
-              </a:rPr>
-              <a:t>mtu</a:t>
-            </a:r>
-            <a:r>
-              <a:rPr lang="en-US" sz="1000" baseline="0" dirty="0" smtClean="0">
-                <a:latin typeface="Times New Roman"/>
-                <a:cs typeface="Times New Roman"/>
-              </a:rPr>
-              <a:t> are YANG</a:t>
-            </a:r>
-            <a:r>
-              <a:rPr lang="en-US" sz="1000" baseline="0" dirty="0" smtClean="0">
-                <a:latin typeface="Times New Roman"/>
-                <a:cs typeface="Times New Roman"/>
-              </a:rPr>
-              <a:t> leaves. </a:t>
-            </a:r>
-            <a:r>
-              <a:rPr lang="en-US" sz="1000" baseline="0" dirty="0" smtClean="0">
-                <a:latin typeface="Times New Roman"/>
-                <a:cs typeface="Times New Roman"/>
-              </a:rPr>
-              <a:t>A YANG list can have some key inside its leaf as is the “name” leaf referenced inside brackets in the “interface” list and by a little star on its leaf icon. When selecting a leaf in this tree, the lower part of the applet shows details of the YANG specification, as the type of a leaf and constraints such default value or range intervals. A leaf type is always at least of a built-in types (as string, int8,…) and can be refined by other </a:t>
-            </a:r>
-            <a:r>
-              <a:rPr lang="en-US" sz="1000" baseline="0" dirty="0" smtClean="0">
-                <a:latin typeface="Times New Roman"/>
-                <a:cs typeface="Times New Roman"/>
-              </a:rPr>
-              <a:t>types </a:t>
-            </a:r>
-            <a:r>
-              <a:rPr lang="en-US" sz="1000" baseline="0" dirty="0" smtClean="0">
-                <a:latin typeface="Times New Roman"/>
-                <a:cs typeface="Times New Roman"/>
-              </a:rPr>
-              <a:t>with added constraints or to use an existing useful type (as a </a:t>
+              <a:t> are YANG leaves. A YANG list can have some key inside its leaf as is the “name” leaf referenced inside brackets in the “interface” list and by a little star on its leaf icon. When selecting a leaf in this tree, the lower part of the applet shows details of the YANG specification, as the type of a leaf and constraints such default value or range intervals. A leaf type is always at least of a built-in types (as string, int8,…) and can be refined by other types with added constraints or to use an existing useful type (as a </a:t>
             </a:r>
             <a:r>
               <a:rPr lang="en-US" sz="1000" baseline="0" dirty="0" err="1" smtClean="0">
@@ -4420,49 +4171,70 @@
                 <a:latin typeface="Times New Roman"/>
                 <a:cs typeface="Times New Roman"/>
               </a:rPr>
-              <a:t> the</a:t>
+              <a:t> the </a:t>
+            </a:r>
+            <a:r>
+              <a:rPr lang="fr-FR" sz="1000" baseline="0" noProof="0" dirty="0" smtClean="0">
+                <a:latin typeface="Times New Roman"/>
+                <a:cs typeface="Times New Roman"/>
+              </a:rPr>
+              <a:t>slide</a:t>
             </a:r>
             <a:r>
               <a:rPr lang="en-US" sz="1000" baseline="0" noProof="0" dirty="0" smtClean="0">
                 <a:latin typeface="Times New Roman"/>
                 <a:cs typeface="Times New Roman"/>
               </a:rPr>
-              <a:t> </a:t>
+              <a:t> 7 one can request the indirectly connected </a:t>
             </a:r>
             <a:r>
               <a:rPr lang="fr-FR" sz="1000" baseline="0" noProof="0" dirty="0" smtClean="0">
                 <a:latin typeface="Times New Roman"/>
                 <a:cs typeface="Times New Roman"/>
               </a:rPr>
-              <a:t>slide</a:t>
+              <a:t>NETCONF</a:t>
             </a:r>
             <a:r>
               <a:rPr lang="en-US" sz="1000" baseline="0" noProof="0" dirty="0" smtClean="0">
                 <a:latin typeface="Times New Roman"/>
                 <a:cs typeface="Times New Roman"/>
               </a:rPr>
-              <a:t> </a:t>
+              <a:t> device by a mouse contextual menu that pops-up when the right button is pressed on a YANG data type. When one of the standard </a:t>
+            </a:r>
+            <a:r>
+              <a:rPr lang="fr-FR" sz="1000" baseline="0" noProof="0" dirty="0" smtClean="0">
+                <a:latin typeface="Times New Roman"/>
+                <a:cs typeface="Times New Roman"/>
+              </a:rPr>
+              <a:t>NETCONF</a:t>
             </a:r>
             <a:r>
               <a:rPr lang="en-US" sz="1000" baseline="0" noProof="0" dirty="0" smtClean="0">
                 <a:latin typeface="Times New Roman"/>
                 <a:cs typeface="Times New Roman"/>
               </a:rPr>
-              <a:t>7 one can request the indirectly connected </a:t>
+              <a:t> operations is chosen, the request is built from the root node (here the </a:t>
+            </a:r>
+            <a:r>
+              <a:rPr lang="fr-FR" sz="1000" baseline="0" noProof="0" dirty="0" err="1" smtClean="0">
+                <a:latin typeface="Times New Roman"/>
+                <a:cs typeface="Times New Roman"/>
+              </a:rPr>
+              <a:t>netconf</a:t>
             </a:r>
             <a:r>
               <a:rPr lang="fr-FR" sz="1000" baseline="0" noProof="0" dirty="0" smtClean="0">
                 <a:latin typeface="Times New Roman"/>
                 <a:cs typeface="Times New Roman"/>
               </a:rPr>
-              <a:t>NETCONF</a:t>
+              <a:t> </a:t>
             </a:r>
             <a:r>
               <a:rPr lang="en-US" sz="1000" baseline="0" noProof="0" dirty="0" smtClean="0">
                 <a:latin typeface="Times New Roman"/>
                 <a:cs typeface="Times New Roman"/>
               </a:rPr>
-              <a:t> device by a mouse contextual menu that pops-up when the right button is pressed on a YANG data type. When one of the standard </a:t>
+              <a:t>virtual container) to the tree position of the selected node. The resulting XML document is sent inside a HTTP POST request. A specific header called “operation” is used to specify which </a:t>
             </a:r>
             <a:r>
               <a:rPr lang="fr-FR" sz="1000" baseline="0" noProof="0" dirty="0" smtClean="0">
@@ -4476,140 +4248,35 @@
                 <a:latin typeface="Times New Roman"/>
                 <a:cs typeface="Times New Roman"/>
               </a:rPr>
-              <a:t> </a:t>
+              <a:t> operation must be performed on the server (get, get-</a:t>
+            </a:r>
+            <a:r>
+              <a:rPr lang="en-US" sz="1000" baseline="0" noProof="0" dirty="0" err="1" smtClean="0">
+                <a:latin typeface="Times New Roman"/>
+                <a:cs typeface="Times New Roman"/>
+              </a:rPr>
+              <a:t>config</a:t>
             </a:r>
             <a:r>
               <a:rPr lang="en-US" sz="1000" baseline="0" noProof="0" dirty="0" smtClean="0">
                 <a:latin typeface="Times New Roman"/>
                 <a:cs typeface="Times New Roman"/>
               </a:rPr>
-              <a:t>operations </a:t>
+              <a:t> or edit-</a:t>
+            </a:r>
+            <a:r>
+              <a:rPr lang="en-US" sz="1000" baseline="0" noProof="0" dirty="0" err="1" smtClean="0">
+                <a:latin typeface="Times New Roman"/>
+                <a:cs typeface="Times New Roman"/>
+              </a:rPr>
+              <a:t>config</a:t>
             </a:r>
             <a:r>
               <a:rPr lang="en-US" sz="1000" baseline="0" noProof="0" dirty="0" smtClean="0">
                 <a:latin typeface="Times New Roman"/>
                 <a:cs typeface="Times New Roman"/>
               </a:rPr>
-              <a:t>is chosen, the request is </a:t>
-            </a:r>
-            <a:r>
-              <a:rPr lang="en-US" sz="1000" baseline="0" noProof="0" dirty="0" smtClean="0">
-                <a:latin typeface="Times New Roman"/>
-                <a:cs typeface="Times New Roman"/>
-              </a:rPr>
-              <a:t>built </a:t>
-            </a:r>
-            <a:r>
-              <a:rPr lang="en-US" sz="1000" baseline="0" noProof="0" dirty="0" smtClean="0">
-                <a:latin typeface="Times New Roman"/>
-                <a:cs typeface="Times New Roman"/>
-              </a:rPr>
-              <a:t>from the root node (here the </a:t>
-            </a:r>
-            <a:r>
-              <a:rPr lang="fr-FR" sz="1000" baseline="0" noProof="0" dirty="0" err="1" smtClean="0">
-                <a:latin typeface="Times New Roman"/>
-                <a:cs typeface="Times New Roman"/>
-              </a:rPr>
-              <a:t>netconf</a:t>
-            </a:r>
-            <a:r>
-              <a:rPr lang="fr-FR" sz="1000" baseline="0" noProof="0" dirty="0" smtClean="0">
-                <a:latin typeface="Times New Roman"/>
-                <a:cs typeface="Times New Roman"/>
-              </a:rPr>
-              <a:t> </a:t>
-            </a:r>
-            <a:r>
-              <a:rPr lang="en-US" sz="1000" baseline="0" noProof="0" dirty="0" smtClean="0">
-                <a:latin typeface="Times New Roman"/>
-                <a:cs typeface="Times New Roman"/>
-              </a:rPr>
-              <a:t>virtual container) to the tree position of the selected node. The resulting XML document is sent inside a HTTP POST request. A specific header called “operation” is used to specify which </a:t>
-            </a:r>
-            <a:r>
-              <a:rPr lang="fr-FR" sz="1000" baseline="0" noProof="0" dirty="0" smtClean="0">
-                <a:latin typeface="Times New Roman"/>
-                <a:cs typeface="Times New Roman"/>
-              </a:rPr>
-              <a:t>NETCONF</a:t>
-            </a:r>
-            <a:r>
-              <a:rPr lang="en-US" sz="1000" baseline="0" noProof="0" dirty="0" smtClean="0">
-                <a:latin typeface="Times New Roman"/>
-                <a:cs typeface="Times New Roman"/>
-              </a:rPr>
-              <a:t> operation must be</a:t>
-            </a:r>
-            <a:r>
-              <a:rPr lang="en-US" sz="1000" baseline="0" noProof="0" dirty="0" smtClean="0">
-                <a:latin typeface="Times New Roman"/>
-                <a:cs typeface="Times New Roman"/>
-              </a:rPr>
-              <a:t> performed on </a:t>
-            </a:r>
-            <a:r>
-              <a:rPr lang="en-US" sz="1000" baseline="0" noProof="0" dirty="0" smtClean="0">
-                <a:latin typeface="Times New Roman"/>
-                <a:cs typeface="Times New Roman"/>
-              </a:rPr>
-              <a:t>the server (get, get-</a:t>
-            </a:r>
-            <a:r>
-              <a:rPr lang="en-US" sz="1000" baseline="0" noProof="0" dirty="0" err="1" smtClean="0">
-                <a:latin typeface="Times New Roman"/>
-                <a:cs typeface="Times New Roman"/>
-              </a:rPr>
-              <a:t>config</a:t>
-            </a:r>
-            <a:r>
-              <a:rPr lang="en-US" sz="1000" baseline="0" noProof="0" dirty="0" smtClean="0">
-                <a:latin typeface="Times New Roman"/>
-                <a:cs typeface="Times New Roman"/>
-              </a:rPr>
-              <a:t> or edit-</a:t>
-            </a:r>
-            <a:r>
-              <a:rPr lang="en-US" sz="1000" baseline="0" noProof="0" dirty="0" err="1" smtClean="0">
-                <a:latin typeface="Times New Roman"/>
-                <a:cs typeface="Times New Roman"/>
-              </a:rPr>
-              <a:t>config</a:t>
-            </a:r>
-            <a:r>
-              <a:rPr lang="en-US" sz="1000" baseline="0" noProof="0" dirty="0" smtClean="0">
-                <a:latin typeface="Times New Roman"/>
-                <a:cs typeface="Times New Roman"/>
-              </a:rPr>
-              <a:t>). Note that the key of the list is added to the request while it is not explicitly asked. This is an optimization because subsequent requests on </a:t>
-            </a:r>
-            <a:r>
-              <a:rPr lang="en-US" sz="1000" baseline="0" noProof="0" dirty="0" smtClean="0">
-                <a:latin typeface="Times New Roman"/>
-                <a:cs typeface="Times New Roman"/>
-              </a:rPr>
-              <a:t>lists </a:t>
-            </a:r>
-            <a:r>
-              <a:rPr lang="en-US" sz="1000" baseline="0" noProof="0" dirty="0" smtClean="0">
-                <a:latin typeface="Times New Roman"/>
-                <a:cs typeface="Times New Roman"/>
-              </a:rPr>
-              <a:t>(and especially on list </a:t>
-            </a:r>
-            <a:r>
-              <a:rPr lang="en-US" sz="1000" baseline="0" noProof="0" dirty="0" smtClean="0">
-                <a:latin typeface="Times New Roman"/>
-                <a:cs typeface="Times New Roman"/>
-              </a:rPr>
-              <a:t>entries) </a:t>
-            </a:r>
-            <a:r>
-              <a:rPr lang="en-US" sz="1000" baseline="0" noProof="0" dirty="0" smtClean="0">
-                <a:latin typeface="Times New Roman"/>
-                <a:cs typeface="Times New Roman"/>
-              </a:rPr>
-              <a:t>will likely need the key. </a:t>
+              <a:t>). Note that the key of the list is added to the request while it is not explicitly asked. This is an optimization because subsequent requests on lists (and especially on list entries) will likely need the key. </a:t>
             </a:r>
           </a:p>
           <a:p>
@@ -4647,189 +4314,119 @@
                 <a:latin typeface="Times New Roman"/>
                 <a:cs typeface="Times New Roman"/>
               </a:rPr>
-              <a:t> </a:t>
+              <a:t> Manager, the latter adds the </a:t>
+            </a:r>
+            <a:r>
+              <a:rPr lang="en-US" sz="1000" baseline="0" noProof="0" dirty="0" err="1" smtClean="0">
+                <a:latin typeface="Times New Roman"/>
+                <a:cs typeface="Times New Roman"/>
+              </a:rPr>
+              <a:t>rpc</a:t>
             </a:r>
             <a:r>
               <a:rPr lang="en-US" sz="1000" baseline="0" noProof="0" dirty="0" smtClean="0">
                 <a:latin typeface="Times New Roman"/>
                 <a:cs typeface="Times New Roman"/>
               </a:rPr>
-              <a:t>Manager, the </a:t>
+              <a:t> and filter mechanisms to surround the XML document received and sends a valid </a:t>
+            </a:r>
+            <a:r>
+              <a:rPr lang="fr-FR" sz="1000" baseline="0" noProof="0" dirty="0" smtClean="0">
+                <a:latin typeface="Times New Roman"/>
+                <a:cs typeface="Times New Roman"/>
+              </a:rPr>
+              <a:t>NETCONF</a:t>
             </a:r>
             <a:r>
               <a:rPr lang="en-US" sz="1000" baseline="0" noProof="0" dirty="0" smtClean="0">
                 <a:latin typeface="Times New Roman"/>
                 <a:cs typeface="Times New Roman"/>
               </a:rPr>
-              <a:t>latter </a:t>
+              <a:t> request. From this step we are independent of any YANG concern because we are in a full </a:t>
+            </a:r>
+            <a:r>
+              <a:rPr lang="fr-FR" sz="1000" baseline="0" noProof="0" dirty="0" smtClean="0">
+                <a:latin typeface="Times New Roman"/>
+                <a:cs typeface="Times New Roman"/>
+              </a:rPr>
+              <a:t>NETCONF</a:t>
             </a:r>
             <a:r>
               <a:rPr lang="en-US" sz="1000" baseline="0" noProof="0" dirty="0" smtClean="0">
                 <a:latin typeface="Times New Roman"/>
                 <a:cs typeface="Times New Roman"/>
               </a:rPr>
-              <a:t>adds </a:t>
+              <a:t> session. So the reply is sent by the </a:t>
+            </a:r>
+            <a:r>
+              <a:rPr lang="fr-FR" sz="1000" baseline="0" noProof="0" dirty="0" smtClean="0">
+                <a:latin typeface="Times New Roman"/>
+                <a:cs typeface="Times New Roman"/>
+              </a:rPr>
+              <a:t>NETCONF</a:t>
             </a:r>
             <a:r>
               <a:rPr lang="en-US" sz="1000" baseline="0" noProof="0" dirty="0" smtClean="0">
                 <a:latin typeface="Times New Roman"/>
                 <a:cs typeface="Times New Roman"/>
               </a:rPr>
-              <a:t>the </a:t>
+              <a:t> server to the </a:t>
             </a:r>
             <a:r>
               <a:rPr lang="en-US" sz="1000" baseline="0" noProof="0" dirty="0" err="1" smtClean="0">
                 <a:latin typeface="Times New Roman"/>
                 <a:cs typeface="Times New Roman"/>
               </a:rPr>
-              <a:t>rpc</a:t>
+              <a:t>YencaP</a:t>
             </a:r>
             <a:r>
               <a:rPr lang="en-US" sz="1000" baseline="0" noProof="0" dirty="0" smtClean="0">
                 <a:latin typeface="Times New Roman"/>
                 <a:cs typeface="Times New Roman"/>
               </a:rPr>
-              <a:t> and filter mechanisms to surround the XML document received and </a:t>
+              <a:t> Manager and this finish the </a:t>
+            </a:r>
+            <a:r>
+              <a:rPr lang="fr-FR" sz="1000" baseline="0" noProof="0" dirty="0" smtClean="0">
+                <a:latin typeface="Times New Roman"/>
+                <a:cs typeface="Times New Roman"/>
+              </a:rPr>
+              <a:t>NETCONF</a:t>
             </a:r>
             <a:r>
               <a:rPr lang="en-US" sz="1000" baseline="0" noProof="0" dirty="0" smtClean="0">
                 <a:latin typeface="Times New Roman"/>
                 <a:cs typeface="Times New Roman"/>
               </a:rPr>
-              <a:t>sends </a:t>
+              <a:t> operation. Following is simply a cleaning of </a:t>
+            </a:r>
+            <a:r>
+              <a:rPr lang="fr-FR" sz="1000" baseline="0" noProof="0" dirty="0" smtClean="0">
+                <a:latin typeface="Times New Roman"/>
+                <a:cs typeface="Times New Roman"/>
+              </a:rPr>
+              <a:t>NETCONF</a:t>
             </a:r>
             <a:r>
               <a:rPr lang="en-US" sz="1000" baseline="0" noProof="0" dirty="0" smtClean="0">
                 <a:latin typeface="Times New Roman"/>
                 <a:cs typeface="Times New Roman"/>
               </a:rPr>
-              <a:t>a valid </a:t>
+              <a:t> XML data until the first node of the Data Store and its forwarding to the client applet that is waiting for the response. The </a:t>
             </a:r>
             <a:r>
               <a:rPr lang="fr-FR" sz="1000" baseline="0" noProof="0" dirty="0" smtClean="0">
                 <a:latin typeface="Times New Roman"/>
                 <a:cs typeface="Times New Roman"/>
               </a:rPr>
-              <a:t>NETCONF</a:t>
+              <a:t>slide</a:t>
             </a:r>
             <a:r>
               <a:rPr lang="en-US" sz="1000" baseline="0" noProof="0" dirty="0" smtClean="0">
                 <a:latin typeface="Times New Roman"/>
                 <a:cs typeface="Times New Roman"/>
               </a:rPr>
-              <a:t> request. From this step we are independent of any YANG concern because we are in a full </a:t>
-            </a:r>
-            <a:r>
-              <a:rPr lang="fr-FR" sz="1000" baseline="0" noProof="0" dirty="0" smtClean="0">
-                <a:latin typeface="Times New Roman"/>
-                <a:cs typeface="Times New Roman"/>
-              </a:rPr>
-              <a:t>NETCONF</a:t>
-            </a:r>
-            <a:r>
-              <a:rPr lang="en-US" sz="1000" baseline="0" noProof="0" dirty="0" smtClean="0">
-                <a:latin typeface="Times New Roman"/>
-                <a:cs typeface="Times New Roman"/>
-              </a:rPr>
-              <a:t> session. So the reply is </a:t>
-            </a:r>
-            <a:r>
-              <a:rPr lang="en-US" sz="1000" baseline="0" noProof="0" dirty="0" smtClean="0">
-                <a:latin typeface="Times New Roman"/>
-                <a:cs typeface="Times New Roman"/>
-              </a:rPr>
-              <a:t>sent </a:t>
-            </a:r>
-            <a:r>
-              <a:rPr lang="en-US" sz="1000" baseline="0" noProof="0" dirty="0" smtClean="0">
-                <a:latin typeface="Times New Roman"/>
-                <a:cs typeface="Times New Roman"/>
-              </a:rPr>
-              <a:t>by the </a:t>
-            </a:r>
-            <a:r>
-              <a:rPr lang="fr-FR" sz="1000" baseline="0" noProof="0" dirty="0" smtClean="0">
-                <a:latin typeface="Times New Roman"/>
-                <a:cs typeface="Times New Roman"/>
-              </a:rPr>
-              <a:t>NETCONF</a:t>
-            </a:r>
-            <a:r>
-              <a:rPr lang="en-US" sz="1000" baseline="0" noProof="0" dirty="0" smtClean="0">
-                <a:latin typeface="Times New Roman"/>
-                <a:cs typeface="Times New Roman"/>
-              </a:rPr>
-              <a:t> server to the </a:t>
-            </a:r>
-            <a:r>
-              <a:rPr lang="en-US" sz="1000" baseline="0" noProof="0" dirty="0" err="1" smtClean="0">
-                <a:latin typeface="Times New Roman"/>
-                <a:cs typeface="Times New Roman"/>
-              </a:rPr>
-              <a:t>YencaP</a:t>
-            </a:r>
-            <a:r>
-              <a:rPr lang="en-US" sz="1000" baseline="0" noProof="0" dirty="0" smtClean="0">
-                <a:latin typeface="Times New Roman"/>
-                <a:cs typeface="Times New Roman"/>
-              </a:rPr>
-              <a:t> Manager and this finish the </a:t>
-            </a:r>
-            <a:r>
-              <a:rPr lang="fr-FR" sz="1000" baseline="0" noProof="0" dirty="0" smtClean="0">
-                <a:latin typeface="Times New Roman"/>
-                <a:cs typeface="Times New Roman"/>
-              </a:rPr>
-              <a:t>NETCONF</a:t>
-            </a:r>
-            <a:r>
-              <a:rPr lang="en-US" sz="1000" baseline="0" noProof="0" dirty="0" smtClean="0">
-                <a:latin typeface="Times New Roman"/>
-                <a:cs typeface="Times New Roman"/>
-              </a:rPr>
-              <a:t> operation. Following is simply a cleaning of </a:t>
-            </a:r>
-            <a:r>
-              <a:rPr lang="fr-FR" sz="1000" baseline="0" noProof="0" dirty="0" smtClean="0">
-                <a:latin typeface="Times New Roman"/>
-                <a:cs typeface="Times New Roman"/>
-              </a:rPr>
-              <a:t>NETCONF</a:t>
-            </a:r>
-            <a:r>
-              <a:rPr lang="en-US" sz="1000" baseline="0" noProof="0" dirty="0" smtClean="0">
-                <a:latin typeface="Times New Roman"/>
-                <a:cs typeface="Times New Roman"/>
-              </a:rPr>
-              <a:t> XML data until the first node of the Data Store and its forwarding to the client applet that is waiting for the response. The</a:t>
-            </a:r>
-            <a:r>
-              <a:rPr lang="en-US" sz="1000" baseline="0" noProof="0" dirty="0" smtClean="0">
-                <a:latin typeface="Times New Roman"/>
-                <a:cs typeface="Times New Roman"/>
-              </a:rPr>
-              <a:t> </a:t>
-            </a:r>
-            <a:r>
-              <a:rPr lang="fr-FR" sz="1000" baseline="0" noProof="0" dirty="0" smtClean="0">
-                <a:latin typeface="Times New Roman"/>
-                <a:cs typeface="Times New Roman"/>
-              </a:rPr>
-              <a:t>slide</a:t>
-            </a:r>
-            <a:r>
-              <a:rPr lang="en-US" sz="1000" baseline="0" noProof="0" dirty="0" smtClean="0">
-                <a:latin typeface="Times New Roman"/>
-                <a:cs typeface="Times New Roman"/>
-              </a:rPr>
-              <a:t> </a:t>
-            </a:r>
-            <a:r>
-              <a:rPr lang="en-US" sz="1000" baseline="0" noProof="0" dirty="0" smtClean="0">
-                <a:latin typeface="Times New Roman"/>
-                <a:cs typeface="Times New Roman"/>
-              </a:rPr>
-              <a:t>8 shows the response on the right part of the management applet. The request is synchronous because even if one request contains several data (as can be a request on a list) all of them are returned by one response. Note we have made our protocol synchronous on top of HTTP with several asynchronous requests. We plan to allow multiple selections for the same </a:t>
+              <a:t> 8 shows the response on the right part of the management applet. The request is synchronous because even if one request contains several data (as can be a request on a list) all of them are returned by one response. Note we have made our protocol synchronous on top of HTTP with several asynchronous requests. We plan to allow multiple selections for the same </a:t>
             </a:r>
             <a:r>
               <a:rPr lang="fr-FR" sz="1000" baseline="0" noProof="0" dirty="0" smtClean="0">
@@ -4943,28 +4540,49 @@
                 <a:latin typeface="Times New Roman"/>
                 <a:cs typeface="Times New Roman"/>
               </a:rPr>
-              <a:t> </a:t>
+              <a:t> 9 depicts some functionalities of the Yang Browsing client. Part (a) is a simple access to a leaf in a container and where we get the response of a get-</a:t>
+            </a:r>
+            <a:r>
+              <a:rPr lang="en-US" sz="1000" baseline="0" noProof="0" dirty="0" err="1" smtClean="0">
+                <a:latin typeface="Times New Roman"/>
+                <a:cs typeface="Times New Roman"/>
+              </a:rPr>
+              <a:t>config</a:t>
             </a:r>
             <a:r>
               <a:rPr lang="en-US" sz="1000" baseline="0" noProof="0" dirty="0" smtClean="0">
                 <a:latin typeface="Times New Roman"/>
                 <a:cs typeface="Times New Roman"/>
               </a:rPr>
-              <a:t>9 depicts some functionalities of the Yang Browsing client.</a:t>
+              <a:t> operation. Part (</a:t>
+            </a:r>
+            <a:r>
+              <a:rPr lang="en-US" sz="1000" baseline="0" noProof="0" dirty="0" err="1" smtClean="0">
+                <a:latin typeface="Times New Roman"/>
+                <a:cs typeface="Times New Roman"/>
+              </a:rPr>
+              <a:t>b</a:t>
             </a:r>
             <a:r>
               <a:rPr lang="en-US" sz="1000" baseline="0" noProof="0" dirty="0" smtClean="0">
                 <a:latin typeface="Times New Roman"/>
                 <a:cs typeface="Times New Roman"/>
               </a:rPr>
-              <a:t> Part </a:t>
+              <a:t>) shows that when editing a container, its components are listed with a warning until a correct value is given. Part (</a:t>
+            </a:r>
+            <a:r>
+              <a:rPr lang="en-US" sz="1000" baseline="0" noProof="0" dirty="0" err="1" smtClean="0">
+                <a:latin typeface="Times New Roman"/>
+                <a:cs typeface="Times New Roman"/>
+              </a:rPr>
+              <a:t>c</a:t>
             </a:r>
             <a:r>
               <a:rPr lang="en-US" sz="1000" baseline="0" noProof="0" dirty="0" smtClean="0">
                 <a:latin typeface="Times New Roman"/>
                 <a:cs typeface="Times New Roman"/>
               </a:rPr>
-              <a:t>(a) is a simple access to a leaf in a container and where we get the response of a get-</a:t>
+              <a:t>) is an edit-</a:t>
             </a:r>
             <a:r>
               <a:rPr lang="en-US" sz="1000" baseline="0" noProof="0" dirty="0" err="1" smtClean="0">
@@ -4978,105 +4596,7 @@
                 <a:latin typeface="Times New Roman"/>
                 <a:cs typeface="Times New Roman"/>
               </a:rPr>
-              <a:t> operation.</a:t>
-            </a:r>
-            <a:r>
-              <a:rPr lang="en-US" sz="1000" baseline="0" noProof="0" dirty="0" smtClean="0">
-                <a:latin typeface="Times New Roman"/>
-                <a:cs typeface="Times New Roman"/>
-              </a:rPr>
-              <a:t> Part </a:t>
-            </a:r>
-            <a:r>
-              <a:rPr lang="en-US" sz="1000" baseline="0" noProof="0" dirty="0" smtClean="0">
-                <a:latin typeface="Times New Roman"/>
-                <a:cs typeface="Times New Roman"/>
-              </a:rPr>
-              <a:t>(</a:t>
-            </a:r>
-            <a:r>
-              <a:rPr lang="en-US" sz="1000" baseline="0" noProof="0" dirty="0" err="1" smtClean="0">
-                <a:latin typeface="Times New Roman"/>
-                <a:cs typeface="Times New Roman"/>
-              </a:rPr>
-              <a:t>b</a:t>
-            </a:r>
-            <a:r>
-              <a:rPr lang="en-US" sz="1000" baseline="0" noProof="0" dirty="0" smtClean="0">
-                <a:latin typeface="Times New Roman"/>
-                <a:cs typeface="Times New Roman"/>
-              </a:rPr>
-              <a:t>) shows that when editing a container, its components are listed with a warning until a correct value is given.</a:t>
-            </a:r>
-            <a:r>
-              <a:rPr lang="en-US" sz="1000" baseline="0" noProof="0" dirty="0" smtClean="0">
-                <a:latin typeface="Times New Roman"/>
-                <a:cs typeface="Times New Roman"/>
-              </a:rPr>
-              <a:t> Part </a:t>
-            </a:r>
-            <a:r>
-              <a:rPr lang="en-US" sz="1000" baseline="0" noProof="0" dirty="0" smtClean="0">
-                <a:latin typeface="Times New Roman"/>
-                <a:cs typeface="Times New Roman"/>
-              </a:rPr>
-              <a:t>(</a:t>
-            </a:r>
-            <a:r>
-              <a:rPr lang="en-US" sz="1000" baseline="0" noProof="0" dirty="0" err="1" smtClean="0">
-                <a:latin typeface="Times New Roman"/>
-                <a:cs typeface="Times New Roman"/>
-              </a:rPr>
-              <a:t>c</a:t>
-            </a:r>
-            <a:r>
-              <a:rPr lang="en-US" sz="1000" baseline="0" noProof="0" dirty="0" smtClean="0">
-                <a:latin typeface="Times New Roman"/>
-                <a:cs typeface="Times New Roman"/>
-              </a:rPr>
-              <a:t>) is an edit-</a:t>
-            </a:r>
-            <a:r>
-              <a:rPr lang="en-US" sz="1000" baseline="0" noProof="0" dirty="0" err="1" smtClean="0">
-                <a:latin typeface="Times New Roman"/>
-                <a:cs typeface="Times New Roman"/>
-              </a:rPr>
-              <a:t>config</a:t>
-            </a:r>
-            <a:r>
-              <a:rPr lang="en-US" sz="1000" baseline="0" noProof="0" dirty="0" smtClean="0">
-                <a:latin typeface="Times New Roman"/>
-                <a:cs typeface="Times New Roman"/>
-              </a:rPr>
-              <a:t> for a list.</a:t>
-            </a:r>
-            <a:r>
-              <a:rPr lang="en-US" sz="1000" baseline="0" noProof="0" dirty="0" smtClean="0">
-                <a:latin typeface="Times New Roman"/>
-                <a:cs typeface="Times New Roman"/>
-              </a:rPr>
-              <a:t> Here a </a:t>
-            </a:r>
-            <a:r>
-              <a:rPr lang="en-US" sz="1000" baseline="0" noProof="0" dirty="0" smtClean="0">
-                <a:latin typeface="Times New Roman"/>
-                <a:cs typeface="Times New Roman"/>
-              </a:rPr>
-              <a:t>list is edited entry by entry (that we call a list occurrence) and one can see an empty list entry ready to be filled. Note that a red mark is on the “login” leaf because it is the key of the list and so its value must be set.</a:t>
-            </a:r>
-            <a:r>
-              <a:rPr lang="en-US" sz="1000" baseline="0" noProof="0" dirty="0" smtClean="0">
-                <a:latin typeface="Times New Roman"/>
-                <a:cs typeface="Times New Roman"/>
-              </a:rPr>
-              <a:t> Part </a:t>
-            </a:r>
-            <a:r>
-              <a:rPr lang="en-US" sz="1000" baseline="0" noProof="0" dirty="0" smtClean="0">
-                <a:latin typeface="Times New Roman"/>
-                <a:cs typeface="Times New Roman"/>
-              </a:rPr>
-              <a:t>(</a:t>
+              <a:t> for a list. Here a list is edited entry by entry (that we call a list occurrence) and one can see an empty list entry ready to be filled. Note that a red mark is on the “login” leaf because it is the key of the list and so its value must be set. Part (</a:t>
             </a:r>
             <a:r>
               <a:rPr lang="en-US" sz="1000" baseline="0" noProof="0" dirty="0" err="1" smtClean="0">
@@ -5303,7 +4823,7 @@
             <a:fld id="{7F2B8709-3F46-DE42-BD3E-692D784503EE}" type="datetime1">
               <a:rPr lang="fr-FR" smtClean="0"/>
               <a:pPr/>
-              <a:t>4/09/09</a:t>
+              <a:t>21/09/09</a:t>
             </a:fld>
             <a:endParaRPr lang="fr-FR"/>
           </a:p>
@@ -5470,7 +4990,7 @@
             <a:fld id="{4EBEFD6C-C087-154D-B622-7C02A58805D5}" type="datetime1">
               <a:rPr lang="fr-FR" smtClean="0"/>
               <a:pPr/>
-              <a:t>4/09/09</a:t>
+              <a:t>21/09/09</a:t>
             </a:fld>
             <a:endParaRPr lang="fr-FR"/>
           </a:p>
@@ -5647,7 +5167,7 @@
             <a:fld id="{07D8C6FC-5D38-E240-8250-E4BC28BDE1B6}" type="datetime1">
               <a:rPr lang="fr-FR" smtClean="0"/>
               <a:pPr/>
-              <a:t>4/09/09</a:t>
+              <a:t>21/09/09</a:t>
             </a:fld>
             <a:endParaRPr lang="fr-FR"/>
           </a:p>
@@ -5814,7 +5334,7 @@
             <a:fld id="{4E2F6B51-FB45-C74D-A600-600DD287541D}" type="datetime1">
               <a:rPr lang="fr-FR" smtClean="0"/>
               <a:pPr/>
-              <a:t>4/09/09</a:t>
+              <a:t>21/09/09</a:t>
             </a:fld>
             <a:endParaRPr lang="fr-FR"/>
           </a:p>
@@ -6057,7 +5577,7 @@
             <a:fld id="{DFEE11C6-5005-A744-9B9D-B94478DE044A}" type="datetime1">
               <a:rPr lang="fr-FR" smtClean="0"/>
               <a:pPr/>
-              <a:t>4/09/09</a:t>
+              <a:t>21/09/09</a:t>
             </a:fld>
             <a:endParaRPr lang="fr-FR"/>
           </a:p>
@@ -6342,7 +5862,7 @@
             <a:fld id="{9202BA27-7F62-034A-AD65-AD2BE6700D12}" type="datetime1">
               <a:rPr lang="fr-FR" smtClean="0"/>
               <a:pPr/>
-              <a:t>4/09/09</a:t>
+              <a:t>21/09/09</a:t>
             </a:fld>
             <a:endParaRPr lang="fr-FR"/>
           </a:p>
@@ -6761,7 +6281,7 @@
             <a:fld id="{33C87D94-F7E6-1E43-8374-5AB40E5CD468}" type="datetime1">
               <a:rPr lang="fr-FR" smtClean="0"/>
               <a:pPr/>
-              <a:t>4/09/09</a:t>
+              <a:t>21/09/09</a:t>
             </a:fld>
             <a:endParaRPr lang="fr-FR"/>
           </a:p>
@@ -6876,7 +6396,7 @@
             <a:fld id="{52EA62D5-502B-6246-986C-7F1DA3AA6C60}" type="datetime1">
               <a:rPr lang="fr-FR" smtClean="0"/>
               <a:pPr/>
-              <a:t>4/09/09</a:t>
+              <a:t>21/09/09</a:t>
             </a:fld>
             <a:endParaRPr lang="fr-FR"/>
           </a:p>
@@ -6968,7 +6488,7 @@
             <a:fld id="{8A43F226-8798-FB4E-9920-C90450151C74}" type="datetime1">
               <a:rPr lang="fr-FR" smtClean="0"/>
               <a:pPr/>
-              <a:t>4/09/09</a:t>
+              <a:t>21/09/09</a:t>
             </a:fld>
             <a:endParaRPr lang="fr-FR"/>
           </a:p>
@@ -7242,7 +6762,7 @@
             <a:fld id="{F3A22977-08BB-B542-B315-0A1A944980B8}" type="datetime1">
               <a:rPr lang="fr-FR" smtClean="0"/>
               <a:pPr/>
-              <a:t>4/09/09</a:t>
+              <a:t>21/09/09</a:t>
             </a:fld>
             <a:endParaRPr lang="fr-FR"/>
           </a:p>
@@ -7492,7 +7012,7 @@
             <a:fld id="{096F2F73-03B7-8F4F-B0B3-3EA33E3C8A3F}" type="datetime1">
               <a:rPr lang="fr-FR" smtClean="0"/>
               <a:pPr/>
-              <a:t>4/09/09</a:t>
+              <a:t>21/09/09</a:t>
             </a:fld>
             <a:endParaRPr lang="fr-FR"/>
           </a:p>
@@ -7702,7 +7222,7 @@
             <a:fld id="{C1D26DE3-065C-5345-9B04-A6BA04230672}" type="datetime1">
               <a:rPr lang="fr-FR" smtClean="0"/>
               <a:pPr/>
-              <a:t>4/09/09</a:t>
+              <a:t>21/09/09</a:t>
             </a:fld>
             <a:endParaRPr lang="fr-FR"/>
           </a:p>
@@ -8121,7 +7641,9 @@
         </p:nvSpPr>
         <p:spPr/>
         <p:txBody>
-          <a:bodyPr/>
+          <a:bodyPr>
+            <a:normAutofit fontScale="85000" lnSpcReduction="20000"/>
+          </a:bodyPr>
           <a:lstStyle/>
           <a:p>
             <a:r>
@@ -8130,7 +7652,55 @@
             </a:r>
             <a:r>
               <a:rPr lang="fr-FR" dirty="0" smtClean="0"/>
-              <a:t> Data and Model</a:t>
+              <a:t> Data and </a:t>
+            </a:r>
+            <a:r>
+              <a:rPr lang="fr-FR" dirty="0" smtClean="0"/>
+              <a:t>Model</a:t>
+            </a:r>
+          </a:p>
+          <a:p>
+            <a:r>
+              <a:rPr lang="fr-FR" dirty="0" smtClean="0"/>
+              <a:t>E. Nataf, O. </a:t>
+            </a:r>
+            <a:r>
+              <a:rPr lang="fr-FR" dirty="0" err="1" smtClean="0"/>
+              <a:t>Festor</a:t>
+            </a:r>
+            <a:endParaRPr lang="fr-FR" dirty="0" smtClean="0"/>
+          </a:p>
+          <a:p>
+            <a:r>
+              <a:rPr lang="fr-FR" dirty="0" smtClean="0"/>
+              <a:t>Nancy </a:t>
+            </a:r>
+            <a:r>
+              <a:rPr lang="fr-FR" dirty="0" err="1" smtClean="0"/>
+              <a:t>University</a:t>
+            </a:r>
+            <a:r>
+              <a:rPr lang="fr-FR" dirty="0" smtClean="0"/>
+              <a:t>, </a:t>
+            </a:r>
+            <a:r>
+              <a:rPr lang="fr-FR" dirty="0" err="1" smtClean="0"/>
+              <a:t>Madynes</a:t>
+            </a:r>
+            <a:r>
+              <a:rPr lang="fr-FR" dirty="0" smtClean="0"/>
+              <a:t> – INRIA </a:t>
+            </a:r>
+            <a:r>
+              <a:rPr lang="fr-FR" dirty="0" err="1" smtClean="0"/>
+              <a:t>project</a:t>
+            </a:r>
+            <a:endParaRPr lang="fr-FR" dirty="0" smtClean="0"/>
+          </a:p>
+          <a:p>
+            <a:r>
+              <a:rPr lang="fr-FR" dirty="0" err="1" smtClean="0"/>
+              <a:t>Loria</a:t>
             </a:r>
             <a:endParaRPr lang="fr-FR" dirty="0"/>
           </a:p>
